--- a/SE489/Lectures/9-DevSecOps/DevSecOps.pptx
+++ b/SE489/Lectures/9-DevSecOps/DevSecOps.pptx
@@ -5,7 +5,7 @@
     <p:sldMasterId id="2147483648" r:id="rId1"/>
   </p:sldMasterIdLst>
   <p:notesMasterIdLst>
-    <p:notesMasterId r:id="rId32"/>
+    <p:notesMasterId r:id="rId34"/>
   </p:notesMasterIdLst>
   <p:sldIdLst>
     <p:sldId id="256" r:id="rId2"/>
@@ -15,29 +15,31 @@
     <p:sldId id="533" r:id="rId6"/>
     <p:sldId id="532" r:id="rId7"/>
     <p:sldId id="556" r:id="rId8"/>
-    <p:sldId id="545" r:id="rId9"/>
-    <p:sldId id="550" r:id="rId10"/>
-    <p:sldId id="546" r:id="rId11"/>
-    <p:sldId id="534" r:id="rId12"/>
-    <p:sldId id="551" r:id="rId13"/>
-    <p:sldId id="535" r:id="rId14"/>
-    <p:sldId id="536" r:id="rId15"/>
-    <p:sldId id="548" r:id="rId16"/>
-    <p:sldId id="547" r:id="rId17"/>
-    <p:sldId id="537" r:id="rId18"/>
-    <p:sldId id="552" r:id="rId19"/>
-    <p:sldId id="553" r:id="rId20"/>
-    <p:sldId id="538" r:id="rId21"/>
-    <p:sldId id="539" r:id="rId22"/>
-    <p:sldId id="540" r:id="rId23"/>
-    <p:sldId id="541" r:id="rId24"/>
-    <p:sldId id="542" r:id="rId25"/>
-    <p:sldId id="544" r:id="rId26"/>
-    <p:sldId id="554" r:id="rId27"/>
-    <p:sldId id="557" r:id="rId28"/>
-    <p:sldId id="559" r:id="rId29"/>
-    <p:sldId id="560" r:id="rId30"/>
-    <p:sldId id="558" r:id="rId31"/>
+    <p:sldId id="562" r:id="rId9"/>
+    <p:sldId id="545" r:id="rId10"/>
+    <p:sldId id="550" r:id="rId11"/>
+    <p:sldId id="546" r:id="rId12"/>
+    <p:sldId id="534" r:id="rId13"/>
+    <p:sldId id="551" r:id="rId14"/>
+    <p:sldId id="535" r:id="rId15"/>
+    <p:sldId id="536" r:id="rId16"/>
+    <p:sldId id="548" r:id="rId17"/>
+    <p:sldId id="547" r:id="rId18"/>
+    <p:sldId id="537" r:id="rId19"/>
+    <p:sldId id="552" r:id="rId20"/>
+    <p:sldId id="553" r:id="rId21"/>
+    <p:sldId id="538" r:id="rId22"/>
+    <p:sldId id="539" r:id="rId23"/>
+    <p:sldId id="540" r:id="rId24"/>
+    <p:sldId id="541" r:id="rId25"/>
+    <p:sldId id="542" r:id="rId26"/>
+    <p:sldId id="544" r:id="rId27"/>
+    <p:sldId id="554" r:id="rId28"/>
+    <p:sldId id="557" r:id="rId29"/>
+    <p:sldId id="559" r:id="rId30"/>
+    <p:sldId id="560" r:id="rId31"/>
+    <p:sldId id="558" r:id="rId32"/>
+    <p:sldId id="561" r:id="rId33"/>
   </p:sldIdLst>
   <p:sldSz cx="12192000" cy="6858000"/>
   <p:notesSz cx="6858000" cy="9144000"/>
@@ -348,7 +350,7 @@
           <a:p>
             <a:fld id="{41DA9887-9249-49FD-809A-BACB264048C3}" type="datetimeFigureOut">
               <a:rPr lang="en-US" smtClean="0"/>
-              <a:t>10/2/2022</a:t>
+              <a:t>10/19/2022</a:t>
             </a:fld>
             <a:endParaRPr lang="en-US"/>
           </a:p>
@@ -750,7 +752,7 @@
           <a:p>
             <a:fld id="{08A707AD-71EE-4F71-BFB0-5CFFA7745367}" type="datetime1">
               <a:rPr lang="en-US" smtClean="0"/>
-              <a:t>10/2/2022</a:t>
+              <a:t>10/19/2022</a:t>
             </a:fld>
             <a:endParaRPr lang="en-US"/>
           </a:p>
@@ -1040,7 +1042,7 @@
           <a:p>
             <a:fld id="{CF6F9948-F8FC-4163-B3EE-CE0CD0EF91F9}" type="datetime1">
               <a:rPr lang="en-US" smtClean="0"/>
-              <a:t>10/2/2022</a:t>
+              <a:t>10/19/2022</a:t>
             </a:fld>
             <a:endParaRPr lang="en-US"/>
           </a:p>
@@ -1218,7 +1220,7 @@
           <a:p>
             <a:fld id="{090C3B62-4C74-4EE9-93F0-BE51AE88912F}" type="datetime1">
               <a:rPr lang="en-US" smtClean="0"/>
-              <a:t>10/2/2022</a:t>
+              <a:t>10/19/2022</a:t>
             </a:fld>
             <a:endParaRPr lang="en-US"/>
           </a:p>
@@ -1472,7 +1474,7 @@
           <a:p>
             <a:fld id="{D63A470F-AE83-4D43-9CAA-74593F94EAD0}" type="datetime1">
               <a:rPr lang="en-US" smtClean="0"/>
-              <a:t>10/2/2022</a:t>
+              <a:t>10/19/2022</a:t>
             </a:fld>
             <a:endParaRPr lang="en-US"/>
           </a:p>
@@ -1816,7 +1818,7 @@
           <a:p>
             <a:fld id="{E5B8C5BE-3403-4496-9B81-C40FD99BCC4A}" type="datetime1">
               <a:rPr lang="en-US" smtClean="0"/>
-              <a:t>10/2/2022</a:t>
+              <a:t>10/19/2022</a:t>
             </a:fld>
             <a:endParaRPr lang="en-US"/>
           </a:p>
@@ -2045,7 +2047,7 @@
           <a:p>
             <a:fld id="{B78E11C0-1713-41FC-9E65-ABB713C18815}" type="datetime1">
               <a:rPr lang="en-US" smtClean="0"/>
-              <a:t>10/2/2022</a:t>
+              <a:t>10/19/2022</a:t>
             </a:fld>
             <a:endParaRPr lang="en-US"/>
           </a:p>
@@ -2409,7 +2411,7 @@
           <a:p>
             <a:fld id="{555C483D-0DA7-48F4-B572-48ADE24F3969}" type="datetime1">
               <a:rPr lang="en-US" smtClean="0"/>
-              <a:t>10/2/2022</a:t>
+              <a:t>10/19/2022</a:t>
             </a:fld>
             <a:endParaRPr lang="en-US"/>
           </a:p>
@@ -2504,7 +2506,7 @@
           <a:p>
             <a:fld id="{4C06054D-416E-4D32-B207-3C4728F29C83}" type="datetime1">
               <a:rPr lang="en-US" smtClean="0"/>
-              <a:t>10/2/2022</a:t>
+              <a:t>10/19/2022</a:t>
             </a:fld>
             <a:endParaRPr lang="en-US"/>
           </a:p>
@@ -2726,7 +2728,7 @@
             <a:fld id="{B2F5E2FA-C428-4CE7-95B0-168D3259A5BB}" type="datetimeFigureOut">
               <a:rPr lang="en-US" smtClean="0"/>
               <a:pPr/>
-              <a:t>10/2/2022</a:t>
+              <a:t>10/19/2022</a:t>
             </a:fld>
             <a:endParaRPr lang="en-US"/>
           </a:p>
@@ -2897,7 +2899,7 @@
           <a:p>
             <a:fld id="{B34CF2DF-EBB2-4927-9B4B-28D12CAF900C}" type="datetime1">
               <a:rPr lang="en-US" smtClean="0"/>
-              <a:t>10/2/2022</a:t>
+              <a:t>10/19/2022</a:t>
             </a:fld>
             <a:endParaRPr lang="en-US"/>
           </a:p>
@@ -3172,7 +3174,7 @@
           <a:p>
             <a:fld id="{287D8537-E29A-46E3-9242-0E7B32B09241}" type="datetime1">
               <a:rPr lang="en-US" smtClean="0"/>
-              <a:t>10/2/2022</a:t>
+              <a:t>10/19/2022</a:t>
             </a:fld>
             <a:endParaRPr lang="en-US"/>
           </a:p>
@@ -3424,7 +3426,7 @@
           <a:p>
             <a:fld id="{0B8D9EDF-63DE-4DED-A3C4-232814F0B4D7}" type="datetime1">
               <a:rPr lang="en-US" smtClean="0"/>
-              <a:t>10/2/2022</a:t>
+              <a:t>10/19/2022</a:t>
             </a:fld>
             <a:endParaRPr lang="en-US"/>
           </a:p>
@@ -3635,7 +3637,7 @@
           <a:p>
             <a:fld id="{1DC34F13-F0A8-4E10-9ECC-0BA9AAA5E3EB}" type="datetime1">
               <a:rPr lang="en-US" smtClean="0"/>
-              <a:t>10/2/2022</a:t>
+              <a:t>10/19/2022</a:t>
             </a:fld>
             <a:endParaRPr lang="en-US"/>
           </a:p>
@@ -4141,10 +4143,10 @@
       </p:grpSpPr>
       <p:sp>
         <p:nvSpPr>
-          <p:cNvPr id="2" name="Title 1">
+          <p:cNvPr id="5" name="Title 4">
             <a:extLst>
               <a:ext uri="{FF2B5EF4-FFF2-40B4-BE49-F238E27FC236}">
-                <a16:creationId xmlns:a16="http://schemas.microsoft.com/office/drawing/2014/main" id="{21FED47D-E275-A56A-A3BE-95569849D9D0}"/>
+                <a16:creationId xmlns:a16="http://schemas.microsoft.com/office/drawing/2014/main" id="{D00636CB-BDF4-1776-57DB-03686F935150}"/>
               </a:ext>
             </a:extLst>
           </p:cNvPr>
@@ -4177,10 +4179,10 @@
       </p:sp>
       <p:sp>
         <p:nvSpPr>
-          <p:cNvPr id="3" name="Content Placeholder 2">
+          <p:cNvPr id="6" name="Text Placeholder 5">
             <a:extLst>
               <a:ext uri="{FF2B5EF4-FFF2-40B4-BE49-F238E27FC236}">
-                <a16:creationId xmlns:a16="http://schemas.microsoft.com/office/drawing/2014/main" id="{D846D696-352F-787F-0B39-A77131098D68}"/>
+                <a16:creationId xmlns:a16="http://schemas.microsoft.com/office/drawing/2014/main" id="{7EF49948-61FB-57DA-067F-1170CDC07836}"/>
               </a:ext>
             </a:extLst>
           </p:cNvPr>
@@ -4188,195 +4190,15 @@
             <a:spLocks noGrp="1"/>
           </p:cNvSpPr>
           <p:nvPr>
-            <p:ph idx="1"/>
+            <p:ph type="body" idx="1"/>
           </p:nvPr>
         </p:nvSpPr>
         <p:spPr/>
         <p:txBody>
-          <a:bodyPr>
-            <a:normAutofit fontScale="70000" lnSpcReduction="20000"/>
-          </a:bodyPr>
-          <a:lstStyle/>
-          <a:p>
-            <a:r>
-              <a:rPr lang="en-US" dirty="0"/>
-              <a:t>Catch software vulnerabilities early </a:t>
-            </a:r>
-          </a:p>
-          <a:p>
-            <a:pPr lvl="1"/>
-            <a:r>
-              <a:rPr lang="en-US" dirty="0" smtClean="0"/>
-              <a:t>Focus </a:t>
-            </a:r>
-            <a:r>
-              <a:rPr lang="en-US" dirty="0"/>
-              <a:t>on security controls through the entire development process. </a:t>
-            </a:r>
-            <a:endParaRPr lang="en-US" dirty="0" smtClean="0"/>
-          </a:p>
-          <a:p>
-            <a:pPr lvl="1"/>
-            <a:r>
-              <a:rPr lang="en-US" dirty="0" smtClean="0"/>
-              <a:t>Conduct </a:t>
-            </a:r>
-            <a:r>
-              <a:rPr lang="en-US" dirty="0"/>
-              <a:t>checks at each stage. </a:t>
-            </a:r>
-            <a:endParaRPr lang="en-US" dirty="0" smtClean="0"/>
-          </a:p>
-          <a:p>
-            <a:pPr lvl="1"/>
-            <a:r>
-              <a:rPr lang="en-US" dirty="0" smtClean="0"/>
-              <a:t>Software </a:t>
-            </a:r>
-            <a:r>
-              <a:rPr lang="en-US" dirty="0"/>
-              <a:t>teams can detect security issues at earlier stages and reduce the cost and time of fixing vulnerabilities</a:t>
-            </a:r>
-            <a:r>
-              <a:rPr lang="en-US" dirty="0" smtClean="0"/>
-              <a:t>.</a:t>
-            </a:r>
-            <a:endParaRPr lang="en-US" dirty="0"/>
-          </a:p>
-          <a:p>
-            <a:r>
-              <a:rPr lang="en-US" dirty="0"/>
-              <a:t>Reduce time to market</a:t>
-            </a:r>
-          </a:p>
-          <a:p>
-            <a:pPr lvl="1"/>
-            <a:r>
-              <a:rPr lang="en-US" dirty="0" smtClean="0"/>
-              <a:t>Automate </a:t>
-            </a:r>
-            <a:r>
-              <a:rPr lang="en-US" dirty="0"/>
-              <a:t>security tests and reduce human errors. </a:t>
-            </a:r>
-            <a:endParaRPr lang="en-US" dirty="0" smtClean="0"/>
-          </a:p>
-          <a:p>
-            <a:pPr lvl="1"/>
-            <a:r>
-              <a:rPr lang="en-US" dirty="0" smtClean="0"/>
-              <a:t>Prevents </a:t>
-            </a:r>
-            <a:r>
-              <a:rPr lang="en-US" dirty="0"/>
-              <a:t>the security assessment from being a bottleneck in the development process. </a:t>
-            </a:r>
-          </a:p>
-          <a:p>
-            <a:r>
-              <a:rPr lang="en-US" dirty="0"/>
-              <a:t>Ensure regulatory compliance</a:t>
-            </a:r>
-          </a:p>
-          <a:p>
-            <a:pPr lvl="1"/>
-            <a:r>
-              <a:rPr lang="en-US" dirty="0" smtClean="0"/>
-              <a:t>Comply </a:t>
-            </a:r>
-            <a:r>
-              <a:rPr lang="en-US" dirty="0"/>
-              <a:t>with regulatory requirements by adopting professional security practices and technologies. </a:t>
-            </a:r>
-            <a:endParaRPr lang="en-US" dirty="0" smtClean="0"/>
-          </a:p>
-          <a:p>
-            <a:pPr lvl="1"/>
-            <a:r>
-              <a:rPr lang="en-US" dirty="0" smtClean="0"/>
-              <a:t>Identify </a:t>
-            </a:r>
-            <a:r>
-              <a:rPr lang="en-US" dirty="0"/>
-              <a:t>data protection and security requirements in the system</a:t>
-            </a:r>
-            <a:r>
-              <a:rPr lang="en-US" dirty="0" smtClean="0"/>
-              <a:t>.</a:t>
-            </a:r>
-            <a:endParaRPr lang="en-US" dirty="0"/>
-          </a:p>
-          <a:p>
-            <a:r>
-              <a:rPr lang="en-US" dirty="0"/>
-              <a:t>Build a security-aware culture</a:t>
-            </a:r>
-          </a:p>
-          <a:p>
-            <a:pPr lvl="1"/>
-            <a:r>
-              <a:rPr lang="en-US" dirty="0" smtClean="0"/>
-              <a:t>Awareness </a:t>
-            </a:r>
-            <a:r>
-              <a:rPr lang="en-US" dirty="0"/>
-              <a:t>of security best practices when developing an application. </a:t>
-            </a:r>
-            <a:endParaRPr lang="en-US" dirty="0" smtClean="0"/>
-          </a:p>
-          <a:p>
-            <a:pPr lvl="1"/>
-            <a:r>
-              <a:rPr lang="en-US" dirty="0" smtClean="0"/>
-              <a:t>Being </a:t>
-            </a:r>
-            <a:r>
-              <a:rPr lang="en-US" dirty="0" smtClean="0"/>
-              <a:t>proactive </a:t>
-            </a:r>
-            <a:r>
-              <a:rPr lang="en-US" dirty="0"/>
-              <a:t>in spotting potential security issues in the code, modules, or other </a:t>
-            </a:r>
-            <a:r>
-              <a:rPr lang="en-US" dirty="0" smtClean="0"/>
-              <a:t>technologies. </a:t>
-            </a:r>
-            <a:endParaRPr lang="en-US" dirty="0"/>
-          </a:p>
-          <a:p>
-            <a:r>
-              <a:rPr lang="en-US" dirty="0"/>
-              <a:t>Develop new features securely</a:t>
-            </a:r>
-          </a:p>
-          <a:p>
-            <a:pPr lvl="1"/>
-            <a:r>
-              <a:rPr lang="en-US" dirty="0" smtClean="0"/>
-              <a:t>Encourages </a:t>
-            </a:r>
-            <a:r>
-              <a:rPr lang="en-US" dirty="0"/>
-              <a:t>flexible collaboration between the development, operation, and security teams. </a:t>
-            </a:r>
-            <a:endParaRPr lang="en-US" dirty="0" smtClean="0"/>
-          </a:p>
-          <a:p>
-            <a:pPr lvl="1"/>
-            <a:r>
-              <a:rPr lang="en-US" dirty="0" smtClean="0"/>
-              <a:t>Share </a:t>
-            </a:r>
-            <a:r>
-              <a:rPr lang="en-US" dirty="0"/>
-              <a:t>the same understanding of software security and use common tools to automate assessment and reporting</a:t>
-            </a:r>
-            <a:r>
-              <a:rPr lang="en-US" dirty="0" smtClean="0"/>
-              <a:t>.</a:t>
-            </a:r>
-            <a:endParaRPr lang="en-US" dirty="0"/>
+          <a:bodyPr/>
+          <a:lstStyle/>
+          <a:p>
+            <a:endParaRPr lang="en-US"/>
           </a:p>
         </p:txBody>
       </p:sp>
@@ -4385,7 +4207,7 @@
           <p:cNvPr id="4" name="Slide Number Placeholder 3">
             <a:extLst>
               <a:ext uri="{FF2B5EF4-FFF2-40B4-BE49-F238E27FC236}">
-                <a16:creationId xmlns:a16="http://schemas.microsoft.com/office/drawing/2014/main" id="{671826A5-41F7-2A1B-7388-40448094C8A8}"/>
+                <a16:creationId xmlns:a16="http://schemas.microsoft.com/office/drawing/2014/main" id="{442E8A66-4E50-1AA2-7207-ECD04278DEA0}"/>
               </a:ext>
             </a:extLst>
           </p:cNvPr>
@@ -4413,7 +4235,7 @@
     </p:spTree>
     <p:extLst>
       <p:ext uri="{BB962C8B-B14F-4D97-AF65-F5344CB8AC3E}">
-        <p14:creationId xmlns:p14="http://schemas.microsoft.com/office/powerpoint/2010/main" val="589177616"/>
+        <p14:creationId xmlns:p14="http://schemas.microsoft.com/office/powerpoint/2010/main" val="771028392"/>
       </p:ext>
     </p:extLst>
   </p:cSld>
@@ -4445,7 +4267,7 @@
           <p:cNvPr id="2" name="Title 1">
             <a:extLst>
               <a:ext uri="{FF2B5EF4-FFF2-40B4-BE49-F238E27FC236}">
-                <a16:creationId xmlns:a16="http://schemas.microsoft.com/office/drawing/2014/main" id="{5860BFC0-1368-C0EE-BF0E-519B134C754A}"/>
+                <a16:creationId xmlns:a16="http://schemas.microsoft.com/office/drawing/2014/main" id="{21FED47D-E275-A56A-A3BE-95569849D9D0}"/>
               </a:ext>
             </a:extLst>
           </p:cNvPr>
@@ -4462,12 +4284,16 @@
           <a:lstStyle/>
           <a:p>
             <a:r>
+              <a:rPr lang="en-US" dirty="0"/>
+              <a:t>What are the benefits of </a:t>
+            </a:r>
+            <a:r>
               <a:rPr lang="en-US" dirty="0" err="1"/>
               <a:t>DevSecOps</a:t>
             </a:r>
             <a:r>
               <a:rPr lang="en-US" dirty="0"/>
-              <a:t> Advantages</a:t>
+              <a:t>?</a:t>
             </a:r>
           </a:p>
         </p:txBody>
@@ -4477,7 +4303,7 @@
           <p:cNvPr id="3" name="Content Placeholder 2">
             <a:extLst>
               <a:ext uri="{FF2B5EF4-FFF2-40B4-BE49-F238E27FC236}">
-                <a16:creationId xmlns:a16="http://schemas.microsoft.com/office/drawing/2014/main" id="{C559E993-DD54-96FD-DEE7-A8E877345D17}"/>
+                <a16:creationId xmlns:a16="http://schemas.microsoft.com/office/drawing/2014/main" id="{D846D696-352F-787F-0B39-A77131098D68}"/>
               </a:ext>
             </a:extLst>
           </p:cNvPr>
@@ -4491,24 +4317,24 @@
         <p:spPr/>
         <p:txBody>
           <a:bodyPr>
-            <a:normAutofit fontScale="92500" lnSpcReduction="10000"/>
+            <a:normAutofit fontScale="70000" lnSpcReduction="20000"/>
           </a:bodyPr>
           <a:lstStyle/>
           <a:p>
             <a:r>
               <a:rPr lang="en-US" dirty="0"/>
-              <a:t>Reduced risk of data breaches</a:t>
+              <a:t>Catch software vulnerabilities early </a:t>
             </a:r>
           </a:p>
           <a:p>
             <a:pPr lvl="1"/>
             <a:r>
               <a:rPr lang="en-US" dirty="0" smtClean="0"/>
-              <a:t>Make </a:t>
-            </a:r>
-            <a:r>
-              <a:rPr lang="en-US" dirty="0"/>
-              <a:t>code secure by design. </a:t>
+              <a:t>Focus </a:t>
+            </a:r>
+            <a:r>
+              <a:rPr lang="en-US" dirty="0"/>
+              <a:t>on security controls through the entire development process. </a:t>
             </a:r>
             <a:endParaRPr lang="en-US" dirty="0" smtClean="0"/>
           </a:p>
@@ -4516,81 +4342,160 @@
             <a:pPr lvl="1"/>
             <a:r>
               <a:rPr lang="en-US" dirty="0" smtClean="0"/>
-              <a:t>A </a:t>
-            </a:r>
-            <a:r>
-              <a:rPr lang="en-US" dirty="0"/>
-              <a:t>combination of secure coding cultural practices, secure developer environments, and automated security tests throughout the SDLC help reduce </a:t>
-            </a:r>
+              <a:t>Conduct </a:t>
+            </a:r>
+            <a:r>
+              <a:rPr lang="en-US" dirty="0"/>
+              <a:t>checks at each stage. </a:t>
+            </a:r>
+            <a:endParaRPr lang="en-US" dirty="0" smtClean="0"/>
+          </a:p>
+          <a:p>
+            <a:pPr lvl="1"/>
             <a:r>
               <a:rPr lang="en-US" dirty="0" smtClean="0"/>
-              <a:t>security vulnerabilities.</a:t>
+              <a:t>Software </a:t>
+            </a:r>
+            <a:r>
+              <a:rPr lang="en-US" dirty="0"/>
+              <a:t>teams can detect security issues at earlier stages and reduce the cost and time of fixing vulnerabilities</a:t>
+            </a:r>
+            <a:r>
+              <a:rPr lang="en-US" dirty="0" smtClean="0"/>
+              <a:t>.</a:t>
             </a:r>
             <a:endParaRPr lang="en-US" dirty="0"/>
           </a:p>
           <a:p>
             <a:r>
               <a:rPr lang="en-US" dirty="0"/>
-              <a:t>Improved compliance</a:t>
+              <a:t>Reduce time to market</a:t>
             </a:r>
           </a:p>
           <a:p>
             <a:pPr lvl="1"/>
             <a:r>
               <a:rPr lang="en-US" dirty="0" smtClean="0"/>
-              <a:t>Use </a:t>
-            </a:r>
-            <a:r>
-              <a:rPr lang="en-US" dirty="0"/>
-              <a:t>automation to enforce code compliance and integrate policy </a:t>
-            </a:r>
+              <a:t>Automate </a:t>
+            </a:r>
+            <a:r>
+              <a:rPr lang="en-US" dirty="0"/>
+              <a:t>security tests and reduce human errors. </a:t>
+            </a:r>
+            <a:endParaRPr lang="en-US" dirty="0" smtClean="0"/>
+          </a:p>
+          <a:p>
+            <a:pPr lvl="1"/>
             <a:r>
               <a:rPr lang="en-US" dirty="0" smtClean="0"/>
-              <a:t>enforcement.</a:t>
+              <a:t>Prevents </a:t>
+            </a:r>
+            <a:r>
+              <a:rPr lang="en-US" dirty="0"/>
+              <a:t>the security assessment from being a bottleneck in the development process. </a:t>
+            </a:r>
+          </a:p>
+          <a:p>
+            <a:r>
+              <a:rPr lang="en-US" dirty="0"/>
+              <a:t>Ensure regulatory compliance</a:t>
+            </a:r>
+          </a:p>
+          <a:p>
+            <a:pPr lvl="1"/>
+            <a:r>
+              <a:rPr lang="en-US" dirty="0" smtClean="0"/>
+              <a:t>Comply </a:t>
+            </a:r>
+            <a:r>
+              <a:rPr lang="en-US" dirty="0"/>
+              <a:t>with regulatory requirements by adopting professional security practices and technologies. </a:t>
+            </a:r>
+            <a:endParaRPr lang="en-US" dirty="0" smtClean="0"/>
+          </a:p>
+          <a:p>
+            <a:pPr lvl="1"/>
+            <a:r>
+              <a:rPr lang="en-US" dirty="0" smtClean="0"/>
+              <a:t>Identify </a:t>
+            </a:r>
+            <a:r>
+              <a:rPr lang="en-US" dirty="0"/>
+              <a:t>data protection and security requirements in the system</a:t>
+            </a:r>
+            <a:r>
+              <a:rPr lang="en-US" dirty="0" smtClean="0"/>
+              <a:t>.</a:t>
             </a:r>
             <a:endParaRPr lang="en-US" dirty="0"/>
           </a:p>
           <a:p>
             <a:r>
               <a:rPr lang="en-US" dirty="0"/>
-              <a:t>Greater confidence in dependencies</a:t>
+              <a:t>Build a security-aware culture</a:t>
             </a:r>
           </a:p>
           <a:p>
             <a:pPr lvl="1"/>
             <a:r>
-              <a:rPr lang="en-US" dirty="0"/>
-              <a:t>The modern technology stack depends heavily on third-party code, often from public package repositories. </a:t>
-            </a:r>
-            <a:r>
-              <a:rPr lang="en-US" dirty="0" err="1"/>
-              <a:t>DevSecOps</a:t>
-            </a:r>
-            <a:r>
-              <a:rPr lang="en-US" dirty="0"/>
-              <a:t> practitioners frequently leverage tooling and automated tests to identify potential issues before a software release.</a:t>
-            </a:r>
-          </a:p>
-          <a:p>
-            <a:r>
-              <a:rPr lang="en-US" dirty="0"/>
-              <a:t>Value gets to end users faster</a:t>
-            </a:r>
+              <a:rPr lang="en-US" dirty="0" smtClean="0"/>
+              <a:t>Awareness </a:t>
+            </a:r>
+            <a:r>
+              <a:rPr lang="en-US" dirty="0"/>
+              <a:t>of security best practices when developing an application. </a:t>
+            </a:r>
+            <a:endParaRPr lang="en-US" dirty="0" smtClean="0"/>
           </a:p>
           <a:p>
             <a:pPr lvl="1"/>
             <a:r>
-              <a:rPr lang="en-US" dirty="0"/>
-              <a:t>By creating a security-first culture and applying automated checks, </a:t>
-            </a:r>
-            <a:r>
-              <a:rPr lang="en-US" dirty="0" err="1"/>
-              <a:t>DevSecOps</a:t>
-            </a:r>
-            <a:r>
-              <a:rPr lang="en-US" dirty="0"/>
-              <a:t> reduces the need for distinct security reviews that slow down code deployments.</a:t>
-            </a:r>
+              <a:rPr lang="en-US" dirty="0" smtClean="0"/>
+              <a:t>Being proactive </a:t>
+            </a:r>
+            <a:r>
+              <a:rPr lang="en-US" dirty="0"/>
+              <a:t>in spotting potential security issues in the code, modules, or other </a:t>
+            </a:r>
+            <a:r>
+              <a:rPr lang="en-US" dirty="0" smtClean="0"/>
+              <a:t>technologies. </a:t>
+            </a:r>
+            <a:endParaRPr lang="en-US" dirty="0"/>
+          </a:p>
+          <a:p>
+            <a:r>
+              <a:rPr lang="en-US" dirty="0"/>
+              <a:t>Develop new features securely</a:t>
+            </a:r>
+          </a:p>
+          <a:p>
+            <a:pPr lvl="1"/>
+            <a:r>
+              <a:rPr lang="en-US" dirty="0" smtClean="0"/>
+              <a:t>Encourages </a:t>
+            </a:r>
+            <a:r>
+              <a:rPr lang="en-US" dirty="0"/>
+              <a:t>flexible collaboration between the development, operation, and security teams. </a:t>
+            </a:r>
+            <a:endParaRPr lang="en-US" dirty="0" smtClean="0"/>
+          </a:p>
+          <a:p>
+            <a:pPr lvl="1"/>
+            <a:r>
+              <a:rPr lang="en-US" dirty="0" smtClean="0"/>
+              <a:t>Share </a:t>
+            </a:r>
+            <a:r>
+              <a:rPr lang="en-US" dirty="0"/>
+              <a:t>the same understanding of software security and use common tools to automate assessment and reporting</a:t>
+            </a:r>
+            <a:r>
+              <a:rPr lang="en-US" dirty="0" smtClean="0"/>
+              <a:t>.</a:t>
+            </a:r>
+            <a:endParaRPr lang="en-US" dirty="0"/>
           </a:p>
         </p:txBody>
       </p:sp>
@@ -4599,7 +4504,7 @@
           <p:cNvPr id="4" name="Slide Number Placeholder 3">
             <a:extLst>
               <a:ext uri="{FF2B5EF4-FFF2-40B4-BE49-F238E27FC236}">
-                <a16:creationId xmlns:a16="http://schemas.microsoft.com/office/drawing/2014/main" id="{F7187825-226E-BFB3-BDDB-39C62C26AA93}"/>
+                <a16:creationId xmlns:a16="http://schemas.microsoft.com/office/drawing/2014/main" id="{671826A5-41F7-2A1B-7388-40448094C8A8}"/>
               </a:ext>
             </a:extLst>
           </p:cNvPr>
@@ -4627,7 +4532,7 @@
     </p:spTree>
     <p:extLst>
       <p:ext uri="{BB962C8B-B14F-4D97-AF65-F5344CB8AC3E}">
-        <p14:creationId xmlns:p14="http://schemas.microsoft.com/office/powerpoint/2010/main" val="687149128"/>
+        <p14:creationId xmlns:p14="http://schemas.microsoft.com/office/powerpoint/2010/main" val="589177616"/>
       </p:ext>
     </p:extLst>
   </p:cSld>
@@ -4656,10 +4561,10 @@
       </p:grpSpPr>
       <p:sp>
         <p:nvSpPr>
-          <p:cNvPr id="5" name="Title 4">
+          <p:cNvPr id="2" name="Title 1">
             <a:extLst>
               <a:ext uri="{FF2B5EF4-FFF2-40B4-BE49-F238E27FC236}">
-                <a16:creationId xmlns:a16="http://schemas.microsoft.com/office/drawing/2014/main" id="{A11D5B86-0D18-F454-978D-7D037B7664DF}"/>
+                <a16:creationId xmlns:a16="http://schemas.microsoft.com/office/drawing/2014/main" id="{5860BFC0-1368-C0EE-BF0E-519B134C754A}"/>
               </a:ext>
             </a:extLst>
           </p:cNvPr>
@@ -4681,17 +4586,17 @@
             </a:r>
             <a:r>
               <a:rPr lang="en-US" dirty="0"/>
-              <a:t> Best Practices</a:t>
-            </a:r>
-          </a:p>
-        </p:txBody>
-      </p:sp>
-      <p:sp>
-        <p:nvSpPr>
-          <p:cNvPr id="6" name="Text Placeholder 5">
+              <a:t> Advantages</a:t>
+            </a:r>
+          </a:p>
+        </p:txBody>
+      </p:sp>
+      <p:sp>
+        <p:nvSpPr>
+          <p:cNvPr id="3" name="Content Placeholder 2">
             <a:extLst>
               <a:ext uri="{FF2B5EF4-FFF2-40B4-BE49-F238E27FC236}">
-                <a16:creationId xmlns:a16="http://schemas.microsoft.com/office/drawing/2014/main" id="{7955542C-FAF3-560F-91DE-A5285AA40090}"/>
+                <a16:creationId xmlns:a16="http://schemas.microsoft.com/office/drawing/2014/main" id="{C559E993-DD54-96FD-DEE7-A8E877345D17}"/>
               </a:ext>
             </a:extLst>
           </p:cNvPr>
@@ -4699,15 +4604,112 @@
             <a:spLocks noGrp="1"/>
           </p:cNvSpPr>
           <p:nvPr>
-            <p:ph type="body" idx="1"/>
+            <p:ph idx="1"/>
           </p:nvPr>
         </p:nvSpPr>
         <p:spPr/>
         <p:txBody>
-          <a:bodyPr/>
-          <a:lstStyle/>
-          <a:p>
-            <a:endParaRPr lang="en-US"/>
+          <a:bodyPr>
+            <a:normAutofit fontScale="92500" lnSpcReduction="10000"/>
+          </a:bodyPr>
+          <a:lstStyle/>
+          <a:p>
+            <a:r>
+              <a:rPr lang="en-US" dirty="0"/>
+              <a:t>Reduced risk of data breaches</a:t>
+            </a:r>
+          </a:p>
+          <a:p>
+            <a:pPr lvl="1"/>
+            <a:r>
+              <a:rPr lang="en-US" dirty="0" smtClean="0"/>
+              <a:t>Make </a:t>
+            </a:r>
+            <a:r>
+              <a:rPr lang="en-US" dirty="0"/>
+              <a:t>code secure by design. </a:t>
+            </a:r>
+            <a:endParaRPr lang="en-US" dirty="0" smtClean="0"/>
+          </a:p>
+          <a:p>
+            <a:pPr lvl="1"/>
+            <a:r>
+              <a:rPr lang="en-US" dirty="0" smtClean="0"/>
+              <a:t>A </a:t>
+            </a:r>
+            <a:r>
+              <a:rPr lang="en-US" dirty="0"/>
+              <a:t>combination of secure coding cultural practices, secure developer environments, and automated security tests throughout the SDLC help reduce </a:t>
+            </a:r>
+            <a:r>
+              <a:rPr lang="en-US" dirty="0" smtClean="0"/>
+              <a:t>security vulnerabilities.</a:t>
+            </a:r>
+            <a:endParaRPr lang="en-US" dirty="0"/>
+          </a:p>
+          <a:p>
+            <a:r>
+              <a:rPr lang="en-US" dirty="0"/>
+              <a:t>Improved compliance</a:t>
+            </a:r>
+          </a:p>
+          <a:p>
+            <a:pPr lvl="1"/>
+            <a:r>
+              <a:rPr lang="en-US" dirty="0" smtClean="0"/>
+              <a:t>Use </a:t>
+            </a:r>
+            <a:r>
+              <a:rPr lang="en-US" dirty="0"/>
+              <a:t>automation to enforce code compliance and integrate policy </a:t>
+            </a:r>
+            <a:r>
+              <a:rPr lang="en-US" dirty="0" smtClean="0"/>
+              <a:t>enforcement.</a:t>
+            </a:r>
+            <a:endParaRPr lang="en-US" dirty="0"/>
+          </a:p>
+          <a:p>
+            <a:r>
+              <a:rPr lang="en-US" dirty="0"/>
+              <a:t>Greater confidence in dependencies</a:t>
+            </a:r>
+          </a:p>
+          <a:p>
+            <a:pPr lvl="1"/>
+            <a:r>
+              <a:rPr lang="en-US" dirty="0"/>
+              <a:t>The modern technology stack depends heavily on third-party code, often from public package repositories. </a:t>
+            </a:r>
+            <a:r>
+              <a:rPr lang="en-US" dirty="0" err="1"/>
+              <a:t>DevSecOps</a:t>
+            </a:r>
+            <a:r>
+              <a:rPr lang="en-US" dirty="0"/>
+              <a:t> practitioners frequently leverage tooling and automated tests to identify potential issues before a software release.</a:t>
+            </a:r>
+          </a:p>
+          <a:p>
+            <a:r>
+              <a:rPr lang="en-US" dirty="0"/>
+              <a:t>Value gets to end users faster</a:t>
+            </a:r>
+          </a:p>
+          <a:p>
+            <a:pPr lvl="1"/>
+            <a:r>
+              <a:rPr lang="en-US" dirty="0"/>
+              <a:t>By creating a security-first culture and applying automated checks, </a:t>
+            </a:r>
+            <a:r>
+              <a:rPr lang="en-US" dirty="0" err="1"/>
+              <a:t>DevSecOps</a:t>
+            </a:r>
+            <a:r>
+              <a:rPr lang="en-US" dirty="0"/>
+              <a:t> reduces the need for distinct security reviews that slow down code deployments.</a:t>
+            </a:r>
           </a:p>
         </p:txBody>
       </p:sp>
@@ -4716,7 +4718,7 @@
           <p:cNvPr id="4" name="Slide Number Placeholder 3">
             <a:extLst>
               <a:ext uri="{FF2B5EF4-FFF2-40B4-BE49-F238E27FC236}">
-                <a16:creationId xmlns:a16="http://schemas.microsoft.com/office/drawing/2014/main" id="{A11AC19D-F0D1-F3DF-34E5-95A0093A142A}"/>
+                <a16:creationId xmlns:a16="http://schemas.microsoft.com/office/drawing/2014/main" id="{F7187825-226E-BFB3-BDDB-39C62C26AA93}"/>
               </a:ext>
             </a:extLst>
           </p:cNvPr>
@@ -4744,7 +4746,7 @@
     </p:spTree>
     <p:extLst>
       <p:ext uri="{BB962C8B-B14F-4D97-AF65-F5344CB8AC3E}">
-        <p14:creationId xmlns:p14="http://schemas.microsoft.com/office/powerpoint/2010/main" val="2326065912"/>
+        <p14:creationId xmlns:p14="http://schemas.microsoft.com/office/powerpoint/2010/main" val="687149128"/>
       </p:ext>
     </p:extLst>
   </p:cSld>
@@ -4773,10 +4775,10 @@
       </p:grpSpPr>
       <p:sp>
         <p:nvSpPr>
-          <p:cNvPr id="2" name="Title 1">
+          <p:cNvPr id="5" name="Title 4">
             <a:extLst>
               <a:ext uri="{FF2B5EF4-FFF2-40B4-BE49-F238E27FC236}">
-                <a16:creationId xmlns:a16="http://schemas.microsoft.com/office/drawing/2014/main" id="{1D716B26-1C6A-A4D2-0FB5-CD8D1244BB29}"/>
+                <a16:creationId xmlns:a16="http://schemas.microsoft.com/office/drawing/2014/main" id="{A11D5B86-0D18-F454-978D-7D037B7664DF}"/>
               </a:ext>
             </a:extLst>
           </p:cNvPr>
@@ -4798,17 +4800,17 @@
             </a:r>
             <a:r>
               <a:rPr lang="en-US" dirty="0"/>
-              <a:t> best practices</a:t>
-            </a:r>
-          </a:p>
-        </p:txBody>
-      </p:sp>
-      <p:sp>
-        <p:nvSpPr>
-          <p:cNvPr id="3" name="Content Placeholder 2">
+              <a:t> Best Practices</a:t>
+            </a:r>
+          </a:p>
+        </p:txBody>
+      </p:sp>
+      <p:sp>
+        <p:nvSpPr>
+          <p:cNvPr id="6" name="Text Placeholder 5">
             <a:extLst>
               <a:ext uri="{FF2B5EF4-FFF2-40B4-BE49-F238E27FC236}">
-                <a16:creationId xmlns:a16="http://schemas.microsoft.com/office/drawing/2014/main" id="{D064E10A-11A6-1DB9-15F9-7A260E08702C}"/>
+                <a16:creationId xmlns:a16="http://schemas.microsoft.com/office/drawing/2014/main" id="{7955542C-FAF3-560F-91DE-A5285AA40090}"/>
               </a:ext>
             </a:extLst>
           </p:cNvPr>
@@ -4816,139 +4818,15 @@
             <a:spLocks noGrp="1"/>
           </p:cNvSpPr>
           <p:nvPr>
-            <p:ph idx="1"/>
-          </p:nvPr>
-        </p:nvSpPr>
-        <p:spPr>
-          <a:xfrm>
-            <a:off x="347526" y="1344168"/>
-            <a:ext cx="11650767" cy="4992624"/>
-          </a:xfrm>
-        </p:spPr>
-        <p:txBody>
-          <a:bodyPr>
-            <a:normAutofit fontScale="85000" lnSpcReduction="20000"/>
-          </a:bodyPr>
-          <a:lstStyle/>
-          <a:p>
-            <a:r>
-              <a:rPr lang="en-US" dirty="0"/>
-              <a:t>Create a </a:t>
-            </a:r>
-            <a:r>
-              <a:rPr lang="en-US" dirty="0" err="1"/>
-              <a:t>DevSecOps</a:t>
-            </a:r>
-            <a:r>
-              <a:rPr lang="en-US" dirty="0"/>
-              <a:t> culture</a:t>
-            </a:r>
-          </a:p>
-          <a:p>
-            <a:pPr lvl="1"/>
-            <a:r>
-              <a:rPr lang="en-US" dirty="0" smtClean="0"/>
-              <a:t>Everyone is responsible for </a:t>
-            </a:r>
-            <a:r>
-              <a:rPr lang="en-US" dirty="0"/>
-              <a:t>security. </a:t>
-            </a:r>
-            <a:endParaRPr lang="en-US" dirty="0" smtClean="0"/>
-          </a:p>
-          <a:p>
-            <a:pPr lvl="1"/>
-            <a:r>
-              <a:rPr lang="en-US" dirty="0" smtClean="0"/>
-              <a:t>Open </a:t>
-            </a:r>
-            <a:r>
-              <a:rPr lang="en-US" dirty="0"/>
-              <a:t>culture where each individual works together to build the best and most secure product possible.</a:t>
-            </a:r>
-          </a:p>
-          <a:p>
-            <a:r>
-              <a:rPr lang="en-US" dirty="0"/>
-              <a:t>Design security into the product</a:t>
-            </a:r>
-          </a:p>
-          <a:p>
-            <a:pPr lvl="1"/>
-            <a:r>
-              <a:rPr lang="en-US" dirty="0" smtClean="0"/>
-              <a:t>Design </a:t>
-            </a:r>
-            <a:r>
-              <a:rPr lang="en-US" dirty="0"/>
-              <a:t>security into products from the initial planning stages to deployed production-level code. </a:t>
-            </a:r>
-            <a:endParaRPr lang="en-US" dirty="0" smtClean="0"/>
-          </a:p>
-          <a:p>
-            <a:pPr lvl="1"/>
-            <a:r>
-              <a:rPr lang="en-US" dirty="0" smtClean="0"/>
-              <a:t>Security </a:t>
-            </a:r>
-            <a:r>
-              <a:rPr lang="en-US" dirty="0"/>
-              <a:t>work is planned alongside feature work, and practitioners are provided security knowledge and testing throughout each stage of their development work. </a:t>
-            </a:r>
-          </a:p>
-          <a:p>
-            <a:r>
-              <a:rPr lang="en-US" dirty="0"/>
-              <a:t>Build a threat modeling practice</a:t>
-            </a:r>
-          </a:p>
-          <a:p>
-            <a:pPr lvl="1"/>
-            <a:r>
-              <a:rPr lang="en-US" dirty="0" smtClean="0"/>
-              <a:t>Model </a:t>
-            </a:r>
-            <a:r>
-              <a:rPr lang="en-US" dirty="0"/>
-              <a:t>potential threats during the planning phase and design your infrastructure and the application’s architecture to mitigate those issues. </a:t>
-            </a:r>
-            <a:endParaRPr lang="en-US" dirty="0" smtClean="0"/>
-          </a:p>
-          <a:p>
-            <a:pPr lvl="1"/>
-            <a:r>
-              <a:rPr lang="en-US" dirty="0" smtClean="0"/>
-              <a:t>Periodic </a:t>
-            </a:r>
-            <a:r>
-              <a:rPr lang="en-US" dirty="0"/>
-              <a:t>penetration testing, where a trusted person attempts to break into your system, can help unveil weaknesses you may miss in your threat models.</a:t>
-            </a:r>
-          </a:p>
-          <a:p>
-            <a:r>
-              <a:rPr lang="en-US" dirty="0"/>
-              <a:t>Automate for speed and security</a:t>
-            </a:r>
-          </a:p>
-          <a:p>
-            <a:pPr lvl="1"/>
-            <a:r>
-              <a:rPr lang="en-US" dirty="0"/>
-              <a:t>Automated testing is used throughout the SDLC to ensure the right security checks happen at the right time. </a:t>
-            </a:r>
-            <a:endParaRPr lang="en-US" dirty="0" smtClean="0"/>
-          </a:p>
-          <a:p>
-            <a:pPr lvl="1"/>
-            <a:r>
-              <a:rPr lang="en-US" dirty="0" smtClean="0"/>
-              <a:t>More </a:t>
-            </a:r>
-            <a:r>
-              <a:rPr lang="en-US" dirty="0"/>
-              <a:t>time to focus on building the core product while ensuring security requirements are met.</a:t>
-            </a:r>
+            <p:ph type="body" idx="1"/>
+          </p:nvPr>
+        </p:nvSpPr>
+        <p:spPr/>
+        <p:txBody>
+          <a:bodyPr/>
+          <a:lstStyle/>
+          <a:p>
+            <a:endParaRPr lang="en-US"/>
           </a:p>
         </p:txBody>
       </p:sp>
@@ -4957,7 +4835,7 @@
           <p:cNvPr id="4" name="Slide Number Placeholder 3">
             <a:extLst>
               <a:ext uri="{FF2B5EF4-FFF2-40B4-BE49-F238E27FC236}">
-                <a16:creationId xmlns:a16="http://schemas.microsoft.com/office/drawing/2014/main" id="{6863CA1B-77A5-4216-ECBD-F2EA4C86AC80}"/>
+                <a16:creationId xmlns:a16="http://schemas.microsoft.com/office/drawing/2014/main" id="{A11AC19D-F0D1-F3DF-34E5-95A0093A142A}"/>
               </a:ext>
             </a:extLst>
           </p:cNvPr>
@@ -4985,7 +4863,7 @@
     </p:spTree>
     <p:extLst>
       <p:ext uri="{BB962C8B-B14F-4D97-AF65-F5344CB8AC3E}">
-        <p14:creationId xmlns:p14="http://schemas.microsoft.com/office/powerpoint/2010/main" val="1656914044"/>
+        <p14:creationId xmlns:p14="http://schemas.microsoft.com/office/powerpoint/2010/main" val="2326065912"/>
       </p:ext>
     </p:extLst>
   </p:cSld>
@@ -5017,7 +4895,7 @@
           <p:cNvPr id="2" name="Title 1">
             <a:extLst>
               <a:ext uri="{FF2B5EF4-FFF2-40B4-BE49-F238E27FC236}">
-                <a16:creationId xmlns:a16="http://schemas.microsoft.com/office/drawing/2014/main" id="{4786CE9F-9EFF-D2D8-7A56-5A4B8C25C027}"/>
+                <a16:creationId xmlns:a16="http://schemas.microsoft.com/office/drawing/2014/main" id="{1D716B26-1C6A-A4D2-0FB5-CD8D1244BB29}"/>
               </a:ext>
             </a:extLst>
           </p:cNvPr>
@@ -5049,7 +4927,7 @@
           <p:cNvPr id="3" name="Content Placeholder 2">
             <a:extLst>
               <a:ext uri="{FF2B5EF4-FFF2-40B4-BE49-F238E27FC236}">
-                <a16:creationId xmlns:a16="http://schemas.microsoft.com/office/drawing/2014/main" id="{3A75250A-9DE8-45FA-872C-4F98C6C8A43C}"/>
+                <a16:creationId xmlns:a16="http://schemas.microsoft.com/office/drawing/2014/main" id="{D064E10A-11A6-1DB9-15F9-7A260E08702C}"/>
               </a:ext>
             </a:extLst>
           </p:cNvPr>
@@ -5060,40 +4938,69 @@
             <p:ph idx="1"/>
           </p:nvPr>
         </p:nvSpPr>
-        <p:spPr/>
+        <p:spPr>
+          <a:xfrm>
+            <a:off x="347526" y="1344168"/>
+            <a:ext cx="11650767" cy="4992624"/>
+          </a:xfrm>
+        </p:spPr>
         <p:txBody>
           <a:bodyPr>
-            <a:normAutofit fontScale="92500" lnSpcReduction="20000"/>
+            <a:normAutofit fontScale="85000" lnSpcReduction="20000"/>
           </a:bodyPr>
           <a:lstStyle/>
           <a:p>
             <a:r>
               <a:rPr lang="en-US" dirty="0"/>
-              <a:t>Plan security checkpoints in your product development</a:t>
+              <a:t>Create a </a:t>
+            </a:r>
+            <a:r>
+              <a:rPr lang="en-US" dirty="0" err="1"/>
+              <a:t>DevSecOps</a:t>
+            </a:r>
+            <a:r>
+              <a:rPr lang="en-US" dirty="0"/>
+              <a:t> culture</a:t>
             </a:r>
           </a:p>
           <a:p>
             <a:pPr lvl="1"/>
             <a:r>
-              <a:rPr lang="en-US" dirty="0"/>
-              <a:t>Identify transition points in your SDLC where the risk profile changes. </a:t>
-            </a:r>
-          </a:p>
-          <a:p>
-            <a:r>
-              <a:rPr lang="en-US" dirty="0"/>
-              <a:t>Approach security failures as learning opportunities</a:t>
-            </a:r>
+              <a:rPr lang="en-US" dirty="0" smtClean="0"/>
+              <a:t>Everyone is responsible for </a:t>
+            </a:r>
+            <a:r>
+              <a:rPr lang="en-US" dirty="0"/>
+              <a:t>security. </a:t>
+            </a:r>
+            <a:endParaRPr lang="en-US" dirty="0" smtClean="0"/>
           </a:p>
           <a:p>
             <a:pPr lvl="1"/>
             <a:r>
               <a:rPr lang="en-US" dirty="0" smtClean="0"/>
-              <a:t>Turn </a:t>
-            </a:r>
-            <a:r>
-              <a:rPr lang="en-US" dirty="0"/>
-              <a:t>security incidents into learning opportunities. </a:t>
+              <a:t>Open </a:t>
+            </a:r>
+            <a:r>
+              <a:rPr lang="en-US" dirty="0"/>
+              <a:t>culture where each individual works together to build the best and most secure product possible.</a:t>
+            </a:r>
+          </a:p>
+          <a:p>
+            <a:r>
+              <a:rPr lang="en-US" dirty="0"/>
+              <a:t>Design security into the product</a:t>
+            </a:r>
+          </a:p>
+          <a:p>
+            <a:pPr lvl="1"/>
+            <a:r>
+              <a:rPr lang="en-US" dirty="0" smtClean="0"/>
+              <a:t>Design </a:t>
+            </a:r>
+            <a:r>
+              <a:rPr lang="en-US" dirty="0"/>
+              <a:t>security into products from the initial planning stages to deployed production-level code. </a:t>
             </a:r>
             <a:endParaRPr lang="en-US" dirty="0" smtClean="0"/>
           </a:p>
@@ -5101,40 +5008,53 @@
             <a:pPr lvl="1"/>
             <a:r>
               <a:rPr lang="en-US" dirty="0" smtClean="0"/>
-              <a:t>Leverage </a:t>
-            </a:r>
-            <a:r>
-              <a:rPr lang="en-US" dirty="0"/>
-              <a:t>audit logs, </a:t>
-            </a:r>
+              <a:t>Security </a:t>
+            </a:r>
+            <a:r>
+              <a:rPr lang="en-US" dirty="0"/>
+              <a:t>work is planned alongside feature work, and practitioners are provided security knowledge and testing throughout each stage of their development work. </a:t>
+            </a:r>
+          </a:p>
+          <a:p>
+            <a:r>
+              <a:rPr lang="en-US" dirty="0"/>
+              <a:t>Build a threat modeling practice</a:t>
+            </a:r>
+          </a:p>
+          <a:p>
+            <a:pPr lvl="1"/>
             <a:r>
               <a:rPr lang="en-US" dirty="0" smtClean="0"/>
-              <a:t>build </a:t>
-            </a:r>
-            <a:r>
-              <a:rPr lang="en-US" dirty="0"/>
-              <a:t>incident reports, and </a:t>
-            </a:r>
+              <a:t>Model </a:t>
+            </a:r>
+            <a:r>
+              <a:rPr lang="en-US" dirty="0"/>
+              <a:t>potential threats during the planning phase and design your infrastructure and the application’s architecture to mitigate those issues. </a:t>
+            </a:r>
+            <a:endParaRPr lang="en-US" dirty="0" smtClean="0"/>
+          </a:p>
+          <a:p>
+            <a:pPr lvl="1"/>
             <a:r>
               <a:rPr lang="en-US" dirty="0" smtClean="0"/>
-              <a:t>model </a:t>
-            </a:r>
-            <a:r>
-              <a:rPr lang="en-US" dirty="0"/>
-              <a:t>malicious behavior to improve tooling, testing, and processes to further secure your applications and systems.</a:t>
-            </a:r>
-          </a:p>
-          <a:p>
-            <a:r>
-              <a:rPr lang="en-US" dirty="0"/>
-              <a:t>Stay on top of dependencies</a:t>
+              <a:t>Periodic </a:t>
+            </a:r>
+            <a:r>
+              <a:rPr lang="en-US" dirty="0"/>
+              <a:t>penetration testing, where a trusted person attempts to break into your system, can help unveil weaknesses you may miss in your threat models.</a:t>
+            </a:r>
+          </a:p>
+          <a:p>
+            <a:r>
+              <a:rPr lang="en-US" dirty="0"/>
+              <a:t>Automate for speed and security</a:t>
             </a:r>
           </a:p>
           <a:p>
             <a:pPr lvl="1"/>
             <a:r>
               <a:rPr lang="en-US" dirty="0"/>
-              <a:t>Understanding and mitigating the potential threats from dependencies is critical to your product’s security. </a:t>
+              <a:t>Automated testing is used throughout the SDLC to ensure the right security checks happen at the right time. </a:t>
             </a:r>
             <a:endParaRPr lang="en-US" dirty="0" smtClean="0"/>
           </a:p>
@@ -5142,53 +5062,11 @@
             <a:pPr lvl="1"/>
             <a:r>
               <a:rPr lang="en-US" dirty="0" smtClean="0"/>
-              <a:t>Apply threat </a:t>
-            </a:r>
-            <a:r>
-              <a:rPr lang="en-US" dirty="0"/>
-              <a:t>modeling and automated testing to your dependencies </a:t>
-            </a:r>
-            <a:r>
-              <a:rPr lang="en-US" dirty="0" smtClean="0"/>
-              <a:t>and </a:t>
-            </a:r>
-            <a:r>
-              <a:rPr lang="en-US" dirty="0"/>
-              <a:t>to your in-house code</a:t>
-            </a:r>
-            <a:r>
-              <a:rPr lang="en-US" dirty="0" smtClean="0"/>
-              <a:t>.</a:t>
-            </a:r>
-            <a:endParaRPr lang="en-US" dirty="0"/>
-          </a:p>
-          <a:p>
-            <a:r>
-              <a:rPr lang="en-US" dirty="0"/>
-              <a:t>Build your analytics and reporting capabilities</a:t>
-            </a:r>
-          </a:p>
-          <a:p>
-            <a:pPr lvl="1"/>
-            <a:r>
-              <a:rPr lang="en-US" dirty="0" smtClean="0"/>
-              <a:t>Real-time </a:t>
-            </a:r>
-            <a:r>
-              <a:rPr lang="en-US" dirty="0"/>
-              <a:t>alerts, system analytics, and proactive threat monitoring. </a:t>
-            </a:r>
-            <a:endParaRPr lang="en-US" dirty="0" smtClean="0"/>
-          </a:p>
-          <a:p>
-            <a:pPr lvl="1"/>
-            <a:r>
-              <a:rPr lang="en-US" dirty="0" smtClean="0"/>
-              <a:t>Reporting </a:t>
-            </a:r>
-            <a:r>
-              <a:rPr lang="en-US" dirty="0"/>
-              <a:t>dashboards and alerts highlight problems early. </a:t>
+              <a:t>More </a:t>
+            </a:r>
+            <a:r>
+              <a:rPr lang="en-US" dirty="0"/>
+              <a:t>time to focus on building the core product while ensuring security requirements are met.</a:t>
             </a:r>
           </a:p>
         </p:txBody>
@@ -5198,7 +5076,7 @@
           <p:cNvPr id="4" name="Slide Number Placeholder 3">
             <a:extLst>
               <a:ext uri="{FF2B5EF4-FFF2-40B4-BE49-F238E27FC236}">
-                <a16:creationId xmlns:a16="http://schemas.microsoft.com/office/drawing/2014/main" id="{F7C6A59A-3842-BB49-DF49-0B5DAB59D912}"/>
+                <a16:creationId xmlns:a16="http://schemas.microsoft.com/office/drawing/2014/main" id="{6863CA1B-77A5-4216-ECBD-F2EA4C86AC80}"/>
               </a:ext>
             </a:extLst>
           </p:cNvPr>
@@ -5226,7 +5104,7 @@
     </p:spTree>
     <p:extLst>
       <p:ext uri="{BB962C8B-B14F-4D97-AF65-F5344CB8AC3E}">
-        <p14:creationId xmlns:p14="http://schemas.microsoft.com/office/powerpoint/2010/main" val="3397578327"/>
+        <p14:creationId xmlns:p14="http://schemas.microsoft.com/office/powerpoint/2010/main" val="1656914044"/>
       </p:ext>
     </p:extLst>
   </p:cSld>
@@ -5304,51 +5182,98 @@
         <p:spPr/>
         <p:txBody>
           <a:bodyPr>
-            <a:normAutofit fontScale="92500" lnSpcReduction="10000"/>
+            <a:normAutofit fontScale="92500" lnSpcReduction="20000"/>
           </a:bodyPr>
           <a:lstStyle/>
           <a:p>
             <a:r>
               <a:rPr lang="en-US" dirty="0"/>
-              <a:t>Companies use the following approaches to support digital transformation with </a:t>
-            </a:r>
-            <a:r>
-              <a:rPr lang="en-US" dirty="0" err="1"/>
-              <a:t>DevSecOps</a:t>
-            </a:r>
-            <a:r>
-              <a:rPr lang="en-US" dirty="0"/>
-              <a:t>.</a:t>
+              <a:t>Plan security checkpoints in your product development</a:t>
             </a:r>
           </a:p>
           <a:p>
             <a:pPr lvl="1"/>
             <a:r>
               <a:rPr lang="en-US" dirty="0"/>
-              <a:t>Shift left</a:t>
-            </a:r>
-          </a:p>
-          <a:p>
-            <a:pPr lvl="2"/>
+              <a:t>Identify transition points in your SDLC where the risk profile changes. </a:t>
+            </a:r>
+          </a:p>
+          <a:p>
+            <a:r>
+              <a:rPr lang="en-US" dirty="0"/>
+              <a:t>Approach security failures as learning opportunities</a:t>
+            </a:r>
+          </a:p>
+          <a:p>
+            <a:pPr lvl="1"/>
             <a:r>
               <a:rPr lang="en-US" dirty="0" smtClean="0"/>
-              <a:t>Checking </a:t>
-            </a:r>
-            <a:r>
-              <a:rPr lang="en-US" dirty="0"/>
-              <a:t>for vulnerabilities in the earlier stages of software development. </a:t>
+              <a:t>Turn </a:t>
+            </a:r>
+            <a:r>
+              <a:rPr lang="en-US" dirty="0"/>
+              <a:t>security incidents into learning opportunities. </a:t>
             </a:r>
             <a:endParaRPr lang="en-US" dirty="0" smtClean="0"/>
           </a:p>
           <a:p>
-            <a:pPr lvl="2"/>
+            <a:pPr lvl="1"/>
             <a:r>
               <a:rPr lang="en-US" dirty="0" smtClean="0"/>
-              <a:t>Prevent </a:t>
-            </a:r>
-            <a:r>
-              <a:rPr lang="en-US" dirty="0"/>
-              <a:t>undetected security issues when they build the application</a:t>
+              <a:t>Leverage </a:t>
+            </a:r>
+            <a:r>
+              <a:rPr lang="en-US" dirty="0"/>
+              <a:t>audit logs, </a:t>
+            </a:r>
+            <a:r>
+              <a:rPr lang="en-US" dirty="0" smtClean="0"/>
+              <a:t>build </a:t>
+            </a:r>
+            <a:r>
+              <a:rPr lang="en-US" dirty="0"/>
+              <a:t>incident reports, and </a:t>
+            </a:r>
+            <a:r>
+              <a:rPr lang="en-US" dirty="0" smtClean="0"/>
+              <a:t>model </a:t>
+            </a:r>
+            <a:r>
+              <a:rPr lang="en-US" dirty="0"/>
+              <a:t>malicious behavior to improve tooling, testing, and processes to further secure your applications and systems.</a:t>
+            </a:r>
+          </a:p>
+          <a:p>
+            <a:r>
+              <a:rPr lang="en-US" dirty="0"/>
+              <a:t>Stay on top of dependencies</a:t>
+            </a:r>
+          </a:p>
+          <a:p>
+            <a:pPr lvl="1"/>
+            <a:r>
+              <a:rPr lang="en-US" dirty="0"/>
+              <a:t>Understanding and mitigating the potential threats from dependencies is critical to your product’s security. </a:t>
+            </a:r>
+            <a:endParaRPr lang="en-US" dirty="0" smtClean="0"/>
+          </a:p>
+          <a:p>
+            <a:pPr lvl="1"/>
+            <a:r>
+              <a:rPr lang="en-US" dirty="0" smtClean="0"/>
+              <a:t>Apply threat </a:t>
+            </a:r>
+            <a:r>
+              <a:rPr lang="en-US" dirty="0"/>
+              <a:t>modeling and automated testing to your dependencies </a:t>
+            </a:r>
+            <a:r>
+              <a:rPr lang="en-US" dirty="0" smtClean="0"/>
+              <a:t>and </a:t>
+            </a:r>
+            <a:r>
+              <a:rPr lang="en-US" dirty="0"/>
+              <a:t>to your in-house code</a:t>
             </a:r>
             <a:r>
               <a:rPr lang="en-US" dirty="0" smtClean="0"/>
@@ -5357,96 +5282,32 @@
             <a:endParaRPr lang="en-US" dirty="0"/>
           </a:p>
           <a:p>
+            <a:r>
+              <a:rPr lang="en-US" dirty="0"/>
+              <a:t>Build your analytics and reporting capabilities</a:t>
+            </a:r>
+          </a:p>
+          <a:p>
             <a:pPr lvl="1"/>
             <a:r>
-              <a:rPr lang="en-US" dirty="0"/>
-              <a:t>Shift right</a:t>
-            </a:r>
-          </a:p>
-          <a:p>
-            <a:pPr lvl="2"/>
-            <a:r>
               <a:rPr lang="en-US" dirty="0" smtClean="0"/>
-              <a:t>The </a:t>
-            </a:r>
-            <a:r>
-              <a:rPr lang="en-US" dirty="0"/>
-              <a:t>importance of focusing on security after the application is deployed. </a:t>
+              <a:t>Real-time </a:t>
+            </a:r>
+            <a:r>
+              <a:rPr lang="en-US" dirty="0"/>
+              <a:t>alerts, system analytics, and proactive threat monitoring. </a:t>
             </a:r>
             <a:endParaRPr lang="en-US" dirty="0" smtClean="0"/>
           </a:p>
           <a:p>
-            <a:pPr lvl="2"/>
+            <a:pPr lvl="1"/>
             <a:r>
               <a:rPr lang="en-US" dirty="0" smtClean="0"/>
-              <a:t>Some </a:t>
-            </a:r>
-            <a:r>
-              <a:rPr lang="en-US" dirty="0"/>
-              <a:t>vulnerabilities might escape earlier security checks and become apparent only when customers use the software. </a:t>
-            </a:r>
-          </a:p>
-          <a:p>
-            <a:pPr lvl="1"/>
-            <a:r>
-              <a:rPr lang="en-US" dirty="0"/>
-              <a:t>Use automated security tools</a:t>
-            </a:r>
-          </a:p>
-          <a:p>
-            <a:pPr lvl="2"/>
-            <a:r>
-              <a:rPr lang="en-US" dirty="0" smtClean="0"/>
-              <a:t>Integrate </a:t>
-            </a:r>
-            <a:r>
-              <a:rPr lang="en-US" dirty="0"/>
-              <a:t>security scanning tools into the CI/CD process. </a:t>
-            </a:r>
-            <a:endParaRPr lang="en-US" dirty="0" smtClean="0"/>
-          </a:p>
-          <a:p>
-            <a:pPr lvl="2"/>
-            <a:r>
-              <a:rPr lang="en-US" dirty="0" smtClean="0"/>
-              <a:t>Prevent </a:t>
-            </a:r>
-            <a:r>
-              <a:rPr lang="en-US" dirty="0"/>
-              <a:t>security evaluations from slowing down development. </a:t>
-            </a:r>
-          </a:p>
-          <a:p>
-            <a:pPr lvl="1"/>
-            <a:r>
-              <a:rPr lang="en-US" dirty="0"/>
-              <a:t>Promote security awareness</a:t>
-            </a:r>
-          </a:p>
-          <a:p>
-            <a:pPr lvl="2"/>
-            <a:r>
-              <a:rPr lang="en-US" dirty="0" smtClean="0"/>
-              <a:t>Security awareness is essential in building secure software. </a:t>
-            </a:r>
-          </a:p>
-          <a:p>
-            <a:pPr lvl="2"/>
-            <a:r>
-              <a:rPr lang="en-US" dirty="0" smtClean="0"/>
-              <a:t>Every </a:t>
-            </a:r>
-            <a:r>
-              <a:rPr lang="en-US" dirty="0"/>
-              <a:t>team member </a:t>
-            </a:r>
-            <a:r>
-              <a:rPr lang="en-US" dirty="0" smtClean="0"/>
-              <a:t>must </a:t>
-            </a:r>
-            <a:r>
-              <a:rPr lang="en-US" dirty="0"/>
-              <a:t>share the responsibility of protecting software users from security threats. </a:t>
+              <a:t>Reporting </a:t>
+            </a:r>
+            <a:r>
+              <a:rPr lang="en-US" dirty="0"/>
+              <a:t>dashboards and alerts highlight problems early. </a:t>
             </a:r>
           </a:p>
         </p:txBody>
@@ -5484,7 +5345,7 @@
     </p:spTree>
     <p:extLst>
       <p:ext uri="{BB962C8B-B14F-4D97-AF65-F5344CB8AC3E}">
-        <p14:creationId xmlns:p14="http://schemas.microsoft.com/office/powerpoint/2010/main" val="2498902988"/>
+        <p14:creationId xmlns:p14="http://schemas.microsoft.com/office/powerpoint/2010/main" val="3397578327"/>
       </p:ext>
     </p:extLst>
   </p:cSld>
@@ -5516,7 +5377,7 @@
           <p:cNvPr id="2" name="Title 1">
             <a:extLst>
               <a:ext uri="{FF2B5EF4-FFF2-40B4-BE49-F238E27FC236}">
-                <a16:creationId xmlns:a16="http://schemas.microsoft.com/office/drawing/2014/main" id="{FA327425-0D3B-EBCD-940F-B168D6733B77}"/>
+                <a16:creationId xmlns:a16="http://schemas.microsoft.com/office/drawing/2014/main" id="{4786CE9F-9EFF-D2D8-7A56-5A4B8C25C027}"/>
               </a:ext>
             </a:extLst>
           </p:cNvPr>
@@ -5533,16 +5394,12 @@
           <a:lstStyle/>
           <a:p>
             <a:r>
-              <a:rPr lang="en-US" dirty="0"/>
-              <a:t>How does </a:t>
-            </a:r>
-            <a:r>
               <a:rPr lang="en-US" dirty="0" err="1"/>
               <a:t>DevSecOps</a:t>
             </a:r>
             <a:r>
               <a:rPr lang="en-US" dirty="0"/>
-              <a:t> work? </a:t>
+              <a:t> best practices</a:t>
             </a:r>
           </a:p>
         </p:txBody>
@@ -5552,7 +5409,7 @@
           <p:cNvPr id="3" name="Content Placeholder 2">
             <a:extLst>
               <a:ext uri="{FF2B5EF4-FFF2-40B4-BE49-F238E27FC236}">
-                <a16:creationId xmlns:a16="http://schemas.microsoft.com/office/drawing/2014/main" id="{A7AE27A0-A27E-268C-19FC-D14CFD0E790A}"/>
+                <a16:creationId xmlns:a16="http://schemas.microsoft.com/office/drawing/2014/main" id="{3A75250A-9DE8-45FA-872C-4F98C6C8A43C}"/>
               </a:ext>
             </a:extLst>
           </p:cNvPr>
@@ -5566,13 +5423,13 @@
         <p:spPr/>
         <p:txBody>
           <a:bodyPr>
-            <a:normAutofit fontScale="77500" lnSpcReduction="20000"/>
+            <a:normAutofit fontScale="92500" lnSpcReduction="10000"/>
           </a:bodyPr>
           <a:lstStyle/>
           <a:p>
             <a:r>
               <a:rPr lang="en-US" dirty="0"/>
-              <a:t>Successful implementation of the </a:t>
+              <a:t>Companies use the following approaches to support digital transformation with </a:t>
             </a:r>
             <a:r>
               <a:rPr lang="en-US" dirty="0" err="1"/>
@@ -5580,109 +5437,135 @@
             </a:r>
             <a:r>
               <a:rPr lang="en-US" dirty="0"/>
-              <a:t> practice consists of the following components. </a:t>
-            </a:r>
-          </a:p>
-          <a:p>
-            <a:r>
-              <a:rPr lang="en-US" dirty="0"/>
-              <a:t>Code analysis</a:t>
+              <a:t>.</a:t>
             </a:r>
           </a:p>
           <a:p>
             <a:pPr lvl="1"/>
             <a:r>
+              <a:rPr lang="en-US" dirty="0"/>
+              <a:t>Shift left</a:t>
+            </a:r>
+          </a:p>
+          <a:p>
+            <a:pPr lvl="2"/>
+            <a:r>
               <a:rPr lang="en-US" dirty="0" smtClean="0"/>
-              <a:t>Investigating </a:t>
-            </a:r>
-            <a:r>
-              <a:rPr lang="en-US" dirty="0"/>
-              <a:t>the source code of an application for vulnerabilities and ensuring that it follows security best practices.</a:t>
-            </a:r>
-          </a:p>
-          <a:p>
-            <a:r>
-              <a:rPr lang="en-US" dirty="0"/>
-              <a:t>Change management</a:t>
-            </a:r>
+              <a:t>Checking </a:t>
+            </a:r>
+            <a:r>
+              <a:rPr lang="en-US" dirty="0"/>
+              <a:t>for vulnerabilities in the earlier stages of software development. </a:t>
+            </a:r>
+            <a:endParaRPr lang="en-US" dirty="0" smtClean="0"/>
+          </a:p>
+          <a:p>
+            <a:pPr lvl="2"/>
+            <a:r>
+              <a:rPr lang="en-US" dirty="0" smtClean="0"/>
+              <a:t>Prevent </a:t>
+            </a:r>
+            <a:r>
+              <a:rPr lang="en-US" dirty="0"/>
+              <a:t>undetected security issues when they build the application</a:t>
+            </a:r>
+            <a:r>
+              <a:rPr lang="en-US" dirty="0" smtClean="0"/>
+              <a:t>.</a:t>
+            </a:r>
+            <a:endParaRPr lang="en-US" dirty="0"/>
           </a:p>
           <a:p>
             <a:pPr lvl="1"/>
             <a:r>
+              <a:rPr lang="en-US" dirty="0"/>
+              <a:t>Shift right</a:t>
+            </a:r>
+          </a:p>
+          <a:p>
+            <a:pPr lvl="2"/>
+            <a:r>
               <a:rPr lang="en-US" dirty="0" smtClean="0"/>
-              <a:t>Track</a:t>
-            </a:r>
-            <a:r>
-              <a:rPr lang="en-US" dirty="0"/>
-              <a:t>, manage, and report on changes related to the software or requirements. This prevents inadvertent security vulnerabilities due to a software change. </a:t>
-            </a:r>
-          </a:p>
-          <a:p>
-            <a:r>
-              <a:rPr lang="en-US" dirty="0"/>
-              <a:t>Compliance management</a:t>
+              <a:t>The </a:t>
+            </a:r>
+            <a:r>
+              <a:rPr lang="en-US" dirty="0"/>
+              <a:t>importance of focusing on security after the application is deployed. </a:t>
+            </a:r>
+            <a:endParaRPr lang="en-US" dirty="0" smtClean="0"/>
+          </a:p>
+          <a:p>
+            <a:pPr lvl="2"/>
+            <a:r>
+              <a:rPr lang="en-US" dirty="0" smtClean="0"/>
+              <a:t>Some </a:t>
+            </a:r>
+            <a:r>
+              <a:rPr lang="en-US" dirty="0"/>
+              <a:t>vulnerabilities might escape earlier security checks and become apparent only when customers use the software. </a:t>
             </a:r>
           </a:p>
           <a:p>
             <a:pPr lvl="1"/>
             <a:r>
+              <a:rPr lang="en-US" dirty="0"/>
+              <a:t>Use automated security tools</a:t>
+            </a:r>
+          </a:p>
+          <a:p>
+            <a:pPr lvl="2"/>
+            <a:r>
               <a:rPr lang="en-US" dirty="0" smtClean="0"/>
-              <a:t>Complying with </a:t>
-            </a:r>
-            <a:r>
-              <a:rPr lang="en-US" dirty="0"/>
-              <a:t>regulatory </a:t>
-            </a:r>
+              <a:t>Integrate </a:t>
+            </a:r>
+            <a:r>
+              <a:rPr lang="en-US" dirty="0"/>
+              <a:t>security scanning tools into the CI/CD process. </a:t>
+            </a:r>
+            <a:endParaRPr lang="en-US" dirty="0" smtClean="0"/>
+          </a:p>
+          <a:p>
+            <a:pPr lvl="2"/>
             <a:r>
               <a:rPr lang="en-US" dirty="0" smtClean="0"/>
-              <a:t>requirements</a:t>
-            </a:r>
-            <a:r>
-              <a:rPr lang="en-US" dirty="0"/>
-              <a:t> </a:t>
-            </a:r>
+              <a:t>Prevent </a:t>
+            </a:r>
+            <a:r>
+              <a:rPr lang="en-US" dirty="0"/>
+              <a:t>security evaluations from slowing down development. </a:t>
+            </a:r>
+          </a:p>
+          <a:p>
+            <a:pPr lvl="1"/>
+            <a:r>
+              <a:rPr lang="en-US" dirty="0"/>
+              <a:t>Promote security awareness</a:t>
+            </a:r>
+          </a:p>
+          <a:p>
+            <a:pPr lvl="2"/>
             <a:r>
               <a:rPr lang="en-US" dirty="0" smtClean="0"/>
-              <a:t>(HIPAA</a:t>
-            </a:r>
-            <a:r>
-              <a:rPr lang="en-US" dirty="0"/>
-              <a:t>, FedRAMP, and </a:t>
-            </a:r>
+              <a:t>Security awareness is essential in building secure software. </a:t>
+            </a:r>
+          </a:p>
+          <a:p>
+            <a:pPr lvl="2"/>
             <a:r>
               <a:rPr lang="en-US" dirty="0" smtClean="0"/>
-              <a:t>PCI).</a:t>
-            </a:r>
-            <a:endParaRPr lang="en-US" dirty="0"/>
-          </a:p>
-          <a:p>
-            <a:r>
-              <a:rPr lang="en-US" dirty="0"/>
-              <a:t>Threat modeling</a:t>
-            </a:r>
-          </a:p>
-          <a:p>
-            <a:pPr lvl="1"/>
+              <a:t>Every </a:t>
+            </a:r>
+            <a:r>
+              <a:rPr lang="en-US" dirty="0"/>
+              <a:t>team member </a:t>
+            </a:r>
             <a:r>
               <a:rPr lang="en-US" dirty="0" smtClean="0"/>
-              <a:t>Investigate </a:t>
-            </a:r>
-            <a:r>
-              <a:rPr lang="en-US" dirty="0"/>
-              <a:t>security issues that might arise before and after deploying the application. They fix any known issues and release an updated version of the application. </a:t>
-            </a:r>
-          </a:p>
-          <a:p>
-            <a:r>
-              <a:rPr lang="en-US" dirty="0"/>
-              <a:t>Security training</a:t>
-            </a:r>
-          </a:p>
-          <a:p>
-            <a:pPr lvl="1"/>
-            <a:r>
-              <a:rPr lang="en-US" dirty="0"/>
-              <a:t>Security training involves training software developers and operations teams with the latest security guidelines. </a:t>
+              <a:t>must </a:t>
+            </a:r>
+            <a:r>
+              <a:rPr lang="en-US" dirty="0"/>
+              <a:t>share the responsibility of protecting software users from security threats. </a:t>
             </a:r>
           </a:p>
         </p:txBody>
@@ -5692,7 +5575,7 @@
           <p:cNvPr id="4" name="Slide Number Placeholder 3">
             <a:extLst>
               <a:ext uri="{FF2B5EF4-FFF2-40B4-BE49-F238E27FC236}">
-                <a16:creationId xmlns:a16="http://schemas.microsoft.com/office/drawing/2014/main" id="{97526F32-C22B-1450-E312-CD7A41984AFE}"/>
+                <a16:creationId xmlns:a16="http://schemas.microsoft.com/office/drawing/2014/main" id="{F7C6A59A-3842-BB49-DF49-0B5DAB59D912}"/>
               </a:ext>
             </a:extLst>
           </p:cNvPr>
@@ -5720,7 +5603,7 @@
     </p:spTree>
     <p:extLst>
       <p:ext uri="{BB962C8B-B14F-4D97-AF65-F5344CB8AC3E}">
-        <p14:creationId xmlns:p14="http://schemas.microsoft.com/office/powerpoint/2010/main" val="584328857"/>
+        <p14:creationId xmlns:p14="http://schemas.microsoft.com/office/powerpoint/2010/main" val="2498902988"/>
       </p:ext>
     </p:extLst>
   </p:cSld>
@@ -5752,7 +5635,7 @@
           <p:cNvPr id="2" name="Title 1">
             <a:extLst>
               <a:ext uri="{FF2B5EF4-FFF2-40B4-BE49-F238E27FC236}">
-                <a16:creationId xmlns:a16="http://schemas.microsoft.com/office/drawing/2014/main" id="{F1E9C427-FAE4-446F-2E52-C392AE7D8FF3}"/>
+                <a16:creationId xmlns:a16="http://schemas.microsoft.com/office/drawing/2014/main" id="{FA327425-0D3B-EBCD-940F-B168D6733B77}"/>
               </a:ext>
             </a:extLst>
           </p:cNvPr>
@@ -5769,12 +5652,16 @@
           <a:lstStyle/>
           <a:p>
             <a:r>
+              <a:rPr lang="en-US" dirty="0"/>
+              <a:t>How does </a:t>
+            </a:r>
+            <a:r>
               <a:rPr lang="en-US" dirty="0" err="1"/>
               <a:t>DevSecOps</a:t>
             </a:r>
             <a:r>
               <a:rPr lang="en-US" dirty="0"/>
-              <a:t> culture</a:t>
+              <a:t> work? </a:t>
             </a:r>
           </a:p>
         </p:txBody>
@@ -5784,7 +5671,7 @@
           <p:cNvPr id="3" name="Content Placeholder 2">
             <a:extLst>
               <a:ext uri="{FF2B5EF4-FFF2-40B4-BE49-F238E27FC236}">
-                <a16:creationId xmlns:a16="http://schemas.microsoft.com/office/drawing/2014/main" id="{5B06BB6B-99C1-8F6A-F4DC-3BC4F9278512}"/>
+                <a16:creationId xmlns:a16="http://schemas.microsoft.com/office/drawing/2014/main" id="{A7AE27A0-A27E-268C-19FC-D14CFD0E790A}"/>
               </a:ext>
             </a:extLst>
           </p:cNvPr>
@@ -5798,111 +5685,13 @@
         <p:spPr/>
         <p:txBody>
           <a:bodyPr>
-            <a:normAutofit fontScale="85000" lnSpcReduction="10000"/>
+            <a:normAutofit fontScale="77500" lnSpcReduction="20000"/>
           </a:bodyPr>
           <a:lstStyle/>
           <a:p>
             <a:r>
               <a:rPr lang="en-US" dirty="0"/>
-              <a:t>People</a:t>
-            </a:r>
-          </a:p>
-          <a:p>
-            <a:pPr lvl="1"/>
-            <a:r>
-              <a:rPr lang="en-US" dirty="0" smtClean="0"/>
-              <a:t>Remove </a:t>
-            </a:r>
-            <a:r>
-              <a:rPr lang="en-US" dirty="0"/>
-              <a:t>the barriers between different disciplines and build a naturally collaborative environment where each person shares responsibility for a product’s security and quality.</a:t>
-            </a:r>
-          </a:p>
-          <a:p>
-            <a:r>
-              <a:rPr lang="en-US" dirty="0"/>
-              <a:t>Process</a:t>
-            </a:r>
-          </a:p>
-          <a:p>
-            <a:pPr lvl="1"/>
-            <a:r>
-              <a:rPr lang="en-US" dirty="0" smtClean="0"/>
-              <a:t>Security should be an </a:t>
-            </a:r>
-            <a:r>
-              <a:rPr lang="en-US" dirty="0"/>
-              <a:t>integral part of each person’s work. </a:t>
-            </a:r>
-            <a:endParaRPr lang="en-US" dirty="0" smtClean="0"/>
-          </a:p>
-          <a:p>
-            <a:pPr lvl="1"/>
-            <a:r>
-              <a:rPr lang="en-US" dirty="0" smtClean="0"/>
-              <a:t>Automated </a:t>
-            </a:r>
-            <a:r>
-              <a:rPr lang="en-US" dirty="0"/>
-              <a:t>security evaluations, security-focused unit testing, widespread monitoring, and defensive coding create rapid feedback loops where vulnerabilities are surfaced earlier in the product life cycle and can be fixed faster.</a:t>
-            </a:r>
-          </a:p>
-          <a:p>
-            <a:r>
-              <a:rPr lang="en-US" dirty="0"/>
-              <a:t>Products</a:t>
-            </a:r>
-          </a:p>
-          <a:p>
-            <a:pPr lvl="1"/>
-            <a:r>
-              <a:rPr lang="en-US" dirty="0" smtClean="0"/>
-              <a:t>Building the right </a:t>
-            </a:r>
-            <a:r>
-              <a:rPr lang="en-US" dirty="0"/>
-              <a:t>toolchain </a:t>
-            </a:r>
-            <a:r>
-              <a:rPr lang="en-US" dirty="0" smtClean="0"/>
-              <a:t>in CI/CD </a:t>
-            </a:r>
-            <a:r>
-              <a:rPr lang="en-US" dirty="0"/>
-              <a:t>to automate the identification of security issues. </a:t>
-            </a:r>
-            <a:endParaRPr lang="en-US" dirty="0" smtClean="0"/>
-          </a:p>
-          <a:p>
-            <a:pPr lvl="1"/>
-            <a:r>
-              <a:rPr lang="en-US" dirty="0" smtClean="0"/>
-              <a:t>Dependency </a:t>
-            </a:r>
-            <a:r>
-              <a:rPr lang="en-US" dirty="0"/>
-              <a:t>scanning, static and dynamic application security testing, and automated policy enforcement tools are often used to help build security into every stage of the SDLC</a:t>
-            </a:r>
-            <a:r>
-              <a:rPr lang="en-US" dirty="0" smtClean="0"/>
-              <a:t>.</a:t>
-            </a:r>
-          </a:p>
-          <a:p>
-            <a:r>
-              <a:rPr lang="en-US" dirty="0" smtClean="0"/>
-              <a:t>Governance</a:t>
-            </a:r>
-          </a:p>
-          <a:p>
-            <a:pPr lvl="1"/>
-            <a:r>
-              <a:rPr lang="en-US" dirty="0" smtClean="0"/>
-              <a:t>Continuous </a:t>
-            </a:r>
-            <a:r>
-              <a:rPr lang="en-US" dirty="0"/>
-              <a:t>improvement is central to </a:t>
+              <a:t>Successful implementation of the </a:t>
             </a:r>
             <a:r>
               <a:rPr lang="en-US" dirty="0" err="1"/>
@@ -5910,7 +5699,109 @@
             </a:r>
             <a:r>
               <a:rPr lang="en-US" dirty="0"/>
-              <a:t> and it requires creating a culture of measurement that enables practitioners to identify opportunities to refine processes and tooling.</a:t>
+              <a:t> practice consists of the following components. </a:t>
+            </a:r>
+          </a:p>
+          <a:p>
+            <a:r>
+              <a:rPr lang="en-US" dirty="0"/>
+              <a:t>Code analysis</a:t>
+            </a:r>
+          </a:p>
+          <a:p>
+            <a:pPr lvl="1"/>
+            <a:r>
+              <a:rPr lang="en-US" dirty="0" smtClean="0"/>
+              <a:t>Investigating </a:t>
+            </a:r>
+            <a:r>
+              <a:rPr lang="en-US" dirty="0"/>
+              <a:t>the source code of an application for vulnerabilities and ensuring that it follows security best practices.</a:t>
+            </a:r>
+          </a:p>
+          <a:p>
+            <a:r>
+              <a:rPr lang="en-US" dirty="0"/>
+              <a:t>Change management</a:t>
+            </a:r>
+          </a:p>
+          <a:p>
+            <a:pPr lvl="1"/>
+            <a:r>
+              <a:rPr lang="en-US" dirty="0" smtClean="0"/>
+              <a:t>Track</a:t>
+            </a:r>
+            <a:r>
+              <a:rPr lang="en-US" dirty="0"/>
+              <a:t>, manage, and report on changes related to the software or requirements. This prevents inadvertent security vulnerabilities due to a software change. </a:t>
+            </a:r>
+          </a:p>
+          <a:p>
+            <a:r>
+              <a:rPr lang="en-US" dirty="0"/>
+              <a:t>Compliance management</a:t>
+            </a:r>
+          </a:p>
+          <a:p>
+            <a:pPr lvl="1"/>
+            <a:r>
+              <a:rPr lang="en-US" dirty="0" smtClean="0"/>
+              <a:t>Complying with </a:t>
+            </a:r>
+            <a:r>
+              <a:rPr lang="en-US" dirty="0"/>
+              <a:t>regulatory </a:t>
+            </a:r>
+            <a:r>
+              <a:rPr lang="en-US" dirty="0" smtClean="0"/>
+              <a:t>requirements</a:t>
+            </a:r>
+            <a:r>
+              <a:rPr lang="en-US" dirty="0"/>
+              <a:t> </a:t>
+            </a:r>
+            <a:r>
+              <a:rPr lang="en-US" dirty="0" smtClean="0"/>
+              <a:t>(HIPAA</a:t>
+            </a:r>
+            <a:r>
+              <a:rPr lang="en-US" dirty="0"/>
+              <a:t>, FedRAMP, and </a:t>
+            </a:r>
+            <a:r>
+              <a:rPr lang="en-US" dirty="0" smtClean="0"/>
+              <a:t>PCI).</a:t>
+            </a:r>
+            <a:endParaRPr lang="en-US" dirty="0"/>
+          </a:p>
+          <a:p>
+            <a:r>
+              <a:rPr lang="en-US" dirty="0"/>
+              <a:t>Threat modeling</a:t>
+            </a:r>
+          </a:p>
+          <a:p>
+            <a:pPr lvl="1"/>
+            <a:r>
+              <a:rPr lang="en-US" dirty="0" smtClean="0"/>
+              <a:t>Investigate </a:t>
+            </a:r>
+            <a:r>
+              <a:rPr lang="en-US" dirty="0"/>
+              <a:t>security issues that might arise before and after deploying the application. They fix any known issues and release an updated version of the application. </a:t>
+            </a:r>
+          </a:p>
+          <a:p>
+            <a:r>
+              <a:rPr lang="en-US" dirty="0"/>
+              <a:t>Security training</a:t>
+            </a:r>
+          </a:p>
+          <a:p>
+            <a:pPr lvl="1"/>
+            <a:r>
+              <a:rPr lang="en-US" dirty="0"/>
+              <a:t>Security training involves training software developers and operations teams with the latest security guidelines. </a:t>
             </a:r>
           </a:p>
         </p:txBody>
@@ -5920,7 +5811,7 @@
           <p:cNvPr id="4" name="Slide Number Placeholder 3">
             <a:extLst>
               <a:ext uri="{FF2B5EF4-FFF2-40B4-BE49-F238E27FC236}">
-                <a16:creationId xmlns:a16="http://schemas.microsoft.com/office/drawing/2014/main" id="{F6A51594-7A4C-5466-4ED0-909F68A78854}"/>
+                <a16:creationId xmlns:a16="http://schemas.microsoft.com/office/drawing/2014/main" id="{97526F32-C22B-1450-E312-CD7A41984AFE}"/>
               </a:ext>
             </a:extLst>
           </p:cNvPr>
@@ -5948,7 +5839,7 @@
     </p:spTree>
     <p:extLst>
       <p:ext uri="{BB962C8B-B14F-4D97-AF65-F5344CB8AC3E}">
-        <p14:creationId xmlns:p14="http://schemas.microsoft.com/office/powerpoint/2010/main" val="2096334034"/>
+        <p14:creationId xmlns:p14="http://schemas.microsoft.com/office/powerpoint/2010/main" val="584328857"/>
       </p:ext>
     </p:extLst>
   </p:cSld>
@@ -5977,10 +5868,10 @@
       </p:grpSpPr>
       <p:sp>
         <p:nvSpPr>
-          <p:cNvPr id="5" name="Title 4">
+          <p:cNvPr id="2" name="Title 1">
             <a:extLst>
               <a:ext uri="{FF2B5EF4-FFF2-40B4-BE49-F238E27FC236}">
-                <a16:creationId xmlns:a16="http://schemas.microsoft.com/office/drawing/2014/main" id="{F02429E7-40CC-D2C0-9344-76BD75E5C978}"/>
+                <a16:creationId xmlns:a16="http://schemas.microsoft.com/office/drawing/2014/main" id="{F1E9C427-FAE4-446F-2E52-C392AE7D8FF3}"/>
               </a:ext>
             </a:extLst>
           </p:cNvPr>
@@ -6002,17 +5893,17 @@
             </a:r>
             <a:r>
               <a:rPr lang="en-US" dirty="0"/>
-              <a:t> Toolchain</a:t>
-            </a:r>
-          </a:p>
-        </p:txBody>
-      </p:sp>
-      <p:sp>
-        <p:nvSpPr>
-          <p:cNvPr id="6" name="Text Placeholder 5">
+              <a:t> culture</a:t>
+            </a:r>
+          </a:p>
+        </p:txBody>
+      </p:sp>
+      <p:sp>
+        <p:nvSpPr>
+          <p:cNvPr id="3" name="Content Placeholder 2">
             <a:extLst>
               <a:ext uri="{FF2B5EF4-FFF2-40B4-BE49-F238E27FC236}">
-                <a16:creationId xmlns:a16="http://schemas.microsoft.com/office/drawing/2014/main" id="{2147A065-5D84-280D-E62E-3E43E895EFA7}"/>
+                <a16:creationId xmlns:a16="http://schemas.microsoft.com/office/drawing/2014/main" id="{5B06BB6B-99C1-8F6A-F4DC-3BC4F9278512}"/>
               </a:ext>
             </a:extLst>
           </p:cNvPr>
@@ -6020,15 +5911,126 @@
             <a:spLocks noGrp="1"/>
           </p:cNvSpPr>
           <p:nvPr>
-            <p:ph type="body" idx="1"/>
+            <p:ph idx="1"/>
           </p:nvPr>
         </p:nvSpPr>
         <p:spPr/>
         <p:txBody>
-          <a:bodyPr/>
-          <a:lstStyle/>
-          <a:p>
-            <a:endParaRPr lang="en-US"/>
+          <a:bodyPr>
+            <a:normAutofit fontScale="85000" lnSpcReduction="10000"/>
+          </a:bodyPr>
+          <a:lstStyle/>
+          <a:p>
+            <a:r>
+              <a:rPr lang="en-US" dirty="0"/>
+              <a:t>People</a:t>
+            </a:r>
+          </a:p>
+          <a:p>
+            <a:pPr lvl="1"/>
+            <a:r>
+              <a:rPr lang="en-US" dirty="0" smtClean="0"/>
+              <a:t>Remove </a:t>
+            </a:r>
+            <a:r>
+              <a:rPr lang="en-US" dirty="0"/>
+              <a:t>the barriers between different disciplines and build a naturally collaborative environment where each person shares responsibility for a product’s security and quality.</a:t>
+            </a:r>
+          </a:p>
+          <a:p>
+            <a:r>
+              <a:rPr lang="en-US" dirty="0"/>
+              <a:t>Process</a:t>
+            </a:r>
+          </a:p>
+          <a:p>
+            <a:pPr lvl="1"/>
+            <a:r>
+              <a:rPr lang="en-US" dirty="0" smtClean="0"/>
+              <a:t>Security should be an </a:t>
+            </a:r>
+            <a:r>
+              <a:rPr lang="en-US" dirty="0"/>
+              <a:t>integral part of each person’s work. </a:t>
+            </a:r>
+            <a:endParaRPr lang="en-US" dirty="0" smtClean="0"/>
+          </a:p>
+          <a:p>
+            <a:pPr lvl="1"/>
+            <a:r>
+              <a:rPr lang="en-US" dirty="0" smtClean="0"/>
+              <a:t>Automated </a:t>
+            </a:r>
+            <a:r>
+              <a:rPr lang="en-US" dirty="0"/>
+              <a:t>security evaluations, security-focused unit testing, widespread monitoring, and defensive coding create rapid feedback loops where vulnerabilities are surfaced earlier in the product life cycle and can be fixed faster.</a:t>
+            </a:r>
+          </a:p>
+          <a:p>
+            <a:r>
+              <a:rPr lang="en-US" dirty="0"/>
+              <a:t>Products</a:t>
+            </a:r>
+          </a:p>
+          <a:p>
+            <a:pPr lvl="1"/>
+            <a:r>
+              <a:rPr lang="en-US" dirty="0" smtClean="0"/>
+              <a:t>Building the right </a:t>
+            </a:r>
+            <a:r>
+              <a:rPr lang="en-US" dirty="0"/>
+              <a:t>toolchain </a:t>
+            </a:r>
+            <a:r>
+              <a:rPr lang="en-US" dirty="0" smtClean="0"/>
+              <a:t>in CI/CD </a:t>
+            </a:r>
+            <a:r>
+              <a:rPr lang="en-US" dirty="0"/>
+              <a:t>to automate the identification of security issues. </a:t>
+            </a:r>
+            <a:endParaRPr lang="en-US" dirty="0" smtClean="0"/>
+          </a:p>
+          <a:p>
+            <a:pPr lvl="1"/>
+            <a:r>
+              <a:rPr lang="en-US" dirty="0" smtClean="0"/>
+              <a:t>Dependency </a:t>
+            </a:r>
+            <a:r>
+              <a:rPr lang="en-US" dirty="0"/>
+              <a:t>scanning, static and dynamic application security testing, and automated policy enforcement tools are often used to help build security into every stage of the SDLC</a:t>
+            </a:r>
+            <a:r>
+              <a:rPr lang="en-US" dirty="0" smtClean="0"/>
+              <a:t>.</a:t>
+            </a:r>
+          </a:p>
+          <a:p>
+            <a:r>
+              <a:rPr lang="en-US" dirty="0" smtClean="0"/>
+              <a:t>Governance</a:t>
+            </a:r>
+          </a:p>
+          <a:p>
+            <a:pPr lvl="1"/>
+            <a:r>
+              <a:rPr lang="en-US" dirty="0" smtClean="0"/>
+              <a:t>Continuous </a:t>
+            </a:r>
+            <a:r>
+              <a:rPr lang="en-US" dirty="0"/>
+              <a:t>improvement is central to </a:t>
+            </a:r>
+            <a:r>
+              <a:rPr lang="en-US" dirty="0" err="1"/>
+              <a:t>DevSecOps</a:t>
+            </a:r>
+            <a:r>
+              <a:rPr lang="en-US" dirty="0"/>
+              <a:t> and it requires creating a culture of measurement that enables practitioners to identify opportunities to refine processes and tooling.</a:t>
+            </a:r>
           </a:p>
         </p:txBody>
       </p:sp>
@@ -6037,7 +6039,7 @@
           <p:cNvPr id="4" name="Slide Number Placeholder 3">
             <a:extLst>
               <a:ext uri="{FF2B5EF4-FFF2-40B4-BE49-F238E27FC236}">
-                <a16:creationId xmlns:a16="http://schemas.microsoft.com/office/drawing/2014/main" id="{1CB08F79-C823-7242-391B-31D170D2DBAC}"/>
+                <a16:creationId xmlns:a16="http://schemas.microsoft.com/office/drawing/2014/main" id="{F6A51594-7A4C-5466-4ED0-909F68A78854}"/>
               </a:ext>
             </a:extLst>
           </p:cNvPr>
@@ -6065,7 +6067,7 @@
     </p:spTree>
     <p:extLst>
       <p:ext uri="{BB962C8B-B14F-4D97-AF65-F5344CB8AC3E}">
-        <p14:creationId xmlns:p14="http://schemas.microsoft.com/office/powerpoint/2010/main" val="1488673809"/>
+        <p14:creationId xmlns:p14="http://schemas.microsoft.com/office/powerpoint/2010/main" val="2096334034"/>
       </p:ext>
     </p:extLst>
   </p:cSld>
@@ -6097,6 +6099,283 @@
           <p:cNvPr id="5" name="Title 4">
             <a:extLst>
               <a:ext uri="{FF2B5EF4-FFF2-40B4-BE49-F238E27FC236}">
+                <a16:creationId xmlns:a16="http://schemas.microsoft.com/office/drawing/2014/main" id="{F02429E7-40CC-D2C0-9344-76BD75E5C978}"/>
+              </a:ext>
+            </a:extLst>
+          </p:cNvPr>
+          <p:cNvSpPr>
+            <a:spLocks noGrp="1"/>
+          </p:cNvSpPr>
+          <p:nvPr>
+            <p:ph type="title"/>
+          </p:nvPr>
+        </p:nvSpPr>
+        <p:spPr/>
+        <p:txBody>
+          <a:bodyPr/>
+          <a:lstStyle/>
+          <a:p>
+            <a:r>
+              <a:rPr lang="en-US" dirty="0" err="1"/>
+              <a:t>DevSecOps</a:t>
+            </a:r>
+            <a:r>
+              <a:rPr lang="en-US" dirty="0"/>
+              <a:t> Toolchain</a:t>
+            </a:r>
+          </a:p>
+        </p:txBody>
+      </p:sp>
+      <p:sp>
+        <p:nvSpPr>
+          <p:cNvPr id="6" name="Text Placeholder 5">
+            <a:extLst>
+              <a:ext uri="{FF2B5EF4-FFF2-40B4-BE49-F238E27FC236}">
+                <a16:creationId xmlns:a16="http://schemas.microsoft.com/office/drawing/2014/main" id="{2147A065-5D84-280D-E62E-3E43E895EFA7}"/>
+              </a:ext>
+            </a:extLst>
+          </p:cNvPr>
+          <p:cNvSpPr>
+            <a:spLocks noGrp="1"/>
+          </p:cNvSpPr>
+          <p:nvPr>
+            <p:ph type="body" idx="1"/>
+          </p:nvPr>
+        </p:nvSpPr>
+        <p:spPr/>
+        <p:txBody>
+          <a:bodyPr/>
+          <a:lstStyle/>
+          <a:p>
+            <a:endParaRPr lang="en-US"/>
+          </a:p>
+        </p:txBody>
+      </p:sp>
+      <p:sp>
+        <p:nvSpPr>
+          <p:cNvPr id="4" name="Slide Number Placeholder 3">
+            <a:extLst>
+              <a:ext uri="{FF2B5EF4-FFF2-40B4-BE49-F238E27FC236}">
+                <a16:creationId xmlns:a16="http://schemas.microsoft.com/office/drawing/2014/main" id="{1CB08F79-C823-7242-391B-31D170D2DBAC}"/>
+              </a:ext>
+            </a:extLst>
+          </p:cNvPr>
+          <p:cNvSpPr>
+            <a:spLocks noGrp="1"/>
+          </p:cNvSpPr>
+          <p:nvPr>
+            <p:ph type="sldNum" sz="quarter" idx="12"/>
+          </p:nvPr>
+        </p:nvSpPr>
+        <p:spPr/>
+        <p:txBody>
+          <a:bodyPr/>
+          <a:lstStyle/>
+          <a:p>
+            <a:fld id="{B8DACC02-A2BD-4578-8E03-6D891060A695}" type="slidenum">
+              <a:rPr lang="en-US" smtClean="0"/>
+              <a:pPr/>
+              <a:t>19</a:t>
+            </a:fld>
+            <a:endParaRPr lang="en-US" dirty="0"/>
+          </a:p>
+        </p:txBody>
+      </p:sp>
+    </p:spTree>
+    <p:extLst>
+      <p:ext uri="{BB962C8B-B14F-4D97-AF65-F5344CB8AC3E}">
+        <p14:creationId xmlns:p14="http://schemas.microsoft.com/office/powerpoint/2010/main" val="1488673809"/>
+      </p:ext>
+    </p:extLst>
+  </p:cSld>
+  <p:clrMapOvr>
+    <a:masterClrMapping/>
+  </p:clrMapOvr>
+</p:sld>
+</file>
+
+<file path=ppt/slides/slide2.xml><?xml version="1.0" encoding="utf-8"?>
+<p:sld xmlns:a="http://schemas.openxmlformats.org/drawingml/2006/main" xmlns:r="http://schemas.openxmlformats.org/officeDocument/2006/relationships" xmlns:p="http://schemas.openxmlformats.org/presentationml/2006/main">
+  <p:cSld>
+    <p:spTree>
+      <p:nvGrpSpPr>
+        <p:cNvPr id="1" name=""/>
+        <p:cNvGrpSpPr/>
+        <p:nvPr/>
+      </p:nvGrpSpPr>
+      <p:grpSpPr>
+        <a:xfrm>
+          <a:off x="0" y="0"/>
+          <a:ext cx="0" cy="0"/>
+          <a:chOff x="0" y="0"/>
+          <a:chExt cx="0" cy="0"/>
+        </a:xfrm>
+      </p:grpSpPr>
+      <p:sp>
+        <p:nvSpPr>
+          <p:cNvPr id="2" name="Title 1"/>
+          <p:cNvSpPr>
+            <a:spLocks noGrp="1"/>
+          </p:cNvSpPr>
+          <p:nvPr>
+            <p:ph type="title"/>
+          </p:nvPr>
+        </p:nvSpPr>
+        <p:spPr/>
+        <p:txBody>
+          <a:bodyPr/>
+          <a:lstStyle/>
+          <a:p>
+            <a:r>
+              <a:rPr lang="en-US" dirty="0"/>
+              <a:t>Outline</a:t>
+            </a:r>
+          </a:p>
+        </p:txBody>
+      </p:sp>
+      <p:sp>
+        <p:nvSpPr>
+          <p:cNvPr id="3" name="Content Placeholder 2"/>
+          <p:cNvSpPr>
+            <a:spLocks noGrp="1"/>
+          </p:cNvSpPr>
+          <p:nvPr>
+            <p:ph idx="1"/>
+          </p:nvPr>
+        </p:nvSpPr>
+        <p:spPr/>
+        <p:txBody>
+          <a:bodyPr/>
+          <a:lstStyle/>
+          <a:p>
+            <a:pPr>
+              <a:lnSpc>
+                <a:spcPct val="150000"/>
+              </a:lnSpc>
+            </a:pPr>
+            <a:r>
+              <a:rPr lang="en-US" dirty="0"/>
+              <a:t>What is </a:t>
+            </a:r>
+            <a:r>
+              <a:rPr lang="en-US" dirty="0" err="1"/>
+              <a:t>DevSecOps</a:t>
+            </a:r>
+            <a:r>
+              <a:rPr lang="en-US" dirty="0"/>
+              <a:t>?</a:t>
+            </a:r>
+          </a:p>
+          <a:p>
+            <a:pPr>
+              <a:lnSpc>
+                <a:spcPct val="150000"/>
+              </a:lnSpc>
+            </a:pPr>
+            <a:r>
+              <a:rPr lang="en-US" dirty="0"/>
+              <a:t>What are the benefits of </a:t>
+            </a:r>
+            <a:r>
+              <a:rPr lang="en-US" dirty="0" err="1"/>
+              <a:t>DevSecOps</a:t>
+            </a:r>
+            <a:r>
+              <a:rPr lang="en-US" dirty="0"/>
+              <a:t>?</a:t>
+            </a:r>
+          </a:p>
+          <a:p>
+            <a:pPr>
+              <a:lnSpc>
+                <a:spcPct val="150000"/>
+              </a:lnSpc>
+            </a:pPr>
+            <a:r>
+              <a:rPr lang="en-US" dirty="0" err="1"/>
+              <a:t>DevSecOps</a:t>
+            </a:r>
+            <a:r>
+              <a:rPr lang="en-US" dirty="0"/>
+              <a:t> Best Practices</a:t>
+            </a:r>
+          </a:p>
+          <a:p>
+            <a:pPr>
+              <a:lnSpc>
+                <a:spcPct val="150000"/>
+              </a:lnSpc>
+            </a:pPr>
+            <a:r>
+              <a:rPr lang="en-US" dirty="0" err="1"/>
+              <a:t>DevSecOps</a:t>
+            </a:r>
+            <a:r>
+              <a:rPr lang="en-US" dirty="0"/>
+              <a:t> Toolchain</a:t>
+            </a:r>
+          </a:p>
+        </p:txBody>
+      </p:sp>
+      <p:sp>
+        <p:nvSpPr>
+          <p:cNvPr id="4" name="Slide Number Placeholder 3"/>
+          <p:cNvSpPr>
+            <a:spLocks noGrp="1"/>
+          </p:cNvSpPr>
+          <p:nvPr>
+            <p:ph type="sldNum" sz="quarter" idx="12"/>
+          </p:nvPr>
+        </p:nvSpPr>
+        <p:spPr/>
+        <p:txBody>
+          <a:bodyPr/>
+          <a:lstStyle/>
+          <a:p>
+            <a:fld id="{B8DACC02-A2BD-4578-8E03-6D891060A695}" type="slidenum">
+              <a:rPr lang="en-US" smtClean="0"/>
+              <a:pPr/>
+              <a:t>2</a:t>
+            </a:fld>
+            <a:endParaRPr lang="en-US" dirty="0"/>
+          </a:p>
+        </p:txBody>
+      </p:sp>
+    </p:spTree>
+    <p:extLst>
+      <p:ext uri="{BB962C8B-B14F-4D97-AF65-F5344CB8AC3E}">
+        <p14:creationId xmlns:p14="http://schemas.microsoft.com/office/powerpoint/2010/main" val="792989616"/>
+      </p:ext>
+    </p:extLst>
+  </p:cSld>
+  <p:clrMapOvr>
+    <a:masterClrMapping/>
+  </p:clrMapOvr>
+</p:sld>
+</file>
+
+<file path=ppt/slides/slide20.xml><?xml version="1.0" encoding="utf-8"?>
+<p:sld xmlns:a="http://schemas.openxmlformats.org/drawingml/2006/main" xmlns:r="http://schemas.openxmlformats.org/officeDocument/2006/relationships" xmlns:p="http://schemas.openxmlformats.org/presentationml/2006/main">
+  <p:cSld>
+    <p:spTree>
+      <p:nvGrpSpPr>
+        <p:cNvPr id="1" name=""/>
+        <p:cNvGrpSpPr/>
+        <p:nvPr/>
+      </p:nvGrpSpPr>
+      <p:grpSpPr>
+        <a:xfrm>
+          <a:off x="0" y="0"/>
+          <a:ext cx="0" cy="0"/>
+          <a:chOff x="0" y="0"/>
+          <a:chExt cx="0" cy="0"/>
+        </a:xfrm>
+      </p:grpSpPr>
+      <p:sp>
+        <p:nvSpPr>
+          <p:cNvPr id="5" name="Title 4">
+            <a:extLst>
+              <a:ext uri="{FF2B5EF4-FFF2-40B4-BE49-F238E27FC236}">
                 <a16:creationId xmlns:a16="http://schemas.microsoft.com/office/drawing/2014/main" id="{B1D1FAEF-8E73-26B7-A417-E435E2935120}"/>
               </a:ext>
             </a:extLst>
@@ -6172,7 +6451,7 @@
           <a:p>
             <a:fld id="{B8DACC02-A2BD-4578-8E03-6D891060A695}" type="slidenum">
               <a:rPr lang="en-US" smtClean="0"/>
-              <a:t>19</a:t>
+              <a:t>20</a:t>
             </a:fld>
             <a:endParaRPr lang="en-US"/>
           </a:p>
@@ -6245,362 +6524,6 @@
 </p:sld>
 </file>
 
-<file path=ppt/slides/slide2.xml><?xml version="1.0" encoding="utf-8"?>
-<p:sld xmlns:a="http://schemas.openxmlformats.org/drawingml/2006/main" xmlns:r="http://schemas.openxmlformats.org/officeDocument/2006/relationships" xmlns:p="http://schemas.openxmlformats.org/presentationml/2006/main">
-  <p:cSld>
-    <p:spTree>
-      <p:nvGrpSpPr>
-        <p:cNvPr id="1" name=""/>
-        <p:cNvGrpSpPr/>
-        <p:nvPr/>
-      </p:nvGrpSpPr>
-      <p:grpSpPr>
-        <a:xfrm>
-          <a:off x="0" y="0"/>
-          <a:ext cx="0" cy="0"/>
-          <a:chOff x="0" y="0"/>
-          <a:chExt cx="0" cy="0"/>
-        </a:xfrm>
-      </p:grpSpPr>
-      <p:sp>
-        <p:nvSpPr>
-          <p:cNvPr id="2" name="Title 1"/>
-          <p:cNvSpPr>
-            <a:spLocks noGrp="1"/>
-          </p:cNvSpPr>
-          <p:nvPr>
-            <p:ph type="title"/>
-          </p:nvPr>
-        </p:nvSpPr>
-        <p:spPr/>
-        <p:txBody>
-          <a:bodyPr/>
-          <a:lstStyle/>
-          <a:p>
-            <a:r>
-              <a:rPr lang="en-US" dirty="0"/>
-              <a:t>Outline</a:t>
-            </a:r>
-          </a:p>
-        </p:txBody>
-      </p:sp>
-      <p:sp>
-        <p:nvSpPr>
-          <p:cNvPr id="3" name="Content Placeholder 2"/>
-          <p:cNvSpPr>
-            <a:spLocks noGrp="1"/>
-          </p:cNvSpPr>
-          <p:nvPr>
-            <p:ph idx="1"/>
-          </p:nvPr>
-        </p:nvSpPr>
-        <p:spPr/>
-        <p:txBody>
-          <a:bodyPr/>
-          <a:lstStyle/>
-          <a:p>
-            <a:pPr>
-              <a:lnSpc>
-                <a:spcPct val="150000"/>
-              </a:lnSpc>
-            </a:pPr>
-            <a:r>
-              <a:rPr lang="en-US" dirty="0"/>
-              <a:t>What is </a:t>
-            </a:r>
-            <a:r>
-              <a:rPr lang="en-US" dirty="0" err="1"/>
-              <a:t>DevSecOps</a:t>
-            </a:r>
-            <a:r>
-              <a:rPr lang="en-US" dirty="0"/>
-              <a:t>?</a:t>
-            </a:r>
-          </a:p>
-          <a:p>
-            <a:pPr>
-              <a:lnSpc>
-                <a:spcPct val="150000"/>
-              </a:lnSpc>
-            </a:pPr>
-            <a:r>
-              <a:rPr lang="en-US" dirty="0"/>
-              <a:t>What are the benefits of </a:t>
-            </a:r>
-            <a:r>
-              <a:rPr lang="en-US" dirty="0" err="1"/>
-              <a:t>DevSecOps</a:t>
-            </a:r>
-            <a:r>
-              <a:rPr lang="en-US" dirty="0"/>
-              <a:t>?</a:t>
-            </a:r>
-          </a:p>
-          <a:p>
-            <a:pPr>
-              <a:lnSpc>
-                <a:spcPct val="150000"/>
-              </a:lnSpc>
-            </a:pPr>
-            <a:r>
-              <a:rPr lang="en-US" dirty="0" err="1"/>
-              <a:t>DevSecOps</a:t>
-            </a:r>
-            <a:r>
-              <a:rPr lang="en-US" dirty="0"/>
-              <a:t> Best Practices</a:t>
-            </a:r>
-          </a:p>
-          <a:p>
-            <a:pPr>
-              <a:lnSpc>
-                <a:spcPct val="150000"/>
-              </a:lnSpc>
-            </a:pPr>
-            <a:r>
-              <a:rPr lang="en-US" dirty="0" err="1"/>
-              <a:t>DevSecOps</a:t>
-            </a:r>
-            <a:r>
-              <a:rPr lang="en-US" dirty="0"/>
-              <a:t> Toolchain</a:t>
-            </a:r>
-          </a:p>
-        </p:txBody>
-      </p:sp>
-      <p:sp>
-        <p:nvSpPr>
-          <p:cNvPr id="4" name="Slide Number Placeholder 3"/>
-          <p:cNvSpPr>
-            <a:spLocks noGrp="1"/>
-          </p:cNvSpPr>
-          <p:nvPr>
-            <p:ph type="sldNum" sz="quarter" idx="12"/>
-          </p:nvPr>
-        </p:nvSpPr>
-        <p:spPr/>
-        <p:txBody>
-          <a:bodyPr/>
-          <a:lstStyle/>
-          <a:p>
-            <a:fld id="{B8DACC02-A2BD-4578-8E03-6D891060A695}" type="slidenum">
-              <a:rPr lang="en-US" smtClean="0"/>
-              <a:pPr/>
-              <a:t>2</a:t>
-            </a:fld>
-            <a:endParaRPr lang="en-US" dirty="0"/>
-          </a:p>
-        </p:txBody>
-      </p:sp>
-    </p:spTree>
-    <p:extLst>
-      <p:ext uri="{BB962C8B-B14F-4D97-AF65-F5344CB8AC3E}">
-        <p14:creationId xmlns:p14="http://schemas.microsoft.com/office/powerpoint/2010/main" val="792989616"/>
-      </p:ext>
-    </p:extLst>
-  </p:cSld>
-  <p:clrMapOvr>
-    <a:masterClrMapping/>
-  </p:clrMapOvr>
-</p:sld>
-</file>
-
-<file path=ppt/slides/slide20.xml><?xml version="1.0" encoding="utf-8"?>
-<p:sld xmlns:a="http://schemas.openxmlformats.org/drawingml/2006/main" xmlns:r="http://schemas.openxmlformats.org/officeDocument/2006/relationships" xmlns:p="http://schemas.openxmlformats.org/presentationml/2006/main">
-  <p:cSld>
-    <p:spTree>
-      <p:nvGrpSpPr>
-        <p:cNvPr id="1" name=""/>
-        <p:cNvGrpSpPr/>
-        <p:nvPr/>
-      </p:nvGrpSpPr>
-      <p:grpSpPr>
-        <a:xfrm>
-          <a:off x="0" y="0"/>
-          <a:ext cx="0" cy="0"/>
-          <a:chOff x="0" y="0"/>
-          <a:chExt cx="0" cy="0"/>
-        </a:xfrm>
-      </p:grpSpPr>
-      <p:sp>
-        <p:nvSpPr>
-          <p:cNvPr id="2" name="Title 1">
-            <a:extLst>
-              <a:ext uri="{FF2B5EF4-FFF2-40B4-BE49-F238E27FC236}">
-                <a16:creationId xmlns:a16="http://schemas.microsoft.com/office/drawing/2014/main" id="{A0D9D849-3C14-2BFA-4084-F6CC283EE04C}"/>
-              </a:ext>
-            </a:extLst>
-          </p:cNvPr>
-          <p:cNvSpPr>
-            <a:spLocks noGrp="1"/>
-          </p:cNvSpPr>
-          <p:nvPr>
-            <p:ph type="title"/>
-          </p:nvPr>
-        </p:nvSpPr>
-        <p:spPr/>
-        <p:txBody>
-          <a:bodyPr/>
-          <a:lstStyle/>
-          <a:p>
-            <a:r>
-              <a:rPr lang="en-US" dirty="0" err="1"/>
-              <a:t>DevSecOps</a:t>
-            </a:r>
-            <a:r>
-              <a:rPr lang="en-US" dirty="0"/>
-              <a:t> automation principles</a:t>
-            </a:r>
-          </a:p>
-        </p:txBody>
-      </p:sp>
-      <p:sp>
-        <p:nvSpPr>
-          <p:cNvPr id="3" name="Content Placeholder 2">
-            <a:extLst>
-              <a:ext uri="{FF2B5EF4-FFF2-40B4-BE49-F238E27FC236}">
-                <a16:creationId xmlns:a16="http://schemas.microsoft.com/office/drawing/2014/main" id="{666D4C92-8814-3195-2A46-EECEE7C1F391}"/>
-              </a:ext>
-            </a:extLst>
-          </p:cNvPr>
-          <p:cNvSpPr>
-            <a:spLocks noGrp="1"/>
-          </p:cNvSpPr>
-          <p:nvPr>
-            <p:ph idx="1"/>
-          </p:nvPr>
-        </p:nvSpPr>
-        <p:spPr/>
-        <p:txBody>
-          <a:bodyPr>
-            <a:normAutofit fontScale="92500" lnSpcReduction="20000"/>
-          </a:bodyPr>
-          <a:lstStyle/>
-          <a:p>
-            <a:r>
-              <a:rPr lang="en-US" dirty="0"/>
-              <a:t>Automation should be strategic</a:t>
-            </a:r>
-          </a:p>
-          <a:p>
-            <a:pPr lvl="1"/>
-            <a:r>
-              <a:rPr lang="en-US" dirty="0" smtClean="0"/>
-              <a:t>Use </a:t>
-            </a:r>
-            <a:r>
-              <a:rPr lang="en-US" dirty="0"/>
-              <a:t>automation to facilitate speed and quality across the SDLC. But just as being strategic is important in a DevOps practice, it’s equally—if not more—important to be strategic about how and when automation is applied in a </a:t>
-            </a:r>
-            <a:r>
-              <a:rPr lang="en-US" dirty="0" err="1"/>
-              <a:t>DevSecOps</a:t>
-            </a:r>
-            <a:r>
-              <a:rPr lang="en-US" dirty="0"/>
-              <a:t> environment.</a:t>
-            </a:r>
-          </a:p>
-          <a:p>
-            <a:r>
-              <a:rPr lang="en-US" dirty="0"/>
-              <a:t>Let people focus on being creative</a:t>
-            </a:r>
-          </a:p>
-          <a:p>
-            <a:pPr lvl="1"/>
-            <a:r>
-              <a:rPr lang="en-US" dirty="0"/>
-              <a:t>Automate repetitive tasks wherever possible. That way, people can save their time and mental energy for more involved work while checks are applied more consistently and at scale.</a:t>
-            </a:r>
-          </a:p>
-          <a:p>
-            <a:r>
-              <a:rPr lang="en-US" dirty="0"/>
-              <a:t>Systematize code review</a:t>
-            </a:r>
-          </a:p>
-          <a:p>
-            <a:pPr lvl="1"/>
-            <a:r>
-              <a:rPr lang="en-US" dirty="0"/>
-              <a:t>Use tools such as static application security testing to automate elements of your code review. </a:t>
-            </a:r>
-            <a:endParaRPr lang="en-US" dirty="0" smtClean="0"/>
-          </a:p>
-          <a:p>
-            <a:pPr lvl="1"/>
-            <a:r>
-              <a:rPr lang="en-US" dirty="0" smtClean="0"/>
-              <a:t>Human-led </a:t>
-            </a:r>
-            <a:r>
-              <a:rPr lang="en-US" dirty="0"/>
-              <a:t>code review is still important though and it’s critical to ensure your code review checklist covers security issues specific to your technology stack. </a:t>
-            </a:r>
-            <a:endParaRPr lang="en-US" dirty="0" smtClean="0"/>
-          </a:p>
-          <a:p>
-            <a:pPr lvl="1"/>
-            <a:r>
-              <a:rPr lang="en-US" dirty="0" smtClean="0"/>
-              <a:t>Create </a:t>
-            </a:r>
-            <a:r>
-              <a:rPr lang="en-US" dirty="0"/>
-              <a:t>a feedback cycle so each time a new information becomes available you build it into the checklist</a:t>
-            </a:r>
-            <a:r>
-              <a:rPr lang="en-US" dirty="0" smtClean="0"/>
-              <a:t>.</a:t>
-            </a:r>
-            <a:endParaRPr lang="en-US" dirty="0"/>
-          </a:p>
-        </p:txBody>
-      </p:sp>
-      <p:sp>
-        <p:nvSpPr>
-          <p:cNvPr id="4" name="Slide Number Placeholder 3">
-            <a:extLst>
-              <a:ext uri="{FF2B5EF4-FFF2-40B4-BE49-F238E27FC236}">
-                <a16:creationId xmlns:a16="http://schemas.microsoft.com/office/drawing/2014/main" id="{4919B421-A280-8482-4668-CF2F426D2AF0}"/>
-              </a:ext>
-            </a:extLst>
-          </p:cNvPr>
-          <p:cNvSpPr>
-            <a:spLocks noGrp="1"/>
-          </p:cNvSpPr>
-          <p:nvPr>
-            <p:ph type="sldNum" sz="quarter" idx="12"/>
-          </p:nvPr>
-        </p:nvSpPr>
-        <p:spPr/>
-        <p:txBody>
-          <a:bodyPr/>
-          <a:lstStyle/>
-          <a:p>
-            <a:fld id="{B8DACC02-A2BD-4578-8E03-6D891060A695}" type="slidenum">
-              <a:rPr lang="en-US" smtClean="0"/>
-              <a:pPr/>
-              <a:t>20</a:t>
-            </a:fld>
-            <a:endParaRPr lang="en-US" dirty="0"/>
-          </a:p>
-        </p:txBody>
-      </p:sp>
-    </p:spTree>
-    <p:extLst>
-      <p:ext uri="{BB962C8B-B14F-4D97-AF65-F5344CB8AC3E}">
-        <p14:creationId xmlns:p14="http://schemas.microsoft.com/office/powerpoint/2010/main" val="1261024641"/>
-      </p:ext>
-    </p:extLst>
-  </p:cSld>
-  <p:clrMapOvr>
-    <a:masterClrMapping/>
-  </p:clrMapOvr>
-</p:sld>
-</file>
-
 <file path=ppt/slides/slide21.xml><?xml version="1.0" encoding="utf-8"?>
 <p:sld xmlns:a="http://schemas.openxmlformats.org/drawingml/2006/main" xmlns:r="http://schemas.openxmlformats.org/officeDocument/2006/relationships" xmlns:p="http://schemas.openxmlformats.org/presentationml/2006/main">
   <p:cSld>
@@ -6623,7 +6546,7 @@
           <p:cNvPr id="2" name="Title 1">
             <a:extLst>
               <a:ext uri="{FF2B5EF4-FFF2-40B4-BE49-F238E27FC236}">
-                <a16:creationId xmlns:a16="http://schemas.microsoft.com/office/drawing/2014/main" id="{B1959AA7-CFD1-3B78-5610-50FB8C076024}"/>
+                <a16:creationId xmlns:a16="http://schemas.microsoft.com/office/drawing/2014/main" id="{A0D9D849-3C14-2BFA-4084-F6CC283EE04C}"/>
               </a:ext>
             </a:extLst>
           </p:cNvPr>
@@ -6645,7 +6568,7 @@
             </a:r>
             <a:r>
               <a:rPr lang="en-US" dirty="0"/>
-              <a:t> toolchain</a:t>
+              <a:t> automation principles</a:t>
             </a:r>
           </a:p>
         </p:txBody>
@@ -6655,7 +6578,7 @@
           <p:cNvPr id="3" name="Content Placeholder 2">
             <a:extLst>
               <a:ext uri="{FF2B5EF4-FFF2-40B4-BE49-F238E27FC236}">
-                <a16:creationId xmlns:a16="http://schemas.microsoft.com/office/drawing/2014/main" id="{4A83CF99-3DB3-A06C-FB12-48EF1CD65A50}"/>
+                <a16:creationId xmlns:a16="http://schemas.microsoft.com/office/drawing/2014/main" id="{666D4C92-8814-3195-2A46-EECEE7C1F391}"/>
               </a:ext>
             </a:extLst>
           </p:cNvPr>
@@ -6669,20 +6592,24 @@
         <p:spPr/>
         <p:txBody>
           <a:bodyPr>
-            <a:normAutofit/>
+            <a:normAutofit fontScale="92500" lnSpcReduction="20000"/>
           </a:bodyPr>
           <a:lstStyle/>
           <a:p>
             <a:r>
               <a:rPr lang="en-US" dirty="0"/>
-              <a:t>Automated security tests on commits and merges</a:t>
+              <a:t>Automation should be strategic</a:t>
             </a:r>
           </a:p>
           <a:p>
             <a:pPr lvl="1"/>
             <a:r>
-              <a:rPr lang="en-US" dirty="0"/>
-              <a:t>A basic goal of any </a:t>
+              <a:rPr lang="en-US" dirty="0" smtClean="0"/>
+              <a:t>Use </a:t>
+            </a:r>
+            <a:r>
+              <a:rPr lang="en-US" dirty="0"/>
+              <a:t>automation to facilitate speed and quality across the SDLC. But just as being strategic is important in a DevOps practice, it’s equally—if not more—important to be strategic about how and when automation is applied in a </a:t>
             </a:r>
             <a:r>
               <a:rPr lang="en-US" dirty="0" err="1"/>
@@ -6690,29 +6617,63 @@
             </a:r>
             <a:r>
               <a:rPr lang="en-US" dirty="0"/>
-              <a:t> practice is to catch issues in code before they can do harm by triggering automatic scans using pre-commit and merge triggers. Some of the scans organizations might implement include:</a:t>
-            </a:r>
-          </a:p>
-          <a:p>
-            <a:pPr lvl="2"/>
-            <a:r>
-              <a:rPr lang="en-US" dirty="0"/>
-              <a:t>Code scanning: Often called static application security testing, this evaluates code at rest—in other words, without having to run it—to discover code that could lead to a vulnerability.</a:t>
-            </a:r>
-          </a:p>
-          <a:p>
-            <a:pPr lvl="2"/>
-            <a:r>
-              <a:rPr lang="en-US" dirty="0"/>
-              <a:t>Vulnerability scanning: Dynamic application scanning tools build and deploy the application to a sandboxed environment and then observe how it responds to known security threats.</a:t>
-            </a:r>
-          </a:p>
-          <a:p>
-            <a:pPr lvl="2"/>
-            <a:r>
-              <a:rPr lang="en-US" dirty="0"/>
-              <a:t>Secret scanning: Even with the most stringent policies, secrets occasionally make it into a commit. Secret scanning tools are used to catch them before the commit is made. These also pair with SCA tools, which are used to detect any vulnerabilities in open source dependencies within a given codebase.</a:t>
-            </a:r>
+              <a:t> environment.</a:t>
+            </a:r>
+          </a:p>
+          <a:p>
+            <a:r>
+              <a:rPr lang="en-US" dirty="0"/>
+              <a:t>Let people focus on being creative</a:t>
+            </a:r>
+          </a:p>
+          <a:p>
+            <a:pPr lvl="1"/>
+            <a:r>
+              <a:rPr lang="en-US" dirty="0"/>
+              <a:t>Automate repetitive tasks wherever possible. That way, people can save their time and mental energy for more involved work while checks are applied more consistently and at scale.</a:t>
+            </a:r>
+          </a:p>
+          <a:p>
+            <a:r>
+              <a:rPr lang="en-US" dirty="0"/>
+              <a:t>Systematize code review</a:t>
+            </a:r>
+          </a:p>
+          <a:p>
+            <a:pPr lvl="1"/>
+            <a:r>
+              <a:rPr lang="en-US" dirty="0"/>
+              <a:t>Use tools such as static application security testing to automate elements of your code review. </a:t>
+            </a:r>
+            <a:endParaRPr lang="en-US" dirty="0" smtClean="0"/>
+          </a:p>
+          <a:p>
+            <a:pPr lvl="1"/>
+            <a:r>
+              <a:rPr lang="en-US" dirty="0" smtClean="0"/>
+              <a:t>Human-led </a:t>
+            </a:r>
+            <a:r>
+              <a:rPr lang="en-US" dirty="0"/>
+              <a:t>code review is still important though and it’s critical to ensure your code review checklist covers security issues specific to your technology stack. </a:t>
+            </a:r>
+            <a:endParaRPr lang="en-US" dirty="0" smtClean="0"/>
+          </a:p>
+          <a:p>
+            <a:pPr lvl="1"/>
+            <a:r>
+              <a:rPr lang="en-US" dirty="0" smtClean="0"/>
+              <a:t>Create </a:t>
+            </a:r>
+            <a:r>
+              <a:rPr lang="en-US" dirty="0"/>
+              <a:t>a feedback cycle so each time a new information becomes available you build it into the checklist</a:t>
+            </a:r>
+            <a:r>
+              <a:rPr lang="en-US" dirty="0" smtClean="0"/>
+              <a:t>.</a:t>
+            </a:r>
+            <a:endParaRPr lang="en-US" dirty="0"/>
           </a:p>
         </p:txBody>
       </p:sp>
@@ -6721,7 +6682,7 @@
           <p:cNvPr id="4" name="Slide Number Placeholder 3">
             <a:extLst>
               <a:ext uri="{FF2B5EF4-FFF2-40B4-BE49-F238E27FC236}">
-                <a16:creationId xmlns:a16="http://schemas.microsoft.com/office/drawing/2014/main" id="{EF08696A-BB53-A7CE-D27A-4E0CEAA96C51}"/>
+                <a16:creationId xmlns:a16="http://schemas.microsoft.com/office/drawing/2014/main" id="{4919B421-A280-8482-4668-CF2F426D2AF0}"/>
               </a:ext>
             </a:extLst>
           </p:cNvPr>
@@ -6749,7 +6710,7 @@
     </p:spTree>
     <p:extLst>
       <p:ext uri="{BB962C8B-B14F-4D97-AF65-F5344CB8AC3E}">
-        <p14:creationId xmlns:p14="http://schemas.microsoft.com/office/powerpoint/2010/main" val="4002207660"/>
+        <p14:creationId xmlns:p14="http://schemas.microsoft.com/office/powerpoint/2010/main" val="1261024641"/>
       </p:ext>
     </p:extLst>
   </p:cSld>
@@ -6781,7 +6742,7 @@
           <p:cNvPr id="2" name="Title 1">
             <a:extLst>
               <a:ext uri="{FF2B5EF4-FFF2-40B4-BE49-F238E27FC236}">
-                <a16:creationId xmlns:a16="http://schemas.microsoft.com/office/drawing/2014/main" id="{058BD59F-291B-6F77-821D-AC164C33468E}"/>
+                <a16:creationId xmlns:a16="http://schemas.microsoft.com/office/drawing/2014/main" id="{B1959AA7-CFD1-3B78-5610-50FB8C076024}"/>
               </a:ext>
             </a:extLst>
           </p:cNvPr>
@@ -6813,7 +6774,7 @@
           <p:cNvPr id="3" name="Content Placeholder 2">
             <a:extLst>
               <a:ext uri="{FF2B5EF4-FFF2-40B4-BE49-F238E27FC236}">
-                <a16:creationId xmlns:a16="http://schemas.microsoft.com/office/drawing/2014/main" id="{116C6722-5ABB-F204-984F-CB72F8E5A836}"/>
+                <a16:creationId xmlns:a16="http://schemas.microsoft.com/office/drawing/2014/main" id="{4A83CF99-3DB3-A06C-FB12-48EF1CD65A50}"/>
               </a:ext>
             </a:extLst>
           </p:cNvPr>
@@ -6826,19 +6787,21 @@
         </p:nvSpPr>
         <p:spPr/>
         <p:txBody>
-          <a:bodyPr/>
-          <a:lstStyle/>
-          <a:p>
-            <a:r>
-              <a:rPr lang="en-US" dirty="0"/>
-              <a:t>Configuration management</a:t>
+          <a:bodyPr>
+            <a:normAutofit/>
+          </a:bodyPr>
+          <a:lstStyle/>
+          <a:p>
+            <a:r>
+              <a:rPr lang="en-US" dirty="0"/>
+              <a:t>Automated security tests on commits and merges</a:t>
             </a:r>
           </a:p>
           <a:p>
             <a:pPr lvl="1"/>
             <a:r>
               <a:rPr lang="en-US" dirty="0"/>
-              <a:t>In </a:t>
+              <a:t>A basic goal of any </a:t>
             </a:r>
             <a:r>
               <a:rPr lang="en-US" dirty="0" err="1"/>
@@ -6846,7 +6809,28 @@
             </a:r>
             <a:r>
               <a:rPr lang="en-US" dirty="0"/>
-              <a:t>, a general rule is it’s best to remove the uncertainty from systems configuration—and this is often accomplished by adopting infrastructure as code. Tools such as Docker, Terraform, and Ansible use YAML and similar configuration files that can be automatically scanned for issues, committed to version control, and rolled out automatically to multiple instances of a service.</a:t>
+              <a:t> practice is to catch issues in code before they can do harm by triggering automatic scans using pre-commit and merge triggers. Some of the scans organizations might implement include:</a:t>
+            </a:r>
+          </a:p>
+          <a:p>
+            <a:pPr lvl="2"/>
+            <a:r>
+              <a:rPr lang="en-US" dirty="0"/>
+              <a:t>Code scanning: Often called static application security testing, this evaluates code at rest—in other words, without having to run it—to discover code that could lead to a vulnerability.</a:t>
+            </a:r>
+          </a:p>
+          <a:p>
+            <a:pPr lvl="2"/>
+            <a:r>
+              <a:rPr lang="en-US" dirty="0"/>
+              <a:t>Vulnerability scanning: Dynamic application scanning tools build and deploy the application to a sandboxed environment and then observe how it responds to known security threats.</a:t>
+            </a:r>
+          </a:p>
+          <a:p>
+            <a:pPr lvl="2"/>
+            <a:r>
+              <a:rPr lang="en-US" dirty="0"/>
+              <a:t>Secret scanning: Even with the most stringent policies, secrets occasionally make it into a commit. Secret scanning tools are used to catch them before the commit is made. These also pair with SCA tools, which are used to detect any vulnerabilities in open source dependencies within a given codebase.</a:t>
             </a:r>
           </a:p>
         </p:txBody>
@@ -6856,7 +6840,7 @@
           <p:cNvPr id="4" name="Slide Number Placeholder 3">
             <a:extLst>
               <a:ext uri="{FF2B5EF4-FFF2-40B4-BE49-F238E27FC236}">
-                <a16:creationId xmlns:a16="http://schemas.microsoft.com/office/drawing/2014/main" id="{24A60889-5F42-3017-1CF2-57AC68A2CAFD}"/>
+                <a16:creationId xmlns:a16="http://schemas.microsoft.com/office/drawing/2014/main" id="{EF08696A-BB53-A7CE-D27A-4E0CEAA96C51}"/>
               </a:ext>
             </a:extLst>
           </p:cNvPr>
@@ -6884,7 +6868,7 @@
     </p:spTree>
     <p:extLst>
       <p:ext uri="{BB962C8B-B14F-4D97-AF65-F5344CB8AC3E}">
-        <p14:creationId xmlns:p14="http://schemas.microsoft.com/office/powerpoint/2010/main" val="955689163"/>
+        <p14:creationId xmlns:p14="http://schemas.microsoft.com/office/powerpoint/2010/main" val="4002207660"/>
       </p:ext>
     </p:extLst>
   </p:cSld>
@@ -6916,7 +6900,7 @@
           <p:cNvPr id="2" name="Title 1">
             <a:extLst>
               <a:ext uri="{FF2B5EF4-FFF2-40B4-BE49-F238E27FC236}">
-                <a16:creationId xmlns:a16="http://schemas.microsoft.com/office/drawing/2014/main" id="{E87F2AC2-6279-03DE-AFF5-3F58A105F80C}"/>
+                <a16:creationId xmlns:a16="http://schemas.microsoft.com/office/drawing/2014/main" id="{058BD59F-291B-6F77-821D-AC164C33468E}"/>
               </a:ext>
             </a:extLst>
           </p:cNvPr>
@@ -6948,7 +6932,7 @@
           <p:cNvPr id="3" name="Content Placeholder 2">
             <a:extLst>
               <a:ext uri="{FF2B5EF4-FFF2-40B4-BE49-F238E27FC236}">
-                <a16:creationId xmlns:a16="http://schemas.microsoft.com/office/drawing/2014/main" id="{060CAA69-48D2-F063-A803-E1ED9E293EE3}"/>
+                <a16:creationId xmlns:a16="http://schemas.microsoft.com/office/drawing/2014/main" id="{116C6722-5ABB-F204-984F-CB72F8E5A836}"/>
               </a:ext>
             </a:extLst>
           </p:cNvPr>
@@ -6966,14 +6950,22 @@
           <a:p>
             <a:r>
               <a:rPr lang="en-US" dirty="0"/>
-              <a:t>Container orchestration</a:t>
+              <a:t>Configuration management</a:t>
             </a:r>
           </a:p>
           <a:p>
             <a:pPr lvl="1"/>
             <a:r>
               <a:rPr lang="en-US" dirty="0"/>
-              <a:t>In some environments, organizations may adopt a microservices architecture to better support complex, cloud-native applications. This requires maintaining multiple containers and scaling them as needed and securely—and that involves container orchestration tools. Just like configuration management tools, container orchestration tooling will often use YAML configuration files to dictate interactions between containers.</a:t>
+              <a:t>In </a:t>
+            </a:r>
+            <a:r>
+              <a:rPr lang="en-US" dirty="0" err="1"/>
+              <a:t>DevSecOps</a:t>
+            </a:r>
+            <a:r>
+              <a:rPr lang="en-US" dirty="0"/>
+              <a:t>, a general rule is it’s best to remove the uncertainty from systems configuration—and this is often accomplished by adopting infrastructure as code. Tools such as Docker, Terraform, and Ansible use YAML and similar configuration files that can be automatically scanned for issues, committed to version control, and rolled out automatically to multiple instances of a service.</a:t>
             </a:r>
           </a:p>
         </p:txBody>
@@ -6983,7 +6975,7 @@
           <p:cNvPr id="4" name="Slide Number Placeholder 3">
             <a:extLst>
               <a:ext uri="{FF2B5EF4-FFF2-40B4-BE49-F238E27FC236}">
-                <a16:creationId xmlns:a16="http://schemas.microsoft.com/office/drawing/2014/main" id="{A390ABE8-92DB-51E5-030A-85EBE3BEF070}"/>
+                <a16:creationId xmlns:a16="http://schemas.microsoft.com/office/drawing/2014/main" id="{24A60889-5F42-3017-1CF2-57AC68A2CAFD}"/>
               </a:ext>
             </a:extLst>
           </p:cNvPr>
@@ -7011,7 +7003,7 @@
     </p:spTree>
     <p:extLst>
       <p:ext uri="{BB962C8B-B14F-4D97-AF65-F5344CB8AC3E}">
-        <p14:creationId xmlns:p14="http://schemas.microsoft.com/office/powerpoint/2010/main" val="353356073"/>
+        <p14:creationId xmlns:p14="http://schemas.microsoft.com/office/powerpoint/2010/main" val="955689163"/>
       </p:ext>
     </p:extLst>
   </p:cSld>
@@ -7043,7 +7035,7 @@
           <p:cNvPr id="2" name="Title 1">
             <a:extLst>
               <a:ext uri="{FF2B5EF4-FFF2-40B4-BE49-F238E27FC236}">
-                <a16:creationId xmlns:a16="http://schemas.microsoft.com/office/drawing/2014/main" id="{6A06863A-30D6-10C9-F65B-7D118DEC7A7A}"/>
+                <a16:creationId xmlns:a16="http://schemas.microsoft.com/office/drawing/2014/main" id="{E87F2AC2-6279-03DE-AFF5-3F58A105F80C}"/>
               </a:ext>
             </a:extLst>
           </p:cNvPr>
@@ -7075,7 +7067,7 @@
           <p:cNvPr id="3" name="Content Placeholder 2">
             <a:extLst>
               <a:ext uri="{FF2B5EF4-FFF2-40B4-BE49-F238E27FC236}">
-                <a16:creationId xmlns:a16="http://schemas.microsoft.com/office/drawing/2014/main" id="{5590452D-AEB4-884A-B883-7D6A238912FA}"/>
+                <a16:creationId xmlns:a16="http://schemas.microsoft.com/office/drawing/2014/main" id="{060CAA69-48D2-F063-A803-E1ED9E293EE3}"/>
               </a:ext>
             </a:extLst>
           </p:cNvPr>
@@ -7088,49 +7080,20 @@
         </p:nvSpPr>
         <p:spPr/>
         <p:txBody>
-          <a:bodyPr>
-            <a:normAutofit/>
-          </a:bodyPr>
-          <a:lstStyle/>
-          <a:p>
-            <a:r>
-              <a:rPr lang="en-US" dirty="0"/>
-              <a:t>Runtime verification</a:t>
+          <a:bodyPr/>
+          <a:lstStyle/>
+          <a:p>
+            <a:r>
+              <a:rPr lang="en-US" dirty="0"/>
+              <a:t>Container orchestration</a:t>
             </a:r>
           </a:p>
           <a:p>
             <a:pPr lvl="1"/>
             <a:r>
               <a:rPr lang="en-US" dirty="0"/>
-              <a:t>Also known as runtime application self-protection tools, these tools will actively monitor and/or direct threats towards your application as it runs with reports highlighting any vulnerabilities.</a:t>
-            </a:r>
-          </a:p>
-          <a:p>
-            <a:r>
-              <a:rPr lang="en-US" dirty="0"/>
-              <a:t>Continuous monitoring and reporting</a:t>
-            </a:r>
-          </a:p>
-          <a:p>
-            <a:pPr lvl="1"/>
-            <a:r>
-              <a:rPr lang="en-US" dirty="0"/>
-              <a:t>One of the simplest yet highly effective aspects of </a:t>
-            </a:r>
-            <a:r>
-              <a:rPr lang="en-US" dirty="0" err="1"/>
-              <a:t>DevSecOps</a:t>
-            </a:r>
-            <a:r>
-              <a:rPr lang="en-US" dirty="0"/>
-              <a:t> tooling is measurement—and that involves logging everything at the application and infrastructure level. The best tools will provide real-time intelligence when something goes wrong and include a reporting system so you can catch issues early. Outbound data from an unexpected port, for example, could indicate a compromise but without monitoring and reporting it might go undetected.</a:t>
-            </a:r>
-          </a:p>
-          <a:p>
-            <a:pPr marL="0" indent="0">
-              <a:buNone/>
-            </a:pPr>
-            <a:endParaRPr lang="en-US" dirty="0"/>
+              <a:t>In some environments, organizations may adopt a microservices architecture to better support complex, cloud-native applications. This requires maintaining multiple containers and scaling them as needed and securely—and that involves container orchestration tools. Just like configuration management tools, container orchestration tooling will often use YAML configuration files to dictate interactions between containers.</a:t>
+            </a:r>
           </a:p>
         </p:txBody>
       </p:sp>
@@ -7139,7 +7102,7 @@
           <p:cNvPr id="4" name="Slide Number Placeholder 3">
             <a:extLst>
               <a:ext uri="{FF2B5EF4-FFF2-40B4-BE49-F238E27FC236}">
-                <a16:creationId xmlns:a16="http://schemas.microsoft.com/office/drawing/2014/main" id="{8C262E43-6362-80D6-F64A-28CAA2017179}"/>
+                <a16:creationId xmlns:a16="http://schemas.microsoft.com/office/drawing/2014/main" id="{A390ABE8-92DB-51E5-030A-85EBE3BEF070}"/>
               </a:ext>
             </a:extLst>
           </p:cNvPr>
@@ -7167,7 +7130,7 @@
     </p:spTree>
     <p:extLst>
       <p:ext uri="{BB962C8B-B14F-4D97-AF65-F5344CB8AC3E}">
-        <p14:creationId xmlns:p14="http://schemas.microsoft.com/office/powerpoint/2010/main" val="1985459662"/>
+        <p14:creationId xmlns:p14="http://schemas.microsoft.com/office/powerpoint/2010/main" val="353356073"/>
       </p:ext>
     </p:extLst>
   </p:cSld>
@@ -7199,7 +7162,7 @@
           <p:cNvPr id="2" name="Title 1">
             <a:extLst>
               <a:ext uri="{FF2B5EF4-FFF2-40B4-BE49-F238E27FC236}">
-                <a16:creationId xmlns:a16="http://schemas.microsoft.com/office/drawing/2014/main" id="{6ED93909-E8F5-6BA3-FDED-4C5928E673B6}"/>
+                <a16:creationId xmlns:a16="http://schemas.microsoft.com/office/drawing/2014/main" id="{6A06863A-30D6-10C9-F65B-7D118DEC7A7A}"/>
               </a:ext>
             </a:extLst>
           </p:cNvPr>
@@ -7216,16 +7179,12 @@
           <a:lstStyle/>
           <a:p>
             <a:r>
-              <a:rPr lang="en-US" dirty="0"/>
-              <a:t>What are common </a:t>
-            </a:r>
-            <a:r>
               <a:rPr lang="en-US" dirty="0" err="1"/>
               <a:t>DevSecOps</a:t>
             </a:r>
             <a:r>
               <a:rPr lang="en-US" dirty="0"/>
-              <a:t> tools?</a:t>
+              <a:t> toolchain</a:t>
             </a:r>
           </a:p>
         </p:txBody>
@@ -7235,7 +7194,7 @@
           <p:cNvPr id="3" name="Content Placeholder 2">
             <a:extLst>
               <a:ext uri="{FF2B5EF4-FFF2-40B4-BE49-F238E27FC236}">
-                <a16:creationId xmlns:a16="http://schemas.microsoft.com/office/drawing/2014/main" id="{27BF8794-5F4C-79A4-FADA-2286DEB50C05}"/>
+                <a16:creationId xmlns:a16="http://schemas.microsoft.com/office/drawing/2014/main" id="{5590452D-AEB4-884A-B883-7D6A238912FA}"/>
               </a:ext>
             </a:extLst>
           </p:cNvPr>
@@ -7249,64 +7208,48 @@
         <p:spPr/>
         <p:txBody>
           <a:bodyPr>
-            <a:normAutofit fontScale="92500" lnSpcReduction="10000"/>
+            <a:normAutofit/>
           </a:bodyPr>
           <a:lstStyle/>
           <a:p>
             <a:r>
               <a:rPr lang="en-US" dirty="0"/>
-              <a:t>Static application security testing</a:t>
+              <a:t>Runtime verification</a:t>
             </a:r>
           </a:p>
           <a:p>
             <a:pPr lvl="1"/>
             <a:r>
               <a:rPr lang="en-US" dirty="0"/>
-              <a:t>Static application security testing (SAST) tools analyze and find vulnerabilities in proprietary source code. </a:t>
-            </a:r>
-          </a:p>
-          <a:p>
-            <a:r>
-              <a:rPr lang="en-US" dirty="0"/>
-              <a:t>Software composition analysis </a:t>
+              <a:t>Also known as runtime application self-protection tools, these tools will actively monitor and/or direct threats towards your application as it runs with reports highlighting any vulnerabilities.</a:t>
+            </a:r>
+          </a:p>
+          <a:p>
+            <a:r>
+              <a:rPr lang="en-US" dirty="0"/>
+              <a:t>Continuous monitoring and reporting</a:t>
             </a:r>
           </a:p>
           <a:p>
             <a:pPr lvl="1"/>
             <a:r>
               <a:rPr lang="en-US" dirty="0"/>
-              <a:t>Software composition analysis (SCA) is the process of automating visibility into open-source software (OSS) use for the purpose of risk management, security, and license compliance. </a:t>
-            </a:r>
-          </a:p>
-          <a:p>
-            <a:r>
-              <a:rPr lang="en-US" dirty="0"/>
-              <a:t>Interactive application security testing</a:t>
-            </a:r>
-          </a:p>
-          <a:p>
-            <a:pPr lvl="1"/>
+              <a:t>One of the simplest yet highly effective aspects of </a:t>
+            </a:r>
             <a:r>
               <a:rPr lang="en-US" dirty="0" err="1"/>
               <a:t>DevSecOps</a:t>
             </a:r>
             <a:r>
               <a:rPr lang="en-US" dirty="0"/>
-              <a:t> teams use interactive application security testing (IAST) tools to evaluate an application’s potential vulnerabilities in the production environment. IAST consists of special security monitors that run from within the application. </a:t>
-            </a:r>
-          </a:p>
-          <a:p>
-            <a:r>
-              <a:rPr lang="en-US" dirty="0"/>
-              <a:t>Dynamic application security testing</a:t>
-            </a:r>
-          </a:p>
-          <a:p>
-            <a:pPr lvl="1"/>
-            <a:r>
-              <a:rPr lang="en-US" dirty="0"/>
-              <a:t>Dynamic application security testing (DAST) tools mimic hackers by testing the application's security from outside the network.</a:t>
-            </a:r>
+              <a:t> tooling is measurement—and that involves logging everything at the application and infrastructure level. The best tools will provide real-time intelligence when something goes wrong and include a reporting system so you can catch issues early. Outbound data from an unexpected port, for example, could indicate a compromise but without monitoring and reporting it might go undetected.</a:t>
+            </a:r>
+          </a:p>
+          <a:p>
+            <a:pPr marL="0" indent="0">
+              <a:buNone/>
+            </a:pPr>
+            <a:endParaRPr lang="en-US" dirty="0"/>
           </a:p>
         </p:txBody>
       </p:sp>
@@ -7315,7 +7258,7 @@
           <p:cNvPr id="4" name="Slide Number Placeholder 3">
             <a:extLst>
               <a:ext uri="{FF2B5EF4-FFF2-40B4-BE49-F238E27FC236}">
-                <a16:creationId xmlns:a16="http://schemas.microsoft.com/office/drawing/2014/main" id="{8A589C86-D1AC-9414-9335-2D9BE92D8B39}"/>
+                <a16:creationId xmlns:a16="http://schemas.microsoft.com/office/drawing/2014/main" id="{8C262E43-6362-80D6-F64A-28CAA2017179}"/>
               </a:ext>
             </a:extLst>
           </p:cNvPr>
@@ -7343,7 +7286,7 @@
     </p:spTree>
     <p:extLst>
       <p:ext uri="{BB962C8B-B14F-4D97-AF65-F5344CB8AC3E}">
-        <p14:creationId xmlns:p14="http://schemas.microsoft.com/office/powerpoint/2010/main" val="707227958"/>
+        <p14:creationId xmlns:p14="http://schemas.microsoft.com/office/powerpoint/2010/main" val="1985459662"/>
       </p:ext>
     </p:extLst>
   </p:cSld>
@@ -7375,6 +7318,182 @@
           <p:cNvPr id="2" name="Title 1">
             <a:extLst>
               <a:ext uri="{FF2B5EF4-FFF2-40B4-BE49-F238E27FC236}">
+                <a16:creationId xmlns:a16="http://schemas.microsoft.com/office/drawing/2014/main" id="{6ED93909-E8F5-6BA3-FDED-4C5928E673B6}"/>
+              </a:ext>
+            </a:extLst>
+          </p:cNvPr>
+          <p:cNvSpPr>
+            <a:spLocks noGrp="1"/>
+          </p:cNvSpPr>
+          <p:nvPr>
+            <p:ph type="title"/>
+          </p:nvPr>
+        </p:nvSpPr>
+        <p:spPr/>
+        <p:txBody>
+          <a:bodyPr/>
+          <a:lstStyle/>
+          <a:p>
+            <a:r>
+              <a:rPr lang="en-US" dirty="0"/>
+              <a:t>What are common </a:t>
+            </a:r>
+            <a:r>
+              <a:rPr lang="en-US" dirty="0" err="1"/>
+              <a:t>DevSecOps</a:t>
+            </a:r>
+            <a:r>
+              <a:rPr lang="en-US" dirty="0"/>
+              <a:t> tools?</a:t>
+            </a:r>
+          </a:p>
+        </p:txBody>
+      </p:sp>
+      <p:sp>
+        <p:nvSpPr>
+          <p:cNvPr id="3" name="Content Placeholder 2">
+            <a:extLst>
+              <a:ext uri="{FF2B5EF4-FFF2-40B4-BE49-F238E27FC236}">
+                <a16:creationId xmlns:a16="http://schemas.microsoft.com/office/drawing/2014/main" id="{27BF8794-5F4C-79A4-FADA-2286DEB50C05}"/>
+              </a:ext>
+            </a:extLst>
+          </p:cNvPr>
+          <p:cNvSpPr>
+            <a:spLocks noGrp="1"/>
+          </p:cNvSpPr>
+          <p:nvPr>
+            <p:ph idx="1"/>
+          </p:nvPr>
+        </p:nvSpPr>
+        <p:spPr/>
+        <p:txBody>
+          <a:bodyPr>
+            <a:normAutofit fontScale="92500" lnSpcReduction="10000"/>
+          </a:bodyPr>
+          <a:lstStyle/>
+          <a:p>
+            <a:r>
+              <a:rPr lang="en-US" dirty="0"/>
+              <a:t>Static application security testing</a:t>
+            </a:r>
+          </a:p>
+          <a:p>
+            <a:pPr lvl="1"/>
+            <a:r>
+              <a:rPr lang="en-US" dirty="0"/>
+              <a:t>Static application security testing (SAST) tools analyze and find vulnerabilities in proprietary source code. </a:t>
+            </a:r>
+          </a:p>
+          <a:p>
+            <a:r>
+              <a:rPr lang="en-US" dirty="0"/>
+              <a:t>Software composition analysis </a:t>
+            </a:r>
+          </a:p>
+          <a:p>
+            <a:pPr lvl="1"/>
+            <a:r>
+              <a:rPr lang="en-US" dirty="0"/>
+              <a:t>Software composition analysis (SCA) is the process of automating visibility into open-source software (OSS) use for the purpose of risk management, security, and license compliance. </a:t>
+            </a:r>
+          </a:p>
+          <a:p>
+            <a:r>
+              <a:rPr lang="en-US" dirty="0"/>
+              <a:t>Interactive application security testing</a:t>
+            </a:r>
+          </a:p>
+          <a:p>
+            <a:pPr lvl="1"/>
+            <a:r>
+              <a:rPr lang="en-US" dirty="0" err="1"/>
+              <a:t>DevSecOps</a:t>
+            </a:r>
+            <a:r>
+              <a:rPr lang="en-US" dirty="0"/>
+              <a:t> teams use interactive application security testing (IAST) tools to evaluate an application’s potential vulnerabilities in the production environment. IAST consists of special security monitors that run from within the application. </a:t>
+            </a:r>
+          </a:p>
+          <a:p>
+            <a:r>
+              <a:rPr lang="en-US" dirty="0"/>
+              <a:t>Dynamic application security testing</a:t>
+            </a:r>
+          </a:p>
+          <a:p>
+            <a:pPr lvl="1"/>
+            <a:r>
+              <a:rPr lang="en-US" dirty="0"/>
+              <a:t>Dynamic application security testing (DAST) tools mimic hackers by testing the application's security from outside the network.</a:t>
+            </a:r>
+          </a:p>
+        </p:txBody>
+      </p:sp>
+      <p:sp>
+        <p:nvSpPr>
+          <p:cNvPr id="4" name="Slide Number Placeholder 3">
+            <a:extLst>
+              <a:ext uri="{FF2B5EF4-FFF2-40B4-BE49-F238E27FC236}">
+                <a16:creationId xmlns:a16="http://schemas.microsoft.com/office/drawing/2014/main" id="{8A589C86-D1AC-9414-9335-2D9BE92D8B39}"/>
+              </a:ext>
+            </a:extLst>
+          </p:cNvPr>
+          <p:cNvSpPr>
+            <a:spLocks noGrp="1"/>
+          </p:cNvSpPr>
+          <p:nvPr>
+            <p:ph type="sldNum" sz="quarter" idx="12"/>
+          </p:nvPr>
+        </p:nvSpPr>
+        <p:spPr/>
+        <p:txBody>
+          <a:bodyPr/>
+          <a:lstStyle/>
+          <a:p>
+            <a:fld id="{B8DACC02-A2BD-4578-8E03-6D891060A695}" type="slidenum">
+              <a:rPr lang="en-US" smtClean="0"/>
+              <a:pPr/>
+              <a:t>26</a:t>
+            </a:fld>
+            <a:endParaRPr lang="en-US" dirty="0"/>
+          </a:p>
+        </p:txBody>
+      </p:sp>
+    </p:spTree>
+    <p:extLst>
+      <p:ext uri="{BB962C8B-B14F-4D97-AF65-F5344CB8AC3E}">
+        <p14:creationId xmlns:p14="http://schemas.microsoft.com/office/powerpoint/2010/main" val="707227958"/>
+      </p:ext>
+    </p:extLst>
+  </p:cSld>
+  <p:clrMapOvr>
+    <a:masterClrMapping/>
+  </p:clrMapOvr>
+</p:sld>
+</file>
+
+<file path=ppt/slides/slide27.xml><?xml version="1.0" encoding="utf-8"?>
+<p:sld xmlns:a="http://schemas.openxmlformats.org/drawingml/2006/main" xmlns:r="http://schemas.openxmlformats.org/officeDocument/2006/relationships" xmlns:p="http://schemas.openxmlformats.org/presentationml/2006/main">
+  <p:cSld>
+    <p:spTree>
+      <p:nvGrpSpPr>
+        <p:cNvPr id="1" name=""/>
+        <p:cNvGrpSpPr/>
+        <p:nvPr/>
+      </p:nvGrpSpPr>
+      <p:grpSpPr>
+        <a:xfrm>
+          <a:off x="0" y="0"/>
+          <a:ext cx="0" cy="0"/>
+          <a:chOff x="0" y="0"/>
+          <a:chExt cx="0" cy="0"/>
+        </a:xfrm>
+      </p:grpSpPr>
+      <p:sp>
+        <p:nvSpPr>
+          <p:cNvPr id="2" name="Title 1">
+            <a:extLst>
+              <a:ext uri="{FF2B5EF4-FFF2-40B4-BE49-F238E27FC236}">
                 <a16:creationId xmlns:a16="http://schemas.microsoft.com/office/drawing/2014/main" id="{F6DDCCAE-3676-6DD8-9287-4C90BFD7C7CE}"/>
               </a:ext>
             </a:extLst>
@@ -7455,7 +7574,7 @@
             <a:fld id="{B8DACC02-A2BD-4578-8E03-6D891060A695}" type="slidenum">
               <a:rPr lang="en-US" smtClean="0"/>
               <a:pPr/>
-              <a:t>26</a:t>
+              <a:t>27</a:t>
             </a:fld>
             <a:endParaRPr lang="en-US" dirty="0"/>
           </a:p>
@@ -7519,175 +7638,6 @@
 </p:sld>
 </file>
 
-<file path=ppt/slides/slide27.xml><?xml version="1.0" encoding="utf-8"?>
-<p:sld xmlns:a="http://schemas.openxmlformats.org/drawingml/2006/main" xmlns:r="http://schemas.openxmlformats.org/officeDocument/2006/relationships" xmlns:p="http://schemas.openxmlformats.org/presentationml/2006/main">
-  <p:cSld>
-    <p:spTree>
-      <p:nvGrpSpPr>
-        <p:cNvPr id="1" name=""/>
-        <p:cNvGrpSpPr/>
-        <p:nvPr/>
-      </p:nvGrpSpPr>
-      <p:grpSpPr>
-        <a:xfrm>
-          <a:off x="0" y="0"/>
-          <a:ext cx="0" cy="0"/>
-          <a:chOff x="0" y="0"/>
-          <a:chExt cx="0" cy="0"/>
-        </a:xfrm>
-      </p:grpSpPr>
-      <p:sp>
-        <p:nvSpPr>
-          <p:cNvPr id="2" name="Title 1"/>
-          <p:cNvSpPr>
-            <a:spLocks noGrp="1"/>
-          </p:cNvSpPr>
-          <p:nvPr>
-            <p:ph type="title"/>
-          </p:nvPr>
-        </p:nvSpPr>
-        <p:spPr/>
-        <p:txBody>
-          <a:bodyPr/>
-          <a:lstStyle/>
-          <a:p>
-            <a:r>
-              <a:rPr lang="en-US" dirty="0" smtClean="0"/>
-              <a:t>SAST</a:t>
-            </a:r>
-            <a:endParaRPr lang="en-US" dirty="0"/>
-          </a:p>
-        </p:txBody>
-      </p:sp>
-      <p:sp>
-        <p:nvSpPr>
-          <p:cNvPr id="3" name="Content Placeholder 2"/>
-          <p:cNvSpPr>
-            <a:spLocks noGrp="1"/>
-          </p:cNvSpPr>
-          <p:nvPr>
-            <p:ph idx="1"/>
-          </p:nvPr>
-        </p:nvSpPr>
-        <p:spPr/>
-        <p:txBody>
-          <a:bodyPr/>
-          <a:lstStyle/>
-          <a:p>
-            <a:r>
-              <a:rPr lang="en-US" dirty="0"/>
-              <a:t>Static application security testing, also known as white-box testing, is a method, or tool, by which you can test code without running it. </a:t>
-            </a:r>
-            <a:endParaRPr lang="en-US" dirty="0" smtClean="0"/>
-          </a:p>
-          <a:p>
-            <a:r>
-              <a:rPr lang="en-US" dirty="0" smtClean="0"/>
-              <a:t>Examples:</a:t>
-            </a:r>
-            <a:endParaRPr lang="en-US" dirty="0"/>
-          </a:p>
-          <a:p>
-            <a:pPr lvl="1"/>
-            <a:r>
-              <a:rPr lang="en-US" dirty="0" smtClean="0"/>
-              <a:t>GitHub </a:t>
-            </a:r>
-            <a:r>
-              <a:rPr lang="en-US" dirty="0"/>
-              <a:t>code </a:t>
-            </a:r>
-            <a:r>
-              <a:rPr lang="en-US" dirty="0" smtClean="0"/>
-              <a:t>scanning</a:t>
-            </a:r>
-          </a:p>
-          <a:p>
-            <a:pPr lvl="1"/>
-            <a:r>
-              <a:rPr lang="en-US" dirty="0"/>
-              <a:t>Contrast </a:t>
-            </a:r>
-            <a:r>
-              <a:rPr lang="en-US" dirty="0" err="1" smtClean="0"/>
-              <a:t>CodeSec</a:t>
-            </a:r>
-            <a:endParaRPr lang="en-US" dirty="0" smtClean="0"/>
-          </a:p>
-          <a:p>
-            <a:pPr lvl="1"/>
-            <a:r>
-              <a:rPr lang="en-US" dirty="0" err="1" smtClean="0"/>
-              <a:t>Klocwork</a:t>
-            </a:r>
-            <a:endParaRPr lang="en-US" dirty="0" smtClean="0"/>
-          </a:p>
-          <a:p>
-            <a:pPr lvl="1"/>
-            <a:r>
-              <a:rPr lang="en-US" dirty="0" err="1" smtClean="0"/>
-              <a:t>SpectralOps</a:t>
-            </a:r>
-            <a:endParaRPr lang="en-US" dirty="0" smtClean="0"/>
-          </a:p>
-          <a:p>
-            <a:pPr lvl="1"/>
-            <a:r>
-              <a:rPr lang="en-US" dirty="0" err="1" smtClean="0"/>
-              <a:t>CodeSweep</a:t>
-            </a:r>
-            <a:endParaRPr lang="en-US" dirty="0" smtClean="0"/>
-          </a:p>
-          <a:p>
-            <a:pPr lvl="1"/>
-            <a:r>
-              <a:rPr lang="en-US" dirty="0"/>
-              <a:t>Bandit</a:t>
-            </a:r>
-            <a:endParaRPr lang="en-US" dirty="0" smtClean="0"/>
-          </a:p>
-          <a:p>
-            <a:endParaRPr lang="en-US" dirty="0"/>
-          </a:p>
-        </p:txBody>
-      </p:sp>
-      <p:sp>
-        <p:nvSpPr>
-          <p:cNvPr id="4" name="Slide Number Placeholder 3"/>
-          <p:cNvSpPr>
-            <a:spLocks noGrp="1"/>
-          </p:cNvSpPr>
-          <p:nvPr>
-            <p:ph type="sldNum" sz="quarter" idx="12"/>
-          </p:nvPr>
-        </p:nvSpPr>
-        <p:spPr/>
-        <p:txBody>
-          <a:bodyPr/>
-          <a:lstStyle/>
-          <a:p>
-            <a:fld id="{B8DACC02-A2BD-4578-8E03-6D891060A695}" type="slidenum">
-              <a:rPr lang="en-US" smtClean="0"/>
-              <a:pPr/>
-              <a:t>27</a:t>
-            </a:fld>
-            <a:endParaRPr lang="en-US" dirty="0"/>
-          </a:p>
-        </p:txBody>
-      </p:sp>
-    </p:spTree>
-    <p:extLst>
-      <p:ext uri="{BB962C8B-B14F-4D97-AF65-F5344CB8AC3E}">
-        <p14:creationId xmlns:p14="http://schemas.microsoft.com/office/powerpoint/2010/main" val="2996501405"/>
-      </p:ext>
-    </p:extLst>
-  </p:cSld>
-  <p:clrMapOvr>
-    <a:masterClrMapping/>
-  </p:clrMapOvr>
-</p:sld>
-</file>
-
 <file path=ppt/slides/slide28.xml><?xml version="1.0" encoding="utf-8"?>
 <p:sld xmlns:a="http://schemas.openxmlformats.org/drawingml/2006/main" xmlns:r="http://schemas.openxmlformats.org/officeDocument/2006/relationships" xmlns:p="http://schemas.openxmlformats.org/presentationml/2006/main">
   <p:cSld>
@@ -7721,9 +7671,10 @@
           <a:lstStyle/>
           <a:p>
             <a:r>
-              <a:rPr lang="en-US" dirty="0"/>
-              <a:t>SCA</a:t>
-            </a:r>
+              <a:rPr lang="en-US" dirty="0" smtClean="0"/>
+              <a:t>SAST</a:t>
+            </a:r>
+            <a:endParaRPr lang="en-US" dirty="0"/>
           </a:p>
         </p:txBody>
       </p:sp>
@@ -7744,66 +7695,77 @@
           <a:p>
             <a:r>
               <a:rPr lang="en-US" dirty="0"/>
-              <a:t>Software composition analysis (SCA) is an automated process that identifies the open source software in a codebase. </a:t>
+              <a:t>Static application security testing, also known as white-box testing, is a method, or tool, by which you can test code without running it. </a:t>
             </a:r>
             <a:endParaRPr lang="en-US" dirty="0" smtClean="0"/>
-          </a:p>
-          <a:p>
-            <a:r>
-              <a:rPr lang="en-US" dirty="0" smtClean="0"/>
-              <a:t>This </a:t>
-            </a:r>
-            <a:r>
-              <a:rPr lang="en-US" dirty="0"/>
-              <a:t>analysis is performed to evaluate security, license compliance, and code quality</a:t>
-            </a:r>
-            <a:r>
-              <a:rPr lang="en-US" dirty="0" smtClean="0"/>
-              <a:t>.</a:t>
-            </a:r>
           </a:p>
           <a:p>
             <a:r>
               <a:rPr lang="en-US" dirty="0" smtClean="0"/>
               <a:t>Examples:</a:t>
             </a:r>
+            <a:endParaRPr lang="en-US" dirty="0"/>
           </a:p>
           <a:p>
             <a:pPr lvl="1"/>
             <a:r>
+              <a:rPr lang="en-US" dirty="0" smtClean="0"/>
+              <a:t>GitHub </a:t>
+            </a:r>
+            <a:r>
+              <a:rPr lang="en-US" dirty="0"/>
+              <a:t>code </a:t>
+            </a:r>
+            <a:r>
+              <a:rPr lang="en-US" dirty="0" smtClean="0"/>
+              <a:t>scanning</a:t>
+            </a:r>
+          </a:p>
+          <a:p>
+            <a:pPr lvl="1"/>
+            <a:r>
+              <a:rPr lang="en-US" dirty="0"/>
+              <a:t>Contrast </a:t>
+            </a:r>
+            <a:r>
               <a:rPr lang="en-US" dirty="0" err="1" smtClean="0"/>
-              <a:t>WhiteSource</a:t>
+              <a:t>CodeSec</a:t>
             </a:r>
             <a:endParaRPr lang="en-US" dirty="0" smtClean="0"/>
           </a:p>
           <a:p>
             <a:pPr lvl="1"/>
             <a:r>
-              <a:rPr lang="en-US" dirty="0"/>
-              <a:t>Black </a:t>
-            </a:r>
-            <a:r>
-              <a:rPr lang="en-US" dirty="0" smtClean="0"/>
-              <a:t>Duck</a:t>
-            </a:r>
+              <a:rPr lang="en-US" dirty="0" err="1" smtClean="0"/>
+              <a:t>Klocwork</a:t>
+            </a:r>
+            <a:endParaRPr lang="en-US" dirty="0" smtClean="0"/>
           </a:p>
           <a:p>
             <a:pPr lvl="1"/>
             <a:r>
-              <a:rPr lang="en-US" dirty="0"/>
-              <a:t>GitHub </a:t>
-            </a:r>
-            <a:r>
-              <a:rPr lang="en-US" dirty="0" smtClean="0"/>
-              <a:t>Security</a:t>
-            </a:r>
+              <a:rPr lang="en-US" dirty="0" err="1" smtClean="0"/>
+              <a:t>SpectralOps</a:t>
+            </a:r>
+            <a:endParaRPr lang="en-US" dirty="0" smtClean="0"/>
           </a:p>
           <a:p>
             <a:pPr lvl="1"/>
             <a:r>
-              <a:rPr lang="en-US" dirty="0" err="1"/>
-              <a:t>Snyk</a:t>
-            </a:r>
+              <a:rPr lang="en-US" dirty="0" err="1" smtClean="0"/>
+              <a:t>CodeSweep</a:t>
+            </a:r>
+            <a:endParaRPr lang="en-US" dirty="0" smtClean="0"/>
+          </a:p>
+          <a:p>
+            <a:pPr lvl="1"/>
+            <a:r>
+              <a:rPr lang="en-US" dirty="0"/>
+              <a:t>Bandit</a:t>
+            </a:r>
+            <a:endParaRPr lang="en-US" dirty="0" smtClean="0"/>
+          </a:p>
+          <a:p>
             <a:endParaRPr lang="en-US" dirty="0"/>
           </a:p>
         </p:txBody>
@@ -7835,7 +7797,7 @@
     </p:spTree>
     <p:extLst>
       <p:ext uri="{BB962C8B-B14F-4D97-AF65-F5344CB8AC3E}">
-        <p14:creationId xmlns:p14="http://schemas.microsoft.com/office/powerpoint/2010/main" val="1900706130"/>
+        <p14:creationId xmlns:p14="http://schemas.microsoft.com/office/powerpoint/2010/main" val="2996501405"/>
       </p:ext>
     </p:extLst>
   </p:cSld>
@@ -7879,7 +7841,7 @@
           <a:p>
             <a:r>
               <a:rPr lang="en-US" dirty="0"/>
-              <a:t>IAST</a:t>
+              <a:t>SCA</a:t>
             </a:r>
           </a:p>
         </p:txBody>
@@ -7901,11 +7863,22 @@
           <a:p>
             <a:r>
               <a:rPr lang="en-US" dirty="0"/>
-              <a:t>Interactive application security testing (IAST) is an application security testing method that tests your application for vulnerabilities in execution, while the app is actually being used (either by a real user or an automated test runner</a:t>
-            </a:r>
+              <a:t>Software composition analysis (SCA) is an automated process that identifies the open source software in a codebase. </a:t>
+            </a:r>
+            <a:endParaRPr lang="en-US" dirty="0" smtClean="0"/>
+          </a:p>
+          <a:p>
             <a:r>
               <a:rPr lang="en-US" dirty="0" smtClean="0"/>
-              <a:t>).</a:t>
+              <a:t>This </a:t>
+            </a:r>
+            <a:r>
+              <a:rPr lang="en-US" dirty="0"/>
+              <a:t>analysis is performed to evaluate security, license compliance, and code quality</a:t>
+            </a:r>
+            <a:r>
+              <a:rPr lang="en-US" dirty="0" smtClean="0"/>
+              <a:t>.</a:t>
             </a:r>
           </a:p>
           <a:p>
@@ -7917,51 +7890,39 @@
           <a:p>
             <a:pPr lvl="1"/>
             <a:r>
-              <a:rPr lang="en-US" dirty="0"/>
-              <a:t>Contrast Community Edition (CE) </a:t>
-            </a:r>
+              <a:rPr lang="en-US" dirty="0" err="1" smtClean="0"/>
+              <a:t>WhiteSource</a:t>
+            </a:r>
+            <a:endParaRPr lang="en-US" dirty="0" smtClean="0"/>
           </a:p>
           <a:p>
             <a:pPr lvl="1"/>
             <a:r>
-              <a:rPr lang="en-US" dirty="0" err="1" smtClean="0"/>
-              <a:t>Invicti</a:t>
-            </a:r>
-            <a:endParaRPr lang="en-US" dirty="0" smtClean="0"/>
+              <a:rPr lang="en-US" dirty="0"/>
+              <a:t>Black </a:t>
+            </a:r>
+            <a:r>
+              <a:rPr lang="en-US" dirty="0" smtClean="0"/>
+              <a:t>Duck</a:t>
+            </a:r>
           </a:p>
           <a:p>
             <a:pPr lvl="1"/>
             <a:r>
-              <a:rPr lang="en-US" dirty="0" err="1" smtClean="0"/>
-              <a:t>Acunetix</a:t>
-            </a:r>
-            <a:endParaRPr lang="en-US" dirty="0" smtClean="0"/>
+              <a:rPr lang="en-US" dirty="0"/>
+              <a:t>GitHub </a:t>
+            </a:r>
+            <a:r>
+              <a:rPr lang="en-US" dirty="0" smtClean="0"/>
+              <a:t>Security</a:t>
+            </a:r>
           </a:p>
           <a:p>
             <a:pPr lvl="1"/>
             <a:r>
               <a:rPr lang="en-US" dirty="0" err="1"/>
-              <a:t>Hdiv</a:t>
-            </a:r>
-            <a:r>
-              <a:rPr lang="en-US" dirty="0"/>
-              <a:t> Detection (IAST</a:t>
-            </a:r>
-            <a:r>
-              <a:rPr lang="en-US" dirty="0" smtClean="0"/>
-              <a:t>)</a:t>
-            </a:r>
-          </a:p>
-          <a:p>
-            <a:pPr lvl="1"/>
-            <a:r>
-              <a:rPr lang="en-US" dirty="0"/>
-              <a:t>Seeker IAST</a:t>
-            </a:r>
-            <a:endParaRPr lang="en-US" dirty="0" smtClean="0"/>
-          </a:p>
-          <a:p>
-            <a:pPr lvl="1"/>
+              <a:t>Snyk</a:t>
+            </a:r>
             <a:endParaRPr lang="en-US" dirty="0"/>
           </a:p>
         </p:txBody>
@@ -7993,7 +7954,7 @@
     </p:spTree>
     <p:extLst>
       <p:ext uri="{BB962C8B-B14F-4D97-AF65-F5344CB8AC3E}">
-        <p14:creationId xmlns:p14="http://schemas.microsoft.com/office/powerpoint/2010/main" val="1151235033"/>
+        <p14:creationId xmlns:p14="http://schemas.microsoft.com/office/powerpoint/2010/main" val="1900706130"/>
       </p:ext>
     </p:extLst>
   </p:cSld>
@@ -8139,48 +8100,34 @@
           <a:lstStyle/>
           <a:p>
             <a:r>
+              <a:rPr lang="en-US" dirty="0"/>
+              <a:t>IAST</a:t>
+            </a:r>
+          </a:p>
+        </p:txBody>
+      </p:sp>
+      <p:sp>
+        <p:nvSpPr>
+          <p:cNvPr id="3" name="Content Placeholder 2"/>
+          <p:cNvSpPr>
+            <a:spLocks noGrp="1"/>
+          </p:cNvSpPr>
+          <p:nvPr>
+            <p:ph idx="1"/>
+          </p:nvPr>
+        </p:nvSpPr>
+        <p:spPr/>
+        <p:txBody>
+          <a:bodyPr/>
+          <a:lstStyle/>
+          <a:p>
+            <a:r>
+              <a:rPr lang="en-US" dirty="0"/>
+              <a:t>Interactive application security testing (IAST) is an application security testing method that tests your application for vulnerabilities in execution, while the app is actually being used (either by a real user or an automated test runner</a:t>
+            </a:r>
+            <a:r>
               <a:rPr lang="en-US" dirty="0" smtClean="0"/>
-              <a:t>DAST</a:t>
-            </a:r>
-            <a:endParaRPr lang="en-US" dirty="0"/>
-          </a:p>
-        </p:txBody>
-      </p:sp>
-      <p:sp>
-        <p:nvSpPr>
-          <p:cNvPr id="3" name="Content Placeholder 2"/>
-          <p:cNvSpPr>
-            <a:spLocks noGrp="1"/>
-          </p:cNvSpPr>
-          <p:nvPr>
-            <p:ph idx="1"/>
-          </p:nvPr>
-        </p:nvSpPr>
-        <p:spPr/>
-        <p:txBody>
-          <a:bodyPr>
-            <a:normAutofit fontScale="92500" lnSpcReduction="10000"/>
-          </a:bodyPr>
-          <a:lstStyle/>
-          <a:p>
-            <a:r>
-              <a:rPr lang="en-US" dirty="0"/>
-              <a:t>DAST (Dynamic Application Security Testing) is a type of testing that looks for security vulnerabilities by safely exploiting a running application from the outside. </a:t>
-            </a:r>
-            <a:endParaRPr lang="en-US" dirty="0" smtClean="0"/>
-          </a:p>
-          <a:p>
-            <a:r>
-              <a:rPr lang="en-US" dirty="0" smtClean="0"/>
-              <a:t>This </a:t>
-            </a:r>
-            <a:r>
-              <a:rPr lang="en-US" dirty="0"/>
-              <a:t>type of testing is not dependent on the framework or programming language used</a:t>
-            </a:r>
-            <a:r>
-              <a:rPr lang="en-US" dirty="0" smtClean="0"/>
-              <a:t>.</a:t>
+              <a:t>).</a:t>
             </a:r>
           </a:p>
           <a:p>
@@ -8192,62 +8139,51 @@
           <a:p>
             <a:pPr lvl="1"/>
             <a:r>
+              <a:rPr lang="en-US" dirty="0"/>
+              <a:t>Contrast Community Edition (CE) </a:t>
+            </a:r>
+          </a:p>
+          <a:p>
+            <a:pPr lvl="1"/>
+            <a:r>
+              <a:rPr lang="en-US" dirty="0" err="1" smtClean="0"/>
+              <a:t>Invicti</a:t>
+            </a:r>
+            <a:endParaRPr lang="en-US" dirty="0" smtClean="0"/>
+          </a:p>
+          <a:p>
+            <a:pPr lvl="1"/>
+            <a:r>
+              <a:rPr lang="en-US" dirty="0" err="1" smtClean="0"/>
+              <a:t>Acunetix</a:t>
+            </a:r>
+            <a:endParaRPr lang="en-US" dirty="0" smtClean="0"/>
+          </a:p>
+          <a:p>
+            <a:pPr lvl="1"/>
+            <a:r>
               <a:rPr lang="en-US" dirty="0" err="1"/>
-              <a:t>Indusface</a:t>
-            </a:r>
-            <a:r>
-              <a:rPr lang="en-US" dirty="0"/>
-              <a:t> WAS</a:t>
+              <a:t>Hdiv</a:t>
+            </a:r>
+            <a:r>
+              <a:rPr lang="en-US" dirty="0"/>
+              <a:t> Detection (IAST</a:t>
+            </a:r>
+            <a:r>
+              <a:rPr lang="en-US" dirty="0" smtClean="0"/>
+              <a:t>)</a:t>
             </a:r>
           </a:p>
           <a:p>
             <a:pPr lvl="1"/>
             <a:r>
               <a:rPr lang="en-US" dirty="0"/>
-              <a:t>Astra Pentest</a:t>
-            </a:r>
+              <a:t>Seeker IAST</a:t>
+            </a:r>
+            <a:endParaRPr lang="en-US" dirty="0" smtClean="0"/>
           </a:p>
           <a:p>
             <a:pPr lvl="1"/>
-            <a:r>
-              <a:rPr lang="en-US" dirty="0" err="1"/>
-              <a:t>PortSwigger</a:t>
-            </a:r>
-            <a:endParaRPr lang="en-US" dirty="0"/>
-          </a:p>
-          <a:p>
-            <a:pPr lvl="1"/>
-            <a:r>
-              <a:rPr lang="en-US" dirty="0" err="1"/>
-              <a:t>Detectify</a:t>
-            </a:r>
-            <a:endParaRPr lang="en-US" dirty="0"/>
-          </a:p>
-          <a:p>
-            <a:pPr lvl="1"/>
-            <a:r>
-              <a:rPr lang="en-US" dirty="0" err="1"/>
-              <a:t>AppCheck</a:t>
-            </a:r>
-            <a:r>
-              <a:rPr lang="en-US" dirty="0"/>
-              <a:t> Ltd</a:t>
-            </a:r>
-          </a:p>
-          <a:p>
-            <a:pPr lvl="1"/>
-            <a:r>
-              <a:rPr lang="en-US" dirty="0" err="1"/>
-              <a:t>AppScan</a:t>
-            </a:r>
-            <a:endParaRPr lang="en-US" dirty="0"/>
-          </a:p>
-          <a:p>
-            <a:pPr lvl="1"/>
-            <a:r>
-              <a:rPr lang="en-US" dirty="0" err="1"/>
-              <a:t>MisterScanner</a:t>
-            </a:r>
             <a:endParaRPr lang="en-US" dirty="0"/>
           </a:p>
         </p:txBody>
@@ -8279,7 +8215,297 @@
     </p:spTree>
     <p:extLst>
       <p:ext uri="{BB962C8B-B14F-4D97-AF65-F5344CB8AC3E}">
+        <p14:creationId xmlns:p14="http://schemas.microsoft.com/office/powerpoint/2010/main" val="1151235033"/>
+      </p:ext>
+    </p:extLst>
+  </p:cSld>
+  <p:clrMapOvr>
+    <a:masterClrMapping/>
+  </p:clrMapOvr>
+</p:sld>
+</file>
+
+<file path=ppt/slides/slide31.xml><?xml version="1.0" encoding="utf-8"?>
+<p:sld xmlns:a="http://schemas.openxmlformats.org/drawingml/2006/main" xmlns:r="http://schemas.openxmlformats.org/officeDocument/2006/relationships" xmlns:p="http://schemas.openxmlformats.org/presentationml/2006/main">
+  <p:cSld>
+    <p:spTree>
+      <p:nvGrpSpPr>
+        <p:cNvPr id="1" name=""/>
+        <p:cNvGrpSpPr/>
+        <p:nvPr/>
+      </p:nvGrpSpPr>
+      <p:grpSpPr>
+        <a:xfrm>
+          <a:off x="0" y="0"/>
+          <a:ext cx="0" cy="0"/>
+          <a:chOff x="0" y="0"/>
+          <a:chExt cx="0" cy="0"/>
+        </a:xfrm>
+      </p:grpSpPr>
+      <p:sp>
+        <p:nvSpPr>
+          <p:cNvPr id="2" name="Title 1"/>
+          <p:cNvSpPr>
+            <a:spLocks noGrp="1"/>
+          </p:cNvSpPr>
+          <p:nvPr>
+            <p:ph type="title"/>
+          </p:nvPr>
+        </p:nvSpPr>
+        <p:spPr/>
+        <p:txBody>
+          <a:bodyPr/>
+          <a:lstStyle/>
+          <a:p>
+            <a:r>
+              <a:rPr lang="en-US" dirty="0" smtClean="0"/>
+              <a:t>DAST</a:t>
+            </a:r>
+            <a:endParaRPr lang="en-US" dirty="0"/>
+          </a:p>
+        </p:txBody>
+      </p:sp>
+      <p:sp>
+        <p:nvSpPr>
+          <p:cNvPr id="3" name="Content Placeholder 2"/>
+          <p:cNvSpPr>
+            <a:spLocks noGrp="1"/>
+          </p:cNvSpPr>
+          <p:nvPr>
+            <p:ph idx="1"/>
+          </p:nvPr>
+        </p:nvSpPr>
+        <p:spPr/>
+        <p:txBody>
+          <a:bodyPr>
+            <a:normAutofit fontScale="92500" lnSpcReduction="10000"/>
+          </a:bodyPr>
+          <a:lstStyle/>
+          <a:p>
+            <a:r>
+              <a:rPr lang="en-US" dirty="0"/>
+              <a:t>DAST (Dynamic Application Security Testing) is a type of testing that looks for security vulnerabilities by safely exploiting a running application from the outside. </a:t>
+            </a:r>
+            <a:endParaRPr lang="en-US" dirty="0" smtClean="0"/>
+          </a:p>
+          <a:p>
+            <a:r>
+              <a:rPr lang="en-US" dirty="0" smtClean="0"/>
+              <a:t>This </a:t>
+            </a:r>
+            <a:r>
+              <a:rPr lang="en-US" dirty="0"/>
+              <a:t>type of testing is not dependent on the framework or programming language used</a:t>
+            </a:r>
+            <a:r>
+              <a:rPr lang="en-US" dirty="0" smtClean="0"/>
+              <a:t>.</a:t>
+            </a:r>
+          </a:p>
+          <a:p>
+            <a:r>
+              <a:rPr lang="en-US" dirty="0" smtClean="0"/>
+              <a:t>Examples:</a:t>
+            </a:r>
+          </a:p>
+          <a:p>
+            <a:pPr lvl="1"/>
+            <a:r>
+              <a:rPr lang="en-US" dirty="0" err="1"/>
+              <a:t>Indusface</a:t>
+            </a:r>
+            <a:r>
+              <a:rPr lang="en-US" dirty="0"/>
+              <a:t> WAS</a:t>
+            </a:r>
+          </a:p>
+          <a:p>
+            <a:pPr lvl="1"/>
+            <a:r>
+              <a:rPr lang="en-US" dirty="0"/>
+              <a:t>Astra Pentest</a:t>
+            </a:r>
+          </a:p>
+          <a:p>
+            <a:pPr lvl="1"/>
+            <a:r>
+              <a:rPr lang="en-US" dirty="0" err="1"/>
+              <a:t>PortSwigger</a:t>
+            </a:r>
+            <a:endParaRPr lang="en-US" dirty="0"/>
+          </a:p>
+          <a:p>
+            <a:pPr lvl="1"/>
+            <a:r>
+              <a:rPr lang="en-US" dirty="0" err="1"/>
+              <a:t>Detectify</a:t>
+            </a:r>
+            <a:endParaRPr lang="en-US" dirty="0"/>
+          </a:p>
+          <a:p>
+            <a:pPr lvl="1"/>
+            <a:r>
+              <a:rPr lang="en-US" dirty="0" err="1"/>
+              <a:t>AppCheck</a:t>
+            </a:r>
+            <a:r>
+              <a:rPr lang="en-US" dirty="0"/>
+              <a:t> Ltd</a:t>
+            </a:r>
+          </a:p>
+          <a:p>
+            <a:pPr lvl="1"/>
+            <a:r>
+              <a:rPr lang="en-US" dirty="0" err="1"/>
+              <a:t>AppScan</a:t>
+            </a:r>
+            <a:endParaRPr lang="en-US" dirty="0"/>
+          </a:p>
+          <a:p>
+            <a:pPr lvl="1"/>
+            <a:r>
+              <a:rPr lang="en-US" dirty="0" err="1"/>
+              <a:t>MisterScanner</a:t>
+            </a:r>
+            <a:endParaRPr lang="en-US" dirty="0"/>
+          </a:p>
+        </p:txBody>
+      </p:sp>
+      <p:sp>
+        <p:nvSpPr>
+          <p:cNvPr id="4" name="Slide Number Placeholder 3"/>
+          <p:cNvSpPr>
+            <a:spLocks noGrp="1"/>
+          </p:cNvSpPr>
+          <p:nvPr>
+            <p:ph type="sldNum" sz="quarter" idx="12"/>
+          </p:nvPr>
+        </p:nvSpPr>
+        <p:spPr/>
+        <p:txBody>
+          <a:bodyPr/>
+          <a:lstStyle/>
+          <a:p>
+            <a:fld id="{B8DACC02-A2BD-4578-8E03-6D891060A695}" type="slidenum">
+              <a:rPr lang="en-US" smtClean="0"/>
+              <a:pPr/>
+              <a:t>31</a:t>
+            </a:fld>
+            <a:endParaRPr lang="en-US" dirty="0"/>
+          </a:p>
+        </p:txBody>
+      </p:sp>
+    </p:spTree>
+    <p:extLst>
+      <p:ext uri="{BB962C8B-B14F-4D97-AF65-F5344CB8AC3E}">
         <p14:creationId xmlns:p14="http://schemas.microsoft.com/office/powerpoint/2010/main" val="3192695398"/>
+      </p:ext>
+    </p:extLst>
+  </p:cSld>
+  <p:clrMapOvr>
+    <a:masterClrMapping/>
+  </p:clrMapOvr>
+</p:sld>
+</file>
+
+<file path=ppt/slides/slide32.xml><?xml version="1.0" encoding="utf-8"?>
+<p:sld xmlns:a="http://schemas.openxmlformats.org/drawingml/2006/main" xmlns:r="http://schemas.openxmlformats.org/officeDocument/2006/relationships" xmlns:p="http://schemas.openxmlformats.org/presentationml/2006/main">
+  <p:cSld>
+    <p:spTree>
+      <p:nvGrpSpPr>
+        <p:cNvPr id="1" name=""/>
+        <p:cNvGrpSpPr/>
+        <p:nvPr/>
+      </p:nvGrpSpPr>
+      <p:grpSpPr>
+        <a:xfrm>
+          <a:off x="0" y="0"/>
+          <a:ext cx="0" cy="0"/>
+          <a:chOff x="0" y="0"/>
+          <a:chExt cx="0" cy="0"/>
+        </a:xfrm>
+      </p:grpSpPr>
+      <p:sp>
+        <p:nvSpPr>
+          <p:cNvPr id="2" name="Title 1"/>
+          <p:cNvSpPr>
+            <a:spLocks noGrp="1"/>
+          </p:cNvSpPr>
+          <p:nvPr>
+            <p:ph type="title"/>
+          </p:nvPr>
+        </p:nvSpPr>
+        <p:spPr/>
+        <p:txBody>
+          <a:bodyPr/>
+          <a:lstStyle/>
+          <a:p>
+            <a:r>
+              <a:rPr lang="en-US" dirty="0" smtClean="0"/>
+              <a:t>Final Look</a:t>
+            </a:r>
+            <a:endParaRPr lang="en-US" dirty="0"/>
+          </a:p>
+        </p:txBody>
+      </p:sp>
+      <p:sp>
+        <p:nvSpPr>
+          <p:cNvPr id="4" name="Slide Number Placeholder 3"/>
+          <p:cNvSpPr>
+            <a:spLocks noGrp="1"/>
+          </p:cNvSpPr>
+          <p:nvPr>
+            <p:ph type="sldNum" sz="quarter" idx="12"/>
+          </p:nvPr>
+        </p:nvSpPr>
+        <p:spPr/>
+        <p:txBody>
+          <a:bodyPr/>
+          <a:lstStyle/>
+          <a:p>
+            <a:fld id="{B8DACC02-A2BD-4578-8E03-6D891060A695}" type="slidenum">
+              <a:rPr lang="en-US" smtClean="0"/>
+              <a:pPr/>
+              <a:t>32</a:t>
+            </a:fld>
+            <a:endParaRPr lang="en-US" dirty="0"/>
+          </a:p>
+        </p:txBody>
+      </p:sp>
+      <p:pic>
+        <p:nvPicPr>
+          <p:cNvPr id="5" name="Picture 4"/>
+          <p:cNvPicPr>
+            <a:picLocks noChangeAspect="1"/>
+          </p:cNvPicPr>
+          <p:nvPr/>
+        </p:nvPicPr>
+        <p:blipFill>
+          <a:blip r:embed="rId2">
+            <a:extLst>
+              <a:ext uri="{28A0092B-C50C-407E-A947-70E740481C1C}">
+                <a14:useLocalDpi xmlns:a14="http://schemas.microsoft.com/office/drawing/2010/main" val="0"/>
+              </a:ext>
+            </a:extLst>
+          </a:blip>
+          <a:stretch>
+            <a:fillRect/>
+          </a:stretch>
+        </p:blipFill>
+        <p:spPr>
+          <a:xfrm>
+            <a:off x="1842033" y="1207300"/>
+            <a:ext cx="7676871" cy="5228046"/>
+          </a:xfrm>
+          <a:prstGeom prst="rect">
+            <a:avLst/>
+          </a:prstGeom>
+        </p:spPr>
+      </p:pic>
+    </p:spTree>
+    <p:extLst>
+      <p:ext uri="{BB962C8B-B14F-4D97-AF65-F5344CB8AC3E}">
+        <p14:creationId xmlns:p14="http://schemas.microsoft.com/office/powerpoint/2010/main" val="2978004073"/>
       </p:ext>
     </p:extLst>
   </p:cSld>
@@ -8905,13 +9131,7 @@
       </p:grpSpPr>
       <p:sp>
         <p:nvSpPr>
-          <p:cNvPr id="2" name="Title 1">
-            <a:extLst>
-              <a:ext uri="{FF2B5EF4-FFF2-40B4-BE49-F238E27FC236}">
-                <a16:creationId xmlns:a16="http://schemas.microsoft.com/office/drawing/2014/main" id="{BFB3A0BA-F184-6CE2-662E-CD792CDB491B}"/>
-              </a:ext>
-            </a:extLst>
-          </p:cNvPr>
+          <p:cNvPr id="2" name="Title 1"/>
           <p:cNvSpPr>
             <a:spLocks noGrp="1"/>
           </p:cNvSpPr>
@@ -8924,115 +9144,20 @@
           <a:bodyPr/>
           <a:lstStyle/>
           <a:p>
-            <a:r>
-              <a:rPr lang="en-US" dirty="0"/>
-              <a:t>What does </a:t>
-            </a:r>
             <a:r>
               <a:rPr lang="en-US" dirty="0" err="1"/>
               <a:t>DevSecOps</a:t>
             </a:r>
             <a:r>
               <a:rPr lang="en-US" dirty="0"/>
-              <a:t> stand for?</a:t>
-            </a:r>
-          </a:p>
-        </p:txBody>
-      </p:sp>
-      <p:sp>
-        <p:nvSpPr>
-          <p:cNvPr id="3" name="Content Placeholder 2">
-            <a:extLst>
-              <a:ext uri="{FF2B5EF4-FFF2-40B4-BE49-F238E27FC236}">
-                <a16:creationId xmlns:a16="http://schemas.microsoft.com/office/drawing/2014/main" id="{82A4F13E-F014-D7C2-C4E1-365A65B998DB}"/>
-              </a:ext>
-            </a:extLst>
-          </p:cNvPr>
-          <p:cNvSpPr>
-            <a:spLocks noGrp="1"/>
-          </p:cNvSpPr>
-          <p:nvPr>
-            <p:ph idx="1"/>
-          </p:nvPr>
-        </p:nvSpPr>
-        <p:spPr/>
-        <p:txBody>
-          <a:bodyPr>
-            <a:normAutofit fontScale="92500"/>
-          </a:bodyPr>
-          <a:lstStyle/>
-          <a:p>
-            <a:r>
-              <a:rPr lang="en-US" dirty="0" err="1"/>
-              <a:t>DevSecOps</a:t>
-            </a:r>
-            <a:r>
-              <a:rPr lang="en-US" dirty="0"/>
-              <a:t> stands for development, security, and operations. It is an extension of the DevOps practice. Each term defines different roles and responsibilities of software teams when they are building software applications.</a:t>
-            </a:r>
-          </a:p>
-          <a:p>
-            <a:r>
-              <a:rPr lang="en-US" dirty="0"/>
-              <a:t>Development </a:t>
-            </a:r>
-          </a:p>
-          <a:p>
-            <a:pPr lvl="1"/>
-            <a:r>
-              <a:rPr lang="en-US" dirty="0"/>
-              <a:t>Development is the process of planning, coding, building, and testing the application.</a:t>
-            </a:r>
-          </a:p>
-          <a:p>
-            <a:r>
-              <a:rPr lang="en-US" dirty="0"/>
-              <a:t>Security</a:t>
-            </a:r>
-          </a:p>
-          <a:p>
-            <a:pPr lvl="1"/>
-            <a:r>
-              <a:rPr lang="en-US" dirty="0"/>
-              <a:t>Security means introducing security earlier in the software development cycle. </a:t>
-            </a:r>
-            <a:endParaRPr lang="en-US" dirty="0" smtClean="0"/>
-          </a:p>
-          <a:p>
-            <a:pPr lvl="1"/>
-            <a:r>
-              <a:rPr lang="en-US" dirty="0" smtClean="0"/>
-              <a:t>For </a:t>
-            </a:r>
-            <a:r>
-              <a:rPr lang="en-US" dirty="0"/>
-              <a:t>example, programmers ensure that the code is free of security vulnerabilities, and security practitioners test the software further before the company releases it. </a:t>
-            </a:r>
-          </a:p>
-          <a:p>
-            <a:r>
-              <a:rPr lang="en-US" dirty="0"/>
-              <a:t>Operations</a:t>
-            </a:r>
-          </a:p>
-          <a:p>
-            <a:pPr lvl="1"/>
-            <a:r>
-              <a:rPr lang="en-US" dirty="0"/>
-              <a:t>The operations team releases, monitors, and fixes any issues that arise from the software. </a:t>
-            </a:r>
-          </a:p>
-        </p:txBody>
-      </p:sp>
-      <p:sp>
-        <p:nvSpPr>
-          <p:cNvPr id="4" name="Slide Number Placeholder 3">
-            <a:extLst>
-              <a:ext uri="{FF2B5EF4-FFF2-40B4-BE49-F238E27FC236}">
-                <a16:creationId xmlns:a16="http://schemas.microsoft.com/office/drawing/2014/main" id="{A2A01E9B-74C3-95B5-E6EF-AF3FB99F5863}"/>
-              </a:ext>
-            </a:extLst>
-          </p:cNvPr>
+              <a:t> Process</a:t>
+            </a:r>
+          </a:p>
+        </p:txBody>
+      </p:sp>
+      <p:sp>
+        <p:nvSpPr>
+          <p:cNvPr id="4" name="Slide Number Placeholder 3"/>
           <p:cNvSpPr>
             <a:spLocks noGrp="1"/>
           </p:cNvSpPr>
@@ -9054,10 +9179,3435 @@
           </a:p>
         </p:txBody>
       </p:sp>
+      <p:sp>
+        <p:nvSpPr>
+          <p:cNvPr id="5" name="Trapezoid 4"/>
+          <p:cNvSpPr/>
+          <p:nvPr/>
+        </p:nvSpPr>
+        <p:spPr>
+          <a:xfrm rot="10800000">
+            <a:off x="3665026" y="4456616"/>
+            <a:ext cx="1632938" cy="1207008"/>
+          </a:xfrm>
+          <a:prstGeom prst="trapezoid">
+            <a:avLst>
+              <a:gd name="adj" fmla="val 50215"/>
+            </a:avLst>
+          </a:prstGeom>
+          <a:solidFill>
+            <a:schemeClr val="bg1">
+              <a:lumMod val="95000"/>
+            </a:schemeClr>
+          </a:solidFill>
+          <a:ln>
+            <a:noFill/>
+          </a:ln>
+        </p:spPr>
+        <p:style>
+          <a:lnRef idx="2">
+            <a:schemeClr val="accent1">
+              <a:shade val="50000"/>
+            </a:schemeClr>
+          </a:lnRef>
+          <a:fillRef idx="1">
+            <a:schemeClr val="accent1"/>
+          </a:fillRef>
+          <a:effectRef idx="0">
+            <a:schemeClr val="accent1"/>
+          </a:effectRef>
+          <a:fontRef idx="minor">
+            <a:schemeClr val="lt1"/>
+          </a:fontRef>
+        </p:style>
+        <p:txBody>
+          <a:bodyPr rtlCol="0" anchor="ctr"/>
+          <a:lstStyle/>
+          <a:p>
+            <a:pPr algn="ctr"/>
+            <a:endParaRPr lang="en-US"/>
+          </a:p>
+        </p:txBody>
+      </p:sp>
+      <p:sp>
+        <p:nvSpPr>
+          <p:cNvPr id="6" name="Isosceles Triangle 5"/>
+          <p:cNvSpPr/>
+          <p:nvPr/>
+        </p:nvSpPr>
+        <p:spPr>
+          <a:xfrm rot="10800000">
+            <a:off x="4688920" y="4456616"/>
+            <a:ext cx="6052087" cy="1204966"/>
+          </a:xfrm>
+          <a:prstGeom prst="triangle">
+            <a:avLst>
+              <a:gd name="adj" fmla="val 100000"/>
+            </a:avLst>
+          </a:prstGeom>
+          <a:solidFill>
+            <a:schemeClr val="bg1">
+              <a:lumMod val="95000"/>
+            </a:schemeClr>
+          </a:solidFill>
+          <a:ln>
+            <a:noFill/>
+          </a:ln>
+        </p:spPr>
+        <p:style>
+          <a:lnRef idx="2">
+            <a:schemeClr val="accent1">
+              <a:shade val="50000"/>
+            </a:schemeClr>
+          </a:lnRef>
+          <a:fillRef idx="1">
+            <a:schemeClr val="accent1"/>
+          </a:fillRef>
+          <a:effectRef idx="0">
+            <a:schemeClr val="accent1"/>
+          </a:effectRef>
+          <a:fontRef idx="minor">
+            <a:schemeClr val="lt1"/>
+          </a:fontRef>
+        </p:style>
+        <p:txBody>
+          <a:bodyPr rtlCol="0" anchor="ctr"/>
+          <a:lstStyle/>
+          <a:p>
+            <a:pPr algn="ctr"/>
+            <a:endParaRPr lang="en-US"/>
+          </a:p>
+        </p:txBody>
+      </p:sp>
+      <p:sp>
+        <p:nvSpPr>
+          <p:cNvPr id="7" name="Isosceles Triangle 6"/>
+          <p:cNvSpPr/>
+          <p:nvPr/>
+        </p:nvSpPr>
+        <p:spPr>
+          <a:xfrm rot="10800000" flipH="1">
+            <a:off x="1282446" y="4456616"/>
+            <a:ext cx="2993757" cy="1204966"/>
+          </a:xfrm>
+          <a:prstGeom prst="triangle">
+            <a:avLst>
+              <a:gd name="adj" fmla="val 100000"/>
+            </a:avLst>
+          </a:prstGeom>
+          <a:solidFill>
+            <a:schemeClr val="bg1">
+              <a:lumMod val="95000"/>
+            </a:schemeClr>
+          </a:solidFill>
+          <a:ln>
+            <a:noFill/>
+          </a:ln>
+        </p:spPr>
+        <p:style>
+          <a:lnRef idx="2">
+            <a:schemeClr val="accent1">
+              <a:shade val="50000"/>
+            </a:schemeClr>
+          </a:lnRef>
+          <a:fillRef idx="1">
+            <a:schemeClr val="accent1"/>
+          </a:fillRef>
+          <a:effectRef idx="0">
+            <a:schemeClr val="accent1"/>
+          </a:effectRef>
+          <a:fontRef idx="minor">
+            <a:schemeClr val="lt1"/>
+          </a:fontRef>
+        </p:style>
+        <p:txBody>
+          <a:bodyPr rtlCol="0" anchor="ctr"/>
+          <a:lstStyle/>
+          <a:p>
+            <a:pPr algn="ctr"/>
+            <a:endParaRPr lang="en-US"/>
+          </a:p>
+        </p:txBody>
+      </p:sp>
+      <p:sp>
+        <p:nvSpPr>
+          <p:cNvPr id="8" name="Rectangle 7"/>
+          <p:cNvSpPr/>
+          <p:nvPr/>
+        </p:nvSpPr>
+        <p:spPr>
+          <a:xfrm>
+            <a:off x="1278597" y="3342062"/>
+            <a:ext cx="1306286" cy="379639"/>
+          </a:xfrm>
+          <a:prstGeom prst="rect">
+            <a:avLst/>
+          </a:prstGeom>
+          <a:solidFill>
+            <a:schemeClr val="accent2">
+              <a:lumMod val="40000"/>
+              <a:lumOff val="60000"/>
+            </a:schemeClr>
+          </a:solidFill>
+          <a:ln>
+            <a:noFill/>
+          </a:ln>
+        </p:spPr>
+        <p:style>
+          <a:lnRef idx="2">
+            <a:schemeClr val="accent1">
+              <a:shade val="50000"/>
+            </a:schemeClr>
+          </a:lnRef>
+          <a:fillRef idx="1">
+            <a:schemeClr val="accent1"/>
+          </a:fillRef>
+          <a:effectRef idx="0">
+            <a:schemeClr val="accent1"/>
+          </a:effectRef>
+          <a:fontRef idx="minor">
+            <a:schemeClr val="lt1"/>
+          </a:fontRef>
+        </p:style>
+        <p:txBody>
+          <a:bodyPr rtlCol="0" anchor="ctr"/>
+          <a:lstStyle/>
+          <a:p>
+            <a:pPr algn="ctr"/>
+            <a:r>
+              <a:rPr lang="en-US" sz="1200" b="1" dirty="0">
+                <a:solidFill>
+                  <a:schemeClr val="tx1"/>
+                </a:solidFill>
+              </a:rPr>
+              <a:t>Plan</a:t>
+            </a:r>
+          </a:p>
+        </p:txBody>
+      </p:sp>
+      <p:sp>
+        <p:nvSpPr>
+          <p:cNvPr id="9" name="Rectangle 8"/>
+          <p:cNvSpPr/>
+          <p:nvPr/>
+        </p:nvSpPr>
+        <p:spPr>
+          <a:xfrm>
+            <a:off x="2637951" y="3342062"/>
+            <a:ext cx="1306286" cy="379639"/>
+          </a:xfrm>
+          <a:prstGeom prst="rect">
+            <a:avLst/>
+          </a:prstGeom>
+          <a:solidFill>
+            <a:schemeClr val="accent2">
+              <a:lumMod val="40000"/>
+              <a:lumOff val="60000"/>
+            </a:schemeClr>
+          </a:solidFill>
+          <a:ln>
+            <a:noFill/>
+          </a:ln>
+        </p:spPr>
+        <p:style>
+          <a:lnRef idx="2">
+            <a:schemeClr val="accent1">
+              <a:shade val="50000"/>
+            </a:schemeClr>
+          </a:lnRef>
+          <a:fillRef idx="1">
+            <a:schemeClr val="accent1"/>
+          </a:fillRef>
+          <a:effectRef idx="0">
+            <a:schemeClr val="accent1"/>
+          </a:effectRef>
+          <a:fontRef idx="minor">
+            <a:schemeClr val="lt1"/>
+          </a:fontRef>
+        </p:style>
+        <p:txBody>
+          <a:bodyPr rtlCol="0" anchor="ctr"/>
+          <a:lstStyle/>
+          <a:p>
+            <a:pPr algn="ctr"/>
+            <a:r>
+              <a:rPr lang="en-US" sz="1200" b="1" dirty="0">
+                <a:solidFill>
+                  <a:schemeClr val="tx1"/>
+                </a:solidFill>
+              </a:rPr>
+              <a:t>Develop</a:t>
+            </a:r>
+          </a:p>
+        </p:txBody>
+      </p:sp>
+      <p:sp>
+        <p:nvSpPr>
+          <p:cNvPr id="10" name="Rectangle 9"/>
+          <p:cNvSpPr/>
+          <p:nvPr/>
+        </p:nvSpPr>
+        <p:spPr>
+          <a:xfrm>
+            <a:off x="3997305" y="3342062"/>
+            <a:ext cx="1306286" cy="379639"/>
+          </a:xfrm>
+          <a:prstGeom prst="rect">
+            <a:avLst/>
+          </a:prstGeom>
+          <a:solidFill>
+            <a:schemeClr val="accent2">
+              <a:lumMod val="40000"/>
+              <a:lumOff val="60000"/>
+            </a:schemeClr>
+          </a:solidFill>
+          <a:ln>
+            <a:noFill/>
+          </a:ln>
+        </p:spPr>
+        <p:style>
+          <a:lnRef idx="2">
+            <a:schemeClr val="accent1">
+              <a:shade val="50000"/>
+            </a:schemeClr>
+          </a:lnRef>
+          <a:fillRef idx="1">
+            <a:schemeClr val="accent1"/>
+          </a:fillRef>
+          <a:effectRef idx="0">
+            <a:schemeClr val="accent1"/>
+          </a:effectRef>
+          <a:fontRef idx="minor">
+            <a:schemeClr val="lt1"/>
+          </a:fontRef>
+        </p:style>
+        <p:txBody>
+          <a:bodyPr rtlCol="0" anchor="ctr"/>
+          <a:lstStyle/>
+          <a:p>
+            <a:pPr algn="ctr"/>
+            <a:r>
+              <a:rPr lang="en-US" sz="1200" b="1" dirty="0">
+                <a:solidFill>
+                  <a:schemeClr val="tx1"/>
+                </a:solidFill>
+              </a:rPr>
+              <a:t>Build</a:t>
+            </a:r>
+          </a:p>
+        </p:txBody>
+      </p:sp>
+      <p:sp>
+        <p:nvSpPr>
+          <p:cNvPr id="11" name="Rectangle 10"/>
+          <p:cNvSpPr/>
+          <p:nvPr/>
+        </p:nvSpPr>
+        <p:spPr>
+          <a:xfrm>
+            <a:off x="5356659" y="3342062"/>
+            <a:ext cx="1306286" cy="379639"/>
+          </a:xfrm>
+          <a:prstGeom prst="rect">
+            <a:avLst/>
+          </a:prstGeom>
+          <a:solidFill>
+            <a:schemeClr val="accent2">
+              <a:lumMod val="40000"/>
+              <a:lumOff val="60000"/>
+            </a:schemeClr>
+          </a:solidFill>
+          <a:ln>
+            <a:noFill/>
+          </a:ln>
+        </p:spPr>
+        <p:style>
+          <a:lnRef idx="2">
+            <a:schemeClr val="accent1">
+              <a:shade val="50000"/>
+            </a:schemeClr>
+          </a:lnRef>
+          <a:fillRef idx="1">
+            <a:schemeClr val="accent1"/>
+          </a:fillRef>
+          <a:effectRef idx="0">
+            <a:schemeClr val="accent1"/>
+          </a:effectRef>
+          <a:fontRef idx="minor">
+            <a:schemeClr val="lt1"/>
+          </a:fontRef>
+        </p:style>
+        <p:txBody>
+          <a:bodyPr rtlCol="0" anchor="ctr"/>
+          <a:lstStyle/>
+          <a:p>
+            <a:pPr algn="ctr"/>
+            <a:r>
+              <a:rPr lang="en-US" sz="1200" b="1" dirty="0">
+                <a:solidFill>
+                  <a:schemeClr val="tx1"/>
+                </a:solidFill>
+              </a:rPr>
+              <a:t>Test</a:t>
+            </a:r>
+          </a:p>
+        </p:txBody>
+      </p:sp>
+      <p:sp>
+        <p:nvSpPr>
+          <p:cNvPr id="12" name="Rectangle 11"/>
+          <p:cNvSpPr/>
+          <p:nvPr/>
+        </p:nvSpPr>
+        <p:spPr>
+          <a:xfrm>
+            <a:off x="6716013" y="3342062"/>
+            <a:ext cx="1306286" cy="379639"/>
+          </a:xfrm>
+          <a:prstGeom prst="rect">
+            <a:avLst/>
+          </a:prstGeom>
+          <a:solidFill>
+            <a:schemeClr val="accent2">
+              <a:lumMod val="40000"/>
+              <a:lumOff val="60000"/>
+            </a:schemeClr>
+          </a:solidFill>
+          <a:ln>
+            <a:noFill/>
+          </a:ln>
+        </p:spPr>
+        <p:style>
+          <a:lnRef idx="2">
+            <a:schemeClr val="accent1">
+              <a:shade val="50000"/>
+            </a:schemeClr>
+          </a:lnRef>
+          <a:fillRef idx="1">
+            <a:schemeClr val="accent1"/>
+          </a:fillRef>
+          <a:effectRef idx="0">
+            <a:schemeClr val="accent1"/>
+          </a:effectRef>
+          <a:fontRef idx="minor">
+            <a:schemeClr val="lt1"/>
+          </a:fontRef>
+        </p:style>
+        <p:txBody>
+          <a:bodyPr rtlCol="0" anchor="ctr"/>
+          <a:lstStyle/>
+          <a:p>
+            <a:pPr algn="ctr"/>
+            <a:r>
+              <a:rPr lang="en-US" sz="1200" b="1" dirty="0">
+                <a:solidFill>
+                  <a:schemeClr val="tx1"/>
+                </a:solidFill>
+              </a:rPr>
+              <a:t>Release &amp; Deliver</a:t>
+            </a:r>
+          </a:p>
+        </p:txBody>
+      </p:sp>
+      <p:sp>
+        <p:nvSpPr>
+          <p:cNvPr id="13" name="Rectangle 12"/>
+          <p:cNvSpPr/>
+          <p:nvPr/>
+        </p:nvSpPr>
+        <p:spPr>
+          <a:xfrm>
+            <a:off x="8075367" y="3342062"/>
+            <a:ext cx="1306286" cy="379639"/>
+          </a:xfrm>
+          <a:prstGeom prst="rect">
+            <a:avLst/>
+          </a:prstGeom>
+          <a:solidFill>
+            <a:schemeClr val="accent2">
+              <a:lumMod val="40000"/>
+              <a:lumOff val="60000"/>
+            </a:schemeClr>
+          </a:solidFill>
+          <a:ln>
+            <a:noFill/>
+          </a:ln>
+        </p:spPr>
+        <p:style>
+          <a:lnRef idx="2">
+            <a:schemeClr val="accent1">
+              <a:shade val="50000"/>
+            </a:schemeClr>
+          </a:lnRef>
+          <a:fillRef idx="1">
+            <a:schemeClr val="accent1"/>
+          </a:fillRef>
+          <a:effectRef idx="0">
+            <a:schemeClr val="accent1"/>
+          </a:effectRef>
+          <a:fontRef idx="minor">
+            <a:schemeClr val="lt1"/>
+          </a:fontRef>
+        </p:style>
+        <p:txBody>
+          <a:bodyPr rtlCol="0" anchor="ctr"/>
+          <a:lstStyle/>
+          <a:p>
+            <a:pPr algn="ctr"/>
+            <a:r>
+              <a:rPr lang="en-US" sz="1200" b="1" dirty="0">
+                <a:solidFill>
+                  <a:schemeClr val="tx1"/>
+                </a:solidFill>
+              </a:rPr>
+              <a:t>Deploy</a:t>
+            </a:r>
+          </a:p>
+        </p:txBody>
+      </p:sp>
+      <p:grpSp>
+        <p:nvGrpSpPr>
+          <p:cNvPr id="14" name="Group 13"/>
+          <p:cNvGrpSpPr/>
+          <p:nvPr/>
+        </p:nvGrpSpPr>
+        <p:grpSpPr>
+          <a:xfrm>
+            <a:off x="747128" y="3341081"/>
+            <a:ext cx="10391413" cy="1129410"/>
+            <a:chOff x="215669" y="3797232"/>
+            <a:chExt cx="10391413" cy="1129410"/>
+          </a:xfrm>
+          <a:gradFill>
+            <a:gsLst>
+              <a:gs pos="0">
+                <a:srgbClr val="2E28A0"/>
+              </a:gs>
+              <a:gs pos="100000">
+                <a:srgbClr val="BAD6FF"/>
+              </a:gs>
+            </a:gsLst>
+            <a:lin ang="0" scaled="1"/>
+          </a:gradFill>
+        </p:grpSpPr>
+        <p:grpSp>
+          <p:nvGrpSpPr>
+            <p:cNvPr id="15" name="Group 14"/>
+            <p:cNvGrpSpPr/>
+            <p:nvPr/>
+          </p:nvGrpSpPr>
+          <p:grpSpPr>
+            <a:xfrm>
+              <a:off x="10248113" y="3800197"/>
+              <a:ext cx="358969" cy="1126445"/>
+              <a:chOff x="11575033" y="4633498"/>
+              <a:chExt cx="358969" cy="1126445"/>
+            </a:xfrm>
+            <a:grpFill/>
+          </p:grpSpPr>
+          <p:sp>
+            <p:nvSpPr>
+              <p:cNvPr id="22" name="Freeform 21"/>
+              <p:cNvSpPr/>
+              <p:nvPr/>
+            </p:nvSpPr>
+            <p:spPr>
+              <a:xfrm>
+                <a:off x="11575033" y="4633498"/>
+                <a:ext cx="358968" cy="377655"/>
+              </a:xfrm>
+              <a:custGeom>
+                <a:avLst/>
+                <a:gdLst>
+                  <a:gd name="connsiteX0" fmla="*/ 0 w 358968"/>
+                  <a:gd name="connsiteY0" fmla="*/ 0 h 377655"/>
+                  <a:gd name="connsiteX1" fmla="*/ 56621 w 358968"/>
+                  <a:gd name="connsiteY1" fmla="*/ 5708 h 377655"/>
+                  <a:gd name="connsiteX2" fmla="*/ 358968 w 358968"/>
+                  <a:gd name="connsiteY2" fmla="*/ 376675 h 377655"/>
+                  <a:gd name="connsiteX3" fmla="*/ 358869 w 358968"/>
+                  <a:gd name="connsiteY3" fmla="*/ 377655 h 377655"/>
+                  <a:gd name="connsiteX4" fmla="*/ 338 w 358968"/>
+                  <a:gd name="connsiteY4" fmla="*/ 377655 h 377655"/>
+                  <a:gd name="connsiteX5" fmla="*/ 83999 w 358968"/>
+                  <a:gd name="connsiteY5" fmla="*/ 189315 h 377655"/>
+                  <a:gd name="connsiteX6" fmla="*/ 0 w 358968"/>
+                  <a:gd name="connsiteY6" fmla="*/ 213 h 377655"/>
+                </a:gdLst>
+                <a:ahLst/>
+                <a:cxnLst>
+                  <a:cxn ang="0">
+                    <a:pos x="connsiteX0" y="connsiteY0"/>
+                  </a:cxn>
+                  <a:cxn ang="0">
+                    <a:pos x="connsiteX1" y="connsiteY1"/>
+                  </a:cxn>
+                  <a:cxn ang="0">
+                    <a:pos x="connsiteX2" y="connsiteY2"/>
+                  </a:cxn>
+                  <a:cxn ang="0">
+                    <a:pos x="connsiteX3" y="connsiteY3"/>
+                  </a:cxn>
+                  <a:cxn ang="0">
+                    <a:pos x="connsiteX4" y="connsiteY4"/>
+                  </a:cxn>
+                  <a:cxn ang="0">
+                    <a:pos x="connsiteX5" y="connsiteY5"/>
+                  </a:cxn>
+                  <a:cxn ang="0">
+                    <a:pos x="connsiteX6" y="connsiteY6"/>
+                  </a:cxn>
+                </a:cxnLst>
+                <a:rect l="l" t="t" r="r" b="b"/>
+                <a:pathLst>
+                  <a:path w="358968" h="377655">
+                    <a:moveTo>
+                      <a:pt x="0" y="0"/>
+                    </a:moveTo>
+                    <a:lnTo>
+                      <a:pt x="56621" y="5708"/>
+                    </a:lnTo>
+                    <a:cubicBezTo>
+                      <a:pt x="229170" y="41017"/>
+                      <a:pt x="358968" y="193688"/>
+                      <a:pt x="358968" y="376675"/>
+                    </a:cubicBezTo>
+                    <a:lnTo>
+                      <a:pt x="358869" y="377655"/>
+                    </a:lnTo>
+                    <a:lnTo>
+                      <a:pt x="338" y="377655"/>
+                    </a:lnTo>
+                    <a:lnTo>
+                      <a:pt x="83999" y="189315"/>
+                    </a:lnTo>
+                    <a:lnTo>
+                      <a:pt x="0" y="213"/>
+                    </a:lnTo>
+                    <a:close/>
+                  </a:path>
+                </a:pathLst>
+              </a:custGeom>
+              <a:grpFill/>
+              <a:ln>
+                <a:noFill/>
+              </a:ln>
+            </p:spPr>
+            <p:style>
+              <a:lnRef idx="2">
+                <a:schemeClr val="accent1">
+                  <a:shade val="50000"/>
+                </a:schemeClr>
+              </a:lnRef>
+              <a:fillRef idx="1">
+                <a:schemeClr val="accent1"/>
+              </a:fillRef>
+              <a:effectRef idx="0">
+                <a:schemeClr val="accent1"/>
+              </a:effectRef>
+              <a:fontRef idx="minor">
+                <a:schemeClr val="lt1"/>
+              </a:fontRef>
+            </p:style>
+            <p:txBody>
+              <a:bodyPr rtlCol="0" anchor="ctr"/>
+              <a:lstStyle/>
+              <a:p>
+                <a:pPr algn="ctr"/>
+                <a:endParaRPr lang="en-US">
+                  <a:solidFill>
+                    <a:schemeClr val="bg1"/>
+                  </a:solidFill>
+                </a:endParaRPr>
+              </a:p>
+            </p:txBody>
+          </p:sp>
+          <p:sp>
+            <p:nvSpPr>
+              <p:cNvPr id="23" name="Freeform 22"/>
+              <p:cNvSpPr/>
+              <p:nvPr/>
+            </p:nvSpPr>
+            <p:spPr>
+              <a:xfrm>
+                <a:off x="11575265" y="5383585"/>
+                <a:ext cx="358736" cy="376358"/>
+              </a:xfrm>
+              <a:custGeom>
+                <a:avLst/>
+                <a:gdLst>
+                  <a:gd name="connsiteX0" fmla="*/ 0 w 358736"/>
+                  <a:gd name="connsiteY0" fmla="*/ 0 h 374371"/>
+                  <a:gd name="connsiteX1" fmla="*/ 358736 w 358736"/>
+                  <a:gd name="connsiteY1" fmla="*/ 0 h 374371"/>
+                  <a:gd name="connsiteX2" fmla="*/ 351275 w 358736"/>
+                  <a:gd name="connsiteY2" fmla="*/ 74009 h 374371"/>
+                  <a:gd name="connsiteX3" fmla="*/ 56621 w 358736"/>
+                  <a:gd name="connsiteY3" fmla="*/ 368663 h 374371"/>
+                  <a:gd name="connsiteX4" fmla="*/ 0 w 358736"/>
+                  <a:gd name="connsiteY4" fmla="*/ 374371 h 374371"/>
+                  <a:gd name="connsiteX5" fmla="*/ 0 w 358736"/>
+                  <a:gd name="connsiteY5" fmla="*/ 0 h 374371"/>
+                </a:gdLst>
+                <a:ahLst/>
+                <a:cxnLst>
+                  <a:cxn ang="0">
+                    <a:pos x="connsiteX0" y="connsiteY0"/>
+                  </a:cxn>
+                  <a:cxn ang="0">
+                    <a:pos x="connsiteX1" y="connsiteY1"/>
+                  </a:cxn>
+                  <a:cxn ang="0">
+                    <a:pos x="connsiteX2" y="connsiteY2"/>
+                  </a:cxn>
+                  <a:cxn ang="0">
+                    <a:pos x="connsiteX3" y="connsiteY3"/>
+                  </a:cxn>
+                  <a:cxn ang="0">
+                    <a:pos x="connsiteX4" y="connsiteY4"/>
+                  </a:cxn>
+                  <a:cxn ang="0">
+                    <a:pos x="connsiteX5" y="connsiteY5"/>
+                  </a:cxn>
+                </a:cxnLst>
+                <a:rect l="l" t="t" r="r" b="b"/>
+                <a:pathLst>
+                  <a:path w="358736" h="374371">
+                    <a:moveTo>
+                      <a:pt x="0" y="0"/>
+                    </a:moveTo>
+                    <a:lnTo>
+                      <a:pt x="358736" y="0"/>
+                    </a:lnTo>
+                    <a:lnTo>
+                      <a:pt x="351275" y="74009"/>
+                    </a:lnTo>
+                    <a:cubicBezTo>
+                      <a:pt x="321010" y="221908"/>
+                      <a:pt x="204520" y="338399"/>
+                      <a:pt x="56621" y="368663"/>
+                    </a:cubicBezTo>
+                    <a:lnTo>
+                      <a:pt x="0" y="374371"/>
+                    </a:lnTo>
+                    <a:lnTo>
+                      <a:pt x="0" y="0"/>
+                    </a:lnTo>
+                    <a:close/>
+                  </a:path>
+                </a:pathLst>
+              </a:custGeom>
+              <a:grpFill/>
+              <a:ln>
+                <a:noFill/>
+              </a:ln>
+            </p:spPr>
+            <p:style>
+              <a:lnRef idx="2">
+                <a:schemeClr val="accent1">
+                  <a:shade val="50000"/>
+                </a:schemeClr>
+              </a:lnRef>
+              <a:fillRef idx="1">
+                <a:schemeClr val="accent1"/>
+              </a:fillRef>
+              <a:effectRef idx="0">
+                <a:schemeClr val="accent1"/>
+              </a:effectRef>
+              <a:fontRef idx="minor">
+                <a:schemeClr val="lt1"/>
+              </a:fontRef>
+            </p:style>
+            <p:txBody>
+              <a:bodyPr rtlCol="0" anchor="ctr"/>
+              <a:lstStyle/>
+              <a:p>
+                <a:pPr algn="ctr"/>
+                <a:endParaRPr lang="en-US">
+                  <a:solidFill>
+                    <a:schemeClr val="bg1"/>
+                  </a:solidFill>
+                </a:endParaRPr>
+              </a:p>
+            </p:txBody>
+          </p:sp>
+          <p:sp>
+            <p:nvSpPr>
+              <p:cNvPr id="24" name="Rectangle 23"/>
+              <p:cNvSpPr/>
+              <p:nvPr/>
+            </p:nvSpPr>
+            <p:spPr>
+              <a:xfrm rot="16200000">
+                <a:off x="11567810" y="5017392"/>
+                <a:ext cx="373415" cy="358968"/>
+              </a:xfrm>
+              <a:prstGeom prst="rect">
+                <a:avLst/>
+              </a:prstGeom>
+              <a:grpFill/>
+              <a:ln>
+                <a:noFill/>
+              </a:ln>
+            </p:spPr>
+            <p:style>
+              <a:lnRef idx="2">
+                <a:schemeClr val="accent1">
+                  <a:shade val="50000"/>
+                </a:schemeClr>
+              </a:lnRef>
+              <a:fillRef idx="1">
+                <a:schemeClr val="accent1"/>
+              </a:fillRef>
+              <a:effectRef idx="0">
+                <a:schemeClr val="accent1"/>
+              </a:effectRef>
+              <a:fontRef idx="minor">
+                <a:schemeClr val="lt1"/>
+              </a:fontRef>
+            </p:style>
+            <p:txBody>
+              <a:bodyPr rtlCol="0" anchor="ctr"/>
+              <a:lstStyle/>
+              <a:p>
+                <a:pPr algn="ctr"/>
+                <a:endParaRPr lang="en-US">
+                  <a:solidFill>
+                    <a:schemeClr val="bg1"/>
+                  </a:solidFill>
+                </a:endParaRPr>
+              </a:p>
+            </p:txBody>
+          </p:sp>
+        </p:grpSp>
+        <p:sp>
+          <p:nvSpPr>
+            <p:cNvPr id="16" name="Rectangle 15"/>
+            <p:cNvSpPr/>
+            <p:nvPr/>
+          </p:nvSpPr>
+          <p:spPr>
+            <a:xfrm>
+              <a:off x="606420" y="4550285"/>
+              <a:ext cx="9646920" cy="376356"/>
+            </a:xfrm>
+            <a:prstGeom prst="rect">
+              <a:avLst/>
+            </a:prstGeom>
+            <a:grpFill/>
+            <a:ln>
+              <a:noFill/>
+            </a:ln>
+          </p:spPr>
+          <p:style>
+            <a:lnRef idx="2">
+              <a:schemeClr val="accent1">
+                <a:shade val="50000"/>
+              </a:schemeClr>
+            </a:lnRef>
+            <a:fillRef idx="1">
+              <a:schemeClr val="accent1"/>
+            </a:fillRef>
+            <a:effectRef idx="0">
+              <a:schemeClr val="accent1"/>
+            </a:effectRef>
+            <a:fontRef idx="minor">
+              <a:schemeClr val="lt1"/>
+            </a:fontRef>
+          </p:style>
+          <p:txBody>
+            <a:bodyPr rtlCol="0" anchor="ctr"/>
+            <a:lstStyle/>
+            <a:p>
+              <a:pPr algn="ctr"/>
+              <a:r>
+                <a:rPr lang="en-US" dirty="0">
+                  <a:solidFill>
+                    <a:schemeClr val="bg1"/>
+                  </a:solidFill>
+                </a:rPr>
+                <a:t>Monitor</a:t>
+              </a:r>
+            </a:p>
+          </p:txBody>
+        </p:sp>
+        <p:grpSp>
+          <p:nvGrpSpPr>
+            <p:cNvPr id="17" name="Group 16"/>
+            <p:cNvGrpSpPr/>
+            <p:nvPr/>
+          </p:nvGrpSpPr>
+          <p:grpSpPr>
+            <a:xfrm>
+              <a:off x="215669" y="3797232"/>
+              <a:ext cx="478401" cy="1129409"/>
+              <a:chOff x="215669" y="5323953"/>
+              <a:chExt cx="478401" cy="1129409"/>
+            </a:xfrm>
+            <a:grpFill/>
+          </p:grpSpPr>
+          <p:sp>
+            <p:nvSpPr>
+              <p:cNvPr id="18" name="Freeform 17"/>
+              <p:cNvSpPr/>
+              <p:nvPr/>
+            </p:nvSpPr>
+            <p:spPr>
+              <a:xfrm>
+                <a:off x="215669" y="5323953"/>
+                <a:ext cx="393746" cy="379639"/>
+              </a:xfrm>
+              <a:custGeom>
+                <a:avLst/>
+                <a:gdLst>
+                  <a:gd name="connsiteX0" fmla="*/ 378650 w 393746"/>
+                  <a:gd name="connsiteY0" fmla="*/ 0 h 379639"/>
+                  <a:gd name="connsiteX1" fmla="*/ 378670 w 393746"/>
+                  <a:gd name="connsiteY1" fmla="*/ 0 h 379639"/>
+                  <a:gd name="connsiteX2" fmla="*/ 393746 w 393746"/>
+                  <a:gd name="connsiteY2" fmla="*/ 1520 h 379639"/>
+                  <a:gd name="connsiteX3" fmla="*/ 393746 w 393746"/>
+                  <a:gd name="connsiteY3" fmla="*/ 379639 h 379639"/>
+                  <a:gd name="connsiteX4" fmla="*/ 99 w 393746"/>
+                  <a:gd name="connsiteY4" fmla="*/ 379639 h 379639"/>
+                  <a:gd name="connsiteX5" fmla="*/ 0 w 393746"/>
+                  <a:gd name="connsiteY5" fmla="*/ 378659 h 379639"/>
+                  <a:gd name="connsiteX6" fmla="*/ 302347 w 393746"/>
+                  <a:gd name="connsiteY6" fmla="*/ 7692 h 379639"/>
+                  <a:gd name="connsiteX7" fmla="*/ 378650 w 393746"/>
+                  <a:gd name="connsiteY7" fmla="*/ 0 h 379639"/>
+                </a:gdLst>
+                <a:ahLst/>
+                <a:cxnLst>
+                  <a:cxn ang="0">
+                    <a:pos x="connsiteX0" y="connsiteY0"/>
+                  </a:cxn>
+                  <a:cxn ang="0">
+                    <a:pos x="connsiteX1" y="connsiteY1"/>
+                  </a:cxn>
+                  <a:cxn ang="0">
+                    <a:pos x="connsiteX2" y="connsiteY2"/>
+                  </a:cxn>
+                  <a:cxn ang="0">
+                    <a:pos x="connsiteX3" y="connsiteY3"/>
+                  </a:cxn>
+                  <a:cxn ang="0">
+                    <a:pos x="connsiteX4" y="connsiteY4"/>
+                  </a:cxn>
+                  <a:cxn ang="0">
+                    <a:pos x="connsiteX5" y="connsiteY5"/>
+                  </a:cxn>
+                  <a:cxn ang="0">
+                    <a:pos x="connsiteX6" y="connsiteY6"/>
+                  </a:cxn>
+                  <a:cxn ang="0">
+                    <a:pos x="connsiteX7" y="connsiteY7"/>
+                  </a:cxn>
+                </a:cxnLst>
+                <a:rect l="l" t="t" r="r" b="b"/>
+                <a:pathLst>
+                  <a:path w="393746" h="379639">
+                    <a:moveTo>
+                      <a:pt x="378650" y="0"/>
+                    </a:moveTo>
+                    <a:lnTo>
+                      <a:pt x="378670" y="0"/>
+                    </a:lnTo>
+                    <a:lnTo>
+                      <a:pt x="393746" y="1520"/>
+                    </a:lnTo>
+                    <a:lnTo>
+                      <a:pt x="393746" y="379639"/>
+                    </a:lnTo>
+                    <a:lnTo>
+                      <a:pt x="99" y="379639"/>
+                    </a:lnTo>
+                    <a:lnTo>
+                      <a:pt x="0" y="378659"/>
+                    </a:lnTo>
+                    <a:cubicBezTo>
+                      <a:pt x="0" y="195672"/>
+                      <a:pt x="129798" y="43001"/>
+                      <a:pt x="302347" y="7692"/>
+                    </a:cubicBezTo>
+                    <a:lnTo>
+                      <a:pt x="378650" y="0"/>
+                    </a:lnTo>
+                    <a:close/>
+                  </a:path>
+                </a:pathLst>
+              </a:custGeom>
+              <a:grpFill/>
+              <a:ln>
+                <a:noFill/>
+              </a:ln>
+            </p:spPr>
+            <p:style>
+              <a:lnRef idx="2">
+                <a:schemeClr val="accent1">
+                  <a:shade val="50000"/>
+                </a:schemeClr>
+              </a:lnRef>
+              <a:fillRef idx="1">
+                <a:schemeClr val="accent1"/>
+              </a:fillRef>
+              <a:effectRef idx="0">
+                <a:schemeClr val="accent1"/>
+              </a:effectRef>
+              <a:fontRef idx="minor">
+                <a:schemeClr val="lt1"/>
+              </a:fontRef>
+            </p:style>
+            <p:txBody>
+              <a:bodyPr rtlCol="0" anchor="ctr"/>
+              <a:lstStyle/>
+              <a:p>
+                <a:pPr algn="ctr"/>
+                <a:endParaRPr lang="en-US">
+                  <a:solidFill>
+                    <a:schemeClr val="bg1"/>
+                  </a:solidFill>
+                </a:endParaRPr>
+              </a:p>
+            </p:txBody>
+          </p:sp>
+          <p:sp>
+            <p:nvSpPr>
+              <p:cNvPr id="19" name="Freeform 18"/>
+              <p:cNvSpPr/>
+              <p:nvPr/>
+            </p:nvSpPr>
+            <p:spPr>
+              <a:xfrm>
+                <a:off x="215901" y="6077006"/>
+                <a:ext cx="393514" cy="376356"/>
+              </a:xfrm>
+              <a:custGeom>
+                <a:avLst/>
+                <a:gdLst>
+                  <a:gd name="connsiteX0" fmla="*/ 0 w 393514"/>
+                  <a:gd name="connsiteY0" fmla="*/ 0 h 376356"/>
+                  <a:gd name="connsiteX1" fmla="*/ 393514 w 393514"/>
+                  <a:gd name="connsiteY1" fmla="*/ 0 h 376356"/>
+                  <a:gd name="connsiteX2" fmla="*/ 393514 w 393514"/>
+                  <a:gd name="connsiteY2" fmla="*/ 374835 h 376356"/>
+                  <a:gd name="connsiteX3" fmla="*/ 378428 w 393514"/>
+                  <a:gd name="connsiteY3" fmla="*/ 376356 h 376356"/>
+                  <a:gd name="connsiteX4" fmla="*/ 7461 w 393514"/>
+                  <a:gd name="connsiteY4" fmla="*/ 74009 h 376356"/>
+                  <a:gd name="connsiteX5" fmla="*/ 0 w 393514"/>
+                  <a:gd name="connsiteY5" fmla="*/ 0 h 376356"/>
+                </a:gdLst>
+                <a:ahLst/>
+                <a:cxnLst>
+                  <a:cxn ang="0">
+                    <a:pos x="connsiteX0" y="connsiteY0"/>
+                  </a:cxn>
+                  <a:cxn ang="0">
+                    <a:pos x="connsiteX1" y="connsiteY1"/>
+                  </a:cxn>
+                  <a:cxn ang="0">
+                    <a:pos x="connsiteX2" y="connsiteY2"/>
+                  </a:cxn>
+                  <a:cxn ang="0">
+                    <a:pos x="connsiteX3" y="connsiteY3"/>
+                  </a:cxn>
+                  <a:cxn ang="0">
+                    <a:pos x="connsiteX4" y="connsiteY4"/>
+                  </a:cxn>
+                  <a:cxn ang="0">
+                    <a:pos x="connsiteX5" y="connsiteY5"/>
+                  </a:cxn>
+                </a:cxnLst>
+                <a:rect l="l" t="t" r="r" b="b"/>
+                <a:pathLst>
+                  <a:path w="393514" h="376356">
+                    <a:moveTo>
+                      <a:pt x="0" y="0"/>
+                    </a:moveTo>
+                    <a:lnTo>
+                      <a:pt x="393514" y="0"/>
+                    </a:lnTo>
+                    <a:lnTo>
+                      <a:pt x="393514" y="374835"/>
+                    </a:lnTo>
+                    <a:lnTo>
+                      <a:pt x="378428" y="376356"/>
+                    </a:lnTo>
+                    <a:cubicBezTo>
+                      <a:pt x="195441" y="376356"/>
+                      <a:pt x="42770" y="246558"/>
+                      <a:pt x="7461" y="74009"/>
+                    </a:cubicBezTo>
+                    <a:lnTo>
+                      <a:pt x="0" y="0"/>
+                    </a:lnTo>
+                    <a:close/>
+                  </a:path>
+                </a:pathLst>
+              </a:custGeom>
+              <a:grpFill/>
+              <a:ln>
+                <a:noFill/>
+              </a:ln>
+            </p:spPr>
+            <p:style>
+              <a:lnRef idx="2">
+                <a:schemeClr val="accent1">
+                  <a:shade val="50000"/>
+                </a:schemeClr>
+              </a:lnRef>
+              <a:fillRef idx="1">
+                <a:schemeClr val="accent1"/>
+              </a:fillRef>
+              <a:effectRef idx="0">
+                <a:schemeClr val="accent1"/>
+              </a:effectRef>
+              <a:fontRef idx="minor">
+                <a:schemeClr val="lt1"/>
+              </a:fontRef>
+            </p:style>
+            <p:txBody>
+              <a:bodyPr rtlCol="0" anchor="ctr"/>
+              <a:lstStyle/>
+              <a:p>
+                <a:pPr algn="ctr"/>
+                <a:endParaRPr lang="en-US">
+                  <a:solidFill>
+                    <a:schemeClr val="bg1"/>
+                  </a:solidFill>
+                </a:endParaRPr>
+              </a:p>
+            </p:txBody>
+          </p:sp>
+          <p:sp>
+            <p:nvSpPr>
+              <p:cNvPr id="20" name="Rectangle 19"/>
+              <p:cNvSpPr/>
+              <p:nvPr/>
+            </p:nvSpPr>
+            <p:spPr>
+              <a:xfrm rot="16200000">
+                <a:off x="225835" y="5693423"/>
+                <a:ext cx="373415" cy="393747"/>
+              </a:xfrm>
+              <a:prstGeom prst="rect">
+                <a:avLst/>
+              </a:prstGeom>
+              <a:grpFill/>
+              <a:ln>
+                <a:noFill/>
+              </a:ln>
+            </p:spPr>
+            <p:style>
+              <a:lnRef idx="2">
+                <a:schemeClr val="accent1">
+                  <a:shade val="50000"/>
+                </a:schemeClr>
+              </a:lnRef>
+              <a:fillRef idx="1">
+                <a:schemeClr val="accent1"/>
+              </a:fillRef>
+              <a:effectRef idx="0">
+                <a:schemeClr val="accent1"/>
+              </a:effectRef>
+              <a:fontRef idx="minor">
+                <a:schemeClr val="lt1"/>
+              </a:fontRef>
+            </p:style>
+            <p:txBody>
+              <a:bodyPr rtlCol="0" anchor="ctr"/>
+              <a:lstStyle/>
+              <a:p>
+                <a:pPr algn="ctr"/>
+                <a:endParaRPr lang="en-US">
+                  <a:solidFill>
+                    <a:schemeClr val="bg1"/>
+                  </a:solidFill>
+                </a:endParaRPr>
+              </a:p>
+            </p:txBody>
+          </p:sp>
+          <p:sp>
+            <p:nvSpPr>
+              <p:cNvPr id="21" name="Isosceles Triangle 20"/>
+              <p:cNvSpPr/>
+              <p:nvPr/>
+            </p:nvSpPr>
+            <p:spPr>
+              <a:xfrm rot="5400000">
+                <a:off x="460284" y="5472767"/>
+                <a:ext cx="382597" cy="84975"/>
+              </a:xfrm>
+              <a:prstGeom prst="triangle">
+                <a:avLst/>
+              </a:prstGeom>
+              <a:grpFill/>
+              <a:ln>
+                <a:noFill/>
+              </a:ln>
+            </p:spPr>
+            <p:style>
+              <a:lnRef idx="2">
+                <a:schemeClr val="accent1">
+                  <a:shade val="50000"/>
+                </a:schemeClr>
+              </a:lnRef>
+              <a:fillRef idx="1">
+                <a:schemeClr val="accent1"/>
+              </a:fillRef>
+              <a:effectRef idx="0">
+                <a:schemeClr val="accent1"/>
+              </a:effectRef>
+              <a:fontRef idx="minor">
+                <a:schemeClr val="lt1"/>
+              </a:fontRef>
+            </p:style>
+            <p:txBody>
+              <a:bodyPr rtlCol="0" anchor="ctr"/>
+              <a:lstStyle/>
+              <a:p>
+                <a:pPr algn="ctr"/>
+                <a:endParaRPr lang="en-US">
+                  <a:solidFill>
+                    <a:schemeClr val="bg1"/>
+                  </a:solidFill>
+                </a:endParaRPr>
+              </a:p>
+            </p:txBody>
+          </p:sp>
+        </p:grpSp>
+      </p:grpSp>
+      <p:grpSp>
+        <p:nvGrpSpPr>
+          <p:cNvPr id="25" name="Group 24"/>
+          <p:cNvGrpSpPr/>
+          <p:nvPr/>
+        </p:nvGrpSpPr>
+        <p:grpSpPr>
+          <a:xfrm>
+            <a:off x="9434721" y="3337798"/>
+            <a:ext cx="1306286" cy="379639"/>
+            <a:chOff x="10217985" y="4627250"/>
+            <a:chExt cx="1306286" cy="379639"/>
+          </a:xfrm>
+          <a:solidFill>
+            <a:schemeClr val="accent2">
+              <a:lumMod val="40000"/>
+              <a:lumOff val="60000"/>
+            </a:schemeClr>
+          </a:solidFill>
+        </p:grpSpPr>
+        <p:sp>
+          <p:nvSpPr>
+            <p:cNvPr id="26" name="Freeform 25"/>
+            <p:cNvSpPr/>
+            <p:nvPr/>
+          </p:nvSpPr>
+          <p:spPr>
+            <a:xfrm rot="5400000">
+              <a:off x="11291963" y="4774581"/>
+              <a:ext cx="379639" cy="84977"/>
+            </a:xfrm>
+            <a:custGeom>
+              <a:avLst/>
+              <a:gdLst>
+                <a:gd name="connsiteX0" fmla="*/ 0 w 379639"/>
+                <a:gd name="connsiteY0" fmla="*/ 84977 h 84977"/>
+                <a:gd name="connsiteX1" fmla="*/ 0 w 379639"/>
+                <a:gd name="connsiteY1" fmla="*/ 84002 h 84977"/>
+                <a:gd name="connsiteX2" fmla="*/ 189820 w 379639"/>
+                <a:gd name="connsiteY2" fmla="*/ 0 h 84977"/>
+                <a:gd name="connsiteX3" fmla="*/ 379639 w 379639"/>
+                <a:gd name="connsiteY3" fmla="*/ 84001 h 84977"/>
+                <a:gd name="connsiteX4" fmla="*/ 379639 w 379639"/>
+                <a:gd name="connsiteY4" fmla="*/ 84977 h 84977"/>
+                <a:gd name="connsiteX5" fmla="*/ 0 w 379639"/>
+                <a:gd name="connsiteY5" fmla="*/ 84977 h 84977"/>
+              </a:gdLst>
+              <a:ahLst/>
+              <a:cxnLst>
+                <a:cxn ang="0">
+                  <a:pos x="connsiteX0" y="connsiteY0"/>
+                </a:cxn>
+                <a:cxn ang="0">
+                  <a:pos x="connsiteX1" y="connsiteY1"/>
+                </a:cxn>
+                <a:cxn ang="0">
+                  <a:pos x="connsiteX2" y="connsiteY2"/>
+                </a:cxn>
+                <a:cxn ang="0">
+                  <a:pos x="connsiteX3" y="connsiteY3"/>
+                </a:cxn>
+                <a:cxn ang="0">
+                  <a:pos x="connsiteX4" y="connsiteY4"/>
+                </a:cxn>
+                <a:cxn ang="0">
+                  <a:pos x="connsiteX5" y="connsiteY5"/>
+                </a:cxn>
+              </a:cxnLst>
+              <a:rect l="l" t="t" r="r" b="b"/>
+              <a:pathLst>
+                <a:path w="379639" h="84977">
+                  <a:moveTo>
+                    <a:pt x="0" y="84977"/>
+                  </a:moveTo>
+                  <a:lnTo>
+                    <a:pt x="0" y="84002"/>
+                  </a:lnTo>
+                  <a:lnTo>
+                    <a:pt x="189820" y="0"/>
+                  </a:lnTo>
+                  <a:lnTo>
+                    <a:pt x="379639" y="84001"/>
+                  </a:lnTo>
+                  <a:lnTo>
+                    <a:pt x="379639" y="84977"/>
+                  </a:lnTo>
+                  <a:lnTo>
+                    <a:pt x="0" y="84977"/>
+                  </a:lnTo>
+                  <a:close/>
+                </a:path>
+              </a:pathLst>
+            </a:custGeom>
+            <a:grpFill/>
+            <a:ln>
+              <a:noFill/>
+            </a:ln>
+          </p:spPr>
+          <p:style>
+            <a:lnRef idx="2">
+              <a:schemeClr val="accent1">
+                <a:shade val="50000"/>
+              </a:schemeClr>
+            </a:lnRef>
+            <a:fillRef idx="1">
+              <a:schemeClr val="accent1"/>
+            </a:fillRef>
+            <a:effectRef idx="0">
+              <a:schemeClr val="accent1"/>
+            </a:effectRef>
+            <a:fontRef idx="minor">
+              <a:schemeClr val="lt1"/>
+            </a:fontRef>
+          </p:style>
+          <p:txBody>
+            <a:bodyPr rtlCol="0" anchor="ctr"/>
+            <a:lstStyle/>
+            <a:p>
+              <a:pPr algn="ctr"/>
+              <a:endParaRPr lang="en-US">
+                <a:solidFill>
+                  <a:schemeClr val="tx1"/>
+                </a:solidFill>
+              </a:endParaRPr>
+            </a:p>
+          </p:txBody>
+        </p:sp>
+        <p:sp>
+          <p:nvSpPr>
+            <p:cNvPr id="27" name="Freeform 26"/>
+            <p:cNvSpPr/>
+            <p:nvPr/>
+          </p:nvSpPr>
+          <p:spPr>
+            <a:xfrm rot="5400000">
+              <a:off x="10638820" y="4206415"/>
+              <a:ext cx="379639" cy="1221309"/>
+            </a:xfrm>
+            <a:custGeom>
+              <a:avLst/>
+              <a:gdLst>
+                <a:gd name="connsiteX0" fmla="*/ 0 w 379639"/>
+                <a:gd name="connsiteY0" fmla="*/ 1221309 h 1221309"/>
+                <a:gd name="connsiteX1" fmla="*/ 0 w 379639"/>
+                <a:gd name="connsiteY1" fmla="*/ 0 h 1221309"/>
+                <a:gd name="connsiteX2" fmla="*/ 379639 w 379639"/>
+                <a:gd name="connsiteY2" fmla="*/ 0 h 1221309"/>
+                <a:gd name="connsiteX3" fmla="*/ 379639 w 379639"/>
+                <a:gd name="connsiteY3" fmla="*/ 1221309 h 1221309"/>
+                <a:gd name="connsiteX4" fmla="*/ 0 w 379639"/>
+                <a:gd name="connsiteY4" fmla="*/ 1221309 h 1221309"/>
+              </a:gdLst>
+              <a:ahLst/>
+              <a:cxnLst>
+                <a:cxn ang="0">
+                  <a:pos x="connsiteX0" y="connsiteY0"/>
+                </a:cxn>
+                <a:cxn ang="0">
+                  <a:pos x="connsiteX1" y="connsiteY1"/>
+                </a:cxn>
+                <a:cxn ang="0">
+                  <a:pos x="connsiteX2" y="connsiteY2"/>
+                </a:cxn>
+                <a:cxn ang="0">
+                  <a:pos x="connsiteX3" y="connsiteY3"/>
+                </a:cxn>
+                <a:cxn ang="0">
+                  <a:pos x="connsiteX4" y="connsiteY4"/>
+                </a:cxn>
+              </a:cxnLst>
+              <a:rect l="l" t="t" r="r" b="b"/>
+              <a:pathLst>
+                <a:path w="379639" h="1221309">
+                  <a:moveTo>
+                    <a:pt x="0" y="1221309"/>
+                  </a:moveTo>
+                  <a:lnTo>
+                    <a:pt x="0" y="0"/>
+                  </a:lnTo>
+                  <a:lnTo>
+                    <a:pt x="379639" y="0"/>
+                  </a:lnTo>
+                  <a:lnTo>
+                    <a:pt x="379639" y="1221309"/>
+                  </a:lnTo>
+                  <a:lnTo>
+                    <a:pt x="0" y="1221309"/>
+                  </a:lnTo>
+                  <a:close/>
+                </a:path>
+              </a:pathLst>
+            </a:custGeom>
+            <a:grpFill/>
+            <a:ln>
+              <a:noFill/>
+            </a:ln>
+          </p:spPr>
+          <p:style>
+            <a:lnRef idx="2">
+              <a:schemeClr val="accent1">
+                <a:shade val="50000"/>
+              </a:schemeClr>
+            </a:lnRef>
+            <a:fillRef idx="1">
+              <a:schemeClr val="accent1"/>
+            </a:fillRef>
+            <a:effectRef idx="0">
+              <a:schemeClr val="accent1"/>
+            </a:effectRef>
+            <a:fontRef idx="minor">
+              <a:schemeClr val="lt1"/>
+            </a:fontRef>
+          </p:style>
+          <p:txBody>
+            <a:bodyPr rtlCol="0" anchor="ctr"/>
+            <a:lstStyle/>
+            <a:p>
+              <a:pPr algn="ctr"/>
+              <a:endParaRPr lang="en-US" dirty="0">
+                <a:solidFill>
+                  <a:schemeClr val="tx1"/>
+                </a:solidFill>
+              </a:endParaRPr>
+            </a:p>
+          </p:txBody>
+        </p:sp>
+      </p:grpSp>
+      <p:sp>
+        <p:nvSpPr>
+          <p:cNvPr id="28" name="TextBox 27"/>
+          <p:cNvSpPr txBox="1"/>
+          <p:nvPr/>
+        </p:nvSpPr>
+        <p:spPr>
+          <a:xfrm>
+            <a:off x="9688415" y="3389117"/>
+            <a:ext cx="805029" cy="276999"/>
+          </a:xfrm>
+          <a:prstGeom prst="rect">
+            <a:avLst/>
+          </a:prstGeom>
+          <a:noFill/>
+        </p:spPr>
+        <p:txBody>
+          <a:bodyPr wrap="none" rtlCol="0">
+            <a:spAutoFit/>
+          </a:bodyPr>
+          <a:lstStyle/>
+          <a:p>
+            <a:r>
+              <a:rPr lang="en-US" sz="1200" b="1" dirty="0"/>
+              <a:t>Operate</a:t>
+            </a:r>
+          </a:p>
+        </p:txBody>
+      </p:sp>
+      <p:grpSp>
+        <p:nvGrpSpPr>
+          <p:cNvPr id="29" name="Continuous Build"/>
+          <p:cNvGrpSpPr/>
+          <p:nvPr/>
+        </p:nvGrpSpPr>
+        <p:grpSpPr>
+          <a:xfrm>
+            <a:off x="2637950" y="3056930"/>
+            <a:ext cx="2665641" cy="195772"/>
+            <a:chOff x="2106491" y="3513081"/>
+            <a:chExt cx="2665641" cy="195772"/>
+          </a:xfrm>
+        </p:grpSpPr>
+        <p:sp>
+          <p:nvSpPr>
+            <p:cNvPr id="30" name="Chevron 29"/>
+            <p:cNvSpPr/>
+            <p:nvPr/>
+          </p:nvSpPr>
+          <p:spPr>
+            <a:xfrm>
+              <a:off x="4569532" y="3514955"/>
+              <a:ext cx="202600" cy="192024"/>
+            </a:xfrm>
+            <a:prstGeom prst="chevron">
+              <a:avLst/>
+            </a:prstGeom>
+            <a:ln>
+              <a:noFill/>
+            </a:ln>
+          </p:spPr>
+          <p:style>
+            <a:lnRef idx="2">
+              <a:schemeClr val="accent1">
+                <a:shade val="50000"/>
+              </a:schemeClr>
+            </a:lnRef>
+            <a:fillRef idx="1">
+              <a:schemeClr val="accent1"/>
+            </a:fillRef>
+            <a:effectRef idx="0">
+              <a:schemeClr val="accent1"/>
+            </a:effectRef>
+            <a:fontRef idx="minor">
+              <a:schemeClr val="lt1"/>
+            </a:fontRef>
+          </p:style>
+          <p:txBody>
+            <a:bodyPr rtlCol="0" anchor="ctr"/>
+            <a:lstStyle/>
+            <a:p>
+              <a:pPr algn="ctr"/>
+              <a:endParaRPr lang="en-US">
+                <a:solidFill>
+                  <a:schemeClr val="tx1"/>
+                </a:solidFill>
+              </a:endParaRPr>
+            </a:p>
+          </p:txBody>
+        </p:sp>
+        <p:sp>
+          <p:nvSpPr>
+            <p:cNvPr id="31" name="Chevron 30"/>
+            <p:cNvSpPr/>
+            <p:nvPr/>
+          </p:nvSpPr>
+          <p:spPr>
+            <a:xfrm rot="10800000">
+              <a:off x="2106491" y="3514955"/>
+              <a:ext cx="202598" cy="192024"/>
+            </a:xfrm>
+            <a:prstGeom prst="chevron">
+              <a:avLst/>
+            </a:prstGeom>
+            <a:ln>
+              <a:noFill/>
+            </a:ln>
+          </p:spPr>
+          <p:style>
+            <a:lnRef idx="2">
+              <a:schemeClr val="accent1">
+                <a:shade val="50000"/>
+              </a:schemeClr>
+            </a:lnRef>
+            <a:fillRef idx="1">
+              <a:schemeClr val="accent1"/>
+            </a:fillRef>
+            <a:effectRef idx="0">
+              <a:schemeClr val="accent1"/>
+            </a:effectRef>
+            <a:fontRef idx="minor">
+              <a:schemeClr val="lt1"/>
+            </a:fontRef>
+          </p:style>
+          <p:txBody>
+            <a:bodyPr rtlCol="0" anchor="ctr"/>
+            <a:lstStyle/>
+            <a:p>
+              <a:pPr algn="ctr"/>
+              <a:endParaRPr lang="en-US">
+                <a:solidFill>
+                  <a:schemeClr val="tx1"/>
+                </a:solidFill>
+              </a:endParaRPr>
+            </a:p>
+          </p:txBody>
+        </p:sp>
+        <p:sp>
+          <p:nvSpPr>
+            <p:cNvPr id="32" name="Rectangle 31"/>
+            <p:cNvSpPr/>
+            <p:nvPr/>
+          </p:nvSpPr>
+          <p:spPr>
+            <a:xfrm>
+              <a:off x="2358408" y="3513081"/>
+              <a:ext cx="2162514" cy="195772"/>
+            </a:xfrm>
+            <a:prstGeom prst="rect">
+              <a:avLst/>
+            </a:prstGeom>
+            <a:ln>
+              <a:noFill/>
+            </a:ln>
+          </p:spPr>
+          <p:style>
+            <a:lnRef idx="2">
+              <a:schemeClr val="accent1">
+                <a:shade val="50000"/>
+              </a:schemeClr>
+            </a:lnRef>
+            <a:fillRef idx="1">
+              <a:schemeClr val="accent1"/>
+            </a:fillRef>
+            <a:effectRef idx="0">
+              <a:schemeClr val="accent1"/>
+            </a:effectRef>
+            <a:fontRef idx="minor">
+              <a:schemeClr val="lt1"/>
+            </a:fontRef>
+          </p:style>
+          <p:txBody>
+            <a:bodyPr rtlCol="0" anchor="ctr"/>
+            <a:lstStyle/>
+            <a:p>
+              <a:pPr algn="ctr"/>
+              <a:r>
+                <a:rPr lang="en-US" sz="1200" b="1" dirty="0"/>
+                <a:t>Continuous Build</a:t>
+              </a:r>
+            </a:p>
+          </p:txBody>
+        </p:sp>
+      </p:grpSp>
+      <p:grpSp>
+        <p:nvGrpSpPr>
+          <p:cNvPr id="33" name="Continuous Integration"/>
+          <p:cNvGrpSpPr/>
+          <p:nvPr/>
+        </p:nvGrpSpPr>
+        <p:grpSpPr>
+          <a:xfrm>
+            <a:off x="2637950" y="2769924"/>
+            <a:ext cx="4024995" cy="195772"/>
+            <a:chOff x="2106491" y="3226075"/>
+            <a:chExt cx="4024995" cy="195772"/>
+          </a:xfrm>
+        </p:grpSpPr>
+        <p:sp>
+          <p:nvSpPr>
+            <p:cNvPr id="34" name="Chevron 33"/>
+            <p:cNvSpPr/>
+            <p:nvPr/>
+          </p:nvSpPr>
+          <p:spPr>
+            <a:xfrm>
+              <a:off x="5928886" y="3227949"/>
+              <a:ext cx="202600" cy="192024"/>
+            </a:xfrm>
+            <a:prstGeom prst="chevron">
+              <a:avLst/>
+            </a:prstGeom>
+            <a:ln>
+              <a:noFill/>
+            </a:ln>
+          </p:spPr>
+          <p:style>
+            <a:lnRef idx="2">
+              <a:schemeClr val="accent1">
+                <a:shade val="50000"/>
+              </a:schemeClr>
+            </a:lnRef>
+            <a:fillRef idx="1">
+              <a:schemeClr val="accent1"/>
+            </a:fillRef>
+            <a:effectRef idx="0">
+              <a:schemeClr val="accent1"/>
+            </a:effectRef>
+            <a:fontRef idx="minor">
+              <a:schemeClr val="lt1"/>
+            </a:fontRef>
+          </p:style>
+          <p:txBody>
+            <a:bodyPr rtlCol="0" anchor="ctr"/>
+            <a:lstStyle/>
+            <a:p>
+              <a:pPr algn="ctr"/>
+              <a:endParaRPr lang="en-US">
+                <a:solidFill>
+                  <a:schemeClr val="tx1"/>
+                </a:solidFill>
+              </a:endParaRPr>
+            </a:p>
+          </p:txBody>
+        </p:sp>
+        <p:sp>
+          <p:nvSpPr>
+            <p:cNvPr id="35" name="Chevron 34"/>
+            <p:cNvSpPr/>
+            <p:nvPr/>
+          </p:nvSpPr>
+          <p:spPr>
+            <a:xfrm rot="10800000">
+              <a:off x="2106491" y="3227949"/>
+              <a:ext cx="202598" cy="192024"/>
+            </a:xfrm>
+            <a:prstGeom prst="chevron">
+              <a:avLst/>
+            </a:prstGeom>
+            <a:ln>
+              <a:noFill/>
+            </a:ln>
+          </p:spPr>
+          <p:style>
+            <a:lnRef idx="2">
+              <a:schemeClr val="accent1">
+                <a:shade val="50000"/>
+              </a:schemeClr>
+            </a:lnRef>
+            <a:fillRef idx="1">
+              <a:schemeClr val="accent1"/>
+            </a:fillRef>
+            <a:effectRef idx="0">
+              <a:schemeClr val="accent1"/>
+            </a:effectRef>
+            <a:fontRef idx="minor">
+              <a:schemeClr val="lt1"/>
+            </a:fontRef>
+          </p:style>
+          <p:txBody>
+            <a:bodyPr rtlCol="0" anchor="ctr"/>
+            <a:lstStyle/>
+            <a:p>
+              <a:pPr algn="ctr"/>
+              <a:endParaRPr lang="en-US">
+                <a:solidFill>
+                  <a:schemeClr val="tx1"/>
+                </a:solidFill>
+              </a:endParaRPr>
+            </a:p>
+          </p:txBody>
+        </p:sp>
+        <p:sp>
+          <p:nvSpPr>
+            <p:cNvPr id="36" name="Rectangle 35"/>
+            <p:cNvSpPr/>
+            <p:nvPr/>
+          </p:nvSpPr>
+          <p:spPr>
+            <a:xfrm>
+              <a:off x="2358408" y="3226075"/>
+              <a:ext cx="3516922" cy="195772"/>
+            </a:xfrm>
+            <a:prstGeom prst="rect">
+              <a:avLst/>
+            </a:prstGeom>
+            <a:ln>
+              <a:noFill/>
+            </a:ln>
+          </p:spPr>
+          <p:style>
+            <a:lnRef idx="2">
+              <a:schemeClr val="accent1">
+                <a:shade val="50000"/>
+              </a:schemeClr>
+            </a:lnRef>
+            <a:fillRef idx="1">
+              <a:schemeClr val="accent1"/>
+            </a:fillRef>
+            <a:effectRef idx="0">
+              <a:schemeClr val="accent1"/>
+            </a:effectRef>
+            <a:fontRef idx="minor">
+              <a:schemeClr val="lt1"/>
+            </a:fontRef>
+          </p:style>
+          <p:txBody>
+            <a:bodyPr rtlCol="0" anchor="ctr"/>
+            <a:lstStyle/>
+            <a:p>
+              <a:pPr algn="ctr"/>
+              <a:r>
+                <a:rPr lang="en-US" sz="1200" b="1" dirty="0"/>
+                <a:t>Continuous Integration</a:t>
+              </a:r>
+            </a:p>
+          </p:txBody>
+        </p:sp>
+      </p:grpSp>
+      <p:grpSp>
+        <p:nvGrpSpPr>
+          <p:cNvPr id="37" name="Continuous Delivery"/>
+          <p:cNvGrpSpPr/>
+          <p:nvPr/>
+        </p:nvGrpSpPr>
+        <p:grpSpPr>
+          <a:xfrm>
+            <a:off x="1278597" y="2485877"/>
+            <a:ext cx="6743702" cy="195772"/>
+            <a:chOff x="747138" y="2942028"/>
+            <a:chExt cx="6743702" cy="195772"/>
+          </a:xfrm>
+        </p:grpSpPr>
+        <p:sp>
+          <p:nvSpPr>
+            <p:cNvPr id="38" name="Chevron 37"/>
+            <p:cNvSpPr/>
+            <p:nvPr/>
+          </p:nvSpPr>
+          <p:spPr>
+            <a:xfrm>
+              <a:off x="7288240" y="2943902"/>
+              <a:ext cx="202600" cy="192024"/>
+            </a:xfrm>
+            <a:prstGeom prst="chevron">
+              <a:avLst/>
+            </a:prstGeom>
+            <a:ln>
+              <a:noFill/>
+            </a:ln>
+          </p:spPr>
+          <p:style>
+            <a:lnRef idx="2">
+              <a:schemeClr val="accent1">
+                <a:shade val="50000"/>
+              </a:schemeClr>
+            </a:lnRef>
+            <a:fillRef idx="1">
+              <a:schemeClr val="accent1"/>
+            </a:fillRef>
+            <a:effectRef idx="0">
+              <a:schemeClr val="accent1"/>
+            </a:effectRef>
+            <a:fontRef idx="minor">
+              <a:schemeClr val="lt1"/>
+            </a:fontRef>
+          </p:style>
+          <p:txBody>
+            <a:bodyPr rtlCol="0" anchor="ctr"/>
+            <a:lstStyle/>
+            <a:p>
+              <a:pPr algn="ctr"/>
+              <a:endParaRPr lang="en-US">
+                <a:solidFill>
+                  <a:schemeClr val="tx1"/>
+                </a:solidFill>
+              </a:endParaRPr>
+            </a:p>
+          </p:txBody>
+        </p:sp>
+        <p:sp>
+          <p:nvSpPr>
+            <p:cNvPr id="39" name="Chevron 38"/>
+            <p:cNvSpPr/>
+            <p:nvPr/>
+          </p:nvSpPr>
+          <p:spPr>
+            <a:xfrm rot="10800000">
+              <a:off x="747138" y="2943902"/>
+              <a:ext cx="202598" cy="192024"/>
+            </a:xfrm>
+            <a:prstGeom prst="chevron">
+              <a:avLst/>
+            </a:prstGeom>
+            <a:ln>
+              <a:noFill/>
+            </a:ln>
+          </p:spPr>
+          <p:style>
+            <a:lnRef idx="2">
+              <a:schemeClr val="accent1">
+                <a:shade val="50000"/>
+              </a:schemeClr>
+            </a:lnRef>
+            <a:fillRef idx="1">
+              <a:schemeClr val="accent1"/>
+            </a:fillRef>
+            <a:effectRef idx="0">
+              <a:schemeClr val="accent1"/>
+            </a:effectRef>
+            <a:fontRef idx="minor">
+              <a:schemeClr val="lt1"/>
+            </a:fontRef>
+          </p:style>
+          <p:txBody>
+            <a:bodyPr rtlCol="0" anchor="ctr"/>
+            <a:lstStyle/>
+            <a:p>
+              <a:pPr algn="ctr"/>
+              <a:endParaRPr lang="en-US">
+                <a:solidFill>
+                  <a:schemeClr val="tx1"/>
+                </a:solidFill>
+              </a:endParaRPr>
+            </a:p>
+          </p:txBody>
+        </p:sp>
+        <p:sp>
+          <p:nvSpPr>
+            <p:cNvPr id="40" name="Rectangle 39"/>
+            <p:cNvSpPr/>
+            <p:nvPr/>
+          </p:nvSpPr>
+          <p:spPr>
+            <a:xfrm>
+              <a:off x="1005426" y="2942028"/>
+              <a:ext cx="6231160" cy="195772"/>
+            </a:xfrm>
+            <a:prstGeom prst="rect">
+              <a:avLst/>
+            </a:prstGeom>
+            <a:ln>
+              <a:noFill/>
+            </a:ln>
+          </p:spPr>
+          <p:style>
+            <a:lnRef idx="2">
+              <a:schemeClr val="accent1">
+                <a:shade val="50000"/>
+              </a:schemeClr>
+            </a:lnRef>
+            <a:fillRef idx="1">
+              <a:schemeClr val="accent1"/>
+            </a:fillRef>
+            <a:effectRef idx="0">
+              <a:schemeClr val="accent1"/>
+            </a:effectRef>
+            <a:fontRef idx="minor">
+              <a:schemeClr val="lt1"/>
+            </a:fontRef>
+          </p:style>
+          <p:txBody>
+            <a:bodyPr rtlCol="0" anchor="ctr"/>
+            <a:lstStyle/>
+            <a:p>
+              <a:pPr algn="ctr"/>
+              <a:r>
+                <a:rPr lang="en-US" sz="1200" b="1" dirty="0"/>
+                <a:t>Continuous Delivery</a:t>
+              </a:r>
+            </a:p>
+          </p:txBody>
+        </p:sp>
+      </p:grpSp>
+      <p:grpSp>
+        <p:nvGrpSpPr>
+          <p:cNvPr id="41" name="Continuous Deployment"/>
+          <p:cNvGrpSpPr/>
+          <p:nvPr/>
+        </p:nvGrpSpPr>
+        <p:grpSpPr>
+          <a:xfrm>
+            <a:off x="1278597" y="2195861"/>
+            <a:ext cx="8103056" cy="195772"/>
+            <a:chOff x="747138" y="2652012"/>
+            <a:chExt cx="8103056" cy="195772"/>
+          </a:xfrm>
+        </p:grpSpPr>
+        <p:sp>
+          <p:nvSpPr>
+            <p:cNvPr id="42" name="Chevron 41"/>
+            <p:cNvSpPr/>
+            <p:nvPr/>
+          </p:nvSpPr>
+          <p:spPr>
+            <a:xfrm>
+              <a:off x="8647594" y="2653886"/>
+              <a:ext cx="202600" cy="192024"/>
+            </a:xfrm>
+            <a:prstGeom prst="chevron">
+              <a:avLst/>
+            </a:prstGeom>
+            <a:ln>
+              <a:noFill/>
+            </a:ln>
+          </p:spPr>
+          <p:style>
+            <a:lnRef idx="2">
+              <a:schemeClr val="accent1">
+                <a:shade val="50000"/>
+              </a:schemeClr>
+            </a:lnRef>
+            <a:fillRef idx="1">
+              <a:schemeClr val="accent1"/>
+            </a:fillRef>
+            <a:effectRef idx="0">
+              <a:schemeClr val="accent1"/>
+            </a:effectRef>
+            <a:fontRef idx="minor">
+              <a:schemeClr val="lt1"/>
+            </a:fontRef>
+          </p:style>
+          <p:txBody>
+            <a:bodyPr rtlCol="0" anchor="ctr"/>
+            <a:lstStyle/>
+            <a:p>
+              <a:pPr algn="ctr"/>
+              <a:endParaRPr lang="en-US">
+                <a:solidFill>
+                  <a:schemeClr val="tx1"/>
+                </a:solidFill>
+              </a:endParaRPr>
+            </a:p>
+          </p:txBody>
+        </p:sp>
+        <p:sp>
+          <p:nvSpPr>
+            <p:cNvPr id="43" name="Chevron 42"/>
+            <p:cNvSpPr/>
+            <p:nvPr/>
+          </p:nvSpPr>
+          <p:spPr>
+            <a:xfrm rot="10800000">
+              <a:off x="747138" y="2653886"/>
+              <a:ext cx="202598" cy="192024"/>
+            </a:xfrm>
+            <a:prstGeom prst="chevron">
+              <a:avLst/>
+            </a:prstGeom>
+            <a:ln>
+              <a:noFill/>
+            </a:ln>
+          </p:spPr>
+          <p:style>
+            <a:lnRef idx="2">
+              <a:schemeClr val="accent1">
+                <a:shade val="50000"/>
+              </a:schemeClr>
+            </a:lnRef>
+            <a:fillRef idx="1">
+              <a:schemeClr val="accent1"/>
+            </a:fillRef>
+            <a:effectRef idx="0">
+              <a:schemeClr val="accent1"/>
+            </a:effectRef>
+            <a:fontRef idx="minor">
+              <a:schemeClr val="lt1"/>
+            </a:fontRef>
+          </p:style>
+          <p:txBody>
+            <a:bodyPr rtlCol="0" anchor="ctr"/>
+            <a:lstStyle/>
+            <a:p>
+              <a:pPr algn="ctr"/>
+              <a:endParaRPr lang="en-US">
+                <a:solidFill>
+                  <a:schemeClr val="tx1"/>
+                </a:solidFill>
+              </a:endParaRPr>
+            </a:p>
+          </p:txBody>
+        </p:sp>
+        <p:sp>
+          <p:nvSpPr>
+            <p:cNvPr id="44" name="Rectangle 43"/>
+            <p:cNvSpPr/>
+            <p:nvPr/>
+          </p:nvSpPr>
+          <p:spPr>
+            <a:xfrm>
+              <a:off x="1005425" y="2652012"/>
+              <a:ext cx="7588279" cy="195772"/>
+            </a:xfrm>
+            <a:prstGeom prst="rect">
+              <a:avLst/>
+            </a:prstGeom>
+            <a:ln>
+              <a:noFill/>
+            </a:ln>
+          </p:spPr>
+          <p:style>
+            <a:lnRef idx="2">
+              <a:schemeClr val="accent1">
+                <a:shade val="50000"/>
+              </a:schemeClr>
+            </a:lnRef>
+            <a:fillRef idx="1">
+              <a:schemeClr val="accent1"/>
+            </a:fillRef>
+            <a:effectRef idx="0">
+              <a:schemeClr val="accent1"/>
+            </a:effectRef>
+            <a:fontRef idx="minor">
+              <a:schemeClr val="lt1"/>
+            </a:fontRef>
+          </p:style>
+          <p:txBody>
+            <a:bodyPr rtlCol="0" anchor="ctr"/>
+            <a:lstStyle/>
+            <a:p>
+              <a:pPr algn="ctr"/>
+              <a:r>
+                <a:rPr lang="en-US" sz="1200" b="1" dirty="0"/>
+                <a:t>Continuous Deployment</a:t>
+              </a:r>
+            </a:p>
+          </p:txBody>
+        </p:sp>
+      </p:grpSp>
+      <p:grpSp>
+        <p:nvGrpSpPr>
+          <p:cNvPr id="45" name="Continuous Operations"/>
+          <p:cNvGrpSpPr/>
+          <p:nvPr/>
+        </p:nvGrpSpPr>
+        <p:grpSpPr>
+          <a:xfrm>
+            <a:off x="1278597" y="1915613"/>
+            <a:ext cx="9462410" cy="195772"/>
+            <a:chOff x="747138" y="2371764"/>
+            <a:chExt cx="9462410" cy="195772"/>
+          </a:xfrm>
+        </p:grpSpPr>
+        <p:sp>
+          <p:nvSpPr>
+            <p:cNvPr id="46" name="Chevron 45"/>
+            <p:cNvSpPr/>
+            <p:nvPr/>
+          </p:nvSpPr>
+          <p:spPr>
+            <a:xfrm>
+              <a:off x="10006948" y="2373638"/>
+              <a:ext cx="202600" cy="192024"/>
+            </a:xfrm>
+            <a:prstGeom prst="chevron">
+              <a:avLst/>
+            </a:prstGeom>
+            <a:solidFill>
+              <a:schemeClr val="accent3"/>
+            </a:solidFill>
+            <a:ln>
+              <a:noFill/>
+            </a:ln>
+          </p:spPr>
+          <p:style>
+            <a:lnRef idx="2">
+              <a:schemeClr val="accent1">
+                <a:shade val="50000"/>
+              </a:schemeClr>
+            </a:lnRef>
+            <a:fillRef idx="1">
+              <a:schemeClr val="accent1"/>
+            </a:fillRef>
+            <a:effectRef idx="0">
+              <a:schemeClr val="accent1"/>
+            </a:effectRef>
+            <a:fontRef idx="minor">
+              <a:schemeClr val="lt1"/>
+            </a:fontRef>
+          </p:style>
+          <p:txBody>
+            <a:bodyPr rtlCol="0" anchor="ctr"/>
+            <a:lstStyle/>
+            <a:p>
+              <a:pPr algn="ctr"/>
+              <a:endParaRPr lang="en-US">
+                <a:solidFill>
+                  <a:schemeClr val="tx1"/>
+                </a:solidFill>
+              </a:endParaRPr>
+            </a:p>
+          </p:txBody>
+        </p:sp>
+        <p:sp>
+          <p:nvSpPr>
+            <p:cNvPr id="47" name="Chevron 46"/>
+            <p:cNvSpPr/>
+            <p:nvPr/>
+          </p:nvSpPr>
+          <p:spPr>
+            <a:xfrm rot="10800000">
+              <a:off x="747138" y="2373638"/>
+              <a:ext cx="202598" cy="192024"/>
+            </a:xfrm>
+            <a:prstGeom prst="chevron">
+              <a:avLst/>
+            </a:prstGeom>
+            <a:solidFill>
+              <a:schemeClr val="accent3"/>
+            </a:solidFill>
+            <a:ln>
+              <a:noFill/>
+            </a:ln>
+          </p:spPr>
+          <p:style>
+            <a:lnRef idx="2">
+              <a:schemeClr val="accent1">
+                <a:shade val="50000"/>
+              </a:schemeClr>
+            </a:lnRef>
+            <a:fillRef idx="1">
+              <a:schemeClr val="accent1"/>
+            </a:fillRef>
+            <a:effectRef idx="0">
+              <a:schemeClr val="accent1"/>
+            </a:effectRef>
+            <a:fontRef idx="minor">
+              <a:schemeClr val="lt1"/>
+            </a:fontRef>
+          </p:style>
+          <p:txBody>
+            <a:bodyPr rtlCol="0" anchor="ctr"/>
+            <a:lstStyle/>
+            <a:p>
+              <a:pPr algn="ctr"/>
+              <a:endParaRPr lang="en-US">
+                <a:solidFill>
+                  <a:schemeClr val="tx1"/>
+                </a:solidFill>
+              </a:endParaRPr>
+            </a:p>
+          </p:txBody>
+        </p:sp>
+        <p:sp>
+          <p:nvSpPr>
+            <p:cNvPr id="48" name="Rectangle 47"/>
+            <p:cNvSpPr/>
+            <p:nvPr/>
+          </p:nvSpPr>
+          <p:spPr>
+            <a:xfrm>
+              <a:off x="1005425" y="2371764"/>
+              <a:ext cx="8941261" cy="195772"/>
+            </a:xfrm>
+            <a:prstGeom prst="rect">
+              <a:avLst/>
+            </a:prstGeom>
+            <a:solidFill>
+              <a:schemeClr val="accent3"/>
+            </a:solidFill>
+            <a:ln>
+              <a:noFill/>
+            </a:ln>
+          </p:spPr>
+          <p:style>
+            <a:lnRef idx="2">
+              <a:schemeClr val="accent1">
+                <a:shade val="50000"/>
+              </a:schemeClr>
+            </a:lnRef>
+            <a:fillRef idx="1">
+              <a:schemeClr val="accent1"/>
+            </a:fillRef>
+            <a:effectRef idx="0">
+              <a:schemeClr val="accent1"/>
+            </a:effectRef>
+            <a:fontRef idx="minor">
+              <a:schemeClr val="lt1"/>
+            </a:fontRef>
+          </p:style>
+          <p:txBody>
+            <a:bodyPr rtlCol="0" anchor="ctr"/>
+            <a:lstStyle/>
+            <a:p>
+              <a:pPr algn="ctr"/>
+              <a:r>
+                <a:rPr lang="en-US" sz="1200" b="1" dirty="0"/>
+                <a:t>Continuous Operations</a:t>
+              </a:r>
+            </a:p>
+          </p:txBody>
+        </p:sp>
+      </p:grpSp>
+      <p:sp>
+        <p:nvSpPr>
+          <p:cNvPr id="49" name="Chevron 48"/>
+          <p:cNvSpPr/>
+          <p:nvPr/>
+        </p:nvSpPr>
+        <p:spPr>
+          <a:xfrm>
+            <a:off x="10453430" y="3811412"/>
+            <a:ext cx="202600" cy="192024"/>
+          </a:xfrm>
+          <a:prstGeom prst="chevron">
+            <a:avLst/>
+          </a:prstGeom>
+          <a:pattFill prst="wdUpDiag">
+            <a:fgClr>
+              <a:schemeClr val="accent3"/>
+            </a:fgClr>
+            <a:bgClr>
+              <a:schemeClr val="tx1"/>
+            </a:bgClr>
+          </a:pattFill>
+          <a:ln>
+            <a:noFill/>
+          </a:ln>
+        </p:spPr>
+        <p:style>
+          <a:lnRef idx="2">
+            <a:schemeClr val="accent1">
+              <a:shade val="50000"/>
+            </a:schemeClr>
+          </a:lnRef>
+          <a:fillRef idx="1">
+            <a:schemeClr val="accent1"/>
+          </a:fillRef>
+          <a:effectRef idx="0">
+            <a:schemeClr val="accent1"/>
+          </a:effectRef>
+          <a:fontRef idx="minor">
+            <a:schemeClr val="lt1"/>
+          </a:fontRef>
+        </p:style>
+        <p:txBody>
+          <a:bodyPr rtlCol="0" anchor="ctr"/>
+          <a:lstStyle/>
+          <a:p>
+            <a:pPr algn="ctr"/>
+            <a:endParaRPr lang="en-US">
+              <a:solidFill>
+                <a:schemeClr val="tx1"/>
+              </a:solidFill>
+            </a:endParaRPr>
+          </a:p>
+        </p:txBody>
+      </p:sp>
+      <p:sp>
+        <p:nvSpPr>
+          <p:cNvPr id="50" name="Chevron 49"/>
+          <p:cNvSpPr/>
+          <p:nvPr/>
+        </p:nvSpPr>
+        <p:spPr>
+          <a:xfrm rot="10800000">
+            <a:off x="1278597" y="3811412"/>
+            <a:ext cx="202598" cy="192024"/>
+          </a:xfrm>
+          <a:prstGeom prst="chevron">
+            <a:avLst/>
+          </a:prstGeom>
+          <a:pattFill prst="wdUpDiag">
+            <a:fgClr>
+              <a:schemeClr val="accent3"/>
+            </a:fgClr>
+            <a:bgClr>
+              <a:schemeClr val="tx1"/>
+            </a:bgClr>
+          </a:pattFill>
+          <a:ln>
+            <a:noFill/>
+          </a:ln>
+        </p:spPr>
+        <p:style>
+          <a:lnRef idx="2">
+            <a:schemeClr val="accent1">
+              <a:shade val="50000"/>
+            </a:schemeClr>
+          </a:lnRef>
+          <a:fillRef idx="1">
+            <a:schemeClr val="accent1"/>
+          </a:fillRef>
+          <a:effectRef idx="0">
+            <a:schemeClr val="accent1"/>
+          </a:effectRef>
+          <a:fontRef idx="minor">
+            <a:schemeClr val="lt1"/>
+          </a:fontRef>
+        </p:style>
+        <p:txBody>
+          <a:bodyPr rtlCol="0" anchor="ctr"/>
+          <a:lstStyle/>
+          <a:p>
+            <a:pPr algn="ctr"/>
+            <a:endParaRPr lang="en-US">
+              <a:solidFill>
+                <a:schemeClr val="tx1"/>
+              </a:solidFill>
+            </a:endParaRPr>
+          </a:p>
+        </p:txBody>
+      </p:sp>
+      <p:sp>
+        <p:nvSpPr>
+          <p:cNvPr id="51" name="Rectangle 50"/>
+          <p:cNvSpPr/>
+          <p:nvPr/>
+        </p:nvSpPr>
+        <p:spPr>
+          <a:xfrm>
+            <a:off x="1536884" y="3809538"/>
+            <a:ext cx="8861114" cy="195772"/>
+          </a:xfrm>
+          <a:prstGeom prst="rect">
+            <a:avLst/>
+          </a:prstGeom>
+          <a:pattFill prst="wdUpDiag">
+            <a:fgClr>
+              <a:schemeClr val="accent3"/>
+            </a:fgClr>
+            <a:bgClr>
+              <a:schemeClr val="tx1"/>
+            </a:bgClr>
+          </a:pattFill>
+          <a:ln>
+            <a:noFill/>
+          </a:ln>
+        </p:spPr>
+        <p:style>
+          <a:lnRef idx="2">
+            <a:schemeClr val="accent1">
+              <a:shade val="50000"/>
+            </a:schemeClr>
+          </a:lnRef>
+          <a:fillRef idx="1">
+            <a:schemeClr val="accent1"/>
+          </a:fillRef>
+          <a:effectRef idx="0">
+            <a:schemeClr val="accent1"/>
+          </a:effectRef>
+          <a:fontRef idx="minor">
+            <a:schemeClr val="lt1"/>
+          </a:fontRef>
+        </p:style>
+        <p:txBody>
+          <a:bodyPr rtlCol="0" anchor="ctr"/>
+          <a:lstStyle/>
+          <a:p>
+            <a:pPr algn="ctr"/>
+            <a:r>
+              <a:rPr lang="en-US" sz="1200" b="1" dirty="0">
+                <a:solidFill>
+                  <a:srgbClr val="FFFFFF"/>
+                </a:solidFill>
+              </a:rPr>
+              <a:t>Cybersecurity Automation (Scanning, Testing, &amp; Validating)</a:t>
+            </a:r>
+          </a:p>
+        </p:txBody>
+      </p:sp>
+      <p:sp>
+        <p:nvSpPr>
+          <p:cNvPr id="52" name="Diamond 51"/>
+          <p:cNvSpPr/>
+          <p:nvPr/>
+        </p:nvSpPr>
+        <p:spPr>
+          <a:xfrm>
+            <a:off x="3867427" y="3427634"/>
+            <a:ext cx="206689" cy="206532"/>
+          </a:xfrm>
+          <a:prstGeom prst="diamond">
+            <a:avLst/>
+          </a:prstGeom>
+          <a:pattFill prst="wdUpDiag">
+            <a:fgClr>
+              <a:schemeClr val="tx1"/>
+            </a:fgClr>
+            <a:bgClr>
+              <a:schemeClr val="accent3"/>
+            </a:bgClr>
+          </a:pattFill>
+          <a:ln>
+            <a:noFill/>
+          </a:ln>
+        </p:spPr>
+        <p:style>
+          <a:lnRef idx="2">
+            <a:schemeClr val="accent1">
+              <a:shade val="50000"/>
+            </a:schemeClr>
+          </a:lnRef>
+          <a:fillRef idx="1">
+            <a:schemeClr val="accent1"/>
+          </a:fillRef>
+          <a:effectRef idx="0">
+            <a:schemeClr val="accent1"/>
+          </a:effectRef>
+          <a:fontRef idx="minor">
+            <a:schemeClr val="lt1"/>
+          </a:fontRef>
+        </p:style>
+        <p:txBody>
+          <a:bodyPr rtlCol="0" anchor="ctr"/>
+          <a:lstStyle/>
+          <a:p>
+            <a:pPr algn="ctr"/>
+            <a:endParaRPr lang="en-US" sz="1400"/>
+          </a:p>
+        </p:txBody>
+      </p:sp>
+      <p:sp>
+        <p:nvSpPr>
+          <p:cNvPr id="53" name="Diamond 52"/>
+          <p:cNvSpPr/>
+          <p:nvPr/>
+        </p:nvSpPr>
+        <p:spPr>
+          <a:xfrm>
+            <a:off x="5231669" y="3427634"/>
+            <a:ext cx="206689" cy="206532"/>
+          </a:xfrm>
+          <a:prstGeom prst="diamond">
+            <a:avLst/>
+          </a:prstGeom>
+          <a:pattFill prst="wdUpDiag">
+            <a:fgClr>
+              <a:schemeClr val="tx1"/>
+            </a:fgClr>
+            <a:bgClr>
+              <a:schemeClr val="accent3"/>
+            </a:bgClr>
+          </a:pattFill>
+          <a:ln>
+            <a:noFill/>
+          </a:ln>
+        </p:spPr>
+        <p:style>
+          <a:lnRef idx="2">
+            <a:schemeClr val="accent1">
+              <a:shade val="50000"/>
+            </a:schemeClr>
+          </a:lnRef>
+          <a:fillRef idx="1">
+            <a:schemeClr val="accent1"/>
+          </a:fillRef>
+          <a:effectRef idx="0">
+            <a:schemeClr val="accent1"/>
+          </a:effectRef>
+          <a:fontRef idx="minor">
+            <a:schemeClr val="lt1"/>
+          </a:fontRef>
+        </p:style>
+        <p:txBody>
+          <a:bodyPr rtlCol="0" anchor="ctr"/>
+          <a:lstStyle/>
+          <a:p>
+            <a:pPr algn="ctr"/>
+            <a:endParaRPr lang="en-US" sz="1400"/>
+          </a:p>
+        </p:txBody>
+      </p:sp>
+      <p:sp>
+        <p:nvSpPr>
+          <p:cNvPr id="54" name="Diamond 53"/>
+          <p:cNvSpPr/>
+          <p:nvPr/>
+        </p:nvSpPr>
+        <p:spPr>
+          <a:xfrm>
+            <a:off x="6586134" y="3427634"/>
+            <a:ext cx="206689" cy="206532"/>
+          </a:xfrm>
+          <a:prstGeom prst="diamond">
+            <a:avLst/>
+          </a:prstGeom>
+          <a:pattFill prst="wdUpDiag">
+            <a:fgClr>
+              <a:schemeClr val="tx1"/>
+            </a:fgClr>
+            <a:bgClr>
+              <a:schemeClr val="accent3"/>
+            </a:bgClr>
+          </a:pattFill>
+          <a:ln>
+            <a:noFill/>
+          </a:ln>
+        </p:spPr>
+        <p:style>
+          <a:lnRef idx="2">
+            <a:schemeClr val="accent1">
+              <a:shade val="50000"/>
+            </a:schemeClr>
+          </a:lnRef>
+          <a:fillRef idx="1">
+            <a:schemeClr val="accent1"/>
+          </a:fillRef>
+          <a:effectRef idx="0">
+            <a:schemeClr val="accent1"/>
+          </a:effectRef>
+          <a:fontRef idx="minor">
+            <a:schemeClr val="lt1"/>
+          </a:fontRef>
+        </p:style>
+        <p:txBody>
+          <a:bodyPr rtlCol="0" anchor="ctr"/>
+          <a:lstStyle/>
+          <a:p>
+            <a:pPr algn="ctr"/>
+            <a:endParaRPr lang="en-US" sz="1400"/>
+          </a:p>
+        </p:txBody>
+      </p:sp>
+      <p:sp>
+        <p:nvSpPr>
+          <p:cNvPr id="55" name="Diamond 54"/>
+          <p:cNvSpPr/>
+          <p:nvPr/>
+        </p:nvSpPr>
+        <p:spPr>
+          <a:xfrm>
+            <a:off x="7945488" y="3427634"/>
+            <a:ext cx="206689" cy="206532"/>
+          </a:xfrm>
+          <a:prstGeom prst="diamond">
+            <a:avLst/>
+          </a:prstGeom>
+          <a:pattFill prst="wdUpDiag">
+            <a:fgClr>
+              <a:schemeClr val="tx1"/>
+            </a:fgClr>
+            <a:bgClr>
+              <a:schemeClr val="accent3"/>
+            </a:bgClr>
+          </a:pattFill>
+          <a:ln>
+            <a:noFill/>
+          </a:ln>
+        </p:spPr>
+        <p:style>
+          <a:lnRef idx="2">
+            <a:schemeClr val="accent1">
+              <a:shade val="50000"/>
+            </a:schemeClr>
+          </a:lnRef>
+          <a:fillRef idx="1">
+            <a:schemeClr val="accent1"/>
+          </a:fillRef>
+          <a:effectRef idx="0">
+            <a:schemeClr val="accent1"/>
+          </a:effectRef>
+          <a:fontRef idx="minor">
+            <a:schemeClr val="lt1"/>
+          </a:fontRef>
+        </p:style>
+        <p:txBody>
+          <a:bodyPr rtlCol="0" anchor="ctr"/>
+          <a:lstStyle/>
+          <a:p>
+            <a:pPr algn="ctr"/>
+            <a:endParaRPr lang="en-US" sz="1400"/>
+          </a:p>
+        </p:txBody>
+      </p:sp>
+      <p:sp>
+        <p:nvSpPr>
+          <p:cNvPr id="56" name="Diamond 55"/>
+          <p:cNvSpPr/>
+          <p:nvPr/>
+        </p:nvSpPr>
+        <p:spPr>
+          <a:xfrm>
+            <a:off x="9304843" y="3427634"/>
+            <a:ext cx="206689" cy="206532"/>
+          </a:xfrm>
+          <a:prstGeom prst="diamond">
+            <a:avLst/>
+          </a:prstGeom>
+          <a:pattFill prst="wdUpDiag">
+            <a:fgClr>
+              <a:schemeClr val="tx1"/>
+            </a:fgClr>
+            <a:bgClr>
+              <a:schemeClr val="accent3"/>
+            </a:bgClr>
+          </a:pattFill>
+          <a:ln>
+            <a:noFill/>
+          </a:ln>
+        </p:spPr>
+        <p:style>
+          <a:lnRef idx="2">
+            <a:schemeClr val="accent1">
+              <a:shade val="50000"/>
+            </a:schemeClr>
+          </a:lnRef>
+          <a:fillRef idx="1">
+            <a:schemeClr val="accent1"/>
+          </a:fillRef>
+          <a:effectRef idx="0">
+            <a:schemeClr val="accent1"/>
+          </a:effectRef>
+          <a:fontRef idx="minor">
+            <a:schemeClr val="lt1"/>
+          </a:fontRef>
+        </p:style>
+        <p:txBody>
+          <a:bodyPr rtlCol="0" anchor="ctr"/>
+          <a:lstStyle/>
+          <a:p>
+            <a:pPr algn="ctr"/>
+            <a:endParaRPr lang="en-US" sz="1400"/>
+          </a:p>
+        </p:txBody>
+      </p:sp>
+      <p:grpSp>
+        <p:nvGrpSpPr>
+          <p:cNvPr id="57" name="Group 56"/>
+          <p:cNvGrpSpPr/>
+          <p:nvPr/>
+        </p:nvGrpSpPr>
+        <p:grpSpPr>
+          <a:xfrm>
+            <a:off x="7081953" y="4759576"/>
+            <a:ext cx="4056587" cy="975632"/>
+            <a:chOff x="7188654" y="1964324"/>
+            <a:chExt cx="4056587" cy="975632"/>
+          </a:xfrm>
+        </p:grpSpPr>
+        <p:sp>
+          <p:nvSpPr>
+            <p:cNvPr id="58" name="Rounded Rectangle 57"/>
+            <p:cNvSpPr/>
+            <p:nvPr/>
+          </p:nvSpPr>
+          <p:spPr>
+            <a:xfrm>
+              <a:off x="7188654" y="1964324"/>
+              <a:ext cx="4056587" cy="975632"/>
+            </a:xfrm>
+            <a:prstGeom prst="roundRect">
+              <a:avLst>
+                <a:gd name="adj" fmla="val 12065"/>
+              </a:avLst>
+            </a:prstGeom>
+            <a:solidFill>
+              <a:schemeClr val="bg1">
+                <a:lumMod val="95000"/>
+              </a:schemeClr>
+            </a:solidFill>
+            <a:ln>
+              <a:noFill/>
+            </a:ln>
+            <a:effectLst>
+              <a:outerShdw blurRad="63500" sx="102000" sy="102000" algn="ctr" rotWithShape="0">
+                <a:prstClr val="black">
+                  <a:alpha val="40000"/>
+                </a:prstClr>
+              </a:outerShdw>
+            </a:effectLst>
+          </p:spPr>
+          <p:style>
+            <a:lnRef idx="2">
+              <a:schemeClr val="accent1">
+                <a:shade val="50000"/>
+              </a:schemeClr>
+            </a:lnRef>
+            <a:fillRef idx="1">
+              <a:schemeClr val="accent1"/>
+            </a:fillRef>
+            <a:effectRef idx="0">
+              <a:schemeClr val="accent1"/>
+            </a:effectRef>
+            <a:fontRef idx="minor">
+              <a:schemeClr val="lt1"/>
+            </a:fontRef>
+          </p:style>
+          <p:txBody>
+            <a:bodyPr vert="vert270" rtlCol="0" anchor="t"/>
+            <a:lstStyle/>
+            <a:p>
+              <a:pPr algn="ctr"/>
+              <a:r>
+                <a:rPr lang="en-US" sz="900" b="1" spc="300" dirty="0">
+                  <a:solidFill>
+                    <a:schemeClr val="tx1"/>
+                  </a:solidFill>
+                </a:rPr>
+                <a:t>Legend</a:t>
+              </a:r>
+            </a:p>
+          </p:txBody>
+        </p:sp>
+        <p:grpSp>
+          <p:nvGrpSpPr>
+            <p:cNvPr id="59" name="Group 58"/>
+            <p:cNvGrpSpPr/>
+            <p:nvPr/>
+          </p:nvGrpSpPr>
+          <p:grpSpPr>
+            <a:xfrm>
+              <a:off x="7595009" y="1993641"/>
+              <a:ext cx="3624689" cy="916999"/>
+              <a:chOff x="7595009" y="2031465"/>
+              <a:chExt cx="3624689" cy="916999"/>
+            </a:xfrm>
+          </p:grpSpPr>
+          <p:grpSp>
+            <p:nvGrpSpPr>
+              <p:cNvPr id="60" name="Group 59"/>
+              <p:cNvGrpSpPr/>
+              <p:nvPr/>
+            </p:nvGrpSpPr>
+            <p:grpSpPr>
+              <a:xfrm>
+                <a:off x="7595009" y="2031465"/>
+                <a:ext cx="1034236" cy="246221"/>
+                <a:chOff x="7595009" y="1819307"/>
+                <a:chExt cx="1034236" cy="246221"/>
+              </a:xfrm>
+            </p:grpSpPr>
+            <p:sp>
+              <p:nvSpPr>
+                <p:cNvPr id="70" name="Diamond 69"/>
+                <p:cNvSpPr/>
+                <p:nvPr/>
+              </p:nvSpPr>
+              <p:spPr>
+                <a:xfrm>
+                  <a:off x="7595009" y="1862667"/>
+                  <a:ext cx="187527" cy="187385"/>
+                </a:xfrm>
+                <a:prstGeom prst="diamond">
+                  <a:avLst/>
+                </a:prstGeom>
+                <a:pattFill prst="wdUpDiag">
+                  <a:fgClr>
+                    <a:schemeClr val="accent3"/>
+                  </a:fgClr>
+                  <a:bgClr>
+                    <a:schemeClr val="tx1"/>
+                  </a:bgClr>
+                </a:pattFill>
+                <a:ln>
+                  <a:noFill/>
+                </a:ln>
+              </p:spPr>
+              <p:style>
+                <a:lnRef idx="2">
+                  <a:schemeClr val="accent1">
+                    <a:shade val="50000"/>
+                  </a:schemeClr>
+                </a:lnRef>
+                <a:fillRef idx="1">
+                  <a:schemeClr val="accent1"/>
+                </a:fillRef>
+                <a:effectRef idx="0">
+                  <a:schemeClr val="accent1"/>
+                </a:effectRef>
+                <a:fontRef idx="minor">
+                  <a:schemeClr val="lt1"/>
+                </a:fontRef>
+              </p:style>
+              <p:txBody>
+                <a:bodyPr rtlCol="0" anchor="ctr"/>
+                <a:lstStyle/>
+                <a:p>
+                  <a:pPr algn="ctr"/>
+                  <a:endParaRPr lang="en-US" sz="900">
+                    <a:solidFill>
+                      <a:schemeClr val="tx1"/>
+                    </a:solidFill>
+                  </a:endParaRPr>
+                </a:p>
+              </p:txBody>
+            </p:sp>
+            <p:sp>
+              <p:nvSpPr>
+                <p:cNvPr id="71" name="TextBox 70"/>
+                <p:cNvSpPr txBox="1"/>
+                <p:nvPr/>
+              </p:nvSpPr>
+              <p:spPr>
+                <a:xfrm>
+                  <a:off x="7736052" y="1819307"/>
+                  <a:ext cx="893193" cy="246221"/>
+                </a:xfrm>
+                <a:prstGeom prst="rect">
+                  <a:avLst/>
+                </a:prstGeom>
+                <a:noFill/>
+              </p:spPr>
+              <p:txBody>
+                <a:bodyPr wrap="none" rtlCol="0" anchor="ctr">
+                  <a:spAutoFit/>
+                </a:bodyPr>
+                <a:lstStyle/>
+                <a:p>
+                  <a:r>
+                    <a:rPr lang="en-US" sz="1000" dirty="0"/>
+                    <a:t>Control Gate</a:t>
+                  </a:r>
+                </a:p>
+              </p:txBody>
+            </p:sp>
+          </p:grpSp>
+          <p:grpSp>
+            <p:nvGrpSpPr>
+              <p:cNvPr id="61" name="Group 60"/>
+              <p:cNvGrpSpPr/>
+              <p:nvPr/>
+            </p:nvGrpSpPr>
+            <p:grpSpPr>
+              <a:xfrm>
+                <a:off x="7595009" y="2478651"/>
+                <a:ext cx="1172094" cy="246221"/>
+                <a:chOff x="7595009" y="2395419"/>
+                <a:chExt cx="1172094" cy="246221"/>
+              </a:xfrm>
+            </p:grpSpPr>
+            <p:sp>
+              <p:nvSpPr>
+                <p:cNvPr id="68" name="Rectangle 67"/>
+                <p:cNvSpPr/>
+                <p:nvPr/>
+              </p:nvSpPr>
+              <p:spPr>
+                <a:xfrm>
+                  <a:off x="7595009" y="2471697"/>
+                  <a:ext cx="145739" cy="145739"/>
+                </a:xfrm>
+                <a:prstGeom prst="rect">
+                  <a:avLst/>
+                </a:prstGeom>
+                <a:solidFill>
+                  <a:schemeClr val="accent1"/>
+                </a:solidFill>
+                <a:ln>
+                  <a:noFill/>
+                </a:ln>
+              </p:spPr>
+              <p:style>
+                <a:lnRef idx="2">
+                  <a:schemeClr val="accent1">
+                    <a:shade val="50000"/>
+                  </a:schemeClr>
+                </a:lnRef>
+                <a:fillRef idx="1">
+                  <a:schemeClr val="accent1"/>
+                </a:fillRef>
+                <a:effectRef idx="0">
+                  <a:schemeClr val="accent1"/>
+                </a:effectRef>
+                <a:fontRef idx="minor">
+                  <a:schemeClr val="lt1"/>
+                </a:fontRef>
+              </p:style>
+              <p:txBody>
+                <a:bodyPr rtlCol="0" anchor="ctr"/>
+                <a:lstStyle/>
+                <a:p>
+                  <a:pPr algn="ctr"/>
+                  <a:endParaRPr lang="en-US" sz="900">
+                    <a:solidFill>
+                      <a:schemeClr val="tx1"/>
+                    </a:solidFill>
+                  </a:endParaRPr>
+                </a:p>
+              </p:txBody>
+            </p:sp>
+            <p:sp>
+              <p:nvSpPr>
+                <p:cNvPr id="69" name="TextBox 68"/>
+                <p:cNvSpPr txBox="1"/>
+                <p:nvPr/>
+              </p:nvSpPr>
+              <p:spPr>
+                <a:xfrm>
+                  <a:off x="7736052" y="2395419"/>
+                  <a:ext cx="1031051" cy="246221"/>
+                </a:xfrm>
+                <a:prstGeom prst="rect">
+                  <a:avLst/>
+                </a:prstGeom>
+                <a:noFill/>
+              </p:spPr>
+              <p:txBody>
+                <a:bodyPr wrap="none" rtlCol="0" anchor="ctr">
+                  <a:spAutoFit/>
+                </a:bodyPr>
+                <a:lstStyle/>
+                <a:p>
+                  <a:r>
+                    <a:rPr lang="en-US" sz="1000" dirty="0"/>
+                    <a:t>Feedback Loop</a:t>
+                  </a:r>
+                </a:p>
+              </p:txBody>
+            </p:sp>
+          </p:grpSp>
+          <p:grpSp>
+            <p:nvGrpSpPr>
+              <p:cNvPr id="62" name="Group 61"/>
+              <p:cNvGrpSpPr/>
+              <p:nvPr/>
+            </p:nvGrpSpPr>
+            <p:grpSpPr>
+              <a:xfrm>
+                <a:off x="7595009" y="2255058"/>
+                <a:ext cx="1396515" cy="246221"/>
+                <a:chOff x="7595009" y="2111823"/>
+                <a:chExt cx="1396515" cy="246221"/>
+              </a:xfrm>
+            </p:grpSpPr>
+            <p:sp>
+              <p:nvSpPr>
+                <p:cNvPr id="66" name="Rectangle 65"/>
+                <p:cNvSpPr/>
+                <p:nvPr/>
+              </p:nvSpPr>
+              <p:spPr>
+                <a:xfrm>
+                  <a:off x="7595009" y="2183641"/>
+                  <a:ext cx="145739" cy="145739"/>
+                </a:xfrm>
+                <a:prstGeom prst="rect">
+                  <a:avLst/>
+                </a:prstGeom>
+                <a:solidFill>
+                  <a:schemeClr val="accent3"/>
+                </a:solidFill>
+                <a:ln>
+                  <a:noFill/>
+                </a:ln>
+              </p:spPr>
+              <p:style>
+                <a:lnRef idx="2">
+                  <a:schemeClr val="accent1">
+                    <a:shade val="50000"/>
+                  </a:schemeClr>
+                </a:lnRef>
+                <a:fillRef idx="1">
+                  <a:schemeClr val="accent1"/>
+                </a:fillRef>
+                <a:effectRef idx="0">
+                  <a:schemeClr val="accent1"/>
+                </a:effectRef>
+                <a:fontRef idx="minor">
+                  <a:schemeClr val="lt1"/>
+                </a:fontRef>
+              </p:style>
+              <p:txBody>
+                <a:bodyPr rtlCol="0" anchor="ctr"/>
+                <a:lstStyle/>
+                <a:p>
+                  <a:pPr algn="ctr"/>
+                  <a:endParaRPr lang="en-US" sz="900">
+                    <a:solidFill>
+                      <a:schemeClr val="tx1"/>
+                    </a:solidFill>
+                  </a:endParaRPr>
+                </a:p>
+              </p:txBody>
+            </p:sp>
+            <p:sp>
+              <p:nvSpPr>
+                <p:cNvPr id="67" name="TextBox 66"/>
+                <p:cNvSpPr txBox="1"/>
+                <p:nvPr/>
+              </p:nvSpPr>
+              <p:spPr>
+                <a:xfrm>
+                  <a:off x="7736052" y="2111823"/>
+                  <a:ext cx="1255472" cy="246221"/>
+                </a:xfrm>
+                <a:prstGeom prst="rect">
+                  <a:avLst/>
+                </a:prstGeom>
+                <a:noFill/>
+              </p:spPr>
+              <p:txBody>
+                <a:bodyPr wrap="none" rtlCol="0" anchor="ctr">
+                  <a:spAutoFit/>
+                </a:bodyPr>
+                <a:lstStyle/>
+                <a:p>
+                  <a:r>
+                    <a:rPr lang="en-US" sz="1000" dirty="0"/>
+                    <a:t>Risk Determination</a:t>
+                  </a:r>
+                </a:p>
+              </p:txBody>
+            </p:sp>
+          </p:grpSp>
+          <p:grpSp>
+            <p:nvGrpSpPr>
+              <p:cNvPr id="63" name="Group 62"/>
+              <p:cNvGrpSpPr/>
+              <p:nvPr/>
+            </p:nvGrpSpPr>
+            <p:grpSpPr>
+              <a:xfrm>
+                <a:off x="7595009" y="2702243"/>
+                <a:ext cx="3624689" cy="246221"/>
+                <a:chOff x="7595009" y="2702243"/>
+                <a:chExt cx="3624689" cy="246221"/>
+              </a:xfrm>
+            </p:grpSpPr>
+            <p:sp>
+              <p:nvSpPr>
+                <p:cNvPr id="64" name="Rectangle 63"/>
+                <p:cNvSpPr/>
+                <p:nvPr/>
+              </p:nvSpPr>
+              <p:spPr>
+                <a:xfrm>
+                  <a:off x="7595009" y="2769601"/>
+                  <a:ext cx="145739" cy="145739"/>
+                </a:xfrm>
+                <a:prstGeom prst="rect">
+                  <a:avLst/>
+                </a:prstGeom>
+                <a:solidFill>
+                  <a:schemeClr val="tx2"/>
+                </a:solidFill>
+                <a:ln>
+                  <a:noFill/>
+                </a:ln>
+              </p:spPr>
+              <p:style>
+                <a:lnRef idx="2">
+                  <a:schemeClr val="accent1">
+                    <a:shade val="50000"/>
+                  </a:schemeClr>
+                </a:lnRef>
+                <a:fillRef idx="1">
+                  <a:schemeClr val="accent1"/>
+                </a:fillRef>
+                <a:effectRef idx="0">
+                  <a:schemeClr val="accent1"/>
+                </a:effectRef>
+                <a:fontRef idx="minor">
+                  <a:schemeClr val="lt1"/>
+                </a:fontRef>
+              </p:style>
+              <p:txBody>
+                <a:bodyPr rtlCol="0" anchor="ctr"/>
+                <a:lstStyle/>
+                <a:p>
+                  <a:pPr algn="ctr"/>
+                  <a:endParaRPr lang="en-US" sz="900">
+                    <a:solidFill>
+                      <a:schemeClr val="tx1"/>
+                    </a:solidFill>
+                  </a:endParaRPr>
+                </a:p>
+              </p:txBody>
+            </p:sp>
+            <p:sp>
+              <p:nvSpPr>
+                <p:cNvPr id="65" name="TextBox 64"/>
+                <p:cNvSpPr txBox="1"/>
+                <p:nvPr/>
+              </p:nvSpPr>
+              <p:spPr>
+                <a:xfrm>
+                  <a:off x="7736052" y="2702243"/>
+                  <a:ext cx="3483646" cy="246221"/>
+                </a:xfrm>
+                <a:prstGeom prst="rect">
+                  <a:avLst/>
+                </a:prstGeom>
+                <a:noFill/>
+              </p:spPr>
+              <p:txBody>
+                <a:bodyPr wrap="none" rtlCol="0" anchor="ctr">
+                  <a:spAutoFit/>
+                </a:bodyPr>
+                <a:lstStyle/>
+                <a:p>
+                  <a:r>
+                    <a:rPr lang="en-US" sz="1000" dirty="0"/>
+                    <a:t>Compliance, Effectiveness, </a:t>
+                  </a:r>
+                  <a:r>
+                    <a:rPr lang="en-US" sz="1000" dirty="0" err="1"/>
+                    <a:t>ThreatCon</a:t>
+                  </a:r>
+                  <a:r>
+                    <a:rPr lang="en-US" sz="1000" dirty="0"/>
+                    <a:t>, Malicious Detection</a:t>
+                  </a:r>
+                </a:p>
+              </p:txBody>
+            </p:sp>
+          </p:grpSp>
+        </p:grpSp>
+      </p:grpSp>
+      <p:pic>
+        <p:nvPicPr>
+          <p:cNvPr id="72" name="Picture 71"/>
+          <p:cNvPicPr>
+            <a:picLocks noChangeAspect="1"/>
+          </p:cNvPicPr>
+          <p:nvPr/>
+        </p:nvPicPr>
+        <p:blipFill>
+          <a:blip r:embed="rId2"/>
+          <a:stretch>
+            <a:fillRect/>
+          </a:stretch>
+        </p:blipFill>
+        <p:spPr>
+          <a:xfrm>
+            <a:off x="3962400" y="5623560"/>
+            <a:ext cx="1038190" cy="472882"/>
+          </a:xfrm>
+          <a:prstGeom prst="rect">
+            <a:avLst/>
+          </a:prstGeom>
+        </p:spPr>
+      </p:pic>
+      <p:sp>
+        <p:nvSpPr>
+          <p:cNvPr id="73" name="Freeform 72"/>
+          <p:cNvSpPr/>
+          <p:nvPr/>
+        </p:nvSpPr>
+        <p:spPr>
+          <a:xfrm>
+            <a:off x="4028483" y="4980936"/>
+            <a:ext cx="906022" cy="601845"/>
+          </a:xfrm>
+          <a:custGeom>
+            <a:avLst/>
+            <a:gdLst>
+              <a:gd name="connsiteX0" fmla="*/ 2992833 w 3463459"/>
+              <a:gd name="connsiteY0" fmla="*/ 1320069 h 2300679"/>
+              <a:gd name="connsiteX1" fmla="*/ 3463459 w 3463459"/>
+              <a:gd name="connsiteY1" fmla="*/ 1898181 h 2300679"/>
+              <a:gd name="connsiteX2" fmla="*/ 2708149 w 3463459"/>
+              <a:gd name="connsiteY2" fmla="*/ 2300679 h 2300679"/>
+              <a:gd name="connsiteX3" fmla="*/ 2237523 w 3463459"/>
+              <a:gd name="connsiteY3" fmla="*/ 1722568 h 2300679"/>
+              <a:gd name="connsiteX4" fmla="*/ 2216778 w 3463459"/>
+              <a:gd name="connsiteY4" fmla="*/ 1181261 h 2300679"/>
+              <a:gd name="connsiteX5" fmla="*/ 2960624 w 3463459"/>
+              <a:gd name="connsiteY5" fmla="*/ 1315038 h 2300679"/>
+              <a:gd name="connsiteX6" fmla="*/ 2214988 w 3463459"/>
+              <a:gd name="connsiteY6" fmla="*/ 1710520 h 2300679"/>
+              <a:gd name="connsiteX7" fmla="*/ 1471143 w 3463459"/>
+              <a:gd name="connsiteY7" fmla="*/ 1576744 h 2300679"/>
+              <a:gd name="connsiteX8" fmla="*/ 671091 w 3463459"/>
+              <a:gd name="connsiteY8" fmla="*/ 1173835 h 2300679"/>
+              <a:gd name="connsiteX9" fmla="*/ 1434762 w 3463459"/>
+              <a:gd name="connsiteY9" fmla="*/ 1588642 h 2300679"/>
+              <a:gd name="connsiteX10" fmla="*/ 763671 w 3463459"/>
+              <a:gd name="connsiteY10" fmla="*/ 1618677 h 2300679"/>
+              <a:gd name="connsiteX11" fmla="*/ 0 w 3463459"/>
+              <a:gd name="connsiteY11" fmla="*/ 1203870 h 2300679"/>
+              <a:gd name="connsiteX12" fmla="*/ 1442696 w 3463459"/>
+              <a:gd name="connsiteY12" fmla="*/ 754838 h 2300679"/>
+              <a:gd name="connsiteX13" fmla="*/ 2200886 w 3463459"/>
+              <a:gd name="connsiteY13" fmla="*/ 1160603 h 2300679"/>
+              <a:gd name="connsiteX14" fmla="*/ 1442696 w 3463459"/>
+              <a:gd name="connsiteY14" fmla="*/ 1566368 h 2300679"/>
+              <a:gd name="connsiteX15" fmla="*/ 684506 w 3463459"/>
+              <a:gd name="connsiteY15" fmla="*/ 1160603 h 2300679"/>
+              <a:gd name="connsiteX16" fmla="*/ 2016991 w 3463459"/>
+              <a:gd name="connsiteY16" fmla="*/ 23364 h 2300679"/>
+              <a:gd name="connsiteX17" fmla="*/ 2737398 w 3463459"/>
+              <a:gd name="connsiteY17" fmla="*/ 406343 h 2300679"/>
+              <a:gd name="connsiteX18" fmla="*/ 2206114 w 3463459"/>
+              <a:gd name="connsiteY18" fmla="*/ 1134056 h 2300679"/>
+              <a:gd name="connsiteX19" fmla="*/ 1485706 w 3463459"/>
+              <a:gd name="connsiteY19" fmla="*/ 751077 h 2300679"/>
+              <a:gd name="connsiteX20" fmla="*/ 985432 w 3463459"/>
+              <a:gd name="connsiteY20" fmla="*/ 0 h 2300679"/>
+              <a:gd name="connsiteX21" fmla="*/ 1421897 w 3463459"/>
+              <a:gd name="connsiteY21" fmla="*/ 738659 h 2300679"/>
+              <a:gd name="connsiteX22" fmla="*/ 670094 w 3463459"/>
+              <a:gd name="connsiteY22" fmla="*/ 1142180 h 2300679"/>
+              <a:gd name="connsiteX23" fmla="*/ 233629 w 3463459"/>
+              <a:gd name="connsiteY23" fmla="*/ 403520 h 2300679"/>
+            </a:gdLst>
+            <a:ahLst/>
+            <a:cxnLst>
+              <a:cxn ang="0">
+                <a:pos x="connsiteX0" y="connsiteY0"/>
+              </a:cxn>
+              <a:cxn ang="0">
+                <a:pos x="connsiteX1" y="connsiteY1"/>
+              </a:cxn>
+              <a:cxn ang="0">
+                <a:pos x="connsiteX2" y="connsiteY2"/>
+              </a:cxn>
+              <a:cxn ang="0">
+                <a:pos x="connsiteX3" y="connsiteY3"/>
+              </a:cxn>
+              <a:cxn ang="0">
+                <a:pos x="connsiteX4" y="connsiteY4"/>
+              </a:cxn>
+              <a:cxn ang="0">
+                <a:pos x="connsiteX5" y="connsiteY5"/>
+              </a:cxn>
+              <a:cxn ang="0">
+                <a:pos x="connsiteX6" y="connsiteY6"/>
+              </a:cxn>
+              <a:cxn ang="0">
+                <a:pos x="connsiteX7" y="connsiteY7"/>
+              </a:cxn>
+              <a:cxn ang="0">
+                <a:pos x="connsiteX8" y="connsiteY8"/>
+              </a:cxn>
+              <a:cxn ang="0">
+                <a:pos x="connsiteX9" y="connsiteY9"/>
+              </a:cxn>
+              <a:cxn ang="0">
+                <a:pos x="connsiteX10" y="connsiteY10"/>
+              </a:cxn>
+              <a:cxn ang="0">
+                <a:pos x="connsiteX11" y="connsiteY11"/>
+              </a:cxn>
+              <a:cxn ang="0">
+                <a:pos x="connsiteX12" y="connsiteY12"/>
+              </a:cxn>
+              <a:cxn ang="0">
+                <a:pos x="connsiteX13" y="connsiteY13"/>
+              </a:cxn>
+              <a:cxn ang="0">
+                <a:pos x="connsiteX14" y="connsiteY14"/>
+              </a:cxn>
+              <a:cxn ang="0">
+                <a:pos x="connsiteX15" y="connsiteY15"/>
+              </a:cxn>
+              <a:cxn ang="0">
+                <a:pos x="connsiteX16" y="connsiteY16"/>
+              </a:cxn>
+              <a:cxn ang="0">
+                <a:pos x="connsiteX17" y="connsiteY17"/>
+              </a:cxn>
+              <a:cxn ang="0">
+                <a:pos x="connsiteX18" y="connsiteY18"/>
+              </a:cxn>
+              <a:cxn ang="0">
+                <a:pos x="connsiteX19" y="connsiteY19"/>
+              </a:cxn>
+              <a:cxn ang="0">
+                <a:pos x="connsiteX20" y="connsiteY20"/>
+              </a:cxn>
+              <a:cxn ang="0">
+                <a:pos x="connsiteX21" y="connsiteY21"/>
+              </a:cxn>
+              <a:cxn ang="0">
+                <a:pos x="connsiteX22" y="connsiteY22"/>
+              </a:cxn>
+              <a:cxn ang="0">
+                <a:pos x="connsiteX23" y="connsiteY23"/>
+              </a:cxn>
+            </a:cxnLst>
+            <a:rect l="l" t="t" r="r" b="b"/>
+            <a:pathLst>
+              <a:path w="3463459" h="2300679">
+                <a:moveTo>
+                  <a:pt x="2992833" y="1320069"/>
+                </a:moveTo>
+                <a:lnTo>
+                  <a:pt x="3463459" y="1898181"/>
+                </a:lnTo>
+                <a:lnTo>
+                  <a:pt x="2708149" y="2300679"/>
+                </a:lnTo>
+                <a:lnTo>
+                  <a:pt x="2237523" y="1722568"/>
+                </a:lnTo>
+                <a:close/>
+                <a:moveTo>
+                  <a:pt x="2216778" y="1181261"/>
+                </a:moveTo>
+                <a:lnTo>
+                  <a:pt x="2960624" y="1315038"/>
+                </a:lnTo>
+                <a:lnTo>
+                  <a:pt x="2214988" y="1710520"/>
+                </a:lnTo>
+                <a:lnTo>
+                  <a:pt x="1471143" y="1576744"/>
+                </a:lnTo>
+                <a:close/>
+                <a:moveTo>
+                  <a:pt x="671091" y="1173835"/>
+                </a:moveTo>
+                <a:lnTo>
+                  <a:pt x="1434762" y="1588642"/>
+                </a:lnTo>
+                <a:lnTo>
+                  <a:pt x="763671" y="1618677"/>
+                </a:lnTo>
+                <a:lnTo>
+                  <a:pt x="0" y="1203870"/>
+                </a:lnTo>
+                <a:close/>
+                <a:moveTo>
+                  <a:pt x="1442696" y="754838"/>
+                </a:moveTo>
+                <a:lnTo>
+                  <a:pt x="2200886" y="1160603"/>
+                </a:lnTo>
+                <a:lnTo>
+                  <a:pt x="1442696" y="1566368"/>
+                </a:lnTo>
+                <a:lnTo>
+                  <a:pt x="684506" y="1160603"/>
+                </a:lnTo>
+                <a:close/>
+                <a:moveTo>
+                  <a:pt x="2016991" y="23364"/>
+                </a:moveTo>
+                <a:lnTo>
+                  <a:pt x="2737398" y="406343"/>
+                </a:lnTo>
+                <a:lnTo>
+                  <a:pt x="2206114" y="1134056"/>
+                </a:lnTo>
+                <a:lnTo>
+                  <a:pt x="1485706" y="751077"/>
+                </a:lnTo>
+                <a:close/>
+                <a:moveTo>
+                  <a:pt x="985432" y="0"/>
+                </a:moveTo>
+                <a:lnTo>
+                  <a:pt x="1421897" y="738659"/>
+                </a:lnTo>
+                <a:lnTo>
+                  <a:pt x="670094" y="1142180"/>
+                </a:lnTo>
+                <a:lnTo>
+                  <a:pt x="233629" y="403520"/>
+                </a:lnTo>
+                <a:close/>
+              </a:path>
+            </a:pathLst>
+          </a:custGeom>
+          <a:solidFill>
+            <a:schemeClr val="bg1">
+              <a:lumMod val="50000"/>
+            </a:schemeClr>
+          </a:solidFill>
+          <a:ln>
+            <a:noFill/>
+          </a:ln>
+        </p:spPr>
+        <p:style>
+          <a:lnRef idx="2">
+            <a:schemeClr val="accent1">
+              <a:shade val="50000"/>
+            </a:schemeClr>
+          </a:lnRef>
+          <a:fillRef idx="1">
+            <a:schemeClr val="accent1"/>
+          </a:fillRef>
+          <a:effectRef idx="0">
+            <a:schemeClr val="accent1"/>
+          </a:effectRef>
+          <a:fontRef idx="minor">
+            <a:schemeClr val="lt1"/>
+          </a:fontRef>
+        </p:style>
+        <p:txBody>
+          <a:bodyPr rtlCol="0" anchor="ctr"/>
+          <a:lstStyle/>
+          <a:p>
+            <a:pPr algn="ctr"/>
+            <a:endParaRPr lang="en-US"/>
+          </a:p>
+        </p:txBody>
+      </p:sp>
     </p:spTree>
     <p:extLst>
       <p:ext uri="{BB962C8B-B14F-4D97-AF65-F5344CB8AC3E}">
-        <p14:creationId xmlns:p14="http://schemas.microsoft.com/office/powerpoint/2010/main" val="419618701"/>
+        <p14:creationId xmlns:p14="http://schemas.microsoft.com/office/powerpoint/2010/main" val="1544432935"/>
       </p:ext>
     </p:extLst>
   </p:cSld>
@@ -9086,10 +12636,10 @@
       </p:grpSpPr>
       <p:sp>
         <p:nvSpPr>
-          <p:cNvPr id="5" name="Title 4">
+          <p:cNvPr id="2" name="Title 1">
             <a:extLst>
               <a:ext uri="{FF2B5EF4-FFF2-40B4-BE49-F238E27FC236}">
-                <a16:creationId xmlns:a16="http://schemas.microsoft.com/office/drawing/2014/main" id="{D00636CB-BDF4-1776-57DB-03686F935150}"/>
+                <a16:creationId xmlns:a16="http://schemas.microsoft.com/office/drawing/2014/main" id="{BFB3A0BA-F184-6CE2-662E-CD792CDB491B}"/>
               </a:ext>
             </a:extLst>
           </p:cNvPr>
@@ -9107,7 +12657,7 @@
           <a:p>
             <a:r>
               <a:rPr lang="en-US" dirty="0"/>
-              <a:t>What are the benefits of </a:t>
+              <a:t>What does </a:t>
             </a:r>
             <a:r>
               <a:rPr lang="en-US" dirty="0" err="1"/>
@@ -9115,17 +12665,17 @@
             </a:r>
             <a:r>
               <a:rPr lang="en-US" dirty="0"/>
-              <a:t>?</a:t>
-            </a:r>
-          </a:p>
-        </p:txBody>
-      </p:sp>
-      <p:sp>
-        <p:nvSpPr>
-          <p:cNvPr id="6" name="Text Placeholder 5">
+              <a:t> stand for?</a:t>
+            </a:r>
+          </a:p>
+        </p:txBody>
+      </p:sp>
+      <p:sp>
+        <p:nvSpPr>
+          <p:cNvPr id="3" name="Content Placeholder 2">
             <a:extLst>
               <a:ext uri="{FF2B5EF4-FFF2-40B4-BE49-F238E27FC236}">
-                <a16:creationId xmlns:a16="http://schemas.microsoft.com/office/drawing/2014/main" id="{7EF49948-61FB-57DA-067F-1170CDC07836}"/>
+                <a16:creationId xmlns:a16="http://schemas.microsoft.com/office/drawing/2014/main" id="{82A4F13E-F014-D7C2-C4E1-365A65B998DB}"/>
               </a:ext>
             </a:extLst>
           </p:cNvPr>
@@ -9133,15 +12683,75 @@
             <a:spLocks noGrp="1"/>
           </p:cNvSpPr>
           <p:nvPr>
-            <p:ph type="body" idx="1"/>
+            <p:ph idx="1"/>
           </p:nvPr>
         </p:nvSpPr>
         <p:spPr/>
         <p:txBody>
-          <a:bodyPr/>
-          <a:lstStyle/>
-          <a:p>
-            <a:endParaRPr lang="en-US"/>
+          <a:bodyPr>
+            <a:normAutofit fontScale="92500"/>
+          </a:bodyPr>
+          <a:lstStyle/>
+          <a:p>
+            <a:r>
+              <a:rPr lang="en-US" dirty="0" err="1"/>
+              <a:t>DevSecOps</a:t>
+            </a:r>
+            <a:r>
+              <a:rPr lang="en-US" dirty="0"/>
+              <a:t> stands for development, security, and operations. It is an extension of the DevOps practice. Each term defines different roles and responsibilities of software teams when they are building software applications.</a:t>
+            </a:r>
+          </a:p>
+          <a:p>
+            <a:r>
+              <a:rPr lang="en-US" dirty="0"/>
+              <a:t>Development </a:t>
+            </a:r>
+          </a:p>
+          <a:p>
+            <a:pPr lvl="1"/>
+            <a:r>
+              <a:rPr lang="en-US" dirty="0"/>
+              <a:t>Development is the process of planning, coding, building, and testing the application.</a:t>
+            </a:r>
+          </a:p>
+          <a:p>
+            <a:r>
+              <a:rPr lang="en-US" dirty="0"/>
+              <a:t>Security</a:t>
+            </a:r>
+          </a:p>
+          <a:p>
+            <a:pPr lvl="1"/>
+            <a:r>
+              <a:rPr lang="en-US" dirty="0"/>
+              <a:t>Security means introducing security earlier in the software development cycle. </a:t>
+            </a:r>
+            <a:endParaRPr lang="en-US" dirty="0" smtClean="0"/>
+          </a:p>
+          <a:p>
+            <a:pPr lvl="1"/>
+            <a:r>
+              <a:rPr lang="en-US" dirty="0" smtClean="0"/>
+              <a:t>For </a:t>
+            </a:r>
+            <a:r>
+              <a:rPr lang="en-US" dirty="0"/>
+              <a:t>example, programmers ensure that the code is free of security vulnerabilities, and security practitioners test the software further before the company releases it. </a:t>
+            </a:r>
+          </a:p>
+          <a:p>
+            <a:r>
+              <a:rPr lang="en-US" dirty="0"/>
+              <a:t>Operations</a:t>
+            </a:r>
+          </a:p>
+          <a:p>
+            <a:pPr lvl="1"/>
+            <a:r>
+              <a:rPr lang="en-US" dirty="0"/>
+              <a:t>The operations team releases, monitors, and fixes any issues that arise from the software. </a:t>
+            </a:r>
           </a:p>
         </p:txBody>
       </p:sp>
@@ -9150,7 +12760,7 @@
           <p:cNvPr id="4" name="Slide Number Placeholder 3">
             <a:extLst>
               <a:ext uri="{FF2B5EF4-FFF2-40B4-BE49-F238E27FC236}">
-                <a16:creationId xmlns:a16="http://schemas.microsoft.com/office/drawing/2014/main" id="{442E8A66-4E50-1AA2-7207-ECD04278DEA0}"/>
+                <a16:creationId xmlns:a16="http://schemas.microsoft.com/office/drawing/2014/main" id="{A2A01E9B-74C3-95B5-E6EF-AF3FB99F5863}"/>
               </a:ext>
             </a:extLst>
           </p:cNvPr>
@@ -9178,7 +12788,7 @@
     </p:spTree>
     <p:extLst>
       <p:ext uri="{BB962C8B-B14F-4D97-AF65-F5344CB8AC3E}">
-        <p14:creationId xmlns:p14="http://schemas.microsoft.com/office/powerpoint/2010/main" val="771028392"/>
+        <p14:creationId xmlns:p14="http://schemas.microsoft.com/office/powerpoint/2010/main" val="419618701"/>
       </p:ext>
     </p:extLst>
   </p:cSld>

--- a/SE489/Lectures/9-DevSecOps/DevSecOps.pptx
+++ b/SE489/Lectures/9-DevSecOps/DevSecOps.pptx
@@ -5,7 +5,7 @@
     <p:sldMasterId id="2147483648" r:id="rId1"/>
   </p:sldMasterIdLst>
   <p:notesMasterIdLst>
-    <p:notesMasterId r:id="rId34"/>
+    <p:notesMasterId r:id="rId46"/>
   </p:notesMasterIdLst>
   <p:sldIdLst>
     <p:sldId id="256" r:id="rId2"/>
@@ -27,19 +27,31 @@
     <p:sldId id="547" r:id="rId18"/>
     <p:sldId id="537" r:id="rId19"/>
     <p:sldId id="552" r:id="rId20"/>
-    <p:sldId id="553" r:id="rId21"/>
-    <p:sldId id="538" r:id="rId22"/>
-    <p:sldId id="539" r:id="rId23"/>
-    <p:sldId id="540" r:id="rId24"/>
-    <p:sldId id="541" r:id="rId25"/>
-    <p:sldId id="542" r:id="rId26"/>
-    <p:sldId id="544" r:id="rId27"/>
-    <p:sldId id="554" r:id="rId28"/>
-    <p:sldId id="557" r:id="rId29"/>
-    <p:sldId id="559" r:id="rId30"/>
-    <p:sldId id="560" r:id="rId31"/>
-    <p:sldId id="558" r:id="rId32"/>
-    <p:sldId id="561" r:id="rId33"/>
+    <p:sldId id="570" r:id="rId21"/>
+    <p:sldId id="571" r:id="rId22"/>
+    <p:sldId id="572" r:id="rId23"/>
+    <p:sldId id="573" r:id="rId24"/>
+    <p:sldId id="574" r:id="rId25"/>
+    <p:sldId id="553" r:id="rId26"/>
+    <p:sldId id="576" r:id="rId27"/>
+    <p:sldId id="538" r:id="rId28"/>
+    <p:sldId id="539" r:id="rId29"/>
+    <p:sldId id="540" r:id="rId30"/>
+    <p:sldId id="541" r:id="rId31"/>
+    <p:sldId id="542" r:id="rId32"/>
+    <p:sldId id="544" r:id="rId33"/>
+    <p:sldId id="554" r:id="rId34"/>
+    <p:sldId id="557" r:id="rId35"/>
+    <p:sldId id="559" r:id="rId36"/>
+    <p:sldId id="560" r:id="rId37"/>
+    <p:sldId id="558" r:id="rId38"/>
+    <p:sldId id="561" r:id="rId39"/>
+    <p:sldId id="564" r:id="rId40"/>
+    <p:sldId id="563" r:id="rId41"/>
+    <p:sldId id="565" r:id="rId42"/>
+    <p:sldId id="567" r:id="rId43"/>
+    <p:sldId id="569" r:id="rId44"/>
+    <p:sldId id="568" r:id="rId45"/>
   </p:sldIdLst>
   <p:sldSz cx="12192000" cy="6858000"/>
   <p:notesSz cx="6858000" cy="9144000"/>
@@ -350,7 +362,7 @@
           <a:p>
             <a:fld id="{41DA9887-9249-49FD-809A-BACB264048C3}" type="datetimeFigureOut">
               <a:rPr lang="en-US" smtClean="0"/>
-              <a:t>10/19/2022</a:t>
+              <a:t>11/21/2022</a:t>
             </a:fld>
             <a:endParaRPr lang="en-US"/>
           </a:p>
@@ -752,7 +764,7 @@
           <a:p>
             <a:fld id="{08A707AD-71EE-4F71-BFB0-5CFFA7745367}" type="datetime1">
               <a:rPr lang="en-US" smtClean="0"/>
-              <a:t>10/19/2022</a:t>
+              <a:t>11/21/2022</a:t>
             </a:fld>
             <a:endParaRPr lang="en-US"/>
           </a:p>
@@ -1042,7 +1054,7 @@
           <a:p>
             <a:fld id="{CF6F9948-F8FC-4163-B3EE-CE0CD0EF91F9}" type="datetime1">
               <a:rPr lang="en-US" smtClean="0"/>
-              <a:t>10/19/2022</a:t>
+              <a:t>11/21/2022</a:t>
             </a:fld>
             <a:endParaRPr lang="en-US"/>
           </a:p>
@@ -1220,7 +1232,7 @@
           <a:p>
             <a:fld id="{090C3B62-4C74-4EE9-93F0-BE51AE88912F}" type="datetime1">
               <a:rPr lang="en-US" smtClean="0"/>
-              <a:t>10/19/2022</a:t>
+              <a:t>11/21/2022</a:t>
             </a:fld>
             <a:endParaRPr lang="en-US"/>
           </a:p>
@@ -1474,7 +1486,7 @@
           <a:p>
             <a:fld id="{D63A470F-AE83-4D43-9CAA-74593F94EAD0}" type="datetime1">
               <a:rPr lang="en-US" smtClean="0"/>
-              <a:t>10/19/2022</a:t>
+              <a:t>11/21/2022</a:t>
             </a:fld>
             <a:endParaRPr lang="en-US"/>
           </a:p>
@@ -1818,7 +1830,7 @@
           <a:p>
             <a:fld id="{E5B8C5BE-3403-4496-9B81-C40FD99BCC4A}" type="datetime1">
               <a:rPr lang="en-US" smtClean="0"/>
-              <a:t>10/19/2022</a:t>
+              <a:t>11/21/2022</a:t>
             </a:fld>
             <a:endParaRPr lang="en-US"/>
           </a:p>
@@ -2047,7 +2059,7 @@
           <a:p>
             <a:fld id="{B78E11C0-1713-41FC-9E65-ABB713C18815}" type="datetime1">
               <a:rPr lang="en-US" smtClean="0"/>
-              <a:t>10/19/2022</a:t>
+              <a:t>11/21/2022</a:t>
             </a:fld>
             <a:endParaRPr lang="en-US"/>
           </a:p>
@@ -2411,7 +2423,7 @@
           <a:p>
             <a:fld id="{555C483D-0DA7-48F4-B572-48ADE24F3969}" type="datetime1">
               <a:rPr lang="en-US" smtClean="0"/>
-              <a:t>10/19/2022</a:t>
+              <a:t>11/21/2022</a:t>
             </a:fld>
             <a:endParaRPr lang="en-US"/>
           </a:p>
@@ -2506,7 +2518,7 @@
           <a:p>
             <a:fld id="{4C06054D-416E-4D32-B207-3C4728F29C83}" type="datetime1">
               <a:rPr lang="en-US" smtClean="0"/>
-              <a:t>10/19/2022</a:t>
+              <a:t>11/21/2022</a:t>
             </a:fld>
             <a:endParaRPr lang="en-US"/>
           </a:p>
@@ -2728,7 +2740,7 @@
             <a:fld id="{B2F5E2FA-C428-4CE7-95B0-168D3259A5BB}" type="datetimeFigureOut">
               <a:rPr lang="en-US" smtClean="0"/>
               <a:pPr/>
-              <a:t>10/19/2022</a:t>
+              <a:t>11/21/2022</a:t>
             </a:fld>
             <a:endParaRPr lang="en-US"/>
           </a:p>
@@ -2899,7 +2911,7 @@
           <a:p>
             <a:fld id="{B34CF2DF-EBB2-4927-9B4B-28D12CAF900C}" type="datetime1">
               <a:rPr lang="en-US" smtClean="0"/>
-              <a:t>10/19/2022</a:t>
+              <a:t>11/21/2022</a:t>
             </a:fld>
             <a:endParaRPr lang="en-US"/>
           </a:p>
@@ -3174,7 +3186,7 @@
           <a:p>
             <a:fld id="{287D8537-E29A-46E3-9242-0E7B32B09241}" type="datetime1">
               <a:rPr lang="en-US" smtClean="0"/>
-              <a:t>10/19/2022</a:t>
+              <a:t>11/21/2022</a:t>
             </a:fld>
             <a:endParaRPr lang="en-US"/>
           </a:p>
@@ -3426,7 +3438,7 @@
           <a:p>
             <a:fld id="{0B8D9EDF-63DE-4DED-A3C4-232814F0B4D7}" type="datetime1">
               <a:rPr lang="en-US" smtClean="0"/>
-              <a:t>10/19/2022</a:t>
+              <a:t>11/21/2022</a:t>
             </a:fld>
             <a:endParaRPr lang="en-US"/>
           </a:p>
@@ -3637,7 +3649,7 @@
           <a:p>
             <a:fld id="{1DC34F13-F0A8-4E10-9ECC-0BA9AAA5E3EB}" type="datetime1">
               <a:rPr lang="en-US" smtClean="0"/>
-              <a:t>10/19/2022</a:t>
+              <a:t>11/21/2022</a:t>
             </a:fld>
             <a:endParaRPr lang="en-US"/>
           </a:p>
@@ -6281,7 +6293,7 @@
               <a:t>DevSecOps</a:t>
             </a:r>
             <a:r>
-              <a:rPr lang="en-US" dirty="0"/>
+              <a:rPr lang="en-US" dirty="0" smtClean="0"/>
               <a:t>?</a:t>
             </a:r>
           </a:p>
@@ -6292,12 +6304,16 @@
               </a:lnSpc>
             </a:pPr>
             <a:r>
-              <a:rPr lang="en-US" dirty="0" err="1"/>
+              <a:rPr lang="en-US" dirty="0" err="1" smtClean="0"/>
               <a:t>DevSecOps</a:t>
             </a:r>
             <a:r>
-              <a:rPr lang="en-US" dirty="0"/>
-              <a:t> Best Practices</a:t>
+              <a:rPr lang="en-US" dirty="0" smtClean="0"/>
+              <a:t> </a:t>
+            </a:r>
+            <a:r>
+              <a:rPr lang="en-US" dirty="0"/>
+              <a:t>Best Practices</a:t>
             </a:r>
           </a:p>
           <a:p>
@@ -6312,7 +6328,34 @@
             </a:r>
             <a:r>
               <a:rPr lang="en-US" dirty="0"/>
-              <a:t> Toolchain</a:t>
+              <a:t> </a:t>
+            </a:r>
+            <a:r>
+              <a:rPr lang="en-US" dirty="0" smtClean="0"/>
+              <a:t>Toolchain</a:t>
+            </a:r>
+          </a:p>
+          <a:p>
+            <a:pPr>
+              <a:lnSpc>
+                <a:spcPct val="150000"/>
+              </a:lnSpc>
+            </a:pPr>
+            <a:r>
+              <a:rPr lang="en-US" dirty="0" smtClean="0"/>
+              <a:t>Traits </a:t>
+            </a:r>
+            <a:r>
+              <a:rPr lang="en-US" dirty="0"/>
+              <a:t>of successful </a:t>
+            </a:r>
+            <a:r>
+              <a:rPr lang="en-US" dirty="0" err="1"/>
+              <a:t>DevSecOps</a:t>
+            </a:r>
+            <a:r>
+              <a:rPr lang="en-US" dirty="0"/>
+              <a:t> practices</a:t>
             </a:r>
           </a:p>
         </p:txBody>
@@ -6373,6 +6416,822 @@
       </p:grpSpPr>
       <p:sp>
         <p:nvSpPr>
+          <p:cNvPr id="5" name="Title 4"/>
+          <p:cNvSpPr>
+            <a:spLocks noGrp="1"/>
+          </p:cNvSpPr>
+          <p:nvPr>
+            <p:ph type="title"/>
+          </p:nvPr>
+        </p:nvSpPr>
+        <p:spPr/>
+        <p:txBody>
+          <a:bodyPr/>
+          <a:lstStyle/>
+          <a:p>
+            <a:r>
+              <a:rPr lang="en-US" dirty="0" err="1"/>
+              <a:t>DevSecOps</a:t>
+            </a:r>
+            <a:r>
+              <a:rPr lang="en-US" dirty="0"/>
+              <a:t> pipeline stages</a:t>
+            </a:r>
+          </a:p>
+        </p:txBody>
+      </p:sp>
+      <p:sp>
+        <p:nvSpPr>
+          <p:cNvPr id="6" name="Content Placeholder 5"/>
+          <p:cNvSpPr>
+            <a:spLocks noGrp="1"/>
+          </p:cNvSpPr>
+          <p:nvPr>
+            <p:ph idx="1"/>
+          </p:nvPr>
+        </p:nvSpPr>
+        <p:spPr/>
+        <p:txBody>
+          <a:bodyPr>
+            <a:normAutofit lnSpcReduction="10000"/>
+          </a:bodyPr>
+          <a:lstStyle/>
+          <a:p>
+            <a:r>
+              <a:rPr lang="en-US" dirty="0" smtClean="0"/>
+              <a:t>Plan</a:t>
+            </a:r>
+          </a:p>
+          <a:p>
+            <a:pPr lvl="1"/>
+            <a:r>
+              <a:rPr lang="en-US" dirty="0" smtClean="0"/>
+              <a:t>In </a:t>
+            </a:r>
+            <a:r>
+              <a:rPr lang="en-US" dirty="0"/>
+              <a:t>a </a:t>
+            </a:r>
+            <a:r>
+              <a:rPr lang="en-US" dirty="0" err="1"/>
+              <a:t>DevSecOps</a:t>
+            </a:r>
+            <a:r>
+              <a:rPr lang="en-US" dirty="0"/>
+              <a:t> practice, security starts at the planning stage in the SDLC pipeline. </a:t>
+            </a:r>
+            <a:endParaRPr lang="en-US" dirty="0" smtClean="0"/>
+          </a:p>
+          <a:p>
+            <a:pPr lvl="1"/>
+            <a:r>
+              <a:rPr lang="en-US" dirty="0" smtClean="0"/>
+              <a:t>This </a:t>
+            </a:r>
+            <a:r>
+              <a:rPr lang="en-US" dirty="0"/>
+              <a:t>can include analyzing potential security threats and determining how to combat them with threat modeling. </a:t>
+            </a:r>
+            <a:endParaRPr lang="en-US" dirty="0" smtClean="0"/>
+          </a:p>
+          <a:p>
+            <a:pPr lvl="1"/>
+            <a:r>
+              <a:rPr lang="en-US" dirty="0" smtClean="0"/>
+              <a:t>It </a:t>
+            </a:r>
+            <a:r>
+              <a:rPr lang="en-US" dirty="0"/>
+              <a:t>can also involve designing security into your products proactively to ensure it’s baked into the work from the beginning with key data hygiene and other security decisions taken up front.</a:t>
+            </a:r>
+          </a:p>
+          <a:p>
+            <a:r>
+              <a:rPr lang="en-US" dirty="0" smtClean="0"/>
+              <a:t>Code</a:t>
+            </a:r>
+          </a:p>
+          <a:p>
+            <a:pPr lvl="1"/>
+            <a:r>
+              <a:rPr lang="en-US" dirty="0" smtClean="0"/>
+              <a:t>At </a:t>
+            </a:r>
+            <a:r>
+              <a:rPr lang="en-US" dirty="0"/>
+              <a:t>the coding stage in a </a:t>
+            </a:r>
+            <a:r>
+              <a:rPr lang="en-US" dirty="0" err="1"/>
+              <a:t>DevSecOps</a:t>
+            </a:r>
+            <a:r>
+              <a:rPr lang="en-US" dirty="0"/>
+              <a:t> pipeline, it’s important to create a culture of defensive programming with policies that help practitioners proactively navigate security and compliance issues. </a:t>
+            </a:r>
+            <a:endParaRPr lang="en-US" dirty="0" smtClean="0"/>
+          </a:p>
+          <a:p>
+            <a:pPr lvl="1"/>
+            <a:r>
+              <a:rPr lang="en-US" dirty="0" smtClean="0"/>
+              <a:t>This </a:t>
+            </a:r>
+            <a:r>
+              <a:rPr lang="en-US" dirty="0"/>
+              <a:t>could be as simple as specifying rules for how to handle particularly risky aspects of code, such as NULLs, or involve broader guidelines on areas such as input validation.</a:t>
+            </a:r>
+          </a:p>
+        </p:txBody>
+      </p:sp>
+      <p:sp>
+        <p:nvSpPr>
+          <p:cNvPr id="4" name="Slide Number Placeholder 3"/>
+          <p:cNvSpPr>
+            <a:spLocks noGrp="1"/>
+          </p:cNvSpPr>
+          <p:nvPr>
+            <p:ph type="sldNum" sz="quarter" idx="12"/>
+          </p:nvPr>
+        </p:nvSpPr>
+        <p:spPr/>
+        <p:txBody>
+          <a:bodyPr/>
+          <a:lstStyle/>
+          <a:p>
+            <a:fld id="{B8DACC02-A2BD-4578-8E03-6D891060A695}" type="slidenum">
+              <a:rPr lang="en-US" smtClean="0"/>
+              <a:t>20</a:t>
+            </a:fld>
+            <a:endParaRPr lang="en-US"/>
+          </a:p>
+        </p:txBody>
+      </p:sp>
+    </p:spTree>
+    <p:extLst>
+      <p:ext uri="{BB962C8B-B14F-4D97-AF65-F5344CB8AC3E}">
+        <p14:creationId xmlns:p14="http://schemas.microsoft.com/office/powerpoint/2010/main" val="3883605008"/>
+      </p:ext>
+    </p:extLst>
+  </p:cSld>
+  <p:clrMapOvr>
+    <a:masterClrMapping/>
+  </p:clrMapOvr>
+</p:sld>
+</file>
+
+<file path=ppt/slides/slide21.xml><?xml version="1.0" encoding="utf-8"?>
+<p:sld xmlns:a="http://schemas.openxmlformats.org/drawingml/2006/main" xmlns:r="http://schemas.openxmlformats.org/officeDocument/2006/relationships" xmlns:p="http://schemas.openxmlformats.org/presentationml/2006/main">
+  <p:cSld>
+    <p:spTree>
+      <p:nvGrpSpPr>
+        <p:cNvPr id="1" name=""/>
+        <p:cNvGrpSpPr/>
+        <p:nvPr/>
+      </p:nvGrpSpPr>
+      <p:grpSpPr>
+        <a:xfrm>
+          <a:off x="0" y="0"/>
+          <a:ext cx="0" cy="0"/>
+          <a:chOff x="0" y="0"/>
+          <a:chExt cx="0" cy="0"/>
+        </a:xfrm>
+      </p:grpSpPr>
+      <p:sp>
+        <p:nvSpPr>
+          <p:cNvPr id="5" name="Title 4"/>
+          <p:cNvSpPr>
+            <a:spLocks noGrp="1"/>
+          </p:cNvSpPr>
+          <p:nvPr>
+            <p:ph type="title"/>
+          </p:nvPr>
+        </p:nvSpPr>
+        <p:spPr/>
+        <p:txBody>
+          <a:bodyPr/>
+          <a:lstStyle/>
+          <a:p>
+            <a:r>
+              <a:rPr lang="en-US" dirty="0" err="1"/>
+              <a:t>DevSecOps</a:t>
+            </a:r>
+            <a:r>
+              <a:rPr lang="en-US" dirty="0"/>
+              <a:t> pipeline stages</a:t>
+            </a:r>
+          </a:p>
+        </p:txBody>
+      </p:sp>
+      <p:sp>
+        <p:nvSpPr>
+          <p:cNvPr id="6" name="Content Placeholder 5"/>
+          <p:cNvSpPr>
+            <a:spLocks noGrp="1"/>
+          </p:cNvSpPr>
+          <p:nvPr>
+            <p:ph idx="1"/>
+          </p:nvPr>
+        </p:nvSpPr>
+        <p:spPr/>
+        <p:txBody>
+          <a:bodyPr>
+            <a:normAutofit/>
+          </a:bodyPr>
+          <a:lstStyle/>
+          <a:p>
+            <a:r>
+              <a:rPr lang="en-US" dirty="0" smtClean="0"/>
+              <a:t>Build</a:t>
+            </a:r>
+          </a:p>
+          <a:p>
+            <a:pPr lvl="1"/>
+            <a:r>
+              <a:rPr lang="en-US" dirty="0" smtClean="0"/>
+              <a:t>In </a:t>
+            </a:r>
+            <a:r>
+              <a:rPr lang="en-US" dirty="0"/>
+              <a:t>the build stage, a typical </a:t>
+            </a:r>
+            <a:r>
+              <a:rPr lang="en-US" dirty="0" err="1"/>
+              <a:t>DevSecOps</a:t>
+            </a:r>
+            <a:r>
+              <a:rPr lang="en-US" dirty="0"/>
+              <a:t> pipeline will include automated security checks to catch vulnerabilities in source code before they hit the main branch. </a:t>
+            </a:r>
+            <a:endParaRPr lang="en-US" dirty="0" smtClean="0"/>
+          </a:p>
+          <a:p>
+            <a:pPr lvl="1"/>
+            <a:r>
+              <a:rPr lang="en-US" dirty="0" smtClean="0"/>
+              <a:t>This </a:t>
+            </a:r>
+            <a:r>
+              <a:rPr lang="en-US" dirty="0"/>
+              <a:t>can involve using pre-commit hooks to run static application security testing (SAST) tools where any potential issues in code will stop the build, much like a failed test, and provide time to fix any potential vulnerabilities in proprietary source code before work can progress. </a:t>
+            </a:r>
+            <a:endParaRPr lang="en-US" dirty="0" smtClean="0"/>
+          </a:p>
+          <a:p>
+            <a:pPr lvl="1"/>
+            <a:r>
+              <a:rPr lang="en-US" dirty="0" smtClean="0"/>
+              <a:t>It </a:t>
+            </a:r>
+            <a:r>
+              <a:rPr lang="en-US" dirty="0"/>
+              <a:t>should also include software composition analysis (SCA) tools to track open source components in the codebase and detect any vulnerabilities in dependencies</a:t>
+            </a:r>
+            <a:r>
+              <a:rPr lang="en-US" dirty="0" smtClean="0"/>
+              <a:t>.</a:t>
+            </a:r>
+            <a:endParaRPr lang="en-US" dirty="0"/>
+          </a:p>
+        </p:txBody>
+      </p:sp>
+      <p:sp>
+        <p:nvSpPr>
+          <p:cNvPr id="4" name="Slide Number Placeholder 3"/>
+          <p:cNvSpPr>
+            <a:spLocks noGrp="1"/>
+          </p:cNvSpPr>
+          <p:nvPr>
+            <p:ph type="sldNum" sz="quarter" idx="12"/>
+          </p:nvPr>
+        </p:nvSpPr>
+        <p:spPr/>
+        <p:txBody>
+          <a:bodyPr/>
+          <a:lstStyle/>
+          <a:p>
+            <a:fld id="{B8DACC02-A2BD-4578-8E03-6D891060A695}" type="slidenum">
+              <a:rPr lang="en-US" smtClean="0"/>
+              <a:t>21</a:t>
+            </a:fld>
+            <a:endParaRPr lang="en-US"/>
+          </a:p>
+        </p:txBody>
+      </p:sp>
+    </p:spTree>
+    <p:extLst>
+      <p:ext uri="{BB962C8B-B14F-4D97-AF65-F5344CB8AC3E}">
+        <p14:creationId xmlns:p14="http://schemas.microsoft.com/office/powerpoint/2010/main" val="69499065"/>
+      </p:ext>
+    </p:extLst>
+  </p:cSld>
+  <p:clrMapOvr>
+    <a:masterClrMapping/>
+  </p:clrMapOvr>
+</p:sld>
+</file>
+
+<file path=ppt/slides/slide22.xml><?xml version="1.0" encoding="utf-8"?>
+<p:sld xmlns:a="http://schemas.openxmlformats.org/drawingml/2006/main" xmlns:r="http://schemas.openxmlformats.org/officeDocument/2006/relationships" xmlns:p="http://schemas.openxmlformats.org/presentationml/2006/main">
+  <p:cSld>
+    <p:spTree>
+      <p:nvGrpSpPr>
+        <p:cNvPr id="1" name=""/>
+        <p:cNvGrpSpPr/>
+        <p:nvPr/>
+      </p:nvGrpSpPr>
+      <p:grpSpPr>
+        <a:xfrm>
+          <a:off x="0" y="0"/>
+          <a:ext cx="0" cy="0"/>
+          <a:chOff x="0" y="0"/>
+          <a:chExt cx="0" cy="0"/>
+        </a:xfrm>
+      </p:grpSpPr>
+      <p:sp>
+        <p:nvSpPr>
+          <p:cNvPr id="5" name="Title 4"/>
+          <p:cNvSpPr>
+            <a:spLocks noGrp="1"/>
+          </p:cNvSpPr>
+          <p:nvPr>
+            <p:ph type="title"/>
+          </p:nvPr>
+        </p:nvSpPr>
+        <p:spPr/>
+        <p:txBody>
+          <a:bodyPr/>
+          <a:lstStyle/>
+          <a:p>
+            <a:r>
+              <a:rPr lang="en-US" dirty="0" err="1"/>
+              <a:t>DevSecOps</a:t>
+            </a:r>
+            <a:r>
+              <a:rPr lang="en-US" dirty="0"/>
+              <a:t> pipeline stages</a:t>
+            </a:r>
+          </a:p>
+        </p:txBody>
+      </p:sp>
+      <p:sp>
+        <p:nvSpPr>
+          <p:cNvPr id="6" name="Content Placeholder 5"/>
+          <p:cNvSpPr>
+            <a:spLocks noGrp="1"/>
+          </p:cNvSpPr>
+          <p:nvPr>
+            <p:ph idx="1"/>
+          </p:nvPr>
+        </p:nvSpPr>
+        <p:spPr/>
+        <p:txBody>
+          <a:bodyPr>
+            <a:normAutofit/>
+          </a:bodyPr>
+          <a:lstStyle/>
+          <a:p>
+            <a:r>
+              <a:rPr lang="en-US" dirty="0" smtClean="0"/>
+              <a:t>Test</a:t>
+            </a:r>
+          </a:p>
+          <a:p>
+            <a:pPr lvl="1"/>
+            <a:r>
+              <a:rPr lang="en-US" dirty="0" smtClean="0"/>
+              <a:t>The </a:t>
+            </a:r>
+            <a:r>
+              <a:rPr lang="en-US" dirty="0"/>
+              <a:t>test stage of a </a:t>
+            </a:r>
+            <a:r>
+              <a:rPr lang="en-US" dirty="0" err="1"/>
+              <a:t>DevSecOps</a:t>
+            </a:r>
+            <a:r>
+              <a:rPr lang="en-US" dirty="0"/>
+              <a:t> pipeline is a key point where practitioners will develop a testing strategy and automated testing suite to catch any potential security vulnerabilities or issues. </a:t>
+            </a:r>
+            <a:endParaRPr lang="en-US" dirty="0" smtClean="0"/>
+          </a:p>
+          <a:p>
+            <a:pPr lvl="1"/>
+            <a:r>
+              <a:rPr lang="en-US" dirty="0" smtClean="0"/>
+              <a:t>This </a:t>
+            </a:r>
+            <a:r>
+              <a:rPr lang="en-US" dirty="0"/>
+              <a:t>commonly includes using unit tests at a base level to look for security issues such as the way in which the application deals with unexpected or malformed input. </a:t>
+            </a:r>
+            <a:endParaRPr lang="en-US" dirty="0" smtClean="0"/>
+          </a:p>
+          <a:p>
+            <a:pPr lvl="1"/>
+            <a:r>
+              <a:rPr lang="en-US" dirty="0" smtClean="0"/>
+              <a:t>It </a:t>
+            </a:r>
+            <a:r>
+              <a:rPr lang="en-US" dirty="0"/>
+              <a:t>can also include dynamic application security tests to find vulnerabilities in the application when run. This way, the test phase becomes as much as security as it does functionality. </a:t>
+            </a:r>
+            <a:endParaRPr lang="en-US" dirty="0" smtClean="0"/>
+          </a:p>
+          <a:p>
+            <a:pPr lvl="1"/>
+            <a:r>
+              <a:rPr lang="en-US" dirty="0" smtClean="0"/>
+              <a:t>A </a:t>
+            </a:r>
+            <a:r>
+              <a:rPr lang="en-US" dirty="0"/>
+              <a:t>good tip at this stage is to integrate dynamic application security testing (DAST) into the </a:t>
+            </a:r>
+            <a:r>
+              <a:rPr lang="en-US" dirty="0" err="1"/>
+              <a:t>DevSecOps</a:t>
+            </a:r>
+            <a:r>
+              <a:rPr lang="en-US" dirty="0"/>
+              <a:t> pipeline.</a:t>
+            </a:r>
+          </a:p>
+        </p:txBody>
+      </p:sp>
+      <p:sp>
+        <p:nvSpPr>
+          <p:cNvPr id="4" name="Slide Number Placeholder 3"/>
+          <p:cNvSpPr>
+            <a:spLocks noGrp="1"/>
+          </p:cNvSpPr>
+          <p:nvPr>
+            <p:ph type="sldNum" sz="quarter" idx="12"/>
+          </p:nvPr>
+        </p:nvSpPr>
+        <p:spPr/>
+        <p:txBody>
+          <a:bodyPr/>
+          <a:lstStyle/>
+          <a:p>
+            <a:fld id="{B8DACC02-A2BD-4578-8E03-6D891060A695}" type="slidenum">
+              <a:rPr lang="en-US" smtClean="0"/>
+              <a:t>22</a:t>
+            </a:fld>
+            <a:endParaRPr lang="en-US"/>
+          </a:p>
+        </p:txBody>
+      </p:sp>
+    </p:spTree>
+    <p:extLst>
+      <p:ext uri="{BB962C8B-B14F-4D97-AF65-F5344CB8AC3E}">
+        <p14:creationId xmlns:p14="http://schemas.microsoft.com/office/powerpoint/2010/main" val="264709467"/>
+      </p:ext>
+    </p:extLst>
+  </p:cSld>
+  <p:clrMapOvr>
+    <a:masterClrMapping/>
+  </p:clrMapOvr>
+</p:sld>
+</file>
+
+<file path=ppt/slides/slide23.xml><?xml version="1.0" encoding="utf-8"?>
+<p:sld xmlns:a="http://schemas.openxmlformats.org/drawingml/2006/main" xmlns:r="http://schemas.openxmlformats.org/officeDocument/2006/relationships" xmlns:p="http://schemas.openxmlformats.org/presentationml/2006/main">
+  <p:cSld>
+    <p:spTree>
+      <p:nvGrpSpPr>
+        <p:cNvPr id="1" name=""/>
+        <p:cNvGrpSpPr/>
+        <p:nvPr/>
+      </p:nvGrpSpPr>
+      <p:grpSpPr>
+        <a:xfrm>
+          <a:off x="0" y="0"/>
+          <a:ext cx="0" cy="0"/>
+          <a:chOff x="0" y="0"/>
+          <a:chExt cx="0" cy="0"/>
+        </a:xfrm>
+      </p:grpSpPr>
+      <p:sp>
+        <p:nvSpPr>
+          <p:cNvPr id="5" name="Title 4"/>
+          <p:cNvSpPr>
+            <a:spLocks noGrp="1"/>
+          </p:cNvSpPr>
+          <p:nvPr>
+            <p:ph type="title"/>
+          </p:nvPr>
+        </p:nvSpPr>
+        <p:spPr/>
+        <p:txBody>
+          <a:bodyPr/>
+          <a:lstStyle/>
+          <a:p>
+            <a:r>
+              <a:rPr lang="en-US" dirty="0" err="1"/>
+              <a:t>DevSecOps</a:t>
+            </a:r>
+            <a:r>
+              <a:rPr lang="en-US" dirty="0"/>
+              <a:t> pipeline stages</a:t>
+            </a:r>
+          </a:p>
+        </p:txBody>
+      </p:sp>
+      <p:sp>
+        <p:nvSpPr>
+          <p:cNvPr id="6" name="Content Placeholder 5"/>
+          <p:cNvSpPr>
+            <a:spLocks noGrp="1"/>
+          </p:cNvSpPr>
+          <p:nvPr>
+            <p:ph idx="1"/>
+          </p:nvPr>
+        </p:nvSpPr>
+        <p:spPr/>
+        <p:txBody>
+          <a:bodyPr>
+            <a:normAutofit/>
+          </a:bodyPr>
+          <a:lstStyle/>
+          <a:p>
+            <a:r>
+              <a:rPr lang="en-US" dirty="0" smtClean="0"/>
+              <a:t>Release</a:t>
+            </a:r>
+          </a:p>
+          <a:p>
+            <a:pPr lvl="1"/>
+            <a:r>
+              <a:rPr lang="en-US" dirty="0" smtClean="0"/>
+              <a:t>In </a:t>
+            </a:r>
+            <a:r>
+              <a:rPr lang="en-US" dirty="0"/>
+              <a:t>the release stage, a </a:t>
+            </a:r>
+            <a:r>
+              <a:rPr lang="en-US" dirty="0" err="1"/>
+              <a:t>DevSecOps</a:t>
+            </a:r>
+            <a:r>
+              <a:rPr lang="en-US" dirty="0"/>
+              <a:t> pipeline will often include additional automated security testing and vulnerability scanning to catch issues that might not have been apparent in earlier stages. </a:t>
+            </a:r>
+            <a:endParaRPr lang="en-US" dirty="0" smtClean="0"/>
+          </a:p>
+          <a:p>
+            <a:pPr lvl="1"/>
+            <a:r>
+              <a:rPr lang="en-US" dirty="0" smtClean="0"/>
+              <a:t>Some </a:t>
+            </a:r>
+            <a:r>
+              <a:rPr lang="en-US" dirty="0"/>
+              <a:t>organizations will also deploy the principle of least privilege where each person and tool has access only to precisely what they need.</a:t>
+            </a:r>
+          </a:p>
+          <a:p>
+            <a:endParaRPr lang="en-US" dirty="0"/>
+          </a:p>
+        </p:txBody>
+      </p:sp>
+      <p:sp>
+        <p:nvSpPr>
+          <p:cNvPr id="4" name="Slide Number Placeholder 3"/>
+          <p:cNvSpPr>
+            <a:spLocks noGrp="1"/>
+          </p:cNvSpPr>
+          <p:nvPr>
+            <p:ph type="sldNum" sz="quarter" idx="12"/>
+          </p:nvPr>
+        </p:nvSpPr>
+        <p:spPr/>
+        <p:txBody>
+          <a:bodyPr/>
+          <a:lstStyle/>
+          <a:p>
+            <a:fld id="{B8DACC02-A2BD-4578-8E03-6D891060A695}" type="slidenum">
+              <a:rPr lang="en-US" smtClean="0"/>
+              <a:t>23</a:t>
+            </a:fld>
+            <a:endParaRPr lang="en-US"/>
+          </a:p>
+        </p:txBody>
+      </p:sp>
+    </p:spTree>
+    <p:extLst>
+      <p:ext uri="{BB962C8B-B14F-4D97-AF65-F5344CB8AC3E}">
+        <p14:creationId xmlns:p14="http://schemas.microsoft.com/office/powerpoint/2010/main" val="2437137139"/>
+      </p:ext>
+    </p:extLst>
+  </p:cSld>
+  <p:clrMapOvr>
+    <a:masterClrMapping/>
+  </p:clrMapOvr>
+</p:sld>
+</file>
+
+<file path=ppt/slides/slide24.xml><?xml version="1.0" encoding="utf-8"?>
+<p:sld xmlns:a="http://schemas.openxmlformats.org/drawingml/2006/main" xmlns:r="http://schemas.openxmlformats.org/officeDocument/2006/relationships" xmlns:p="http://schemas.openxmlformats.org/presentationml/2006/main">
+  <p:cSld>
+    <p:spTree>
+      <p:nvGrpSpPr>
+        <p:cNvPr id="1" name=""/>
+        <p:cNvGrpSpPr/>
+        <p:nvPr/>
+      </p:nvGrpSpPr>
+      <p:grpSpPr>
+        <a:xfrm>
+          <a:off x="0" y="0"/>
+          <a:ext cx="0" cy="0"/>
+          <a:chOff x="0" y="0"/>
+          <a:chExt cx="0" cy="0"/>
+        </a:xfrm>
+      </p:grpSpPr>
+      <p:sp>
+        <p:nvSpPr>
+          <p:cNvPr id="5" name="Title 4"/>
+          <p:cNvSpPr>
+            <a:spLocks noGrp="1"/>
+          </p:cNvSpPr>
+          <p:nvPr>
+            <p:ph type="title"/>
+          </p:nvPr>
+        </p:nvSpPr>
+        <p:spPr/>
+        <p:txBody>
+          <a:bodyPr/>
+          <a:lstStyle/>
+          <a:p>
+            <a:r>
+              <a:rPr lang="en-US" dirty="0" err="1"/>
+              <a:t>DevSecOps</a:t>
+            </a:r>
+            <a:r>
+              <a:rPr lang="en-US" dirty="0"/>
+              <a:t> pipeline stages</a:t>
+            </a:r>
+          </a:p>
+        </p:txBody>
+      </p:sp>
+      <p:sp>
+        <p:nvSpPr>
+          <p:cNvPr id="6" name="Content Placeholder 5"/>
+          <p:cNvSpPr>
+            <a:spLocks noGrp="1"/>
+          </p:cNvSpPr>
+          <p:nvPr>
+            <p:ph idx="1"/>
+          </p:nvPr>
+        </p:nvSpPr>
+        <p:spPr/>
+        <p:txBody>
+          <a:bodyPr>
+            <a:normAutofit/>
+          </a:bodyPr>
+          <a:lstStyle/>
+          <a:p>
+            <a:r>
+              <a:rPr lang="en-US" dirty="0" smtClean="0"/>
+              <a:t>Deploy</a:t>
+            </a:r>
+          </a:p>
+          <a:p>
+            <a:pPr lvl="1"/>
+            <a:r>
+              <a:rPr lang="en-US" dirty="0" smtClean="0"/>
+              <a:t>At </a:t>
+            </a:r>
+            <a:r>
+              <a:rPr lang="en-US" dirty="0"/>
+              <a:t>the deployment stage, a </a:t>
+            </a:r>
+            <a:r>
+              <a:rPr lang="en-US" dirty="0" err="1"/>
+              <a:t>DevSecOps</a:t>
+            </a:r>
+            <a:r>
+              <a:rPr lang="en-US" dirty="0"/>
+              <a:t> practitioner will work to ensure that code makes it to production only if it has passed security checks at each previous stage</a:t>
+            </a:r>
+            <a:r>
+              <a:rPr lang="en-US" dirty="0" smtClean="0"/>
+              <a:t>.</a:t>
+            </a:r>
+          </a:p>
+          <a:p>
+            <a:pPr lvl="1"/>
+            <a:r>
+              <a:rPr lang="en-US" dirty="0" smtClean="0"/>
+              <a:t>This </a:t>
+            </a:r>
+            <a:r>
+              <a:rPr lang="en-US" dirty="0"/>
+              <a:t>can involve applying automated tests to application code and the underlying infrastructure used to run the software in production to catch any run-time security concerns.</a:t>
+            </a:r>
+          </a:p>
+          <a:p>
+            <a:r>
+              <a:rPr lang="en-US" dirty="0" smtClean="0"/>
+              <a:t>Operate </a:t>
+            </a:r>
+            <a:r>
+              <a:rPr lang="en-US" dirty="0"/>
+              <a:t>and monitor: </a:t>
+            </a:r>
+            <a:endParaRPr lang="en-US" dirty="0" smtClean="0"/>
+          </a:p>
+          <a:p>
+            <a:pPr lvl="1"/>
+            <a:r>
+              <a:rPr lang="en-US" dirty="0" smtClean="0"/>
+              <a:t>In </a:t>
+            </a:r>
+            <a:r>
+              <a:rPr lang="en-US" dirty="0"/>
+              <a:t>the operations and monitoring stages of a </a:t>
+            </a:r>
+            <a:r>
+              <a:rPr lang="en-US" dirty="0" err="1"/>
+              <a:t>DevSecOps</a:t>
+            </a:r>
+            <a:r>
+              <a:rPr lang="en-US" dirty="0"/>
+              <a:t> pipeline, organizations will often use application-level and infrastructure metrics to identify unusual activity that could indicate a security breach. </a:t>
+            </a:r>
+            <a:endParaRPr lang="en-US" dirty="0" smtClean="0"/>
+          </a:p>
+          <a:p>
+            <a:pPr lvl="1"/>
+            <a:r>
+              <a:rPr lang="en-US" dirty="0" smtClean="0"/>
+              <a:t>When </a:t>
+            </a:r>
+            <a:r>
+              <a:rPr lang="en-US" dirty="0"/>
+              <a:t>an incident occurs, use logging and other instrumentation can be used to pinpoint the issue and understand its impact.</a:t>
+            </a:r>
+          </a:p>
+        </p:txBody>
+      </p:sp>
+      <p:sp>
+        <p:nvSpPr>
+          <p:cNvPr id="4" name="Slide Number Placeholder 3"/>
+          <p:cNvSpPr>
+            <a:spLocks noGrp="1"/>
+          </p:cNvSpPr>
+          <p:nvPr>
+            <p:ph type="sldNum" sz="quarter" idx="12"/>
+          </p:nvPr>
+        </p:nvSpPr>
+        <p:spPr/>
+        <p:txBody>
+          <a:bodyPr/>
+          <a:lstStyle/>
+          <a:p>
+            <a:fld id="{B8DACC02-A2BD-4578-8E03-6D891060A695}" type="slidenum">
+              <a:rPr lang="en-US" smtClean="0"/>
+              <a:t>24</a:t>
+            </a:fld>
+            <a:endParaRPr lang="en-US"/>
+          </a:p>
+        </p:txBody>
+      </p:sp>
+    </p:spTree>
+    <p:extLst>
+      <p:ext uri="{BB962C8B-B14F-4D97-AF65-F5344CB8AC3E}">
+        <p14:creationId xmlns:p14="http://schemas.microsoft.com/office/powerpoint/2010/main" val="951953056"/>
+      </p:ext>
+    </p:extLst>
+  </p:cSld>
+  <p:clrMapOvr>
+    <a:masterClrMapping/>
+  </p:clrMapOvr>
+</p:sld>
+</file>
+
+<file path=ppt/slides/slide25.xml><?xml version="1.0" encoding="utf-8"?>
+<p:sld xmlns:a="http://schemas.openxmlformats.org/drawingml/2006/main" xmlns:r="http://schemas.openxmlformats.org/officeDocument/2006/relationships" xmlns:p="http://schemas.openxmlformats.org/presentationml/2006/main">
+  <p:cSld>
+    <p:spTree>
+      <p:nvGrpSpPr>
+        <p:cNvPr id="1" name=""/>
+        <p:cNvGrpSpPr/>
+        <p:nvPr/>
+      </p:nvGrpSpPr>
+      <p:grpSpPr>
+        <a:xfrm>
+          <a:off x="0" y="0"/>
+          <a:ext cx="0" cy="0"/>
+          <a:chOff x="0" y="0"/>
+          <a:chExt cx="0" cy="0"/>
+        </a:xfrm>
+      </p:grpSpPr>
+      <p:sp>
+        <p:nvSpPr>
           <p:cNvPr id="5" name="Title 4">
             <a:extLst>
               <a:ext uri="{FF2B5EF4-FFF2-40B4-BE49-F238E27FC236}">
@@ -6451,7 +7310,7 @@
           <a:p>
             <a:fld id="{B8DACC02-A2BD-4578-8E03-6D891060A695}" type="slidenum">
               <a:rPr lang="en-US" smtClean="0"/>
-              <a:t>20</a:t>
+              <a:t>25</a:t>
             </a:fld>
             <a:endParaRPr lang="en-US"/>
           </a:p>
@@ -6524,778 +7383,6 @@
 </p:sld>
 </file>
 
-<file path=ppt/slides/slide21.xml><?xml version="1.0" encoding="utf-8"?>
-<p:sld xmlns:a="http://schemas.openxmlformats.org/drawingml/2006/main" xmlns:r="http://schemas.openxmlformats.org/officeDocument/2006/relationships" xmlns:p="http://schemas.openxmlformats.org/presentationml/2006/main">
-  <p:cSld>
-    <p:spTree>
-      <p:nvGrpSpPr>
-        <p:cNvPr id="1" name=""/>
-        <p:cNvGrpSpPr/>
-        <p:nvPr/>
-      </p:nvGrpSpPr>
-      <p:grpSpPr>
-        <a:xfrm>
-          <a:off x="0" y="0"/>
-          <a:ext cx="0" cy="0"/>
-          <a:chOff x="0" y="0"/>
-          <a:chExt cx="0" cy="0"/>
-        </a:xfrm>
-      </p:grpSpPr>
-      <p:sp>
-        <p:nvSpPr>
-          <p:cNvPr id="2" name="Title 1">
-            <a:extLst>
-              <a:ext uri="{FF2B5EF4-FFF2-40B4-BE49-F238E27FC236}">
-                <a16:creationId xmlns:a16="http://schemas.microsoft.com/office/drawing/2014/main" id="{A0D9D849-3C14-2BFA-4084-F6CC283EE04C}"/>
-              </a:ext>
-            </a:extLst>
-          </p:cNvPr>
-          <p:cNvSpPr>
-            <a:spLocks noGrp="1"/>
-          </p:cNvSpPr>
-          <p:nvPr>
-            <p:ph type="title"/>
-          </p:nvPr>
-        </p:nvSpPr>
-        <p:spPr/>
-        <p:txBody>
-          <a:bodyPr/>
-          <a:lstStyle/>
-          <a:p>
-            <a:r>
-              <a:rPr lang="en-US" dirty="0" err="1"/>
-              <a:t>DevSecOps</a:t>
-            </a:r>
-            <a:r>
-              <a:rPr lang="en-US" dirty="0"/>
-              <a:t> automation principles</a:t>
-            </a:r>
-          </a:p>
-        </p:txBody>
-      </p:sp>
-      <p:sp>
-        <p:nvSpPr>
-          <p:cNvPr id="3" name="Content Placeholder 2">
-            <a:extLst>
-              <a:ext uri="{FF2B5EF4-FFF2-40B4-BE49-F238E27FC236}">
-                <a16:creationId xmlns:a16="http://schemas.microsoft.com/office/drawing/2014/main" id="{666D4C92-8814-3195-2A46-EECEE7C1F391}"/>
-              </a:ext>
-            </a:extLst>
-          </p:cNvPr>
-          <p:cNvSpPr>
-            <a:spLocks noGrp="1"/>
-          </p:cNvSpPr>
-          <p:nvPr>
-            <p:ph idx="1"/>
-          </p:nvPr>
-        </p:nvSpPr>
-        <p:spPr/>
-        <p:txBody>
-          <a:bodyPr>
-            <a:normAutofit fontScale="92500" lnSpcReduction="20000"/>
-          </a:bodyPr>
-          <a:lstStyle/>
-          <a:p>
-            <a:r>
-              <a:rPr lang="en-US" dirty="0"/>
-              <a:t>Automation should be strategic</a:t>
-            </a:r>
-          </a:p>
-          <a:p>
-            <a:pPr lvl="1"/>
-            <a:r>
-              <a:rPr lang="en-US" dirty="0" smtClean="0"/>
-              <a:t>Use </a:t>
-            </a:r>
-            <a:r>
-              <a:rPr lang="en-US" dirty="0"/>
-              <a:t>automation to facilitate speed and quality across the SDLC. But just as being strategic is important in a DevOps practice, it’s equally—if not more—important to be strategic about how and when automation is applied in a </a:t>
-            </a:r>
-            <a:r>
-              <a:rPr lang="en-US" dirty="0" err="1"/>
-              <a:t>DevSecOps</a:t>
-            </a:r>
-            <a:r>
-              <a:rPr lang="en-US" dirty="0"/>
-              <a:t> environment.</a:t>
-            </a:r>
-          </a:p>
-          <a:p>
-            <a:r>
-              <a:rPr lang="en-US" dirty="0"/>
-              <a:t>Let people focus on being creative</a:t>
-            </a:r>
-          </a:p>
-          <a:p>
-            <a:pPr lvl="1"/>
-            <a:r>
-              <a:rPr lang="en-US" dirty="0"/>
-              <a:t>Automate repetitive tasks wherever possible. That way, people can save their time and mental energy for more involved work while checks are applied more consistently and at scale.</a:t>
-            </a:r>
-          </a:p>
-          <a:p>
-            <a:r>
-              <a:rPr lang="en-US" dirty="0"/>
-              <a:t>Systematize code review</a:t>
-            </a:r>
-          </a:p>
-          <a:p>
-            <a:pPr lvl="1"/>
-            <a:r>
-              <a:rPr lang="en-US" dirty="0"/>
-              <a:t>Use tools such as static application security testing to automate elements of your code review. </a:t>
-            </a:r>
-            <a:endParaRPr lang="en-US" dirty="0" smtClean="0"/>
-          </a:p>
-          <a:p>
-            <a:pPr lvl="1"/>
-            <a:r>
-              <a:rPr lang="en-US" dirty="0" smtClean="0"/>
-              <a:t>Human-led </a:t>
-            </a:r>
-            <a:r>
-              <a:rPr lang="en-US" dirty="0"/>
-              <a:t>code review is still important though and it’s critical to ensure your code review checklist covers security issues specific to your technology stack. </a:t>
-            </a:r>
-            <a:endParaRPr lang="en-US" dirty="0" smtClean="0"/>
-          </a:p>
-          <a:p>
-            <a:pPr lvl="1"/>
-            <a:r>
-              <a:rPr lang="en-US" dirty="0" smtClean="0"/>
-              <a:t>Create </a:t>
-            </a:r>
-            <a:r>
-              <a:rPr lang="en-US" dirty="0"/>
-              <a:t>a feedback cycle so each time a new information becomes available you build it into the checklist</a:t>
-            </a:r>
-            <a:r>
-              <a:rPr lang="en-US" dirty="0" smtClean="0"/>
-              <a:t>.</a:t>
-            </a:r>
-            <a:endParaRPr lang="en-US" dirty="0"/>
-          </a:p>
-        </p:txBody>
-      </p:sp>
-      <p:sp>
-        <p:nvSpPr>
-          <p:cNvPr id="4" name="Slide Number Placeholder 3">
-            <a:extLst>
-              <a:ext uri="{FF2B5EF4-FFF2-40B4-BE49-F238E27FC236}">
-                <a16:creationId xmlns:a16="http://schemas.microsoft.com/office/drawing/2014/main" id="{4919B421-A280-8482-4668-CF2F426D2AF0}"/>
-              </a:ext>
-            </a:extLst>
-          </p:cNvPr>
-          <p:cNvSpPr>
-            <a:spLocks noGrp="1"/>
-          </p:cNvSpPr>
-          <p:nvPr>
-            <p:ph type="sldNum" sz="quarter" idx="12"/>
-          </p:nvPr>
-        </p:nvSpPr>
-        <p:spPr/>
-        <p:txBody>
-          <a:bodyPr/>
-          <a:lstStyle/>
-          <a:p>
-            <a:fld id="{B8DACC02-A2BD-4578-8E03-6D891060A695}" type="slidenum">
-              <a:rPr lang="en-US" smtClean="0"/>
-              <a:pPr/>
-              <a:t>21</a:t>
-            </a:fld>
-            <a:endParaRPr lang="en-US" dirty="0"/>
-          </a:p>
-        </p:txBody>
-      </p:sp>
-    </p:spTree>
-    <p:extLst>
-      <p:ext uri="{BB962C8B-B14F-4D97-AF65-F5344CB8AC3E}">
-        <p14:creationId xmlns:p14="http://schemas.microsoft.com/office/powerpoint/2010/main" val="1261024641"/>
-      </p:ext>
-    </p:extLst>
-  </p:cSld>
-  <p:clrMapOvr>
-    <a:masterClrMapping/>
-  </p:clrMapOvr>
-</p:sld>
-</file>
-
-<file path=ppt/slides/slide22.xml><?xml version="1.0" encoding="utf-8"?>
-<p:sld xmlns:a="http://schemas.openxmlformats.org/drawingml/2006/main" xmlns:r="http://schemas.openxmlformats.org/officeDocument/2006/relationships" xmlns:p="http://schemas.openxmlformats.org/presentationml/2006/main">
-  <p:cSld>
-    <p:spTree>
-      <p:nvGrpSpPr>
-        <p:cNvPr id="1" name=""/>
-        <p:cNvGrpSpPr/>
-        <p:nvPr/>
-      </p:nvGrpSpPr>
-      <p:grpSpPr>
-        <a:xfrm>
-          <a:off x="0" y="0"/>
-          <a:ext cx="0" cy="0"/>
-          <a:chOff x="0" y="0"/>
-          <a:chExt cx="0" cy="0"/>
-        </a:xfrm>
-      </p:grpSpPr>
-      <p:sp>
-        <p:nvSpPr>
-          <p:cNvPr id="2" name="Title 1">
-            <a:extLst>
-              <a:ext uri="{FF2B5EF4-FFF2-40B4-BE49-F238E27FC236}">
-                <a16:creationId xmlns:a16="http://schemas.microsoft.com/office/drawing/2014/main" id="{B1959AA7-CFD1-3B78-5610-50FB8C076024}"/>
-              </a:ext>
-            </a:extLst>
-          </p:cNvPr>
-          <p:cNvSpPr>
-            <a:spLocks noGrp="1"/>
-          </p:cNvSpPr>
-          <p:nvPr>
-            <p:ph type="title"/>
-          </p:nvPr>
-        </p:nvSpPr>
-        <p:spPr/>
-        <p:txBody>
-          <a:bodyPr/>
-          <a:lstStyle/>
-          <a:p>
-            <a:r>
-              <a:rPr lang="en-US" dirty="0" err="1"/>
-              <a:t>DevSecOps</a:t>
-            </a:r>
-            <a:r>
-              <a:rPr lang="en-US" dirty="0"/>
-              <a:t> toolchain</a:t>
-            </a:r>
-          </a:p>
-        </p:txBody>
-      </p:sp>
-      <p:sp>
-        <p:nvSpPr>
-          <p:cNvPr id="3" name="Content Placeholder 2">
-            <a:extLst>
-              <a:ext uri="{FF2B5EF4-FFF2-40B4-BE49-F238E27FC236}">
-                <a16:creationId xmlns:a16="http://schemas.microsoft.com/office/drawing/2014/main" id="{4A83CF99-3DB3-A06C-FB12-48EF1CD65A50}"/>
-              </a:ext>
-            </a:extLst>
-          </p:cNvPr>
-          <p:cNvSpPr>
-            <a:spLocks noGrp="1"/>
-          </p:cNvSpPr>
-          <p:nvPr>
-            <p:ph idx="1"/>
-          </p:nvPr>
-        </p:nvSpPr>
-        <p:spPr/>
-        <p:txBody>
-          <a:bodyPr>
-            <a:normAutofit/>
-          </a:bodyPr>
-          <a:lstStyle/>
-          <a:p>
-            <a:r>
-              <a:rPr lang="en-US" dirty="0"/>
-              <a:t>Automated security tests on commits and merges</a:t>
-            </a:r>
-          </a:p>
-          <a:p>
-            <a:pPr lvl="1"/>
-            <a:r>
-              <a:rPr lang="en-US" dirty="0"/>
-              <a:t>A basic goal of any </a:t>
-            </a:r>
-            <a:r>
-              <a:rPr lang="en-US" dirty="0" err="1"/>
-              <a:t>DevSecOps</a:t>
-            </a:r>
-            <a:r>
-              <a:rPr lang="en-US" dirty="0"/>
-              <a:t> practice is to catch issues in code before they can do harm by triggering automatic scans using pre-commit and merge triggers. Some of the scans organizations might implement include:</a:t>
-            </a:r>
-          </a:p>
-          <a:p>
-            <a:pPr lvl="2"/>
-            <a:r>
-              <a:rPr lang="en-US" dirty="0"/>
-              <a:t>Code scanning: Often called static application security testing, this evaluates code at rest—in other words, without having to run it—to discover code that could lead to a vulnerability.</a:t>
-            </a:r>
-          </a:p>
-          <a:p>
-            <a:pPr lvl="2"/>
-            <a:r>
-              <a:rPr lang="en-US" dirty="0"/>
-              <a:t>Vulnerability scanning: Dynamic application scanning tools build and deploy the application to a sandboxed environment and then observe how it responds to known security threats.</a:t>
-            </a:r>
-          </a:p>
-          <a:p>
-            <a:pPr lvl="2"/>
-            <a:r>
-              <a:rPr lang="en-US" dirty="0"/>
-              <a:t>Secret scanning: Even with the most stringent policies, secrets occasionally make it into a commit. Secret scanning tools are used to catch them before the commit is made. These also pair with SCA tools, which are used to detect any vulnerabilities in open source dependencies within a given codebase.</a:t>
-            </a:r>
-          </a:p>
-        </p:txBody>
-      </p:sp>
-      <p:sp>
-        <p:nvSpPr>
-          <p:cNvPr id="4" name="Slide Number Placeholder 3">
-            <a:extLst>
-              <a:ext uri="{FF2B5EF4-FFF2-40B4-BE49-F238E27FC236}">
-                <a16:creationId xmlns:a16="http://schemas.microsoft.com/office/drawing/2014/main" id="{EF08696A-BB53-A7CE-D27A-4E0CEAA96C51}"/>
-              </a:ext>
-            </a:extLst>
-          </p:cNvPr>
-          <p:cNvSpPr>
-            <a:spLocks noGrp="1"/>
-          </p:cNvSpPr>
-          <p:nvPr>
-            <p:ph type="sldNum" sz="quarter" idx="12"/>
-          </p:nvPr>
-        </p:nvSpPr>
-        <p:spPr/>
-        <p:txBody>
-          <a:bodyPr/>
-          <a:lstStyle/>
-          <a:p>
-            <a:fld id="{B8DACC02-A2BD-4578-8E03-6D891060A695}" type="slidenum">
-              <a:rPr lang="en-US" smtClean="0"/>
-              <a:pPr/>
-              <a:t>22</a:t>
-            </a:fld>
-            <a:endParaRPr lang="en-US" dirty="0"/>
-          </a:p>
-        </p:txBody>
-      </p:sp>
-    </p:spTree>
-    <p:extLst>
-      <p:ext uri="{BB962C8B-B14F-4D97-AF65-F5344CB8AC3E}">
-        <p14:creationId xmlns:p14="http://schemas.microsoft.com/office/powerpoint/2010/main" val="4002207660"/>
-      </p:ext>
-    </p:extLst>
-  </p:cSld>
-  <p:clrMapOvr>
-    <a:masterClrMapping/>
-  </p:clrMapOvr>
-</p:sld>
-</file>
-
-<file path=ppt/slides/slide23.xml><?xml version="1.0" encoding="utf-8"?>
-<p:sld xmlns:a="http://schemas.openxmlformats.org/drawingml/2006/main" xmlns:r="http://schemas.openxmlformats.org/officeDocument/2006/relationships" xmlns:p="http://schemas.openxmlformats.org/presentationml/2006/main">
-  <p:cSld>
-    <p:spTree>
-      <p:nvGrpSpPr>
-        <p:cNvPr id="1" name=""/>
-        <p:cNvGrpSpPr/>
-        <p:nvPr/>
-      </p:nvGrpSpPr>
-      <p:grpSpPr>
-        <a:xfrm>
-          <a:off x="0" y="0"/>
-          <a:ext cx="0" cy="0"/>
-          <a:chOff x="0" y="0"/>
-          <a:chExt cx="0" cy="0"/>
-        </a:xfrm>
-      </p:grpSpPr>
-      <p:sp>
-        <p:nvSpPr>
-          <p:cNvPr id="2" name="Title 1">
-            <a:extLst>
-              <a:ext uri="{FF2B5EF4-FFF2-40B4-BE49-F238E27FC236}">
-                <a16:creationId xmlns:a16="http://schemas.microsoft.com/office/drawing/2014/main" id="{058BD59F-291B-6F77-821D-AC164C33468E}"/>
-              </a:ext>
-            </a:extLst>
-          </p:cNvPr>
-          <p:cNvSpPr>
-            <a:spLocks noGrp="1"/>
-          </p:cNvSpPr>
-          <p:nvPr>
-            <p:ph type="title"/>
-          </p:nvPr>
-        </p:nvSpPr>
-        <p:spPr/>
-        <p:txBody>
-          <a:bodyPr/>
-          <a:lstStyle/>
-          <a:p>
-            <a:r>
-              <a:rPr lang="en-US" dirty="0" err="1"/>
-              <a:t>DevSecOps</a:t>
-            </a:r>
-            <a:r>
-              <a:rPr lang="en-US" dirty="0"/>
-              <a:t> toolchain</a:t>
-            </a:r>
-          </a:p>
-        </p:txBody>
-      </p:sp>
-      <p:sp>
-        <p:nvSpPr>
-          <p:cNvPr id="3" name="Content Placeholder 2">
-            <a:extLst>
-              <a:ext uri="{FF2B5EF4-FFF2-40B4-BE49-F238E27FC236}">
-                <a16:creationId xmlns:a16="http://schemas.microsoft.com/office/drawing/2014/main" id="{116C6722-5ABB-F204-984F-CB72F8E5A836}"/>
-              </a:ext>
-            </a:extLst>
-          </p:cNvPr>
-          <p:cNvSpPr>
-            <a:spLocks noGrp="1"/>
-          </p:cNvSpPr>
-          <p:nvPr>
-            <p:ph idx="1"/>
-          </p:nvPr>
-        </p:nvSpPr>
-        <p:spPr/>
-        <p:txBody>
-          <a:bodyPr/>
-          <a:lstStyle/>
-          <a:p>
-            <a:r>
-              <a:rPr lang="en-US" dirty="0"/>
-              <a:t>Configuration management</a:t>
-            </a:r>
-          </a:p>
-          <a:p>
-            <a:pPr lvl="1"/>
-            <a:r>
-              <a:rPr lang="en-US" dirty="0"/>
-              <a:t>In </a:t>
-            </a:r>
-            <a:r>
-              <a:rPr lang="en-US" dirty="0" err="1"/>
-              <a:t>DevSecOps</a:t>
-            </a:r>
-            <a:r>
-              <a:rPr lang="en-US" dirty="0"/>
-              <a:t>, a general rule is it’s best to remove the uncertainty from systems configuration—and this is often accomplished by adopting infrastructure as code. Tools such as Docker, Terraform, and Ansible use YAML and similar configuration files that can be automatically scanned for issues, committed to version control, and rolled out automatically to multiple instances of a service.</a:t>
-            </a:r>
-          </a:p>
-        </p:txBody>
-      </p:sp>
-      <p:sp>
-        <p:nvSpPr>
-          <p:cNvPr id="4" name="Slide Number Placeholder 3">
-            <a:extLst>
-              <a:ext uri="{FF2B5EF4-FFF2-40B4-BE49-F238E27FC236}">
-                <a16:creationId xmlns:a16="http://schemas.microsoft.com/office/drawing/2014/main" id="{24A60889-5F42-3017-1CF2-57AC68A2CAFD}"/>
-              </a:ext>
-            </a:extLst>
-          </p:cNvPr>
-          <p:cNvSpPr>
-            <a:spLocks noGrp="1"/>
-          </p:cNvSpPr>
-          <p:nvPr>
-            <p:ph type="sldNum" sz="quarter" idx="12"/>
-          </p:nvPr>
-        </p:nvSpPr>
-        <p:spPr/>
-        <p:txBody>
-          <a:bodyPr/>
-          <a:lstStyle/>
-          <a:p>
-            <a:fld id="{B8DACC02-A2BD-4578-8E03-6D891060A695}" type="slidenum">
-              <a:rPr lang="en-US" smtClean="0"/>
-              <a:pPr/>
-              <a:t>23</a:t>
-            </a:fld>
-            <a:endParaRPr lang="en-US" dirty="0"/>
-          </a:p>
-        </p:txBody>
-      </p:sp>
-    </p:spTree>
-    <p:extLst>
-      <p:ext uri="{BB962C8B-B14F-4D97-AF65-F5344CB8AC3E}">
-        <p14:creationId xmlns:p14="http://schemas.microsoft.com/office/powerpoint/2010/main" val="955689163"/>
-      </p:ext>
-    </p:extLst>
-  </p:cSld>
-  <p:clrMapOvr>
-    <a:masterClrMapping/>
-  </p:clrMapOvr>
-</p:sld>
-</file>
-
-<file path=ppt/slides/slide24.xml><?xml version="1.0" encoding="utf-8"?>
-<p:sld xmlns:a="http://schemas.openxmlformats.org/drawingml/2006/main" xmlns:r="http://schemas.openxmlformats.org/officeDocument/2006/relationships" xmlns:p="http://schemas.openxmlformats.org/presentationml/2006/main">
-  <p:cSld>
-    <p:spTree>
-      <p:nvGrpSpPr>
-        <p:cNvPr id="1" name=""/>
-        <p:cNvGrpSpPr/>
-        <p:nvPr/>
-      </p:nvGrpSpPr>
-      <p:grpSpPr>
-        <a:xfrm>
-          <a:off x="0" y="0"/>
-          <a:ext cx="0" cy="0"/>
-          <a:chOff x="0" y="0"/>
-          <a:chExt cx="0" cy="0"/>
-        </a:xfrm>
-      </p:grpSpPr>
-      <p:sp>
-        <p:nvSpPr>
-          <p:cNvPr id="2" name="Title 1">
-            <a:extLst>
-              <a:ext uri="{FF2B5EF4-FFF2-40B4-BE49-F238E27FC236}">
-                <a16:creationId xmlns:a16="http://schemas.microsoft.com/office/drawing/2014/main" id="{E87F2AC2-6279-03DE-AFF5-3F58A105F80C}"/>
-              </a:ext>
-            </a:extLst>
-          </p:cNvPr>
-          <p:cNvSpPr>
-            <a:spLocks noGrp="1"/>
-          </p:cNvSpPr>
-          <p:nvPr>
-            <p:ph type="title"/>
-          </p:nvPr>
-        </p:nvSpPr>
-        <p:spPr/>
-        <p:txBody>
-          <a:bodyPr/>
-          <a:lstStyle/>
-          <a:p>
-            <a:r>
-              <a:rPr lang="en-US" dirty="0" err="1"/>
-              <a:t>DevSecOps</a:t>
-            </a:r>
-            <a:r>
-              <a:rPr lang="en-US" dirty="0"/>
-              <a:t> toolchain</a:t>
-            </a:r>
-          </a:p>
-        </p:txBody>
-      </p:sp>
-      <p:sp>
-        <p:nvSpPr>
-          <p:cNvPr id="3" name="Content Placeholder 2">
-            <a:extLst>
-              <a:ext uri="{FF2B5EF4-FFF2-40B4-BE49-F238E27FC236}">
-                <a16:creationId xmlns:a16="http://schemas.microsoft.com/office/drawing/2014/main" id="{060CAA69-48D2-F063-A803-E1ED9E293EE3}"/>
-              </a:ext>
-            </a:extLst>
-          </p:cNvPr>
-          <p:cNvSpPr>
-            <a:spLocks noGrp="1"/>
-          </p:cNvSpPr>
-          <p:nvPr>
-            <p:ph idx="1"/>
-          </p:nvPr>
-        </p:nvSpPr>
-        <p:spPr/>
-        <p:txBody>
-          <a:bodyPr/>
-          <a:lstStyle/>
-          <a:p>
-            <a:r>
-              <a:rPr lang="en-US" dirty="0"/>
-              <a:t>Container orchestration</a:t>
-            </a:r>
-          </a:p>
-          <a:p>
-            <a:pPr lvl="1"/>
-            <a:r>
-              <a:rPr lang="en-US" dirty="0"/>
-              <a:t>In some environments, organizations may adopt a microservices architecture to better support complex, cloud-native applications. This requires maintaining multiple containers and scaling them as needed and securely—and that involves container orchestration tools. Just like configuration management tools, container orchestration tooling will often use YAML configuration files to dictate interactions between containers.</a:t>
-            </a:r>
-          </a:p>
-        </p:txBody>
-      </p:sp>
-      <p:sp>
-        <p:nvSpPr>
-          <p:cNvPr id="4" name="Slide Number Placeholder 3">
-            <a:extLst>
-              <a:ext uri="{FF2B5EF4-FFF2-40B4-BE49-F238E27FC236}">
-                <a16:creationId xmlns:a16="http://schemas.microsoft.com/office/drawing/2014/main" id="{A390ABE8-92DB-51E5-030A-85EBE3BEF070}"/>
-              </a:ext>
-            </a:extLst>
-          </p:cNvPr>
-          <p:cNvSpPr>
-            <a:spLocks noGrp="1"/>
-          </p:cNvSpPr>
-          <p:nvPr>
-            <p:ph type="sldNum" sz="quarter" idx="12"/>
-          </p:nvPr>
-        </p:nvSpPr>
-        <p:spPr/>
-        <p:txBody>
-          <a:bodyPr/>
-          <a:lstStyle/>
-          <a:p>
-            <a:fld id="{B8DACC02-A2BD-4578-8E03-6D891060A695}" type="slidenum">
-              <a:rPr lang="en-US" smtClean="0"/>
-              <a:pPr/>
-              <a:t>24</a:t>
-            </a:fld>
-            <a:endParaRPr lang="en-US" dirty="0"/>
-          </a:p>
-        </p:txBody>
-      </p:sp>
-    </p:spTree>
-    <p:extLst>
-      <p:ext uri="{BB962C8B-B14F-4D97-AF65-F5344CB8AC3E}">
-        <p14:creationId xmlns:p14="http://schemas.microsoft.com/office/powerpoint/2010/main" val="353356073"/>
-      </p:ext>
-    </p:extLst>
-  </p:cSld>
-  <p:clrMapOvr>
-    <a:masterClrMapping/>
-  </p:clrMapOvr>
-</p:sld>
-</file>
-
-<file path=ppt/slides/slide25.xml><?xml version="1.0" encoding="utf-8"?>
-<p:sld xmlns:a="http://schemas.openxmlformats.org/drawingml/2006/main" xmlns:r="http://schemas.openxmlformats.org/officeDocument/2006/relationships" xmlns:p="http://schemas.openxmlformats.org/presentationml/2006/main">
-  <p:cSld>
-    <p:spTree>
-      <p:nvGrpSpPr>
-        <p:cNvPr id="1" name=""/>
-        <p:cNvGrpSpPr/>
-        <p:nvPr/>
-      </p:nvGrpSpPr>
-      <p:grpSpPr>
-        <a:xfrm>
-          <a:off x="0" y="0"/>
-          <a:ext cx="0" cy="0"/>
-          <a:chOff x="0" y="0"/>
-          <a:chExt cx="0" cy="0"/>
-        </a:xfrm>
-      </p:grpSpPr>
-      <p:sp>
-        <p:nvSpPr>
-          <p:cNvPr id="2" name="Title 1">
-            <a:extLst>
-              <a:ext uri="{FF2B5EF4-FFF2-40B4-BE49-F238E27FC236}">
-                <a16:creationId xmlns:a16="http://schemas.microsoft.com/office/drawing/2014/main" id="{6A06863A-30D6-10C9-F65B-7D118DEC7A7A}"/>
-              </a:ext>
-            </a:extLst>
-          </p:cNvPr>
-          <p:cNvSpPr>
-            <a:spLocks noGrp="1"/>
-          </p:cNvSpPr>
-          <p:nvPr>
-            <p:ph type="title"/>
-          </p:nvPr>
-        </p:nvSpPr>
-        <p:spPr/>
-        <p:txBody>
-          <a:bodyPr/>
-          <a:lstStyle/>
-          <a:p>
-            <a:r>
-              <a:rPr lang="en-US" dirty="0" err="1"/>
-              <a:t>DevSecOps</a:t>
-            </a:r>
-            <a:r>
-              <a:rPr lang="en-US" dirty="0"/>
-              <a:t> toolchain</a:t>
-            </a:r>
-          </a:p>
-        </p:txBody>
-      </p:sp>
-      <p:sp>
-        <p:nvSpPr>
-          <p:cNvPr id="3" name="Content Placeholder 2">
-            <a:extLst>
-              <a:ext uri="{FF2B5EF4-FFF2-40B4-BE49-F238E27FC236}">
-                <a16:creationId xmlns:a16="http://schemas.microsoft.com/office/drawing/2014/main" id="{5590452D-AEB4-884A-B883-7D6A238912FA}"/>
-              </a:ext>
-            </a:extLst>
-          </p:cNvPr>
-          <p:cNvSpPr>
-            <a:spLocks noGrp="1"/>
-          </p:cNvSpPr>
-          <p:nvPr>
-            <p:ph idx="1"/>
-          </p:nvPr>
-        </p:nvSpPr>
-        <p:spPr/>
-        <p:txBody>
-          <a:bodyPr>
-            <a:normAutofit/>
-          </a:bodyPr>
-          <a:lstStyle/>
-          <a:p>
-            <a:r>
-              <a:rPr lang="en-US" dirty="0"/>
-              <a:t>Runtime verification</a:t>
-            </a:r>
-          </a:p>
-          <a:p>
-            <a:pPr lvl="1"/>
-            <a:r>
-              <a:rPr lang="en-US" dirty="0"/>
-              <a:t>Also known as runtime application self-protection tools, these tools will actively monitor and/or direct threats towards your application as it runs with reports highlighting any vulnerabilities.</a:t>
-            </a:r>
-          </a:p>
-          <a:p>
-            <a:r>
-              <a:rPr lang="en-US" dirty="0"/>
-              <a:t>Continuous monitoring and reporting</a:t>
-            </a:r>
-          </a:p>
-          <a:p>
-            <a:pPr lvl="1"/>
-            <a:r>
-              <a:rPr lang="en-US" dirty="0"/>
-              <a:t>One of the simplest yet highly effective aspects of </a:t>
-            </a:r>
-            <a:r>
-              <a:rPr lang="en-US" dirty="0" err="1"/>
-              <a:t>DevSecOps</a:t>
-            </a:r>
-            <a:r>
-              <a:rPr lang="en-US" dirty="0"/>
-              <a:t> tooling is measurement—and that involves logging everything at the application and infrastructure level. The best tools will provide real-time intelligence when something goes wrong and include a reporting system so you can catch issues early. Outbound data from an unexpected port, for example, could indicate a compromise but without monitoring and reporting it might go undetected.</a:t>
-            </a:r>
-          </a:p>
-          <a:p>
-            <a:pPr marL="0" indent="0">
-              <a:buNone/>
-            </a:pPr>
-            <a:endParaRPr lang="en-US" dirty="0"/>
-          </a:p>
-        </p:txBody>
-      </p:sp>
-      <p:sp>
-        <p:nvSpPr>
-          <p:cNvPr id="4" name="Slide Number Placeholder 3">
-            <a:extLst>
-              <a:ext uri="{FF2B5EF4-FFF2-40B4-BE49-F238E27FC236}">
-                <a16:creationId xmlns:a16="http://schemas.microsoft.com/office/drawing/2014/main" id="{8C262E43-6362-80D6-F64A-28CAA2017179}"/>
-              </a:ext>
-            </a:extLst>
-          </p:cNvPr>
-          <p:cNvSpPr>
-            <a:spLocks noGrp="1"/>
-          </p:cNvSpPr>
-          <p:nvPr>
-            <p:ph type="sldNum" sz="quarter" idx="12"/>
-          </p:nvPr>
-        </p:nvSpPr>
-        <p:spPr/>
-        <p:txBody>
-          <a:bodyPr/>
-          <a:lstStyle/>
-          <a:p>
-            <a:fld id="{B8DACC02-A2BD-4578-8E03-6D891060A695}" type="slidenum">
-              <a:rPr lang="en-US" smtClean="0"/>
-              <a:pPr/>
-              <a:t>25</a:t>
-            </a:fld>
-            <a:endParaRPr lang="en-US" dirty="0"/>
-          </a:p>
-        </p:txBody>
-      </p:sp>
-    </p:spTree>
-    <p:extLst>
-      <p:ext uri="{BB962C8B-B14F-4D97-AF65-F5344CB8AC3E}">
-        <p14:creationId xmlns:p14="http://schemas.microsoft.com/office/powerpoint/2010/main" val="1985459662"/>
-      </p:ext>
-    </p:extLst>
-  </p:cSld>
-  <p:clrMapOvr>
-    <a:masterClrMapping/>
-  </p:clrMapOvr>
-</p:sld>
-</file>
-
 <file path=ppt/slides/slide26.xml><?xml version="1.0" encoding="utf-8"?>
 <p:sld xmlns:a="http://schemas.openxmlformats.org/drawingml/2006/main" xmlns:r="http://schemas.openxmlformats.org/officeDocument/2006/relationships" xmlns:p="http://schemas.openxmlformats.org/presentationml/2006/main">
   <p:cSld>
@@ -7315,13 +7402,7 @@
       </p:grpSpPr>
       <p:sp>
         <p:nvSpPr>
-          <p:cNvPr id="2" name="Title 1">
-            <a:extLst>
-              <a:ext uri="{FF2B5EF4-FFF2-40B4-BE49-F238E27FC236}">
-                <a16:creationId xmlns:a16="http://schemas.microsoft.com/office/drawing/2014/main" id="{6ED93909-E8F5-6BA3-FDED-4C5928E673B6}"/>
-              </a:ext>
-            </a:extLst>
-          </p:cNvPr>
+          <p:cNvPr id="2" name="Title 1"/>
           <p:cNvSpPr>
             <a:spLocks noGrp="1"/>
           </p:cNvSpPr>
@@ -7334,110 +7415,20 @@
           <a:bodyPr/>
           <a:lstStyle/>
           <a:p>
-            <a:r>
-              <a:rPr lang="en-US" dirty="0"/>
-              <a:t>What are common </a:t>
-            </a:r>
             <a:r>
               <a:rPr lang="en-US" dirty="0" err="1"/>
               <a:t>DevSecOps</a:t>
             </a:r>
             <a:r>
               <a:rPr lang="en-US" dirty="0"/>
-              <a:t> tools?</a:t>
-            </a:r>
-          </a:p>
-        </p:txBody>
-      </p:sp>
-      <p:sp>
-        <p:nvSpPr>
-          <p:cNvPr id="3" name="Content Placeholder 2">
-            <a:extLst>
-              <a:ext uri="{FF2B5EF4-FFF2-40B4-BE49-F238E27FC236}">
-                <a16:creationId xmlns:a16="http://schemas.microsoft.com/office/drawing/2014/main" id="{27BF8794-5F4C-79A4-FADA-2286DEB50C05}"/>
-              </a:ext>
-            </a:extLst>
-          </p:cNvPr>
-          <p:cNvSpPr>
-            <a:spLocks noGrp="1"/>
-          </p:cNvSpPr>
-          <p:nvPr>
-            <p:ph idx="1"/>
-          </p:nvPr>
-        </p:nvSpPr>
-        <p:spPr/>
-        <p:txBody>
-          <a:bodyPr>
-            <a:normAutofit fontScale="92500" lnSpcReduction="10000"/>
-          </a:bodyPr>
-          <a:lstStyle/>
-          <a:p>
-            <a:r>
-              <a:rPr lang="en-US" dirty="0"/>
-              <a:t>Static application security testing</a:t>
-            </a:r>
-          </a:p>
-          <a:p>
-            <a:pPr lvl="1"/>
-            <a:r>
-              <a:rPr lang="en-US" dirty="0"/>
-              <a:t>Static application security testing (SAST) tools analyze and find vulnerabilities in proprietary source code. </a:t>
-            </a:r>
-          </a:p>
-          <a:p>
-            <a:r>
-              <a:rPr lang="en-US" dirty="0"/>
-              <a:t>Software composition analysis </a:t>
-            </a:r>
-          </a:p>
-          <a:p>
-            <a:pPr lvl="1"/>
-            <a:r>
-              <a:rPr lang="en-US" dirty="0"/>
-              <a:t>Software composition analysis (SCA) is the process of automating visibility into open-source software (OSS) use for the purpose of risk management, security, and license compliance. </a:t>
-            </a:r>
-          </a:p>
-          <a:p>
-            <a:r>
-              <a:rPr lang="en-US" dirty="0"/>
-              <a:t>Interactive application security testing</a:t>
-            </a:r>
-          </a:p>
-          <a:p>
-            <a:pPr lvl="1"/>
-            <a:r>
-              <a:rPr lang="en-US" dirty="0" err="1"/>
-              <a:t>DevSecOps</a:t>
-            </a:r>
-            <a:r>
-              <a:rPr lang="en-US" dirty="0"/>
-              <a:t> teams use interactive application security testing (IAST) tools to evaluate an application’s potential vulnerabilities in the production environment. IAST consists of special security monitors that run from within the application. </a:t>
-            </a:r>
-          </a:p>
-          <a:p>
-            <a:r>
-              <a:rPr lang="en-US" dirty="0"/>
-              <a:t>Dynamic application security testing</a:t>
-            </a:r>
-          </a:p>
-          <a:p>
-            <a:pPr lvl="1"/>
-            <a:r>
-              <a:rPr lang="en-US" dirty="0"/>
-              <a:t>Dynamic application security testing (DAST) tools mimic hackers by testing the application's security from outside the network.</a:t>
-            </a:r>
-          </a:p>
-        </p:txBody>
-      </p:sp>
-      <p:sp>
-        <p:nvSpPr>
-          <p:cNvPr id="4" name="Slide Number Placeholder 3">
-            <a:extLst>
-              <a:ext uri="{FF2B5EF4-FFF2-40B4-BE49-F238E27FC236}">
-                <a16:creationId xmlns:a16="http://schemas.microsoft.com/office/drawing/2014/main" id="{8A589C86-D1AC-9414-9335-2D9BE92D8B39}"/>
-              </a:ext>
-            </a:extLst>
-          </p:cNvPr>
+              <a:t> Toolchain</a:t>
+            </a:r>
+          </a:p>
+        </p:txBody>
+      </p:sp>
+      <p:sp>
+        <p:nvSpPr>
+          <p:cNvPr id="4" name="Slide Number Placeholder 3"/>
           <p:cNvSpPr>
             <a:spLocks noGrp="1"/>
           </p:cNvSpPr>
@@ -7459,10 +7450,586 @@
           </a:p>
         </p:txBody>
       </p:sp>
+      <p:graphicFrame>
+        <p:nvGraphicFramePr>
+          <p:cNvPr id="5" name="Content Placeholder 4"/>
+          <p:cNvGraphicFramePr>
+            <a:graphicFrameLocks noGrp="1"/>
+          </p:cNvGraphicFramePr>
+          <p:nvPr>
+            <p:ph idx="1"/>
+            <p:extLst>
+              <p:ext uri="{D42A27DB-BD31-4B8C-83A1-F6EECF244321}">
+                <p14:modId xmlns:p14="http://schemas.microsoft.com/office/powerpoint/2010/main" val="2882923365"/>
+              </p:ext>
+            </p:extLst>
+          </p:nvPr>
+        </p:nvGraphicFramePr>
+        <p:xfrm>
+          <a:off x="347663" y="1406525"/>
+          <a:ext cx="11650660" cy="4145280"/>
+        </p:xfrm>
+        <a:graphic>
+          <a:graphicData uri="http://schemas.openxmlformats.org/drawingml/2006/table">
+            <a:tbl>
+              <a:tblPr firstRow="1" bandRow="1">
+                <a:tableStyleId>{5C22544A-7EE6-4342-B048-85BDC9FD1C3A}</a:tableStyleId>
+              </a:tblPr>
+              <a:tblGrid>
+                <a:gridCol w="2330132">
+                  <a:extLst>
+                    <a:ext uri="{9D8B030D-6E8A-4147-A177-3AD203B41FA5}">
+                      <a16:colId xmlns:a16="http://schemas.microsoft.com/office/drawing/2014/main" val="2479032258"/>
+                    </a:ext>
+                  </a:extLst>
+                </a:gridCol>
+                <a:gridCol w="2330132">
+                  <a:extLst>
+                    <a:ext uri="{9D8B030D-6E8A-4147-A177-3AD203B41FA5}">
+                      <a16:colId xmlns:a16="http://schemas.microsoft.com/office/drawing/2014/main" val="1131215423"/>
+                    </a:ext>
+                  </a:extLst>
+                </a:gridCol>
+                <a:gridCol w="2330132">
+                  <a:extLst>
+                    <a:ext uri="{9D8B030D-6E8A-4147-A177-3AD203B41FA5}">
+                      <a16:colId xmlns:a16="http://schemas.microsoft.com/office/drawing/2014/main" val="1845527269"/>
+                    </a:ext>
+                  </a:extLst>
+                </a:gridCol>
+                <a:gridCol w="2330132">
+                  <a:extLst>
+                    <a:ext uri="{9D8B030D-6E8A-4147-A177-3AD203B41FA5}">
+                      <a16:colId xmlns:a16="http://schemas.microsoft.com/office/drawing/2014/main" val="3356350854"/>
+                    </a:ext>
+                  </a:extLst>
+                </a:gridCol>
+                <a:gridCol w="2330132">
+                  <a:extLst>
+                    <a:ext uri="{9D8B030D-6E8A-4147-A177-3AD203B41FA5}">
+                      <a16:colId xmlns:a16="http://schemas.microsoft.com/office/drawing/2014/main" val="3023086075"/>
+                    </a:ext>
+                  </a:extLst>
+                </a:gridCol>
+              </a:tblGrid>
+              <a:tr h="370840">
+                <a:tc>
+                  <a:txBody>
+                    <a:bodyPr/>
+                    <a:lstStyle/>
+                    <a:p>
+                      <a:pPr algn="ctr"/>
+                      <a:r>
+                        <a:rPr lang="en-US" sz="2000" dirty="0" smtClean="0">
+                          <a:latin typeface="Candara" panose="020E0502030303020204" pitchFamily="34" charset="0"/>
+                        </a:rPr>
+                        <a:t>Plan</a:t>
+                      </a:r>
+                      <a:endParaRPr lang="en-US" sz="2000" dirty="0">
+                        <a:latin typeface="Candara" panose="020E0502030303020204" pitchFamily="34" charset="0"/>
+                      </a:endParaRPr>
+                    </a:p>
+                  </a:txBody>
+                  <a:tcPr/>
+                </a:tc>
+                <a:tc>
+                  <a:txBody>
+                    <a:bodyPr/>
+                    <a:lstStyle/>
+                    <a:p>
+                      <a:pPr algn="ctr"/>
+                      <a:r>
+                        <a:rPr lang="en-US" sz="2000" dirty="0" smtClean="0">
+                          <a:latin typeface="Candara" panose="020E0502030303020204" pitchFamily="34" charset="0"/>
+                        </a:rPr>
+                        <a:t>Build</a:t>
+                      </a:r>
+                      <a:endParaRPr lang="en-US" sz="2000" dirty="0">
+                        <a:latin typeface="Candara" panose="020E0502030303020204" pitchFamily="34" charset="0"/>
+                      </a:endParaRPr>
+                    </a:p>
+                  </a:txBody>
+                  <a:tcPr/>
+                </a:tc>
+                <a:tc>
+                  <a:txBody>
+                    <a:bodyPr/>
+                    <a:lstStyle/>
+                    <a:p>
+                      <a:pPr algn="ctr"/>
+                      <a:r>
+                        <a:rPr lang="en-US" sz="2000" dirty="0" smtClean="0">
+                          <a:latin typeface="Candara" panose="020E0502030303020204" pitchFamily="34" charset="0"/>
+                        </a:rPr>
+                        <a:t>Test</a:t>
+                      </a:r>
+                      <a:endParaRPr lang="en-US" sz="2000" dirty="0">
+                        <a:latin typeface="Candara" panose="020E0502030303020204" pitchFamily="34" charset="0"/>
+                      </a:endParaRPr>
+                    </a:p>
+                  </a:txBody>
+                  <a:tcPr/>
+                </a:tc>
+                <a:tc>
+                  <a:txBody>
+                    <a:bodyPr/>
+                    <a:lstStyle/>
+                    <a:p>
+                      <a:pPr algn="ctr"/>
+                      <a:r>
+                        <a:rPr lang="en-US" sz="2000" dirty="0" smtClean="0">
+                          <a:latin typeface="Candara" panose="020E0502030303020204" pitchFamily="34" charset="0"/>
+                        </a:rPr>
+                        <a:t>Deploy</a:t>
+                      </a:r>
+                      <a:endParaRPr lang="en-US" sz="2000" dirty="0">
+                        <a:latin typeface="Candara" panose="020E0502030303020204" pitchFamily="34" charset="0"/>
+                      </a:endParaRPr>
+                    </a:p>
+                  </a:txBody>
+                  <a:tcPr/>
+                </a:tc>
+                <a:tc>
+                  <a:txBody>
+                    <a:bodyPr/>
+                    <a:lstStyle/>
+                    <a:p>
+                      <a:pPr algn="ctr"/>
+                      <a:r>
+                        <a:rPr lang="en-US" sz="2000" dirty="0" smtClean="0">
+                          <a:latin typeface="Candara" panose="020E0502030303020204" pitchFamily="34" charset="0"/>
+                        </a:rPr>
+                        <a:t>Observe</a:t>
+                      </a:r>
+                      <a:endParaRPr lang="en-US" sz="2000" dirty="0">
+                        <a:latin typeface="Candara" panose="020E0502030303020204" pitchFamily="34" charset="0"/>
+                      </a:endParaRPr>
+                    </a:p>
+                  </a:txBody>
+                  <a:tcPr/>
+                </a:tc>
+                <a:extLst>
+                  <a:ext uri="{0D108BD9-81ED-4DB2-BD59-A6C34878D82A}">
+                    <a16:rowId xmlns:a16="http://schemas.microsoft.com/office/drawing/2014/main" val="2389764943"/>
+                  </a:ext>
+                </a:extLst>
+              </a:tr>
+              <a:tr h="370840">
+                <a:tc>
+                  <a:txBody>
+                    <a:bodyPr/>
+                    <a:lstStyle/>
+                    <a:p>
+                      <a:pPr marL="0" indent="0" algn="ctr">
+                        <a:lnSpc>
+                          <a:spcPct val="200000"/>
+                        </a:lnSpc>
+                        <a:buFont typeface="Arial" panose="020B0604020202020204" pitchFamily="34" charset="0"/>
+                        <a:buNone/>
+                      </a:pPr>
+                      <a:r>
+                        <a:rPr lang="en-US" sz="2000" dirty="0" err="1" smtClean="0">
+                          <a:latin typeface="Candara" panose="020E0502030303020204" pitchFamily="34" charset="0"/>
+                        </a:rPr>
+                        <a:t>IriusRisk</a:t>
+                      </a:r>
+                      <a:r>
+                        <a:rPr lang="en-US" sz="2000" dirty="0" smtClean="0">
+                          <a:latin typeface="Candara" panose="020E0502030303020204" pitchFamily="34" charset="0"/>
+                        </a:rPr>
+                        <a:t> (TM)</a:t>
+                      </a:r>
+                    </a:p>
+                    <a:p>
+                      <a:pPr marL="0" indent="0" algn="ctr">
+                        <a:lnSpc>
+                          <a:spcPct val="200000"/>
+                        </a:lnSpc>
+                        <a:buFont typeface="Arial" panose="020B0604020202020204" pitchFamily="34" charset="0"/>
+                        <a:buNone/>
+                      </a:pPr>
+                      <a:r>
+                        <a:rPr lang="en-US" sz="2000" dirty="0" smtClean="0">
+                          <a:latin typeface="Candara" panose="020E0502030303020204" pitchFamily="34" charset="0"/>
+                        </a:rPr>
+                        <a:t>Jira</a:t>
+                      </a:r>
+                    </a:p>
+                    <a:p>
+                      <a:pPr marL="0" indent="0" algn="ctr">
+                        <a:lnSpc>
+                          <a:spcPct val="200000"/>
+                        </a:lnSpc>
+                        <a:buFont typeface="Arial" panose="020B0604020202020204" pitchFamily="34" charset="0"/>
+                        <a:buNone/>
+                      </a:pPr>
+                      <a:r>
+                        <a:rPr lang="en-US" sz="2000" dirty="0" smtClean="0">
+                          <a:latin typeface="Candara" panose="020E0502030303020204" pitchFamily="34" charset="0"/>
+                        </a:rPr>
+                        <a:t>Slack</a:t>
+                      </a:r>
+                    </a:p>
+                  </a:txBody>
+                  <a:tcPr/>
+                </a:tc>
+                <a:tc>
+                  <a:txBody>
+                    <a:bodyPr/>
+                    <a:lstStyle/>
+                    <a:p>
+                      <a:pPr marL="0" indent="0" algn="ctr">
+                        <a:lnSpc>
+                          <a:spcPct val="200000"/>
+                        </a:lnSpc>
+                        <a:buFont typeface="Arial" panose="020B0604020202020204" pitchFamily="34" charset="0"/>
+                        <a:buNone/>
+                      </a:pPr>
+                      <a:r>
+                        <a:rPr lang="en-US" sz="2000" dirty="0" smtClean="0">
+                          <a:latin typeface="Candara" panose="020E0502030303020204" pitchFamily="34" charset="0"/>
+                        </a:rPr>
+                        <a:t>OWASP Dependency-Check</a:t>
+                      </a:r>
+                    </a:p>
+                    <a:p>
+                      <a:pPr marL="0" indent="0" algn="ctr">
+                        <a:lnSpc>
+                          <a:spcPct val="200000"/>
+                        </a:lnSpc>
+                        <a:buFont typeface="Arial" panose="020B0604020202020204" pitchFamily="34" charset="0"/>
+                        <a:buNone/>
+                      </a:pPr>
+                      <a:r>
+                        <a:rPr lang="en-US" sz="2000" dirty="0" err="1" smtClean="0">
+                          <a:latin typeface="Candara" panose="020E0502030303020204" pitchFamily="34" charset="0"/>
+                        </a:rPr>
+                        <a:t>SonarQube</a:t>
+                      </a:r>
+                      <a:endParaRPr lang="en-US" sz="2000" dirty="0" smtClean="0">
+                        <a:latin typeface="Candara" panose="020E0502030303020204" pitchFamily="34" charset="0"/>
+                      </a:endParaRPr>
+                    </a:p>
+                    <a:p>
+                      <a:pPr marL="0" indent="0" algn="ctr">
+                        <a:lnSpc>
+                          <a:spcPct val="200000"/>
+                        </a:lnSpc>
+                        <a:buFont typeface="Arial" panose="020B0604020202020204" pitchFamily="34" charset="0"/>
+                        <a:buNone/>
+                      </a:pPr>
+                      <a:r>
+                        <a:rPr lang="en-US" sz="2000" dirty="0" err="1" smtClean="0">
+                          <a:latin typeface="Candara" panose="020E0502030303020204" pitchFamily="34" charset="0"/>
+                        </a:rPr>
+                        <a:t>SourceClear</a:t>
+                      </a:r>
+                      <a:endParaRPr lang="en-US" sz="2000" dirty="0" smtClean="0">
+                        <a:latin typeface="Candara" panose="020E0502030303020204" pitchFamily="34" charset="0"/>
+                      </a:endParaRPr>
+                    </a:p>
+                    <a:p>
+                      <a:pPr marL="0" indent="0" algn="ctr">
+                        <a:lnSpc>
+                          <a:spcPct val="200000"/>
+                        </a:lnSpc>
+                        <a:buFont typeface="Arial" panose="020B0604020202020204" pitchFamily="34" charset="0"/>
+                        <a:buNone/>
+                      </a:pPr>
+                      <a:r>
+                        <a:rPr lang="en-US" sz="2000" dirty="0" err="1" smtClean="0">
+                          <a:latin typeface="Candara" panose="020E0502030303020204" pitchFamily="34" charset="0"/>
+                        </a:rPr>
+                        <a:t>Snyk</a:t>
+                      </a:r>
+                      <a:endParaRPr lang="en-US" sz="2000" dirty="0" smtClean="0">
+                        <a:latin typeface="Candara" panose="020E0502030303020204" pitchFamily="34" charset="0"/>
+                      </a:endParaRPr>
+                    </a:p>
+                  </a:txBody>
+                  <a:tcPr/>
+                </a:tc>
+                <a:tc>
+                  <a:txBody>
+                    <a:bodyPr/>
+                    <a:lstStyle/>
+                    <a:p>
+                      <a:pPr marL="0" indent="0" algn="ctr">
+                        <a:lnSpc>
+                          <a:spcPct val="200000"/>
+                        </a:lnSpc>
+                        <a:buFont typeface="Arial" panose="020B0604020202020204" pitchFamily="34" charset="0"/>
+                        <a:buNone/>
+                      </a:pPr>
+                      <a:r>
+                        <a:rPr lang="en-US" sz="2000" dirty="0" smtClean="0">
+                          <a:latin typeface="Candara" panose="020E0502030303020204" pitchFamily="34" charset="0"/>
+                        </a:rPr>
+                        <a:t>BDD Automated Security Tests</a:t>
+                      </a:r>
+                    </a:p>
+                    <a:p>
+                      <a:pPr marL="0" indent="0" algn="ctr">
+                        <a:lnSpc>
+                          <a:spcPct val="200000"/>
+                        </a:lnSpc>
+                        <a:buFont typeface="Arial" panose="020B0604020202020204" pitchFamily="34" charset="0"/>
+                        <a:buNone/>
+                      </a:pPr>
+                      <a:r>
+                        <a:rPr lang="en-US" sz="2000" dirty="0" err="1" smtClean="0">
+                          <a:latin typeface="Candara" panose="020E0502030303020204" pitchFamily="34" charset="0"/>
+                        </a:rPr>
+                        <a:t>JBroFuzz</a:t>
+                      </a:r>
+                      <a:endParaRPr lang="en-US" sz="2000" dirty="0" smtClean="0">
+                        <a:latin typeface="Candara" panose="020E0502030303020204" pitchFamily="34" charset="0"/>
+                      </a:endParaRPr>
+                    </a:p>
+                    <a:p>
+                      <a:pPr marL="0" indent="0" algn="ctr">
+                        <a:lnSpc>
+                          <a:spcPct val="200000"/>
+                        </a:lnSpc>
+                        <a:buFont typeface="Arial" panose="020B0604020202020204" pitchFamily="34" charset="0"/>
+                        <a:buNone/>
+                      </a:pPr>
+                      <a:r>
+                        <a:rPr lang="en-US" sz="2000" dirty="0" smtClean="0">
+                          <a:latin typeface="Candara" panose="020E0502030303020204" pitchFamily="34" charset="0"/>
+                        </a:rPr>
+                        <a:t>OWASP ZAP</a:t>
+                      </a:r>
+                    </a:p>
+                    <a:p>
+                      <a:pPr marL="0" indent="0" algn="ctr">
+                        <a:lnSpc>
+                          <a:spcPct val="200000"/>
+                        </a:lnSpc>
+                        <a:buFont typeface="Arial" panose="020B0604020202020204" pitchFamily="34" charset="0"/>
+                        <a:buNone/>
+                      </a:pPr>
+                      <a:r>
+                        <a:rPr lang="en-US" sz="2000" dirty="0" smtClean="0">
+                          <a:latin typeface="Candara" panose="020E0502030303020204" pitchFamily="34" charset="0"/>
+                        </a:rPr>
+                        <a:t>IBM </a:t>
+                      </a:r>
+                      <a:r>
+                        <a:rPr lang="en-US" sz="2000" dirty="0" err="1" smtClean="0">
+                          <a:latin typeface="Candara" panose="020E0502030303020204" pitchFamily="34" charset="0"/>
+                        </a:rPr>
+                        <a:t>AppScan</a:t>
+                      </a:r>
+                      <a:endParaRPr lang="en-US" sz="2000" dirty="0" smtClean="0">
+                        <a:latin typeface="Candara" panose="020E0502030303020204" pitchFamily="34" charset="0"/>
+                      </a:endParaRPr>
+                    </a:p>
+                    <a:p>
+                      <a:pPr marL="0" indent="0" algn="ctr">
+                        <a:lnSpc>
+                          <a:spcPct val="200000"/>
+                        </a:lnSpc>
+                        <a:buFont typeface="Arial" panose="020B0604020202020204" pitchFamily="34" charset="0"/>
+                        <a:buNone/>
+                      </a:pPr>
+                      <a:r>
+                        <a:rPr lang="en-US" sz="2000" dirty="0" err="1" smtClean="0">
+                          <a:latin typeface="Candara" panose="020E0502030303020204" pitchFamily="34" charset="0"/>
+                        </a:rPr>
+                        <a:t>SecApp</a:t>
+                      </a:r>
+                      <a:r>
+                        <a:rPr lang="en-US" sz="2000" dirty="0" smtClean="0">
+                          <a:latin typeface="Candara" panose="020E0502030303020204" pitchFamily="34" charset="0"/>
+                        </a:rPr>
+                        <a:t> suite</a:t>
+                      </a:r>
+                    </a:p>
+                  </a:txBody>
+                  <a:tcPr/>
+                </a:tc>
+                <a:tc>
+                  <a:txBody>
+                    <a:bodyPr/>
+                    <a:lstStyle/>
+                    <a:p>
+                      <a:pPr marL="0" indent="0" algn="ctr">
+                        <a:lnSpc>
+                          <a:spcPct val="200000"/>
+                        </a:lnSpc>
+                        <a:buFont typeface="Arial" panose="020B0604020202020204" pitchFamily="34" charset="0"/>
+                        <a:buNone/>
+                      </a:pPr>
+                      <a:r>
+                        <a:rPr lang="en-US" sz="2000" dirty="0" err="1" smtClean="0">
+                          <a:latin typeface="Candara" panose="020E0502030303020204" pitchFamily="34" charset="0"/>
+                        </a:rPr>
+                        <a:t>Osquery</a:t>
+                      </a:r>
+                      <a:endParaRPr lang="en-US" sz="2000" dirty="0" smtClean="0">
+                        <a:latin typeface="Candara" panose="020E0502030303020204" pitchFamily="34" charset="0"/>
+                      </a:endParaRPr>
+                    </a:p>
+                    <a:p>
+                      <a:pPr marL="0" indent="0" algn="ctr">
+                        <a:lnSpc>
+                          <a:spcPct val="200000"/>
+                        </a:lnSpc>
+                        <a:buFont typeface="Arial" panose="020B0604020202020204" pitchFamily="34" charset="0"/>
+                        <a:buNone/>
+                      </a:pPr>
+                      <a:r>
+                        <a:rPr lang="en-US" sz="2000" dirty="0" smtClean="0">
+                          <a:latin typeface="Candara" panose="020E0502030303020204" pitchFamily="34" charset="0"/>
+                        </a:rPr>
+                        <a:t>Tripwire</a:t>
+                      </a:r>
+                    </a:p>
+                    <a:p>
+                      <a:pPr marL="0" indent="0" algn="ctr">
+                        <a:lnSpc>
+                          <a:spcPct val="200000"/>
+                        </a:lnSpc>
+                        <a:buFont typeface="Arial" panose="020B0604020202020204" pitchFamily="34" charset="0"/>
+                        <a:buNone/>
+                      </a:pPr>
+                      <a:r>
+                        <a:rPr lang="en-US" sz="2000" dirty="0" smtClean="0">
+                          <a:latin typeface="Candara" panose="020E0502030303020204" pitchFamily="34" charset="0"/>
+                        </a:rPr>
+                        <a:t>Chaos Monkey tool</a:t>
+                      </a:r>
+                    </a:p>
+                    <a:p>
+                      <a:pPr marL="0" indent="0" algn="ctr">
+                        <a:lnSpc>
+                          <a:spcPct val="200000"/>
+                        </a:lnSpc>
+                        <a:buFont typeface="Arial" panose="020B0604020202020204" pitchFamily="34" charset="0"/>
+                        <a:buNone/>
+                      </a:pPr>
+                      <a:r>
+                        <a:rPr lang="en-US" sz="2000" dirty="0" err="1" smtClean="0">
+                          <a:latin typeface="Candara" panose="020E0502030303020204" pitchFamily="34" charset="0"/>
+                        </a:rPr>
+                        <a:t>Ansible</a:t>
+                      </a:r>
+                      <a:endParaRPr lang="en-US" sz="2000" dirty="0" smtClean="0">
+                        <a:latin typeface="Candara" panose="020E0502030303020204" pitchFamily="34" charset="0"/>
+                      </a:endParaRPr>
+                    </a:p>
+                    <a:p>
+                      <a:pPr marL="0" indent="0" algn="ctr">
+                        <a:lnSpc>
+                          <a:spcPct val="200000"/>
+                        </a:lnSpc>
+                        <a:buFont typeface="Arial" panose="020B0604020202020204" pitchFamily="34" charset="0"/>
+                        <a:buNone/>
+                      </a:pPr>
+                      <a:r>
+                        <a:rPr lang="en-US" sz="2000" dirty="0" smtClean="0">
+                          <a:latin typeface="Candara" panose="020E0502030303020204" pitchFamily="34" charset="0"/>
+                        </a:rPr>
+                        <a:t>Puppet</a:t>
+                      </a:r>
+                    </a:p>
+                    <a:p>
+                      <a:pPr marL="0" indent="0" algn="ctr">
+                        <a:lnSpc>
+                          <a:spcPct val="200000"/>
+                        </a:lnSpc>
+                        <a:buFont typeface="Arial" panose="020B0604020202020204" pitchFamily="34" charset="0"/>
+                        <a:buNone/>
+                      </a:pPr>
+                      <a:r>
+                        <a:rPr lang="en-US" sz="2000" dirty="0" smtClean="0">
+                          <a:latin typeface="Candara" panose="020E0502030303020204" pitchFamily="34" charset="0"/>
+                        </a:rPr>
+                        <a:t>Docker</a:t>
+                      </a:r>
+                      <a:endParaRPr lang="en-US" sz="2000" dirty="0">
+                        <a:latin typeface="Candara" panose="020E0502030303020204" pitchFamily="34" charset="0"/>
+                      </a:endParaRPr>
+                    </a:p>
+                  </a:txBody>
+                  <a:tcPr/>
+                </a:tc>
+                <a:tc>
+                  <a:txBody>
+                    <a:bodyPr/>
+                    <a:lstStyle/>
+                    <a:p>
+                      <a:pPr marL="0" indent="0" algn="ctr">
+                        <a:lnSpc>
+                          <a:spcPct val="200000"/>
+                        </a:lnSpc>
+                        <a:buFont typeface="Arial" panose="020B0604020202020204" pitchFamily="34" charset="0"/>
+                        <a:buNone/>
+                      </a:pPr>
+                      <a:r>
+                        <a:rPr lang="en-US" sz="2000" dirty="0" err="1" smtClean="0">
+                          <a:latin typeface="Candara" panose="020E0502030303020204" pitchFamily="34" charset="0"/>
+                        </a:rPr>
+                        <a:t>Imperva</a:t>
+                      </a:r>
+                      <a:r>
+                        <a:rPr lang="en-US" sz="2000" dirty="0" smtClean="0">
+                          <a:latin typeface="Candara" panose="020E0502030303020204" pitchFamily="34" charset="0"/>
+                        </a:rPr>
+                        <a:t> RASP</a:t>
+                      </a:r>
+                    </a:p>
+                    <a:p>
+                      <a:pPr marL="0" indent="0" algn="ctr">
+                        <a:lnSpc>
+                          <a:spcPct val="200000"/>
+                        </a:lnSpc>
+                        <a:buFont typeface="Arial" panose="020B0604020202020204" pitchFamily="34" charset="0"/>
+                        <a:buNone/>
+                      </a:pPr>
+                      <a:r>
+                        <a:rPr lang="en-US" sz="2000" dirty="0" smtClean="0">
+                          <a:latin typeface="Candara" panose="020E0502030303020204" pitchFamily="34" charset="0"/>
+                        </a:rPr>
+                        <a:t>Alert Logic</a:t>
+                      </a:r>
+                    </a:p>
+                    <a:p>
+                      <a:pPr marL="0" indent="0" algn="ctr">
+                        <a:lnSpc>
+                          <a:spcPct val="200000"/>
+                        </a:lnSpc>
+                        <a:buFont typeface="Arial" panose="020B0604020202020204" pitchFamily="34" charset="0"/>
+                        <a:buNone/>
+                      </a:pPr>
+                      <a:r>
+                        <a:rPr lang="en-US" sz="2000" dirty="0" smtClean="0">
+                          <a:latin typeface="Candara" panose="020E0502030303020204" pitchFamily="34" charset="0"/>
+                        </a:rPr>
+                        <a:t>Halo</a:t>
+                      </a:r>
+                      <a:endParaRPr lang="en-US" sz="2000" dirty="0">
+                        <a:latin typeface="Candara" panose="020E0502030303020204" pitchFamily="34" charset="0"/>
+                      </a:endParaRPr>
+                    </a:p>
+                  </a:txBody>
+                  <a:tcPr/>
+                </a:tc>
+                <a:extLst>
+                  <a:ext uri="{0D108BD9-81ED-4DB2-BD59-A6C34878D82A}">
+                    <a16:rowId xmlns:a16="http://schemas.microsoft.com/office/drawing/2014/main" val="2872881265"/>
+                  </a:ext>
+                </a:extLst>
+              </a:tr>
+            </a:tbl>
+          </a:graphicData>
+        </a:graphic>
+      </p:graphicFrame>
     </p:spTree>
     <p:extLst>
       <p:ext uri="{BB962C8B-B14F-4D97-AF65-F5344CB8AC3E}">
-        <p14:creationId xmlns:p14="http://schemas.microsoft.com/office/powerpoint/2010/main" val="707227958"/>
+        <p14:creationId xmlns:p14="http://schemas.microsoft.com/office/powerpoint/2010/main" val="3659475106"/>
       </p:ext>
     </p:extLst>
   </p:cSld>
@@ -7494,6 +8061,1057 @@
           <p:cNvPr id="2" name="Title 1">
             <a:extLst>
               <a:ext uri="{FF2B5EF4-FFF2-40B4-BE49-F238E27FC236}">
+                <a16:creationId xmlns:a16="http://schemas.microsoft.com/office/drawing/2014/main" id="{A0D9D849-3C14-2BFA-4084-F6CC283EE04C}"/>
+              </a:ext>
+            </a:extLst>
+          </p:cNvPr>
+          <p:cNvSpPr>
+            <a:spLocks noGrp="1"/>
+          </p:cNvSpPr>
+          <p:nvPr>
+            <p:ph type="title"/>
+          </p:nvPr>
+        </p:nvSpPr>
+        <p:spPr/>
+        <p:txBody>
+          <a:bodyPr/>
+          <a:lstStyle/>
+          <a:p>
+            <a:r>
+              <a:rPr lang="en-US" dirty="0" err="1"/>
+              <a:t>DevSecOps</a:t>
+            </a:r>
+            <a:r>
+              <a:rPr lang="en-US" dirty="0"/>
+              <a:t> automation principles</a:t>
+            </a:r>
+          </a:p>
+        </p:txBody>
+      </p:sp>
+      <p:sp>
+        <p:nvSpPr>
+          <p:cNvPr id="3" name="Content Placeholder 2">
+            <a:extLst>
+              <a:ext uri="{FF2B5EF4-FFF2-40B4-BE49-F238E27FC236}">
+                <a16:creationId xmlns:a16="http://schemas.microsoft.com/office/drawing/2014/main" id="{666D4C92-8814-3195-2A46-EECEE7C1F391}"/>
+              </a:ext>
+            </a:extLst>
+          </p:cNvPr>
+          <p:cNvSpPr>
+            <a:spLocks noGrp="1"/>
+          </p:cNvSpPr>
+          <p:nvPr>
+            <p:ph idx="1"/>
+          </p:nvPr>
+        </p:nvSpPr>
+        <p:spPr/>
+        <p:txBody>
+          <a:bodyPr>
+            <a:normAutofit fontScale="92500" lnSpcReduction="20000"/>
+          </a:bodyPr>
+          <a:lstStyle/>
+          <a:p>
+            <a:r>
+              <a:rPr lang="en-US" dirty="0"/>
+              <a:t>Automation should be strategic</a:t>
+            </a:r>
+          </a:p>
+          <a:p>
+            <a:pPr lvl="1"/>
+            <a:r>
+              <a:rPr lang="en-US" dirty="0" smtClean="0"/>
+              <a:t>Use </a:t>
+            </a:r>
+            <a:r>
+              <a:rPr lang="en-US" dirty="0"/>
+              <a:t>automation to facilitate speed and quality across the SDLC. But just as being strategic is important in a DevOps practice, it’s equally—if not more—important to be strategic about how and when automation is applied in a </a:t>
+            </a:r>
+            <a:r>
+              <a:rPr lang="en-US" dirty="0" err="1"/>
+              <a:t>DevSecOps</a:t>
+            </a:r>
+            <a:r>
+              <a:rPr lang="en-US" dirty="0"/>
+              <a:t> environment.</a:t>
+            </a:r>
+          </a:p>
+          <a:p>
+            <a:r>
+              <a:rPr lang="en-US" dirty="0"/>
+              <a:t>Let people focus on being creative</a:t>
+            </a:r>
+          </a:p>
+          <a:p>
+            <a:pPr lvl="1"/>
+            <a:r>
+              <a:rPr lang="en-US" dirty="0"/>
+              <a:t>Automate repetitive tasks wherever possible. That way, people can save their time and mental energy for more involved work while checks are applied more consistently and at scale.</a:t>
+            </a:r>
+          </a:p>
+          <a:p>
+            <a:r>
+              <a:rPr lang="en-US" dirty="0"/>
+              <a:t>Systematize code review</a:t>
+            </a:r>
+          </a:p>
+          <a:p>
+            <a:pPr lvl="1"/>
+            <a:r>
+              <a:rPr lang="en-US" dirty="0"/>
+              <a:t>Use tools such as static application security testing to automate elements of your code review. </a:t>
+            </a:r>
+            <a:endParaRPr lang="en-US" dirty="0" smtClean="0"/>
+          </a:p>
+          <a:p>
+            <a:pPr lvl="1"/>
+            <a:r>
+              <a:rPr lang="en-US" dirty="0" smtClean="0"/>
+              <a:t>Human-led </a:t>
+            </a:r>
+            <a:r>
+              <a:rPr lang="en-US" dirty="0"/>
+              <a:t>code review is still important though and it’s critical to ensure your code review checklist covers security issues specific to your technology stack. </a:t>
+            </a:r>
+            <a:endParaRPr lang="en-US" dirty="0" smtClean="0"/>
+          </a:p>
+          <a:p>
+            <a:pPr lvl="1"/>
+            <a:r>
+              <a:rPr lang="en-US" dirty="0" smtClean="0"/>
+              <a:t>Create </a:t>
+            </a:r>
+            <a:r>
+              <a:rPr lang="en-US" dirty="0"/>
+              <a:t>a feedback cycle so each time a new information becomes available you build it into the checklist</a:t>
+            </a:r>
+            <a:r>
+              <a:rPr lang="en-US" dirty="0" smtClean="0"/>
+              <a:t>.</a:t>
+            </a:r>
+            <a:endParaRPr lang="en-US" dirty="0"/>
+          </a:p>
+        </p:txBody>
+      </p:sp>
+      <p:sp>
+        <p:nvSpPr>
+          <p:cNvPr id="4" name="Slide Number Placeholder 3">
+            <a:extLst>
+              <a:ext uri="{FF2B5EF4-FFF2-40B4-BE49-F238E27FC236}">
+                <a16:creationId xmlns:a16="http://schemas.microsoft.com/office/drawing/2014/main" id="{4919B421-A280-8482-4668-CF2F426D2AF0}"/>
+              </a:ext>
+            </a:extLst>
+          </p:cNvPr>
+          <p:cNvSpPr>
+            <a:spLocks noGrp="1"/>
+          </p:cNvSpPr>
+          <p:nvPr>
+            <p:ph type="sldNum" sz="quarter" idx="12"/>
+          </p:nvPr>
+        </p:nvSpPr>
+        <p:spPr/>
+        <p:txBody>
+          <a:bodyPr/>
+          <a:lstStyle/>
+          <a:p>
+            <a:fld id="{B8DACC02-A2BD-4578-8E03-6D891060A695}" type="slidenum">
+              <a:rPr lang="en-US" smtClean="0"/>
+              <a:pPr/>
+              <a:t>27</a:t>
+            </a:fld>
+            <a:endParaRPr lang="en-US" dirty="0"/>
+          </a:p>
+        </p:txBody>
+      </p:sp>
+    </p:spTree>
+    <p:extLst>
+      <p:ext uri="{BB962C8B-B14F-4D97-AF65-F5344CB8AC3E}">
+        <p14:creationId xmlns:p14="http://schemas.microsoft.com/office/powerpoint/2010/main" val="1261024641"/>
+      </p:ext>
+    </p:extLst>
+  </p:cSld>
+  <p:clrMapOvr>
+    <a:masterClrMapping/>
+  </p:clrMapOvr>
+</p:sld>
+</file>
+
+<file path=ppt/slides/slide28.xml><?xml version="1.0" encoding="utf-8"?>
+<p:sld xmlns:a="http://schemas.openxmlformats.org/drawingml/2006/main" xmlns:r="http://schemas.openxmlformats.org/officeDocument/2006/relationships" xmlns:p="http://schemas.openxmlformats.org/presentationml/2006/main">
+  <p:cSld>
+    <p:spTree>
+      <p:nvGrpSpPr>
+        <p:cNvPr id="1" name=""/>
+        <p:cNvGrpSpPr/>
+        <p:nvPr/>
+      </p:nvGrpSpPr>
+      <p:grpSpPr>
+        <a:xfrm>
+          <a:off x="0" y="0"/>
+          <a:ext cx="0" cy="0"/>
+          <a:chOff x="0" y="0"/>
+          <a:chExt cx="0" cy="0"/>
+        </a:xfrm>
+      </p:grpSpPr>
+      <p:sp>
+        <p:nvSpPr>
+          <p:cNvPr id="2" name="Title 1">
+            <a:extLst>
+              <a:ext uri="{FF2B5EF4-FFF2-40B4-BE49-F238E27FC236}">
+                <a16:creationId xmlns:a16="http://schemas.microsoft.com/office/drawing/2014/main" id="{B1959AA7-CFD1-3B78-5610-50FB8C076024}"/>
+              </a:ext>
+            </a:extLst>
+          </p:cNvPr>
+          <p:cNvSpPr>
+            <a:spLocks noGrp="1"/>
+          </p:cNvSpPr>
+          <p:nvPr>
+            <p:ph type="title"/>
+          </p:nvPr>
+        </p:nvSpPr>
+        <p:spPr/>
+        <p:txBody>
+          <a:bodyPr/>
+          <a:lstStyle/>
+          <a:p>
+            <a:r>
+              <a:rPr lang="en-US" dirty="0" err="1"/>
+              <a:t>DevSecOps</a:t>
+            </a:r>
+            <a:r>
+              <a:rPr lang="en-US" dirty="0"/>
+              <a:t> toolchain</a:t>
+            </a:r>
+          </a:p>
+        </p:txBody>
+      </p:sp>
+      <p:sp>
+        <p:nvSpPr>
+          <p:cNvPr id="3" name="Content Placeholder 2">
+            <a:extLst>
+              <a:ext uri="{FF2B5EF4-FFF2-40B4-BE49-F238E27FC236}">
+                <a16:creationId xmlns:a16="http://schemas.microsoft.com/office/drawing/2014/main" id="{4A83CF99-3DB3-A06C-FB12-48EF1CD65A50}"/>
+              </a:ext>
+            </a:extLst>
+          </p:cNvPr>
+          <p:cNvSpPr>
+            <a:spLocks noGrp="1"/>
+          </p:cNvSpPr>
+          <p:nvPr>
+            <p:ph idx="1"/>
+          </p:nvPr>
+        </p:nvSpPr>
+        <p:spPr/>
+        <p:txBody>
+          <a:bodyPr>
+            <a:normAutofit/>
+          </a:bodyPr>
+          <a:lstStyle/>
+          <a:p>
+            <a:r>
+              <a:rPr lang="en-US" dirty="0"/>
+              <a:t>Automated security tests on commits and merges</a:t>
+            </a:r>
+          </a:p>
+          <a:p>
+            <a:pPr lvl="1"/>
+            <a:r>
+              <a:rPr lang="en-US" dirty="0"/>
+              <a:t>A basic goal of any </a:t>
+            </a:r>
+            <a:r>
+              <a:rPr lang="en-US" dirty="0" err="1"/>
+              <a:t>DevSecOps</a:t>
+            </a:r>
+            <a:r>
+              <a:rPr lang="en-US" dirty="0"/>
+              <a:t> practice is to catch issues in code before they can do harm by triggering automatic scans using pre-commit and merge triggers. Some of the scans organizations might implement include:</a:t>
+            </a:r>
+          </a:p>
+          <a:p>
+            <a:pPr lvl="2"/>
+            <a:r>
+              <a:rPr lang="en-US" dirty="0"/>
+              <a:t>Code scanning: Often called static application security testing, this evaluates code at rest—in other words, without having to run it—to discover code that could lead to a vulnerability.</a:t>
+            </a:r>
+          </a:p>
+          <a:p>
+            <a:pPr lvl="2"/>
+            <a:r>
+              <a:rPr lang="en-US" dirty="0"/>
+              <a:t>Vulnerability scanning: Dynamic application scanning tools build and deploy the application to a sandboxed environment and then observe how it responds to known security threats.</a:t>
+            </a:r>
+          </a:p>
+          <a:p>
+            <a:pPr lvl="2"/>
+            <a:r>
+              <a:rPr lang="en-US" dirty="0"/>
+              <a:t>Secret scanning: Even with the most stringent policies, secrets occasionally make it into a commit. Secret scanning tools are used to catch them before the commit is made. These also pair with SCA tools, which are used to detect any vulnerabilities in open source dependencies within a given codebase.</a:t>
+            </a:r>
+          </a:p>
+        </p:txBody>
+      </p:sp>
+      <p:sp>
+        <p:nvSpPr>
+          <p:cNvPr id="4" name="Slide Number Placeholder 3">
+            <a:extLst>
+              <a:ext uri="{FF2B5EF4-FFF2-40B4-BE49-F238E27FC236}">
+                <a16:creationId xmlns:a16="http://schemas.microsoft.com/office/drawing/2014/main" id="{EF08696A-BB53-A7CE-D27A-4E0CEAA96C51}"/>
+              </a:ext>
+            </a:extLst>
+          </p:cNvPr>
+          <p:cNvSpPr>
+            <a:spLocks noGrp="1"/>
+          </p:cNvSpPr>
+          <p:nvPr>
+            <p:ph type="sldNum" sz="quarter" idx="12"/>
+          </p:nvPr>
+        </p:nvSpPr>
+        <p:spPr/>
+        <p:txBody>
+          <a:bodyPr/>
+          <a:lstStyle/>
+          <a:p>
+            <a:fld id="{B8DACC02-A2BD-4578-8E03-6D891060A695}" type="slidenum">
+              <a:rPr lang="en-US" smtClean="0"/>
+              <a:pPr/>
+              <a:t>28</a:t>
+            </a:fld>
+            <a:endParaRPr lang="en-US" dirty="0"/>
+          </a:p>
+        </p:txBody>
+      </p:sp>
+    </p:spTree>
+    <p:extLst>
+      <p:ext uri="{BB962C8B-B14F-4D97-AF65-F5344CB8AC3E}">
+        <p14:creationId xmlns:p14="http://schemas.microsoft.com/office/powerpoint/2010/main" val="4002207660"/>
+      </p:ext>
+    </p:extLst>
+  </p:cSld>
+  <p:clrMapOvr>
+    <a:masterClrMapping/>
+  </p:clrMapOvr>
+</p:sld>
+</file>
+
+<file path=ppt/slides/slide29.xml><?xml version="1.0" encoding="utf-8"?>
+<p:sld xmlns:a="http://schemas.openxmlformats.org/drawingml/2006/main" xmlns:r="http://schemas.openxmlformats.org/officeDocument/2006/relationships" xmlns:p="http://schemas.openxmlformats.org/presentationml/2006/main">
+  <p:cSld>
+    <p:spTree>
+      <p:nvGrpSpPr>
+        <p:cNvPr id="1" name=""/>
+        <p:cNvGrpSpPr/>
+        <p:nvPr/>
+      </p:nvGrpSpPr>
+      <p:grpSpPr>
+        <a:xfrm>
+          <a:off x="0" y="0"/>
+          <a:ext cx="0" cy="0"/>
+          <a:chOff x="0" y="0"/>
+          <a:chExt cx="0" cy="0"/>
+        </a:xfrm>
+      </p:grpSpPr>
+      <p:sp>
+        <p:nvSpPr>
+          <p:cNvPr id="2" name="Title 1">
+            <a:extLst>
+              <a:ext uri="{FF2B5EF4-FFF2-40B4-BE49-F238E27FC236}">
+                <a16:creationId xmlns:a16="http://schemas.microsoft.com/office/drawing/2014/main" id="{058BD59F-291B-6F77-821D-AC164C33468E}"/>
+              </a:ext>
+            </a:extLst>
+          </p:cNvPr>
+          <p:cNvSpPr>
+            <a:spLocks noGrp="1"/>
+          </p:cNvSpPr>
+          <p:nvPr>
+            <p:ph type="title"/>
+          </p:nvPr>
+        </p:nvSpPr>
+        <p:spPr/>
+        <p:txBody>
+          <a:bodyPr/>
+          <a:lstStyle/>
+          <a:p>
+            <a:r>
+              <a:rPr lang="en-US" dirty="0" err="1"/>
+              <a:t>DevSecOps</a:t>
+            </a:r>
+            <a:r>
+              <a:rPr lang="en-US" dirty="0"/>
+              <a:t> toolchain</a:t>
+            </a:r>
+          </a:p>
+        </p:txBody>
+      </p:sp>
+      <p:sp>
+        <p:nvSpPr>
+          <p:cNvPr id="3" name="Content Placeholder 2">
+            <a:extLst>
+              <a:ext uri="{FF2B5EF4-FFF2-40B4-BE49-F238E27FC236}">
+                <a16:creationId xmlns:a16="http://schemas.microsoft.com/office/drawing/2014/main" id="{116C6722-5ABB-F204-984F-CB72F8E5A836}"/>
+              </a:ext>
+            </a:extLst>
+          </p:cNvPr>
+          <p:cNvSpPr>
+            <a:spLocks noGrp="1"/>
+          </p:cNvSpPr>
+          <p:nvPr>
+            <p:ph idx="1"/>
+          </p:nvPr>
+        </p:nvSpPr>
+        <p:spPr/>
+        <p:txBody>
+          <a:bodyPr/>
+          <a:lstStyle/>
+          <a:p>
+            <a:r>
+              <a:rPr lang="en-US" dirty="0"/>
+              <a:t>Configuration management</a:t>
+            </a:r>
+          </a:p>
+          <a:p>
+            <a:pPr lvl="1"/>
+            <a:r>
+              <a:rPr lang="en-US" dirty="0"/>
+              <a:t>In </a:t>
+            </a:r>
+            <a:r>
+              <a:rPr lang="en-US" dirty="0" err="1"/>
+              <a:t>DevSecOps</a:t>
+            </a:r>
+            <a:r>
+              <a:rPr lang="en-US" dirty="0"/>
+              <a:t>, a general rule is it’s best to remove the uncertainty from systems configuration—and this is often accomplished by adopting infrastructure as code. Tools such as Docker, Terraform, and Ansible use YAML and similar configuration files that can be automatically scanned for issues, committed to version control, and rolled out automatically to multiple instances of a service.</a:t>
+            </a:r>
+          </a:p>
+        </p:txBody>
+      </p:sp>
+      <p:sp>
+        <p:nvSpPr>
+          <p:cNvPr id="4" name="Slide Number Placeholder 3">
+            <a:extLst>
+              <a:ext uri="{FF2B5EF4-FFF2-40B4-BE49-F238E27FC236}">
+                <a16:creationId xmlns:a16="http://schemas.microsoft.com/office/drawing/2014/main" id="{24A60889-5F42-3017-1CF2-57AC68A2CAFD}"/>
+              </a:ext>
+            </a:extLst>
+          </p:cNvPr>
+          <p:cNvSpPr>
+            <a:spLocks noGrp="1"/>
+          </p:cNvSpPr>
+          <p:nvPr>
+            <p:ph type="sldNum" sz="quarter" idx="12"/>
+          </p:nvPr>
+        </p:nvSpPr>
+        <p:spPr/>
+        <p:txBody>
+          <a:bodyPr/>
+          <a:lstStyle/>
+          <a:p>
+            <a:fld id="{B8DACC02-A2BD-4578-8E03-6D891060A695}" type="slidenum">
+              <a:rPr lang="en-US" smtClean="0"/>
+              <a:pPr/>
+              <a:t>29</a:t>
+            </a:fld>
+            <a:endParaRPr lang="en-US" dirty="0"/>
+          </a:p>
+        </p:txBody>
+      </p:sp>
+    </p:spTree>
+    <p:extLst>
+      <p:ext uri="{BB962C8B-B14F-4D97-AF65-F5344CB8AC3E}">
+        <p14:creationId xmlns:p14="http://schemas.microsoft.com/office/powerpoint/2010/main" val="955689163"/>
+      </p:ext>
+    </p:extLst>
+  </p:cSld>
+  <p:clrMapOvr>
+    <a:masterClrMapping/>
+  </p:clrMapOvr>
+</p:sld>
+</file>
+
+<file path=ppt/slides/slide3.xml><?xml version="1.0" encoding="utf-8"?>
+<p:sld xmlns:a="http://schemas.openxmlformats.org/drawingml/2006/main" xmlns:r="http://schemas.openxmlformats.org/officeDocument/2006/relationships" xmlns:p="http://schemas.openxmlformats.org/presentationml/2006/main">
+  <p:cSld>
+    <p:spTree>
+      <p:nvGrpSpPr>
+        <p:cNvPr id="1" name=""/>
+        <p:cNvGrpSpPr/>
+        <p:nvPr/>
+      </p:nvGrpSpPr>
+      <p:grpSpPr>
+        <a:xfrm>
+          <a:off x="0" y="0"/>
+          <a:ext cx="0" cy="0"/>
+          <a:chOff x="0" y="0"/>
+          <a:chExt cx="0" cy="0"/>
+        </a:xfrm>
+      </p:grpSpPr>
+      <p:sp>
+        <p:nvSpPr>
+          <p:cNvPr id="5" name="Title 4"/>
+          <p:cNvSpPr>
+            <a:spLocks noGrp="1"/>
+          </p:cNvSpPr>
+          <p:nvPr>
+            <p:ph type="title"/>
+          </p:nvPr>
+        </p:nvSpPr>
+        <p:spPr/>
+        <p:txBody>
+          <a:bodyPr/>
+          <a:lstStyle/>
+          <a:p>
+            <a:r>
+              <a:rPr lang="en-US" dirty="0"/>
+              <a:t>What is </a:t>
+            </a:r>
+            <a:r>
+              <a:rPr lang="en-US" dirty="0" err="1"/>
+              <a:t>DevSecOps</a:t>
+            </a:r>
+            <a:r>
+              <a:rPr lang="en-US" dirty="0"/>
+              <a:t>?</a:t>
+            </a:r>
+          </a:p>
+        </p:txBody>
+      </p:sp>
+      <p:sp>
+        <p:nvSpPr>
+          <p:cNvPr id="6" name="Text Placeholder 5"/>
+          <p:cNvSpPr>
+            <a:spLocks noGrp="1"/>
+          </p:cNvSpPr>
+          <p:nvPr>
+            <p:ph type="body" idx="1"/>
+          </p:nvPr>
+        </p:nvSpPr>
+        <p:spPr/>
+        <p:txBody>
+          <a:bodyPr/>
+          <a:lstStyle/>
+          <a:p>
+            <a:endParaRPr lang="en-US"/>
+          </a:p>
+        </p:txBody>
+      </p:sp>
+      <p:sp>
+        <p:nvSpPr>
+          <p:cNvPr id="4" name="Slide Number Placeholder 3"/>
+          <p:cNvSpPr>
+            <a:spLocks noGrp="1"/>
+          </p:cNvSpPr>
+          <p:nvPr>
+            <p:ph type="sldNum" sz="quarter" idx="12"/>
+          </p:nvPr>
+        </p:nvSpPr>
+        <p:spPr/>
+        <p:txBody>
+          <a:bodyPr/>
+          <a:lstStyle/>
+          <a:p>
+            <a:fld id="{B8DACC02-A2BD-4578-8E03-6D891060A695}" type="slidenum">
+              <a:rPr lang="en-US" smtClean="0"/>
+              <a:pPr/>
+              <a:t>3</a:t>
+            </a:fld>
+            <a:endParaRPr lang="en-US" dirty="0"/>
+          </a:p>
+        </p:txBody>
+      </p:sp>
+    </p:spTree>
+    <p:extLst>
+      <p:ext uri="{BB962C8B-B14F-4D97-AF65-F5344CB8AC3E}">
+        <p14:creationId xmlns:p14="http://schemas.microsoft.com/office/powerpoint/2010/main" val="2263345302"/>
+      </p:ext>
+    </p:extLst>
+  </p:cSld>
+  <p:clrMapOvr>
+    <a:masterClrMapping/>
+  </p:clrMapOvr>
+</p:sld>
+</file>
+
+<file path=ppt/slides/slide30.xml><?xml version="1.0" encoding="utf-8"?>
+<p:sld xmlns:a="http://schemas.openxmlformats.org/drawingml/2006/main" xmlns:r="http://schemas.openxmlformats.org/officeDocument/2006/relationships" xmlns:p="http://schemas.openxmlformats.org/presentationml/2006/main">
+  <p:cSld>
+    <p:spTree>
+      <p:nvGrpSpPr>
+        <p:cNvPr id="1" name=""/>
+        <p:cNvGrpSpPr/>
+        <p:nvPr/>
+      </p:nvGrpSpPr>
+      <p:grpSpPr>
+        <a:xfrm>
+          <a:off x="0" y="0"/>
+          <a:ext cx="0" cy="0"/>
+          <a:chOff x="0" y="0"/>
+          <a:chExt cx="0" cy="0"/>
+        </a:xfrm>
+      </p:grpSpPr>
+      <p:sp>
+        <p:nvSpPr>
+          <p:cNvPr id="2" name="Title 1">
+            <a:extLst>
+              <a:ext uri="{FF2B5EF4-FFF2-40B4-BE49-F238E27FC236}">
+                <a16:creationId xmlns:a16="http://schemas.microsoft.com/office/drawing/2014/main" id="{E87F2AC2-6279-03DE-AFF5-3F58A105F80C}"/>
+              </a:ext>
+            </a:extLst>
+          </p:cNvPr>
+          <p:cNvSpPr>
+            <a:spLocks noGrp="1"/>
+          </p:cNvSpPr>
+          <p:nvPr>
+            <p:ph type="title"/>
+          </p:nvPr>
+        </p:nvSpPr>
+        <p:spPr/>
+        <p:txBody>
+          <a:bodyPr/>
+          <a:lstStyle/>
+          <a:p>
+            <a:r>
+              <a:rPr lang="en-US" dirty="0" err="1"/>
+              <a:t>DevSecOps</a:t>
+            </a:r>
+            <a:r>
+              <a:rPr lang="en-US" dirty="0"/>
+              <a:t> toolchain</a:t>
+            </a:r>
+          </a:p>
+        </p:txBody>
+      </p:sp>
+      <p:sp>
+        <p:nvSpPr>
+          <p:cNvPr id="3" name="Content Placeholder 2">
+            <a:extLst>
+              <a:ext uri="{FF2B5EF4-FFF2-40B4-BE49-F238E27FC236}">
+                <a16:creationId xmlns:a16="http://schemas.microsoft.com/office/drawing/2014/main" id="{060CAA69-48D2-F063-A803-E1ED9E293EE3}"/>
+              </a:ext>
+            </a:extLst>
+          </p:cNvPr>
+          <p:cNvSpPr>
+            <a:spLocks noGrp="1"/>
+          </p:cNvSpPr>
+          <p:nvPr>
+            <p:ph idx="1"/>
+          </p:nvPr>
+        </p:nvSpPr>
+        <p:spPr/>
+        <p:txBody>
+          <a:bodyPr/>
+          <a:lstStyle/>
+          <a:p>
+            <a:r>
+              <a:rPr lang="en-US" dirty="0"/>
+              <a:t>Container orchestration</a:t>
+            </a:r>
+          </a:p>
+          <a:p>
+            <a:pPr lvl="1"/>
+            <a:r>
+              <a:rPr lang="en-US" dirty="0"/>
+              <a:t>In some environments, organizations may adopt a microservices architecture to better support complex, cloud-native applications. This requires maintaining multiple containers and scaling them as needed and securely—and that involves container orchestration tools. Just like configuration management tools, container orchestration tooling will often use YAML configuration files to dictate interactions between containers.</a:t>
+            </a:r>
+          </a:p>
+        </p:txBody>
+      </p:sp>
+      <p:sp>
+        <p:nvSpPr>
+          <p:cNvPr id="4" name="Slide Number Placeholder 3">
+            <a:extLst>
+              <a:ext uri="{FF2B5EF4-FFF2-40B4-BE49-F238E27FC236}">
+                <a16:creationId xmlns:a16="http://schemas.microsoft.com/office/drawing/2014/main" id="{A390ABE8-92DB-51E5-030A-85EBE3BEF070}"/>
+              </a:ext>
+            </a:extLst>
+          </p:cNvPr>
+          <p:cNvSpPr>
+            <a:spLocks noGrp="1"/>
+          </p:cNvSpPr>
+          <p:nvPr>
+            <p:ph type="sldNum" sz="quarter" idx="12"/>
+          </p:nvPr>
+        </p:nvSpPr>
+        <p:spPr/>
+        <p:txBody>
+          <a:bodyPr/>
+          <a:lstStyle/>
+          <a:p>
+            <a:fld id="{B8DACC02-A2BD-4578-8E03-6D891060A695}" type="slidenum">
+              <a:rPr lang="en-US" smtClean="0"/>
+              <a:pPr/>
+              <a:t>30</a:t>
+            </a:fld>
+            <a:endParaRPr lang="en-US" dirty="0"/>
+          </a:p>
+        </p:txBody>
+      </p:sp>
+    </p:spTree>
+    <p:extLst>
+      <p:ext uri="{BB962C8B-B14F-4D97-AF65-F5344CB8AC3E}">
+        <p14:creationId xmlns:p14="http://schemas.microsoft.com/office/powerpoint/2010/main" val="353356073"/>
+      </p:ext>
+    </p:extLst>
+  </p:cSld>
+  <p:clrMapOvr>
+    <a:masterClrMapping/>
+  </p:clrMapOvr>
+</p:sld>
+</file>
+
+<file path=ppt/slides/slide31.xml><?xml version="1.0" encoding="utf-8"?>
+<p:sld xmlns:a="http://schemas.openxmlformats.org/drawingml/2006/main" xmlns:r="http://schemas.openxmlformats.org/officeDocument/2006/relationships" xmlns:p="http://schemas.openxmlformats.org/presentationml/2006/main">
+  <p:cSld>
+    <p:spTree>
+      <p:nvGrpSpPr>
+        <p:cNvPr id="1" name=""/>
+        <p:cNvGrpSpPr/>
+        <p:nvPr/>
+      </p:nvGrpSpPr>
+      <p:grpSpPr>
+        <a:xfrm>
+          <a:off x="0" y="0"/>
+          <a:ext cx="0" cy="0"/>
+          <a:chOff x="0" y="0"/>
+          <a:chExt cx="0" cy="0"/>
+        </a:xfrm>
+      </p:grpSpPr>
+      <p:sp>
+        <p:nvSpPr>
+          <p:cNvPr id="2" name="Title 1">
+            <a:extLst>
+              <a:ext uri="{FF2B5EF4-FFF2-40B4-BE49-F238E27FC236}">
+                <a16:creationId xmlns:a16="http://schemas.microsoft.com/office/drawing/2014/main" id="{6A06863A-30D6-10C9-F65B-7D118DEC7A7A}"/>
+              </a:ext>
+            </a:extLst>
+          </p:cNvPr>
+          <p:cNvSpPr>
+            <a:spLocks noGrp="1"/>
+          </p:cNvSpPr>
+          <p:nvPr>
+            <p:ph type="title"/>
+          </p:nvPr>
+        </p:nvSpPr>
+        <p:spPr/>
+        <p:txBody>
+          <a:bodyPr/>
+          <a:lstStyle/>
+          <a:p>
+            <a:r>
+              <a:rPr lang="en-US" dirty="0" err="1"/>
+              <a:t>DevSecOps</a:t>
+            </a:r>
+            <a:r>
+              <a:rPr lang="en-US" dirty="0"/>
+              <a:t> toolchain</a:t>
+            </a:r>
+          </a:p>
+        </p:txBody>
+      </p:sp>
+      <p:sp>
+        <p:nvSpPr>
+          <p:cNvPr id="3" name="Content Placeholder 2">
+            <a:extLst>
+              <a:ext uri="{FF2B5EF4-FFF2-40B4-BE49-F238E27FC236}">
+                <a16:creationId xmlns:a16="http://schemas.microsoft.com/office/drawing/2014/main" id="{5590452D-AEB4-884A-B883-7D6A238912FA}"/>
+              </a:ext>
+            </a:extLst>
+          </p:cNvPr>
+          <p:cNvSpPr>
+            <a:spLocks noGrp="1"/>
+          </p:cNvSpPr>
+          <p:nvPr>
+            <p:ph idx="1"/>
+          </p:nvPr>
+        </p:nvSpPr>
+        <p:spPr/>
+        <p:txBody>
+          <a:bodyPr>
+            <a:normAutofit/>
+          </a:bodyPr>
+          <a:lstStyle/>
+          <a:p>
+            <a:r>
+              <a:rPr lang="en-US" dirty="0"/>
+              <a:t>Runtime verification</a:t>
+            </a:r>
+          </a:p>
+          <a:p>
+            <a:pPr lvl="1"/>
+            <a:r>
+              <a:rPr lang="en-US" dirty="0"/>
+              <a:t>Also known as runtime application self-protection tools, these tools will actively monitor and/or direct threats towards your application as it runs with reports highlighting any vulnerabilities.</a:t>
+            </a:r>
+          </a:p>
+          <a:p>
+            <a:r>
+              <a:rPr lang="en-US" dirty="0"/>
+              <a:t>Continuous monitoring and reporting</a:t>
+            </a:r>
+          </a:p>
+          <a:p>
+            <a:pPr lvl="1"/>
+            <a:r>
+              <a:rPr lang="en-US" dirty="0"/>
+              <a:t>One of the simplest yet highly effective aspects of </a:t>
+            </a:r>
+            <a:r>
+              <a:rPr lang="en-US" dirty="0" err="1"/>
+              <a:t>DevSecOps</a:t>
+            </a:r>
+            <a:r>
+              <a:rPr lang="en-US" dirty="0"/>
+              <a:t> tooling is measurement—and that involves logging everything at the application and infrastructure level. The best tools will provide real-time intelligence when something goes wrong and include a reporting system so you can catch issues early. Outbound data from an unexpected port, for example, could indicate a compromise but without monitoring and reporting it might go undetected.</a:t>
+            </a:r>
+          </a:p>
+          <a:p>
+            <a:pPr marL="0" indent="0">
+              <a:buNone/>
+            </a:pPr>
+            <a:endParaRPr lang="en-US" dirty="0"/>
+          </a:p>
+        </p:txBody>
+      </p:sp>
+      <p:sp>
+        <p:nvSpPr>
+          <p:cNvPr id="4" name="Slide Number Placeholder 3">
+            <a:extLst>
+              <a:ext uri="{FF2B5EF4-FFF2-40B4-BE49-F238E27FC236}">
+                <a16:creationId xmlns:a16="http://schemas.microsoft.com/office/drawing/2014/main" id="{8C262E43-6362-80D6-F64A-28CAA2017179}"/>
+              </a:ext>
+            </a:extLst>
+          </p:cNvPr>
+          <p:cNvSpPr>
+            <a:spLocks noGrp="1"/>
+          </p:cNvSpPr>
+          <p:nvPr>
+            <p:ph type="sldNum" sz="quarter" idx="12"/>
+          </p:nvPr>
+        </p:nvSpPr>
+        <p:spPr/>
+        <p:txBody>
+          <a:bodyPr/>
+          <a:lstStyle/>
+          <a:p>
+            <a:fld id="{B8DACC02-A2BD-4578-8E03-6D891060A695}" type="slidenum">
+              <a:rPr lang="en-US" smtClean="0"/>
+              <a:pPr/>
+              <a:t>31</a:t>
+            </a:fld>
+            <a:endParaRPr lang="en-US" dirty="0"/>
+          </a:p>
+        </p:txBody>
+      </p:sp>
+    </p:spTree>
+    <p:extLst>
+      <p:ext uri="{BB962C8B-B14F-4D97-AF65-F5344CB8AC3E}">
+        <p14:creationId xmlns:p14="http://schemas.microsoft.com/office/powerpoint/2010/main" val="1985459662"/>
+      </p:ext>
+    </p:extLst>
+  </p:cSld>
+  <p:clrMapOvr>
+    <a:masterClrMapping/>
+  </p:clrMapOvr>
+</p:sld>
+</file>
+
+<file path=ppt/slides/slide32.xml><?xml version="1.0" encoding="utf-8"?>
+<p:sld xmlns:a="http://schemas.openxmlformats.org/drawingml/2006/main" xmlns:r="http://schemas.openxmlformats.org/officeDocument/2006/relationships" xmlns:p="http://schemas.openxmlformats.org/presentationml/2006/main">
+  <p:cSld>
+    <p:spTree>
+      <p:nvGrpSpPr>
+        <p:cNvPr id="1" name=""/>
+        <p:cNvGrpSpPr/>
+        <p:nvPr/>
+      </p:nvGrpSpPr>
+      <p:grpSpPr>
+        <a:xfrm>
+          <a:off x="0" y="0"/>
+          <a:ext cx="0" cy="0"/>
+          <a:chOff x="0" y="0"/>
+          <a:chExt cx="0" cy="0"/>
+        </a:xfrm>
+      </p:grpSpPr>
+      <p:sp>
+        <p:nvSpPr>
+          <p:cNvPr id="2" name="Title 1">
+            <a:extLst>
+              <a:ext uri="{FF2B5EF4-FFF2-40B4-BE49-F238E27FC236}">
+                <a16:creationId xmlns:a16="http://schemas.microsoft.com/office/drawing/2014/main" id="{6ED93909-E8F5-6BA3-FDED-4C5928E673B6}"/>
+              </a:ext>
+            </a:extLst>
+          </p:cNvPr>
+          <p:cNvSpPr>
+            <a:spLocks noGrp="1"/>
+          </p:cNvSpPr>
+          <p:nvPr>
+            <p:ph type="title"/>
+          </p:nvPr>
+        </p:nvSpPr>
+        <p:spPr/>
+        <p:txBody>
+          <a:bodyPr/>
+          <a:lstStyle/>
+          <a:p>
+            <a:r>
+              <a:rPr lang="en-US" dirty="0"/>
+              <a:t>What are common </a:t>
+            </a:r>
+            <a:r>
+              <a:rPr lang="en-US" dirty="0" err="1"/>
+              <a:t>DevSecOps</a:t>
+            </a:r>
+            <a:r>
+              <a:rPr lang="en-US" dirty="0"/>
+              <a:t> tools?</a:t>
+            </a:r>
+          </a:p>
+        </p:txBody>
+      </p:sp>
+      <p:sp>
+        <p:nvSpPr>
+          <p:cNvPr id="3" name="Content Placeholder 2">
+            <a:extLst>
+              <a:ext uri="{FF2B5EF4-FFF2-40B4-BE49-F238E27FC236}">
+                <a16:creationId xmlns:a16="http://schemas.microsoft.com/office/drawing/2014/main" id="{27BF8794-5F4C-79A4-FADA-2286DEB50C05}"/>
+              </a:ext>
+            </a:extLst>
+          </p:cNvPr>
+          <p:cNvSpPr>
+            <a:spLocks noGrp="1"/>
+          </p:cNvSpPr>
+          <p:nvPr>
+            <p:ph idx="1"/>
+          </p:nvPr>
+        </p:nvSpPr>
+        <p:spPr/>
+        <p:txBody>
+          <a:bodyPr>
+            <a:normAutofit fontScale="92500" lnSpcReduction="10000"/>
+          </a:bodyPr>
+          <a:lstStyle/>
+          <a:p>
+            <a:r>
+              <a:rPr lang="en-US" dirty="0"/>
+              <a:t>Static application security testing</a:t>
+            </a:r>
+          </a:p>
+          <a:p>
+            <a:pPr lvl="1"/>
+            <a:r>
+              <a:rPr lang="en-US" dirty="0"/>
+              <a:t>Static application security testing (SAST) tools analyze and find vulnerabilities in proprietary source code. </a:t>
+            </a:r>
+          </a:p>
+          <a:p>
+            <a:r>
+              <a:rPr lang="en-US" dirty="0"/>
+              <a:t>Software composition analysis </a:t>
+            </a:r>
+          </a:p>
+          <a:p>
+            <a:pPr lvl="1"/>
+            <a:r>
+              <a:rPr lang="en-US" dirty="0"/>
+              <a:t>Software composition analysis (SCA) is the process of automating visibility into open-source software (OSS) use for the purpose of risk management, security, and license compliance. </a:t>
+            </a:r>
+          </a:p>
+          <a:p>
+            <a:r>
+              <a:rPr lang="en-US" dirty="0"/>
+              <a:t>Interactive application security testing</a:t>
+            </a:r>
+          </a:p>
+          <a:p>
+            <a:pPr lvl="1"/>
+            <a:r>
+              <a:rPr lang="en-US" dirty="0" err="1"/>
+              <a:t>DevSecOps</a:t>
+            </a:r>
+            <a:r>
+              <a:rPr lang="en-US" dirty="0"/>
+              <a:t> teams use interactive application security testing (IAST) tools to evaluate an application’s potential vulnerabilities in the production environment. IAST consists of special security monitors that run from within the application. </a:t>
+            </a:r>
+          </a:p>
+          <a:p>
+            <a:r>
+              <a:rPr lang="en-US" dirty="0"/>
+              <a:t>Dynamic application security testing</a:t>
+            </a:r>
+          </a:p>
+          <a:p>
+            <a:pPr lvl="1"/>
+            <a:r>
+              <a:rPr lang="en-US" dirty="0"/>
+              <a:t>Dynamic application security testing (DAST) tools mimic hackers by testing the application's security from outside the network.</a:t>
+            </a:r>
+          </a:p>
+        </p:txBody>
+      </p:sp>
+      <p:sp>
+        <p:nvSpPr>
+          <p:cNvPr id="4" name="Slide Number Placeholder 3">
+            <a:extLst>
+              <a:ext uri="{FF2B5EF4-FFF2-40B4-BE49-F238E27FC236}">
+                <a16:creationId xmlns:a16="http://schemas.microsoft.com/office/drawing/2014/main" id="{8A589C86-D1AC-9414-9335-2D9BE92D8B39}"/>
+              </a:ext>
+            </a:extLst>
+          </p:cNvPr>
+          <p:cNvSpPr>
+            <a:spLocks noGrp="1"/>
+          </p:cNvSpPr>
+          <p:nvPr>
+            <p:ph type="sldNum" sz="quarter" idx="12"/>
+          </p:nvPr>
+        </p:nvSpPr>
+        <p:spPr/>
+        <p:txBody>
+          <a:bodyPr/>
+          <a:lstStyle/>
+          <a:p>
+            <a:fld id="{B8DACC02-A2BD-4578-8E03-6D891060A695}" type="slidenum">
+              <a:rPr lang="en-US" smtClean="0"/>
+              <a:pPr/>
+              <a:t>32</a:t>
+            </a:fld>
+            <a:endParaRPr lang="en-US" dirty="0"/>
+          </a:p>
+        </p:txBody>
+      </p:sp>
+    </p:spTree>
+    <p:extLst>
+      <p:ext uri="{BB962C8B-B14F-4D97-AF65-F5344CB8AC3E}">
+        <p14:creationId xmlns:p14="http://schemas.microsoft.com/office/powerpoint/2010/main" val="707227958"/>
+      </p:ext>
+    </p:extLst>
+  </p:cSld>
+  <p:clrMapOvr>
+    <a:masterClrMapping/>
+  </p:clrMapOvr>
+</p:sld>
+</file>
+
+<file path=ppt/slides/slide33.xml><?xml version="1.0" encoding="utf-8"?>
+<p:sld xmlns:a="http://schemas.openxmlformats.org/drawingml/2006/main" xmlns:r="http://schemas.openxmlformats.org/officeDocument/2006/relationships" xmlns:p="http://schemas.openxmlformats.org/presentationml/2006/main">
+  <p:cSld>
+    <p:spTree>
+      <p:nvGrpSpPr>
+        <p:cNvPr id="1" name=""/>
+        <p:cNvGrpSpPr/>
+        <p:nvPr/>
+      </p:nvGrpSpPr>
+      <p:grpSpPr>
+        <a:xfrm>
+          <a:off x="0" y="0"/>
+          <a:ext cx="0" cy="0"/>
+          <a:chOff x="0" y="0"/>
+          <a:chExt cx="0" cy="0"/>
+        </a:xfrm>
+      </p:grpSpPr>
+      <p:sp>
+        <p:nvSpPr>
+          <p:cNvPr id="2" name="Title 1">
+            <a:extLst>
+              <a:ext uri="{FF2B5EF4-FFF2-40B4-BE49-F238E27FC236}">
                 <a16:creationId xmlns:a16="http://schemas.microsoft.com/office/drawing/2014/main" id="{F6DDCCAE-3676-6DD8-9287-4C90BFD7C7CE}"/>
               </a:ext>
             </a:extLst>
@@ -7574,7 +9192,7 @@
             <a:fld id="{B8DACC02-A2BD-4578-8E03-6D891060A695}" type="slidenum">
               <a:rPr lang="en-US" smtClean="0"/>
               <a:pPr/>
-              <a:t>27</a:t>
+              <a:t>33</a:t>
             </a:fld>
             <a:endParaRPr lang="en-US" dirty="0"/>
           </a:p>
@@ -7638,7 +9256,7 @@
 </p:sld>
 </file>
 
-<file path=ppt/slides/slide28.xml><?xml version="1.0" encoding="utf-8"?>
+<file path=ppt/slides/slide34.xml><?xml version="1.0" encoding="utf-8"?>
 <p:sld xmlns:a="http://schemas.openxmlformats.org/drawingml/2006/main" xmlns:r="http://schemas.openxmlformats.org/officeDocument/2006/relationships" xmlns:p="http://schemas.openxmlformats.org/presentationml/2006/main">
   <p:cSld>
     <p:spTree>
@@ -7788,7 +9406,7 @@
             <a:fld id="{B8DACC02-A2BD-4578-8E03-6D891060A695}" type="slidenum">
               <a:rPr lang="en-US" smtClean="0"/>
               <a:pPr/>
-              <a:t>28</a:t>
+              <a:t>34</a:t>
             </a:fld>
             <a:endParaRPr lang="en-US" dirty="0"/>
           </a:p>
@@ -7807,7 +9425,7 @@
 </p:sld>
 </file>
 
-<file path=ppt/slides/slide29.xml><?xml version="1.0" encoding="utf-8"?>
+<file path=ppt/slides/slide35.xml><?xml version="1.0" encoding="utf-8"?>
 <p:sld xmlns:a="http://schemas.openxmlformats.org/drawingml/2006/main" xmlns:r="http://schemas.openxmlformats.org/officeDocument/2006/relationships" xmlns:p="http://schemas.openxmlformats.org/presentationml/2006/main">
   <p:cSld>
     <p:spTree>
@@ -7945,7 +9563,7 @@
             <a:fld id="{B8DACC02-A2BD-4578-8E03-6D891060A695}" type="slidenum">
               <a:rPr lang="en-US" smtClean="0"/>
               <a:pPr/>
-              <a:t>29</a:t>
+              <a:t>35</a:t>
             </a:fld>
             <a:endParaRPr lang="en-US" dirty="0"/>
           </a:p>
@@ -7964,7 +9582,7 @@
 </p:sld>
 </file>
 
-<file path=ppt/slides/slide3.xml><?xml version="1.0" encoding="utf-8"?>
+<file path=ppt/slides/slide36.xml><?xml version="1.0" encoding="utf-8"?>
 <p:sld xmlns:a="http://schemas.openxmlformats.org/drawingml/2006/main" xmlns:r="http://schemas.openxmlformats.org/officeDocument/2006/relationships" xmlns:p="http://schemas.openxmlformats.org/presentationml/2006/main">
   <p:cSld>
     <p:spTree>
@@ -7983,7 +9601,7 @@
       </p:grpSpPr>
       <p:sp>
         <p:nvSpPr>
-          <p:cNvPr id="5" name="Title 4"/>
+          <p:cNvPr id="2" name="Title 1"/>
           <p:cNvSpPr>
             <a:spLocks noGrp="1"/>
           </p:cNvSpPr>
@@ -7998,35 +9616,90 @@
           <a:p>
             <a:r>
               <a:rPr lang="en-US" dirty="0"/>
-              <a:t>What is </a:t>
-            </a:r>
+              <a:t>IAST</a:t>
+            </a:r>
+          </a:p>
+        </p:txBody>
+      </p:sp>
+      <p:sp>
+        <p:nvSpPr>
+          <p:cNvPr id="3" name="Content Placeholder 2"/>
+          <p:cNvSpPr>
+            <a:spLocks noGrp="1"/>
+          </p:cNvSpPr>
+          <p:nvPr>
+            <p:ph idx="1"/>
+          </p:nvPr>
+        </p:nvSpPr>
+        <p:spPr/>
+        <p:txBody>
+          <a:bodyPr/>
+          <a:lstStyle/>
+          <a:p>
+            <a:r>
+              <a:rPr lang="en-US" dirty="0"/>
+              <a:t>Interactive application security testing (IAST) is an application security testing method that tests your application for vulnerabilities in execution, while the app is actually being used (either by a real user or an automated test runner</a:t>
+            </a:r>
+            <a:r>
+              <a:rPr lang="en-US" dirty="0" smtClean="0"/>
+              <a:t>).</a:t>
+            </a:r>
+          </a:p>
+          <a:p>
+            <a:r>
+              <a:rPr lang="en-US" dirty="0" smtClean="0"/>
+              <a:t>Examples:</a:t>
+            </a:r>
+          </a:p>
+          <a:p>
+            <a:pPr lvl="1"/>
+            <a:r>
+              <a:rPr lang="en-US" dirty="0"/>
+              <a:t>Contrast Community Edition (CE) </a:t>
+            </a:r>
+          </a:p>
+          <a:p>
+            <a:pPr lvl="1"/>
+            <a:r>
+              <a:rPr lang="en-US" dirty="0" err="1" smtClean="0"/>
+              <a:t>Invicti</a:t>
+            </a:r>
+            <a:endParaRPr lang="en-US" dirty="0" smtClean="0"/>
+          </a:p>
+          <a:p>
+            <a:pPr lvl="1"/>
+            <a:r>
+              <a:rPr lang="en-US" dirty="0" err="1" smtClean="0"/>
+              <a:t>Acunetix</a:t>
+            </a:r>
+            <a:endParaRPr lang="en-US" dirty="0" smtClean="0"/>
+          </a:p>
+          <a:p>
+            <a:pPr lvl="1"/>
             <a:r>
               <a:rPr lang="en-US" dirty="0" err="1"/>
-              <a:t>DevSecOps</a:t>
-            </a:r>
-            <a:r>
-              <a:rPr lang="en-US" dirty="0"/>
-              <a:t>?</a:t>
-            </a:r>
-          </a:p>
-        </p:txBody>
-      </p:sp>
-      <p:sp>
-        <p:nvSpPr>
-          <p:cNvPr id="6" name="Text Placeholder 5"/>
-          <p:cNvSpPr>
-            <a:spLocks noGrp="1"/>
-          </p:cNvSpPr>
-          <p:nvPr>
-            <p:ph type="body" idx="1"/>
-          </p:nvPr>
-        </p:nvSpPr>
-        <p:spPr/>
-        <p:txBody>
-          <a:bodyPr/>
-          <a:lstStyle/>
-          <a:p>
-            <a:endParaRPr lang="en-US"/>
+              <a:t>Hdiv</a:t>
+            </a:r>
+            <a:r>
+              <a:rPr lang="en-US" dirty="0"/>
+              <a:t> Detection (IAST</a:t>
+            </a:r>
+            <a:r>
+              <a:rPr lang="en-US" dirty="0" smtClean="0"/>
+              <a:t>)</a:t>
+            </a:r>
+          </a:p>
+          <a:p>
+            <a:pPr lvl="1"/>
+            <a:r>
+              <a:rPr lang="en-US" dirty="0"/>
+              <a:t>Seeker IAST</a:t>
+            </a:r>
+            <a:endParaRPr lang="en-US" dirty="0" smtClean="0"/>
+          </a:p>
+          <a:p>
+            <a:pPr lvl="1"/>
+            <a:endParaRPr lang="en-US" dirty="0"/>
           </a:p>
         </p:txBody>
       </p:sp>
@@ -8048,7 +9721,7 @@
             <a:fld id="{B8DACC02-A2BD-4578-8E03-6D891060A695}" type="slidenum">
               <a:rPr lang="en-US" smtClean="0"/>
               <a:pPr/>
-              <a:t>3</a:t>
+              <a:t>36</a:t>
             </a:fld>
             <a:endParaRPr lang="en-US" dirty="0"/>
           </a:p>
@@ -8057,7 +9730,7 @@
     </p:spTree>
     <p:extLst>
       <p:ext uri="{BB962C8B-B14F-4D97-AF65-F5344CB8AC3E}">
-        <p14:creationId xmlns:p14="http://schemas.microsoft.com/office/powerpoint/2010/main" val="2263345302"/>
+        <p14:creationId xmlns:p14="http://schemas.microsoft.com/office/powerpoint/2010/main" val="1151235033"/>
       </p:ext>
     </p:extLst>
   </p:cSld>
@@ -8067,7 +9740,7 @@
 </p:sld>
 </file>
 
-<file path=ppt/slides/slide30.xml><?xml version="1.0" encoding="utf-8"?>
+<file path=ppt/slides/slide37.xml><?xml version="1.0" encoding="utf-8"?>
 <p:sld xmlns:a="http://schemas.openxmlformats.org/drawingml/2006/main" xmlns:r="http://schemas.openxmlformats.org/officeDocument/2006/relationships" xmlns:p="http://schemas.openxmlformats.org/presentationml/2006/main">
   <p:cSld>
     <p:spTree>
@@ -8100,9 +9773,10 @@
           <a:lstStyle/>
           <a:p>
             <a:r>
-              <a:rPr lang="en-US" dirty="0"/>
-              <a:t>IAST</a:t>
-            </a:r>
+              <a:rPr lang="en-US" dirty="0" smtClean="0"/>
+              <a:t>DAST</a:t>
+            </a:r>
+            <a:endParaRPr lang="en-US" dirty="0"/>
           </a:p>
         </p:txBody>
       </p:sp>
@@ -8118,16 +9792,29 @@
         </p:nvSpPr>
         <p:spPr/>
         <p:txBody>
-          <a:bodyPr/>
-          <a:lstStyle/>
-          <a:p>
-            <a:r>
-              <a:rPr lang="en-US" dirty="0"/>
-              <a:t>Interactive application security testing (IAST) is an application security testing method that tests your application for vulnerabilities in execution, while the app is actually being used (either by a real user or an automated test runner</a:t>
-            </a:r>
+          <a:bodyPr>
+            <a:normAutofit fontScale="92500" lnSpcReduction="10000"/>
+          </a:bodyPr>
+          <a:lstStyle/>
+          <a:p>
+            <a:r>
+              <a:rPr lang="en-US" dirty="0"/>
+              <a:t>DAST (Dynamic Application Security Testing) is a type of testing that looks for security vulnerabilities by safely exploiting a running application from the outside. </a:t>
+            </a:r>
+            <a:endParaRPr lang="en-US" dirty="0" smtClean="0"/>
+          </a:p>
+          <a:p>
             <a:r>
               <a:rPr lang="en-US" dirty="0" smtClean="0"/>
-              <a:t>).</a:t>
+              <a:t>This </a:t>
+            </a:r>
+            <a:r>
+              <a:rPr lang="en-US" dirty="0"/>
+              <a:t>type of testing is not dependent on the framework or programming language used</a:t>
+            </a:r>
+            <a:r>
+              <a:rPr lang="en-US" dirty="0" smtClean="0"/>
+              <a:t>.</a:t>
             </a:r>
           </a:p>
           <a:p>
@@ -8139,51 +9826,62 @@
           <a:p>
             <a:pPr lvl="1"/>
             <a:r>
-              <a:rPr lang="en-US" dirty="0"/>
-              <a:t>Contrast Community Edition (CE) </a:t>
+              <a:rPr lang="en-US" dirty="0" err="1"/>
+              <a:t>Indusface</a:t>
+            </a:r>
+            <a:r>
+              <a:rPr lang="en-US" dirty="0"/>
+              <a:t> WAS</a:t>
             </a:r>
           </a:p>
           <a:p>
             <a:pPr lvl="1"/>
             <a:r>
-              <a:rPr lang="en-US" dirty="0" err="1" smtClean="0"/>
-              <a:t>Invicti</a:t>
-            </a:r>
-            <a:endParaRPr lang="en-US" dirty="0" smtClean="0"/>
+              <a:rPr lang="en-US" dirty="0"/>
+              <a:t>Astra Pentest</a:t>
+            </a:r>
           </a:p>
           <a:p>
             <a:pPr lvl="1"/>
             <a:r>
-              <a:rPr lang="en-US" dirty="0" err="1" smtClean="0"/>
-              <a:t>Acunetix</a:t>
-            </a:r>
-            <a:endParaRPr lang="en-US" dirty="0" smtClean="0"/>
+              <a:rPr lang="en-US" dirty="0" err="1"/>
+              <a:t>PortSwigger</a:t>
+            </a:r>
+            <a:endParaRPr lang="en-US" dirty="0"/>
           </a:p>
           <a:p>
             <a:pPr lvl="1"/>
             <a:r>
               <a:rPr lang="en-US" dirty="0" err="1"/>
-              <a:t>Hdiv</a:t>
-            </a:r>
-            <a:r>
-              <a:rPr lang="en-US" dirty="0"/>
-              <a:t> Detection (IAST</a:t>
-            </a:r>
-            <a:r>
-              <a:rPr lang="en-US" dirty="0" smtClean="0"/>
-              <a:t>)</a:t>
-            </a:r>
+              <a:t>Detectify</a:t>
+            </a:r>
+            <a:endParaRPr lang="en-US" dirty="0"/>
           </a:p>
           <a:p>
             <a:pPr lvl="1"/>
             <a:r>
-              <a:rPr lang="en-US" dirty="0"/>
-              <a:t>Seeker IAST</a:t>
-            </a:r>
-            <a:endParaRPr lang="en-US" dirty="0" smtClean="0"/>
+              <a:rPr lang="en-US" dirty="0" err="1"/>
+              <a:t>AppCheck</a:t>
+            </a:r>
+            <a:r>
+              <a:rPr lang="en-US" dirty="0"/>
+              <a:t> Ltd</a:t>
+            </a:r>
           </a:p>
           <a:p>
             <a:pPr lvl="1"/>
+            <a:r>
+              <a:rPr lang="en-US" dirty="0" err="1"/>
+              <a:t>AppScan</a:t>
+            </a:r>
+            <a:endParaRPr lang="en-US" dirty="0"/>
+          </a:p>
+          <a:p>
+            <a:pPr lvl="1"/>
+            <a:r>
+              <a:rPr lang="en-US" dirty="0" err="1"/>
+              <a:t>MisterScanner</a:t>
+            </a:r>
             <a:endParaRPr lang="en-US" dirty="0"/>
           </a:p>
         </p:txBody>
@@ -8206,7 +9904,7 @@
             <a:fld id="{B8DACC02-A2BD-4578-8E03-6D891060A695}" type="slidenum">
               <a:rPr lang="en-US" smtClean="0"/>
               <a:pPr/>
-              <a:t>30</a:t>
+              <a:t>37</a:t>
             </a:fld>
             <a:endParaRPr lang="en-US" dirty="0"/>
           </a:p>
@@ -8215,7 +9913,7 @@
     </p:spTree>
     <p:extLst>
       <p:ext uri="{BB962C8B-B14F-4D97-AF65-F5344CB8AC3E}">
-        <p14:creationId xmlns:p14="http://schemas.microsoft.com/office/powerpoint/2010/main" val="1151235033"/>
+        <p14:creationId xmlns:p14="http://schemas.microsoft.com/office/powerpoint/2010/main" val="3192695398"/>
       </p:ext>
     </p:extLst>
   </p:cSld>
@@ -8225,7 +9923,7 @@
 </p:sld>
 </file>
 
-<file path=ppt/slides/slide31.xml><?xml version="1.0" encoding="utf-8"?>
+<file path=ppt/slides/slide38.xml><?xml version="1.0" encoding="utf-8"?>
 <p:sld xmlns:a="http://schemas.openxmlformats.org/drawingml/2006/main" xmlns:r="http://schemas.openxmlformats.org/officeDocument/2006/relationships" xmlns:p="http://schemas.openxmlformats.org/presentationml/2006/main">
   <p:cSld>
     <p:spTree>
@@ -8259,113 +9957,7 @@
           <a:p>
             <a:r>
               <a:rPr lang="en-US" dirty="0" smtClean="0"/>
-              <a:t>DAST</a:t>
-            </a:r>
-            <a:endParaRPr lang="en-US" dirty="0"/>
-          </a:p>
-        </p:txBody>
-      </p:sp>
-      <p:sp>
-        <p:nvSpPr>
-          <p:cNvPr id="3" name="Content Placeholder 2"/>
-          <p:cNvSpPr>
-            <a:spLocks noGrp="1"/>
-          </p:cNvSpPr>
-          <p:nvPr>
-            <p:ph idx="1"/>
-          </p:nvPr>
-        </p:nvSpPr>
-        <p:spPr/>
-        <p:txBody>
-          <a:bodyPr>
-            <a:normAutofit fontScale="92500" lnSpcReduction="10000"/>
-          </a:bodyPr>
-          <a:lstStyle/>
-          <a:p>
-            <a:r>
-              <a:rPr lang="en-US" dirty="0"/>
-              <a:t>DAST (Dynamic Application Security Testing) is a type of testing that looks for security vulnerabilities by safely exploiting a running application from the outside. </a:t>
-            </a:r>
-            <a:endParaRPr lang="en-US" dirty="0" smtClean="0"/>
-          </a:p>
-          <a:p>
-            <a:r>
-              <a:rPr lang="en-US" dirty="0" smtClean="0"/>
-              <a:t>This </a:t>
-            </a:r>
-            <a:r>
-              <a:rPr lang="en-US" dirty="0"/>
-              <a:t>type of testing is not dependent on the framework or programming language used</a:t>
-            </a:r>
-            <a:r>
-              <a:rPr lang="en-US" dirty="0" smtClean="0"/>
-              <a:t>.</a:t>
-            </a:r>
-          </a:p>
-          <a:p>
-            <a:r>
-              <a:rPr lang="en-US" dirty="0" smtClean="0"/>
-              <a:t>Examples:</a:t>
-            </a:r>
-          </a:p>
-          <a:p>
-            <a:pPr lvl="1"/>
-            <a:r>
-              <a:rPr lang="en-US" dirty="0" err="1"/>
-              <a:t>Indusface</a:t>
-            </a:r>
-            <a:r>
-              <a:rPr lang="en-US" dirty="0"/>
-              <a:t> WAS</a:t>
-            </a:r>
-          </a:p>
-          <a:p>
-            <a:pPr lvl="1"/>
-            <a:r>
-              <a:rPr lang="en-US" dirty="0"/>
-              <a:t>Astra Pentest</a:t>
-            </a:r>
-          </a:p>
-          <a:p>
-            <a:pPr lvl="1"/>
-            <a:r>
-              <a:rPr lang="en-US" dirty="0" err="1"/>
-              <a:t>PortSwigger</a:t>
-            </a:r>
-            <a:endParaRPr lang="en-US" dirty="0"/>
-          </a:p>
-          <a:p>
-            <a:pPr lvl="1"/>
-            <a:r>
-              <a:rPr lang="en-US" dirty="0" err="1"/>
-              <a:t>Detectify</a:t>
-            </a:r>
-            <a:endParaRPr lang="en-US" dirty="0"/>
-          </a:p>
-          <a:p>
-            <a:pPr lvl="1"/>
-            <a:r>
-              <a:rPr lang="en-US" dirty="0" err="1"/>
-              <a:t>AppCheck</a:t>
-            </a:r>
-            <a:r>
-              <a:rPr lang="en-US" dirty="0"/>
-              <a:t> Ltd</a:t>
-            </a:r>
-          </a:p>
-          <a:p>
-            <a:pPr lvl="1"/>
-            <a:r>
-              <a:rPr lang="en-US" dirty="0" err="1"/>
-              <a:t>AppScan</a:t>
-            </a:r>
-            <a:endParaRPr lang="en-US" dirty="0"/>
-          </a:p>
-          <a:p>
-            <a:pPr lvl="1"/>
-            <a:r>
-              <a:rPr lang="en-US" dirty="0" err="1"/>
-              <a:t>MisterScanner</a:t>
+              <a:t>Final Look</a:t>
             </a:r>
             <a:endParaRPr lang="en-US" dirty="0"/>
           </a:p>
@@ -8389,84 +9981,7 @@
             <a:fld id="{B8DACC02-A2BD-4578-8E03-6D891060A695}" type="slidenum">
               <a:rPr lang="en-US" smtClean="0"/>
               <a:pPr/>
-              <a:t>31</a:t>
-            </a:fld>
-            <a:endParaRPr lang="en-US" dirty="0"/>
-          </a:p>
-        </p:txBody>
-      </p:sp>
-    </p:spTree>
-    <p:extLst>
-      <p:ext uri="{BB962C8B-B14F-4D97-AF65-F5344CB8AC3E}">
-        <p14:creationId xmlns:p14="http://schemas.microsoft.com/office/powerpoint/2010/main" val="3192695398"/>
-      </p:ext>
-    </p:extLst>
-  </p:cSld>
-  <p:clrMapOvr>
-    <a:masterClrMapping/>
-  </p:clrMapOvr>
-</p:sld>
-</file>
-
-<file path=ppt/slides/slide32.xml><?xml version="1.0" encoding="utf-8"?>
-<p:sld xmlns:a="http://schemas.openxmlformats.org/drawingml/2006/main" xmlns:r="http://schemas.openxmlformats.org/officeDocument/2006/relationships" xmlns:p="http://schemas.openxmlformats.org/presentationml/2006/main">
-  <p:cSld>
-    <p:spTree>
-      <p:nvGrpSpPr>
-        <p:cNvPr id="1" name=""/>
-        <p:cNvGrpSpPr/>
-        <p:nvPr/>
-      </p:nvGrpSpPr>
-      <p:grpSpPr>
-        <a:xfrm>
-          <a:off x="0" y="0"/>
-          <a:ext cx="0" cy="0"/>
-          <a:chOff x="0" y="0"/>
-          <a:chExt cx="0" cy="0"/>
-        </a:xfrm>
-      </p:grpSpPr>
-      <p:sp>
-        <p:nvSpPr>
-          <p:cNvPr id="2" name="Title 1"/>
-          <p:cNvSpPr>
-            <a:spLocks noGrp="1"/>
-          </p:cNvSpPr>
-          <p:nvPr>
-            <p:ph type="title"/>
-          </p:nvPr>
-        </p:nvSpPr>
-        <p:spPr/>
-        <p:txBody>
-          <a:bodyPr/>
-          <a:lstStyle/>
-          <a:p>
-            <a:r>
-              <a:rPr lang="en-US" dirty="0" smtClean="0"/>
-              <a:t>Final Look</a:t>
-            </a:r>
-            <a:endParaRPr lang="en-US" dirty="0"/>
-          </a:p>
-        </p:txBody>
-      </p:sp>
-      <p:sp>
-        <p:nvSpPr>
-          <p:cNvPr id="4" name="Slide Number Placeholder 3"/>
-          <p:cNvSpPr>
-            <a:spLocks noGrp="1"/>
-          </p:cNvSpPr>
-          <p:nvPr>
-            <p:ph type="sldNum" sz="quarter" idx="12"/>
-          </p:nvPr>
-        </p:nvSpPr>
-        <p:spPr/>
-        <p:txBody>
-          <a:bodyPr/>
-          <a:lstStyle/>
-          <a:p>
-            <a:fld id="{B8DACC02-A2BD-4578-8E03-6D891060A695}" type="slidenum">
-              <a:rPr lang="en-US" smtClean="0"/>
-              <a:pPr/>
-              <a:t>32</a:t>
+              <a:t>38</a:t>
             </a:fld>
             <a:endParaRPr lang="en-US" dirty="0"/>
           </a:p>
@@ -8506,6 +10021,113 @@
     <p:extLst>
       <p:ext uri="{BB962C8B-B14F-4D97-AF65-F5344CB8AC3E}">
         <p14:creationId xmlns:p14="http://schemas.microsoft.com/office/powerpoint/2010/main" val="2978004073"/>
+      </p:ext>
+    </p:extLst>
+  </p:cSld>
+  <p:clrMapOvr>
+    <a:masterClrMapping/>
+  </p:clrMapOvr>
+</p:sld>
+</file>
+
+<file path=ppt/slides/slide39.xml><?xml version="1.0" encoding="utf-8"?>
+<p:sld xmlns:a="http://schemas.openxmlformats.org/drawingml/2006/main" xmlns:r="http://schemas.openxmlformats.org/officeDocument/2006/relationships" xmlns:p="http://schemas.openxmlformats.org/presentationml/2006/main">
+  <p:cSld>
+    <p:spTree>
+      <p:nvGrpSpPr>
+        <p:cNvPr id="1" name=""/>
+        <p:cNvGrpSpPr/>
+        <p:nvPr/>
+      </p:nvGrpSpPr>
+      <p:grpSpPr>
+        <a:xfrm>
+          <a:off x="0" y="0"/>
+          <a:ext cx="0" cy="0"/>
+          <a:chOff x="0" y="0"/>
+          <a:chExt cx="0" cy="0"/>
+        </a:xfrm>
+      </p:grpSpPr>
+      <p:sp>
+        <p:nvSpPr>
+          <p:cNvPr id="5" name="Title 4"/>
+          <p:cNvSpPr>
+            <a:spLocks noGrp="1"/>
+          </p:cNvSpPr>
+          <p:nvPr>
+            <p:ph type="title"/>
+          </p:nvPr>
+        </p:nvSpPr>
+        <p:spPr/>
+        <p:txBody>
+          <a:bodyPr/>
+          <a:lstStyle/>
+          <a:p>
+            <a:r>
+              <a:rPr lang="en-US" dirty="0" smtClean="0"/>
+              <a:t>Traits </a:t>
+            </a:r>
+            <a:r>
+              <a:rPr lang="en-US" dirty="0"/>
+              <a:t>of successful </a:t>
+            </a:r>
+            <a:r>
+              <a:rPr lang="en-US" dirty="0" err="1"/>
+              <a:t>DevSecOps</a:t>
+            </a:r>
+            <a:r>
+              <a:rPr lang="en-US" dirty="0"/>
+              <a:t> practices</a:t>
+            </a:r>
+          </a:p>
+        </p:txBody>
+      </p:sp>
+      <p:sp>
+        <p:nvSpPr>
+          <p:cNvPr id="6" name="Text Placeholder 5"/>
+          <p:cNvSpPr>
+            <a:spLocks noGrp="1"/>
+          </p:cNvSpPr>
+          <p:nvPr>
+            <p:ph type="body" idx="1"/>
+          </p:nvPr>
+        </p:nvSpPr>
+        <p:spPr/>
+        <p:txBody>
+          <a:bodyPr/>
+          <a:lstStyle/>
+          <a:p>
+            <a:endParaRPr lang="en-US"/>
+          </a:p>
+        </p:txBody>
+      </p:sp>
+      <p:sp>
+        <p:nvSpPr>
+          <p:cNvPr id="4" name="Slide Number Placeholder 3"/>
+          <p:cNvSpPr>
+            <a:spLocks noGrp="1"/>
+          </p:cNvSpPr>
+          <p:nvPr>
+            <p:ph type="sldNum" sz="quarter" idx="12"/>
+          </p:nvPr>
+        </p:nvSpPr>
+        <p:spPr/>
+        <p:txBody>
+          <a:bodyPr/>
+          <a:lstStyle/>
+          <a:p>
+            <a:fld id="{B8DACC02-A2BD-4578-8E03-6D891060A695}" type="slidenum">
+              <a:rPr lang="en-US" smtClean="0"/>
+              <a:pPr/>
+              <a:t>39</a:t>
+            </a:fld>
+            <a:endParaRPr lang="en-US" dirty="0"/>
+          </a:p>
+        </p:txBody>
+      </p:sp>
+    </p:spTree>
+    <p:extLst>
+      <p:ext uri="{BB962C8B-B14F-4D97-AF65-F5344CB8AC3E}">
+        <p14:creationId xmlns:p14="http://schemas.microsoft.com/office/powerpoint/2010/main" val="2538511533"/>
       </p:ext>
     </p:extLst>
   </p:cSld>
@@ -8699,6 +10321,897 @@
     <p:extLst>
       <p:ext uri="{BB962C8B-B14F-4D97-AF65-F5344CB8AC3E}">
         <p14:creationId xmlns:p14="http://schemas.microsoft.com/office/powerpoint/2010/main" val="3651672671"/>
+      </p:ext>
+    </p:extLst>
+  </p:cSld>
+  <p:clrMapOvr>
+    <a:masterClrMapping/>
+  </p:clrMapOvr>
+</p:sld>
+</file>
+
+<file path=ppt/slides/slide40.xml><?xml version="1.0" encoding="utf-8"?>
+<p:sld xmlns:a="http://schemas.openxmlformats.org/drawingml/2006/main" xmlns:r="http://schemas.openxmlformats.org/officeDocument/2006/relationships" xmlns:p="http://schemas.openxmlformats.org/presentationml/2006/main">
+  <p:cSld>
+    <p:spTree>
+      <p:nvGrpSpPr>
+        <p:cNvPr id="1" name=""/>
+        <p:cNvGrpSpPr/>
+        <p:nvPr/>
+      </p:nvGrpSpPr>
+      <p:grpSpPr>
+        <a:xfrm>
+          <a:off x="0" y="0"/>
+          <a:ext cx="0" cy="0"/>
+          <a:chOff x="0" y="0"/>
+          <a:chExt cx="0" cy="0"/>
+        </a:xfrm>
+      </p:grpSpPr>
+      <p:sp>
+        <p:nvSpPr>
+          <p:cNvPr id="2" name="Title 1"/>
+          <p:cNvSpPr>
+            <a:spLocks noGrp="1"/>
+          </p:cNvSpPr>
+          <p:nvPr>
+            <p:ph type="title"/>
+          </p:nvPr>
+        </p:nvSpPr>
+        <p:spPr/>
+        <p:txBody>
+          <a:bodyPr/>
+          <a:lstStyle/>
+          <a:p>
+            <a:r>
+              <a:rPr lang="en-US" dirty="0"/>
+              <a:t>Traits of successful </a:t>
+            </a:r>
+            <a:r>
+              <a:rPr lang="en-US" dirty="0" err="1"/>
+              <a:t>DevSecOps</a:t>
+            </a:r>
+            <a:r>
+              <a:rPr lang="en-US" dirty="0"/>
+              <a:t> practices</a:t>
+            </a:r>
+          </a:p>
+        </p:txBody>
+      </p:sp>
+      <p:sp>
+        <p:nvSpPr>
+          <p:cNvPr id="3" name="Content Placeholder 2"/>
+          <p:cNvSpPr>
+            <a:spLocks noGrp="1"/>
+          </p:cNvSpPr>
+          <p:nvPr>
+            <p:ph idx="1"/>
+          </p:nvPr>
+        </p:nvSpPr>
+        <p:spPr/>
+        <p:txBody>
+          <a:bodyPr/>
+          <a:lstStyle/>
+          <a:p>
+            <a:r>
+              <a:rPr lang="en-US" dirty="0"/>
+              <a:t>If the goals of </a:t>
+            </a:r>
+            <a:r>
+              <a:rPr lang="en-US" dirty="0" err="1"/>
+              <a:t>DevSecOps</a:t>
+            </a:r>
+            <a:r>
+              <a:rPr lang="en-US" dirty="0"/>
+              <a:t> are </a:t>
+            </a:r>
+            <a:endParaRPr lang="en-US" dirty="0" smtClean="0"/>
+          </a:p>
+          <a:p>
+            <a:pPr marL="971550" lvl="1" indent="-514350">
+              <a:buFont typeface="+mj-lt"/>
+              <a:buAutoNum type="arabicParenR"/>
+            </a:pPr>
+            <a:r>
+              <a:rPr lang="en-US" dirty="0" smtClean="0"/>
+              <a:t>to </a:t>
+            </a:r>
+            <a:r>
+              <a:rPr lang="en-US" dirty="0"/>
+              <a:t>release better software faster, </a:t>
+            </a:r>
+            <a:r>
+              <a:rPr lang="en-US" dirty="0" smtClean="0"/>
+              <a:t>and</a:t>
+            </a:r>
+          </a:p>
+          <a:p>
+            <a:pPr marL="971550" lvl="1" indent="-514350">
+              <a:buFont typeface="+mj-lt"/>
+              <a:buAutoNum type="arabicParenR"/>
+            </a:pPr>
+            <a:r>
+              <a:rPr lang="en-US" dirty="0" smtClean="0"/>
+              <a:t>to </a:t>
+            </a:r>
+            <a:r>
+              <a:rPr lang="en-US" dirty="0"/>
+              <a:t>detect and respond to software flaws in production faster and more </a:t>
+            </a:r>
+            <a:r>
+              <a:rPr lang="en-US" dirty="0" smtClean="0"/>
+              <a:t>efficiently</a:t>
+            </a:r>
+          </a:p>
+          <a:p>
+            <a:r>
+              <a:rPr lang="en-US" dirty="0" smtClean="0"/>
+              <a:t>What </a:t>
+            </a:r>
+            <a:r>
+              <a:rPr lang="en-US" dirty="0"/>
+              <a:t>are the capabilities you should cultivate to achieve them? </a:t>
+            </a:r>
+            <a:endParaRPr lang="en-US" dirty="0" smtClean="0"/>
+          </a:p>
+          <a:p>
+            <a:r>
+              <a:rPr lang="en-US" dirty="0" smtClean="0"/>
+              <a:t>What </a:t>
+            </a:r>
+            <a:r>
+              <a:rPr lang="en-US" dirty="0"/>
+              <a:t>key performance indicators (KPIs) should you use to measure the quality of your </a:t>
+            </a:r>
+            <a:r>
+              <a:rPr lang="en-US" dirty="0" err="1"/>
+              <a:t>DevSecOps</a:t>
+            </a:r>
+            <a:r>
+              <a:rPr lang="en-US" dirty="0"/>
+              <a:t> initiatives?</a:t>
+            </a:r>
+          </a:p>
+        </p:txBody>
+      </p:sp>
+      <p:sp>
+        <p:nvSpPr>
+          <p:cNvPr id="4" name="Slide Number Placeholder 3"/>
+          <p:cNvSpPr>
+            <a:spLocks noGrp="1"/>
+          </p:cNvSpPr>
+          <p:nvPr>
+            <p:ph type="sldNum" sz="quarter" idx="12"/>
+          </p:nvPr>
+        </p:nvSpPr>
+        <p:spPr/>
+        <p:txBody>
+          <a:bodyPr/>
+          <a:lstStyle/>
+          <a:p>
+            <a:fld id="{B8DACC02-A2BD-4578-8E03-6D891060A695}" type="slidenum">
+              <a:rPr lang="en-US" smtClean="0"/>
+              <a:pPr/>
+              <a:t>40</a:t>
+            </a:fld>
+            <a:endParaRPr lang="en-US" dirty="0"/>
+          </a:p>
+        </p:txBody>
+      </p:sp>
+    </p:spTree>
+    <p:extLst>
+      <p:ext uri="{BB962C8B-B14F-4D97-AF65-F5344CB8AC3E}">
+        <p14:creationId xmlns:p14="http://schemas.microsoft.com/office/powerpoint/2010/main" val="3121743543"/>
+      </p:ext>
+    </p:extLst>
+  </p:cSld>
+  <p:clrMapOvr>
+    <a:masterClrMapping/>
+  </p:clrMapOvr>
+</p:sld>
+</file>
+
+<file path=ppt/slides/slide41.xml><?xml version="1.0" encoding="utf-8"?>
+<p:sld xmlns:a="http://schemas.openxmlformats.org/drawingml/2006/main" xmlns:r="http://schemas.openxmlformats.org/officeDocument/2006/relationships" xmlns:p="http://schemas.openxmlformats.org/presentationml/2006/main">
+  <p:cSld>
+    <p:spTree>
+      <p:nvGrpSpPr>
+        <p:cNvPr id="1" name=""/>
+        <p:cNvGrpSpPr/>
+        <p:nvPr/>
+      </p:nvGrpSpPr>
+      <p:grpSpPr>
+        <a:xfrm>
+          <a:off x="0" y="0"/>
+          <a:ext cx="0" cy="0"/>
+          <a:chOff x="0" y="0"/>
+          <a:chExt cx="0" cy="0"/>
+        </a:xfrm>
+      </p:grpSpPr>
+      <p:sp>
+        <p:nvSpPr>
+          <p:cNvPr id="2" name="Title 1"/>
+          <p:cNvSpPr>
+            <a:spLocks noGrp="1"/>
+          </p:cNvSpPr>
+          <p:nvPr>
+            <p:ph type="title"/>
+          </p:nvPr>
+        </p:nvSpPr>
+        <p:spPr/>
+        <p:txBody>
+          <a:bodyPr>
+            <a:normAutofit/>
+          </a:bodyPr>
+          <a:lstStyle/>
+          <a:p>
+            <a:r>
+              <a:rPr lang="en-US" dirty="0" smtClean="0"/>
+              <a:t>Strong </a:t>
+            </a:r>
+            <a:r>
+              <a:rPr lang="en-US" dirty="0" err="1"/>
+              <a:t>DevSecOps</a:t>
+            </a:r>
+            <a:r>
+              <a:rPr lang="en-US" dirty="0"/>
+              <a:t> </a:t>
+            </a:r>
+            <a:r>
+              <a:rPr lang="en-US" dirty="0" smtClean="0"/>
+              <a:t>program characteristics</a:t>
+            </a:r>
+            <a:endParaRPr lang="en-US" dirty="0"/>
+          </a:p>
+        </p:txBody>
+      </p:sp>
+      <p:sp>
+        <p:nvSpPr>
+          <p:cNvPr id="3" name="Content Placeholder 2"/>
+          <p:cNvSpPr>
+            <a:spLocks noGrp="1"/>
+          </p:cNvSpPr>
+          <p:nvPr>
+            <p:ph idx="1"/>
+          </p:nvPr>
+        </p:nvSpPr>
+        <p:spPr>
+          <a:xfrm>
+            <a:off x="347526" y="1406880"/>
+            <a:ext cx="11650767" cy="5085995"/>
+          </a:xfrm>
+        </p:spPr>
+        <p:txBody>
+          <a:bodyPr>
+            <a:normAutofit/>
+          </a:bodyPr>
+          <a:lstStyle/>
+          <a:p>
+            <a:r>
+              <a:rPr lang="en-US" dirty="0" smtClean="0"/>
+              <a:t>Security </a:t>
+            </a:r>
+            <a:r>
+              <a:rPr lang="en-US" dirty="0"/>
+              <a:t>awareness and ownership</a:t>
+            </a:r>
+          </a:p>
+          <a:p>
+            <a:pPr lvl="1"/>
+            <a:r>
+              <a:rPr lang="en-US" dirty="0"/>
+              <a:t>Everyone involved with software development and operations should be aware of security fundamentals and have a sense of ownership in the results. </a:t>
+            </a:r>
+            <a:endParaRPr lang="en-US" dirty="0" smtClean="0"/>
+          </a:p>
+          <a:p>
+            <a:pPr lvl="1"/>
+            <a:r>
+              <a:rPr lang="en-US" dirty="0" smtClean="0"/>
+              <a:t>The </a:t>
+            </a:r>
+            <a:r>
+              <a:rPr lang="en-US" dirty="0"/>
+              <a:t>philosophy “security is everyone’s responsibility” should be a part of your organization’s </a:t>
+            </a:r>
+            <a:r>
+              <a:rPr lang="en-US" dirty="0" err="1"/>
+              <a:t>DevSecOps</a:t>
+            </a:r>
+            <a:r>
+              <a:rPr lang="en-US" dirty="0"/>
+              <a:t> culture.</a:t>
+            </a:r>
+          </a:p>
+          <a:p>
+            <a:r>
+              <a:rPr lang="en-US" dirty="0" smtClean="0"/>
+              <a:t>Automated </a:t>
+            </a:r>
+            <a:r>
+              <a:rPr lang="en-US" dirty="0"/>
+              <a:t>operation</a:t>
+            </a:r>
+          </a:p>
+          <a:p>
+            <a:pPr lvl="1"/>
+            <a:r>
+              <a:rPr lang="en-US" dirty="0"/>
+              <a:t>To align with the high degree of automation present in most CI/CD tool chains, your </a:t>
+            </a:r>
+            <a:r>
+              <a:rPr lang="en-US" dirty="0" err="1"/>
+              <a:t>DevSecOps</a:t>
+            </a:r>
+            <a:r>
+              <a:rPr lang="en-US" dirty="0"/>
+              <a:t> security tooling needs to run with complete automation — no manual steps, no configurations, no custom scripts. </a:t>
+            </a:r>
+            <a:endParaRPr lang="en-US" dirty="0" smtClean="0"/>
+          </a:p>
+          <a:p>
+            <a:pPr lvl="1"/>
+            <a:r>
+              <a:rPr lang="en-US" dirty="0" smtClean="0"/>
+              <a:t>It </a:t>
+            </a:r>
+            <a:r>
+              <a:rPr lang="en-US" dirty="0"/>
+              <a:t>needs to provide information about the security of your application even when your developers might want to avoid running a security test for fear that it would slow them down</a:t>
+            </a:r>
+            <a:r>
+              <a:rPr lang="en-US" dirty="0" smtClean="0"/>
+              <a:t>.</a:t>
+            </a:r>
+            <a:endParaRPr lang="en-US" dirty="0"/>
+          </a:p>
+        </p:txBody>
+      </p:sp>
+      <p:sp>
+        <p:nvSpPr>
+          <p:cNvPr id="4" name="Slide Number Placeholder 3"/>
+          <p:cNvSpPr>
+            <a:spLocks noGrp="1"/>
+          </p:cNvSpPr>
+          <p:nvPr>
+            <p:ph type="sldNum" sz="quarter" idx="12"/>
+          </p:nvPr>
+        </p:nvSpPr>
+        <p:spPr/>
+        <p:txBody>
+          <a:bodyPr/>
+          <a:lstStyle/>
+          <a:p>
+            <a:fld id="{B8DACC02-A2BD-4578-8E03-6D891060A695}" type="slidenum">
+              <a:rPr lang="en-US" smtClean="0"/>
+              <a:pPr/>
+              <a:t>41</a:t>
+            </a:fld>
+            <a:endParaRPr lang="en-US" dirty="0"/>
+          </a:p>
+        </p:txBody>
+      </p:sp>
+    </p:spTree>
+    <p:extLst>
+      <p:ext uri="{BB962C8B-B14F-4D97-AF65-F5344CB8AC3E}">
+        <p14:creationId xmlns:p14="http://schemas.microsoft.com/office/powerpoint/2010/main" val="470915175"/>
+      </p:ext>
+    </p:extLst>
+  </p:cSld>
+  <p:clrMapOvr>
+    <a:masterClrMapping/>
+  </p:clrMapOvr>
+</p:sld>
+</file>
+
+<file path=ppt/slides/slide42.xml><?xml version="1.0" encoding="utf-8"?>
+<p:sld xmlns:a="http://schemas.openxmlformats.org/drawingml/2006/main" xmlns:r="http://schemas.openxmlformats.org/officeDocument/2006/relationships" xmlns:p="http://schemas.openxmlformats.org/presentationml/2006/main">
+  <p:cSld>
+    <p:spTree>
+      <p:nvGrpSpPr>
+        <p:cNvPr id="1" name=""/>
+        <p:cNvGrpSpPr/>
+        <p:nvPr/>
+      </p:nvGrpSpPr>
+      <p:grpSpPr>
+        <a:xfrm>
+          <a:off x="0" y="0"/>
+          <a:ext cx="0" cy="0"/>
+          <a:chOff x="0" y="0"/>
+          <a:chExt cx="0" cy="0"/>
+        </a:xfrm>
+      </p:grpSpPr>
+      <p:sp>
+        <p:nvSpPr>
+          <p:cNvPr id="2" name="Title 1"/>
+          <p:cNvSpPr>
+            <a:spLocks noGrp="1"/>
+          </p:cNvSpPr>
+          <p:nvPr>
+            <p:ph type="title"/>
+          </p:nvPr>
+        </p:nvSpPr>
+        <p:spPr/>
+        <p:txBody>
+          <a:bodyPr>
+            <a:normAutofit/>
+          </a:bodyPr>
+          <a:lstStyle/>
+          <a:p>
+            <a:r>
+              <a:rPr lang="en-US" dirty="0" smtClean="0"/>
+              <a:t>Strong </a:t>
+            </a:r>
+            <a:r>
+              <a:rPr lang="en-US" dirty="0" err="1"/>
+              <a:t>DevSecOps</a:t>
+            </a:r>
+            <a:r>
+              <a:rPr lang="en-US" dirty="0"/>
+              <a:t> </a:t>
+            </a:r>
+            <a:r>
+              <a:rPr lang="en-US" dirty="0" smtClean="0"/>
+              <a:t>program characteristics</a:t>
+            </a:r>
+            <a:endParaRPr lang="en-US" dirty="0"/>
+          </a:p>
+        </p:txBody>
+      </p:sp>
+      <p:sp>
+        <p:nvSpPr>
+          <p:cNvPr id="3" name="Content Placeholder 2"/>
+          <p:cNvSpPr>
+            <a:spLocks noGrp="1"/>
+          </p:cNvSpPr>
+          <p:nvPr>
+            <p:ph idx="1"/>
+          </p:nvPr>
+        </p:nvSpPr>
+        <p:spPr/>
+        <p:txBody>
+          <a:bodyPr>
+            <a:normAutofit/>
+          </a:bodyPr>
+          <a:lstStyle/>
+          <a:p>
+            <a:r>
+              <a:rPr lang="en-US" dirty="0"/>
+              <a:t>Fast results</a:t>
+            </a:r>
+          </a:p>
+          <a:p>
+            <a:pPr lvl="1"/>
+            <a:r>
+              <a:rPr lang="en-US" dirty="0"/>
+              <a:t>Your security tooling needs to produce results in near-real-time because speed is a high priority for modern DevOps teams.</a:t>
+            </a:r>
+          </a:p>
+          <a:p>
+            <a:r>
+              <a:rPr lang="en-US" dirty="0" smtClean="0"/>
+              <a:t>Wide </a:t>
+            </a:r>
+            <a:r>
+              <a:rPr lang="en-US" dirty="0"/>
+              <a:t>scope</a:t>
+            </a:r>
+          </a:p>
+          <a:p>
+            <a:pPr lvl="1"/>
+            <a:r>
+              <a:rPr lang="en-US" dirty="0"/>
+              <a:t>Your security tooling should function across all types of compute environments including containers, Kubernetes, </a:t>
+            </a:r>
+            <a:r>
+              <a:rPr lang="en-US" dirty="0" err="1"/>
+              <a:t>serverless</a:t>
+            </a:r>
+            <a:r>
+              <a:rPr lang="en-US" dirty="0"/>
+              <a:t>, PaaS, hybrid clouds, and </a:t>
+            </a:r>
+            <a:r>
+              <a:rPr lang="en-US" dirty="0" err="1"/>
+              <a:t>multiclouds</a:t>
+            </a:r>
+            <a:r>
+              <a:rPr lang="en-US" dirty="0"/>
+              <a:t>. No blind spots. No silos.</a:t>
+            </a:r>
+          </a:p>
+          <a:p>
+            <a:pPr lvl="1"/>
+            <a:r>
+              <a:rPr lang="en-US" dirty="0" smtClean="0"/>
+              <a:t>Also</a:t>
+            </a:r>
+            <a:r>
+              <a:rPr lang="en-US" dirty="0"/>
+              <a:t>, your security tooling needs to provide information about all types of applications — including applications that are mostly based on open-source software, as well as applications that you purchased from a third party, for which you have no source code at all</a:t>
+            </a:r>
+            <a:r>
+              <a:rPr lang="en-US" dirty="0" smtClean="0"/>
+              <a:t>.</a:t>
+            </a:r>
+            <a:endParaRPr lang="en-US" dirty="0"/>
+          </a:p>
+        </p:txBody>
+      </p:sp>
+      <p:sp>
+        <p:nvSpPr>
+          <p:cNvPr id="4" name="Slide Number Placeholder 3"/>
+          <p:cNvSpPr>
+            <a:spLocks noGrp="1"/>
+          </p:cNvSpPr>
+          <p:nvPr>
+            <p:ph type="sldNum" sz="quarter" idx="12"/>
+          </p:nvPr>
+        </p:nvSpPr>
+        <p:spPr/>
+        <p:txBody>
+          <a:bodyPr/>
+          <a:lstStyle/>
+          <a:p>
+            <a:fld id="{B8DACC02-A2BD-4578-8E03-6D891060A695}" type="slidenum">
+              <a:rPr lang="en-US" smtClean="0"/>
+              <a:pPr/>
+              <a:t>42</a:t>
+            </a:fld>
+            <a:endParaRPr lang="en-US" dirty="0"/>
+          </a:p>
+        </p:txBody>
+      </p:sp>
+    </p:spTree>
+    <p:extLst>
+      <p:ext uri="{BB962C8B-B14F-4D97-AF65-F5344CB8AC3E}">
+        <p14:creationId xmlns:p14="http://schemas.microsoft.com/office/powerpoint/2010/main" val="2971897779"/>
+      </p:ext>
+    </p:extLst>
+  </p:cSld>
+  <p:clrMapOvr>
+    <a:masterClrMapping/>
+  </p:clrMapOvr>
+</p:sld>
+</file>
+
+<file path=ppt/slides/slide43.xml><?xml version="1.0" encoding="utf-8"?>
+<p:sld xmlns:a="http://schemas.openxmlformats.org/drawingml/2006/main" xmlns:r="http://schemas.openxmlformats.org/officeDocument/2006/relationships" xmlns:p="http://schemas.openxmlformats.org/presentationml/2006/main">
+  <p:cSld>
+    <p:spTree>
+      <p:nvGrpSpPr>
+        <p:cNvPr id="1" name=""/>
+        <p:cNvGrpSpPr/>
+        <p:nvPr/>
+      </p:nvGrpSpPr>
+      <p:grpSpPr>
+        <a:xfrm>
+          <a:off x="0" y="0"/>
+          <a:ext cx="0" cy="0"/>
+          <a:chOff x="0" y="0"/>
+          <a:chExt cx="0" cy="0"/>
+        </a:xfrm>
+      </p:grpSpPr>
+      <p:sp>
+        <p:nvSpPr>
+          <p:cNvPr id="2" name="Title 1"/>
+          <p:cNvSpPr>
+            <a:spLocks noGrp="1"/>
+          </p:cNvSpPr>
+          <p:nvPr>
+            <p:ph type="title"/>
+          </p:nvPr>
+        </p:nvSpPr>
+        <p:spPr/>
+        <p:txBody>
+          <a:bodyPr>
+            <a:normAutofit/>
+          </a:bodyPr>
+          <a:lstStyle/>
+          <a:p>
+            <a:r>
+              <a:rPr lang="en-US" dirty="0" smtClean="0"/>
+              <a:t>Strong </a:t>
+            </a:r>
+            <a:r>
+              <a:rPr lang="en-US" dirty="0" err="1"/>
+              <a:t>DevSecOps</a:t>
+            </a:r>
+            <a:r>
+              <a:rPr lang="en-US" dirty="0"/>
+              <a:t> </a:t>
+            </a:r>
+            <a:r>
+              <a:rPr lang="en-US" dirty="0" smtClean="0"/>
+              <a:t>program characteristics</a:t>
+            </a:r>
+            <a:endParaRPr lang="en-US" dirty="0"/>
+          </a:p>
+        </p:txBody>
+      </p:sp>
+      <p:sp>
+        <p:nvSpPr>
+          <p:cNvPr id="3" name="Content Placeholder 2"/>
+          <p:cNvSpPr>
+            <a:spLocks noGrp="1"/>
+          </p:cNvSpPr>
+          <p:nvPr>
+            <p:ph idx="1"/>
+          </p:nvPr>
+        </p:nvSpPr>
+        <p:spPr/>
+        <p:txBody>
+          <a:bodyPr>
+            <a:normAutofit/>
+          </a:bodyPr>
+          <a:lstStyle/>
+          <a:p>
+            <a:r>
+              <a:rPr lang="en-US" dirty="0" smtClean="0"/>
+              <a:t>Shift-left </a:t>
+            </a:r>
+            <a:r>
+              <a:rPr lang="en-US" dirty="0"/>
+              <a:t>and shift-right</a:t>
+            </a:r>
+          </a:p>
+          <a:p>
+            <a:pPr lvl="1"/>
+            <a:r>
+              <a:rPr lang="en-US" dirty="0"/>
+              <a:t>Much has been written about the benefits of conducting security assessments early in the software development lifecycle (“shift left”), before vulnerabilities find their way into production. </a:t>
+            </a:r>
+            <a:endParaRPr lang="en-US" dirty="0" smtClean="0"/>
+          </a:p>
+          <a:p>
+            <a:pPr lvl="1"/>
+            <a:r>
+              <a:rPr lang="en-US" dirty="0" smtClean="0"/>
+              <a:t>However</a:t>
+            </a:r>
+            <a:r>
+              <a:rPr lang="en-US" dirty="0"/>
+              <a:t>, </a:t>
+            </a:r>
+            <a:r>
+              <a:rPr lang="en-US" dirty="0" err="1"/>
+              <a:t>DevSecOps</a:t>
+            </a:r>
+            <a:r>
+              <a:rPr lang="en-US" dirty="0"/>
+              <a:t> also needs to extend to production environments (“shift right”) for four reasons:</a:t>
+            </a:r>
+          </a:p>
+          <a:p>
+            <a:pPr lvl="2"/>
+            <a:r>
+              <a:rPr lang="en-US" dirty="0" smtClean="0"/>
+              <a:t>Production </a:t>
+            </a:r>
+            <a:r>
+              <a:rPr lang="en-US" dirty="0"/>
+              <a:t>is where most attacks happen.</a:t>
+            </a:r>
+          </a:p>
+          <a:p>
+            <a:pPr lvl="2"/>
+            <a:r>
+              <a:rPr lang="en-US" dirty="0"/>
+              <a:t>Scanning source code can’t give you the same rich insights you can get by observing the application when it is running in production.</a:t>
+            </a:r>
+          </a:p>
+          <a:p>
+            <a:pPr lvl="2"/>
+            <a:r>
+              <a:rPr lang="en-US" dirty="0"/>
+              <a:t>Some applications you run in production may not have run through your dev environment, so they never had a chance to be scanned by security tools in your dev environment.</a:t>
+            </a:r>
+          </a:p>
+          <a:p>
+            <a:pPr lvl="2"/>
+            <a:r>
+              <a:rPr lang="en-US" dirty="0"/>
+              <a:t>To detect new zero-day vulnerabilities, you need to monitor existing applications in your production environment</a:t>
+            </a:r>
+            <a:r>
+              <a:rPr lang="en-US" dirty="0" smtClean="0"/>
+              <a:t>.</a:t>
+            </a:r>
+            <a:endParaRPr lang="en-US" dirty="0"/>
+          </a:p>
+        </p:txBody>
+      </p:sp>
+      <p:sp>
+        <p:nvSpPr>
+          <p:cNvPr id="4" name="Slide Number Placeholder 3"/>
+          <p:cNvSpPr>
+            <a:spLocks noGrp="1"/>
+          </p:cNvSpPr>
+          <p:nvPr>
+            <p:ph type="sldNum" sz="quarter" idx="12"/>
+          </p:nvPr>
+        </p:nvSpPr>
+        <p:spPr/>
+        <p:txBody>
+          <a:bodyPr/>
+          <a:lstStyle/>
+          <a:p>
+            <a:fld id="{B8DACC02-A2BD-4578-8E03-6D891060A695}" type="slidenum">
+              <a:rPr lang="en-US" smtClean="0"/>
+              <a:pPr/>
+              <a:t>43</a:t>
+            </a:fld>
+            <a:endParaRPr lang="en-US" dirty="0"/>
+          </a:p>
+        </p:txBody>
+      </p:sp>
+    </p:spTree>
+    <p:extLst>
+      <p:ext uri="{BB962C8B-B14F-4D97-AF65-F5344CB8AC3E}">
+        <p14:creationId xmlns:p14="http://schemas.microsoft.com/office/powerpoint/2010/main" val="2219666759"/>
+      </p:ext>
+    </p:extLst>
+  </p:cSld>
+  <p:clrMapOvr>
+    <a:masterClrMapping/>
+  </p:clrMapOvr>
+</p:sld>
+</file>
+
+<file path=ppt/slides/slide44.xml><?xml version="1.0" encoding="utf-8"?>
+<p:sld xmlns:a="http://schemas.openxmlformats.org/drawingml/2006/main" xmlns:r="http://schemas.openxmlformats.org/officeDocument/2006/relationships" xmlns:p="http://schemas.openxmlformats.org/presentationml/2006/main">
+  <p:cSld>
+    <p:spTree>
+      <p:nvGrpSpPr>
+        <p:cNvPr id="1" name=""/>
+        <p:cNvGrpSpPr/>
+        <p:nvPr/>
+      </p:nvGrpSpPr>
+      <p:grpSpPr>
+        <a:xfrm>
+          <a:off x="0" y="0"/>
+          <a:ext cx="0" cy="0"/>
+          <a:chOff x="0" y="0"/>
+          <a:chExt cx="0" cy="0"/>
+        </a:xfrm>
+      </p:grpSpPr>
+      <p:sp>
+        <p:nvSpPr>
+          <p:cNvPr id="2" name="Title 1"/>
+          <p:cNvSpPr>
+            <a:spLocks noGrp="1"/>
+          </p:cNvSpPr>
+          <p:nvPr>
+            <p:ph type="title"/>
+          </p:nvPr>
+        </p:nvSpPr>
+        <p:spPr/>
+        <p:txBody>
+          <a:bodyPr/>
+          <a:lstStyle/>
+          <a:p>
+            <a:r>
+              <a:rPr lang="en-US" dirty="0"/>
+              <a:t>Strong </a:t>
+            </a:r>
+            <a:r>
+              <a:rPr lang="en-US" dirty="0" err="1"/>
+              <a:t>DevSecOps</a:t>
+            </a:r>
+            <a:r>
+              <a:rPr lang="en-US" dirty="0"/>
+              <a:t> program characteristics</a:t>
+            </a:r>
+          </a:p>
+        </p:txBody>
+      </p:sp>
+      <p:sp>
+        <p:nvSpPr>
+          <p:cNvPr id="3" name="Content Placeholder 2"/>
+          <p:cNvSpPr>
+            <a:spLocks noGrp="1"/>
+          </p:cNvSpPr>
+          <p:nvPr>
+            <p:ph idx="1"/>
+          </p:nvPr>
+        </p:nvSpPr>
+        <p:spPr/>
+        <p:txBody>
+          <a:bodyPr>
+            <a:normAutofit/>
+          </a:bodyPr>
+          <a:lstStyle/>
+          <a:p>
+            <a:r>
+              <a:rPr lang="en-US" dirty="0" smtClean="0"/>
+              <a:t>Accuracy</a:t>
+            </a:r>
+            <a:endParaRPr lang="en-US" dirty="0"/>
+          </a:p>
+          <a:p>
+            <a:pPr lvl="1"/>
+            <a:r>
+              <a:rPr lang="en-US" dirty="0"/>
+              <a:t>Automation is important, but you also need accuracy and quality. </a:t>
+            </a:r>
+            <a:endParaRPr lang="en-US" dirty="0" smtClean="0"/>
+          </a:p>
+          <a:p>
+            <a:pPr lvl="1"/>
+            <a:r>
+              <a:rPr lang="en-US" dirty="0" smtClean="0"/>
+              <a:t>To </a:t>
+            </a:r>
+            <a:r>
+              <a:rPr lang="en-US" dirty="0"/>
+              <a:t>achieve </a:t>
+            </a:r>
+            <a:r>
+              <a:rPr lang="en-US" dirty="0" err="1"/>
+              <a:t>DevSecOps</a:t>
+            </a:r>
+            <a:r>
+              <a:rPr lang="en-US" dirty="0"/>
+              <a:t> efficiency, you need security tests that eliminate false positives and false negatives, and provide useful information to your remediation team.</a:t>
+            </a:r>
+          </a:p>
+          <a:p>
+            <a:r>
+              <a:rPr lang="en-US" dirty="0" smtClean="0"/>
+              <a:t>Developer </a:t>
+            </a:r>
+            <a:r>
+              <a:rPr lang="en-US" dirty="0"/>
+              <a:t>acceptance</a:t>
+            </a:r>
+          </a:p>
+          <a:p>
+            <a:pPr lvl="1"/>
+            <a:r>
+              <a:rPr lang="en-US" dirty="0"/>
+              <a:t>Everything about your </a:t>
+            </a:r>
+            <a:r>
+              <a:rPr lang="en-US" dirty="0" err="1"/>
+              <a:t>DevSecOps</a:t>
+            </a:r>
+            <a:r>
+              <a:rPr lang="en-US" dirty="0"/>
+              <a:t> program needs to be accepted by the people who will be developing the software, running the tests, scanning for vulnerabilities, and remediating the security issues that are found.</a:t>
+            </a:r>
+          </a:p>
+          <a:p>
+            <a:endParaRPr lang="en-US" dirty="0"/>
+          </a:p>
+        </p:txBody>
+      </p:sp>
+      <p:sp>
+        <p:nvSpPr>
+          <p:cNvPr id="4" name="Slide Number Placeholder 3"/>
+          <p:cNvSpPr>
+            <a:spLocks noGrp="1"/>
+          </p:cNvSpPr>
+          <p:nvPr>
+            <p:ph type="sldNum" sz="quarter" idx="12"/>
+          </p:nvPr>
+        </p:nvSpPr>
+        <p:spPr/>
+        <p:txBody>
+          <a:bodyPr/>
+          <a:lstStyle/>
+          <a:p>
+            <a:fld id="{B8DACC02-A2BD-4578-8E03-6D891060A695}" type="slidenum">
+              <a:rPr lang="en-US" smtClean="0"/>
+              <a:pPr/>
+              <a:t>44</a:t>
+            </a:fld>
+            <a:endParaRPr lang="en-US" dirty="0"/>
+          </a:p>
+        </p:txBody>
+      </p:sp>
+    </p:spTree>
+    <p:extLst>
+      <p:ext uri="{BB962C8B-B14F-4D97-AF65-F5344CB8AC3E}">
+        <p14:creationId xmlns:p14="http://schemas.microsoft.com/office/powerpoint/2010/main" val="3199175194"/>
       </p:ext>
     </p:extLst>
   </p:cSld>

--- a/SE489/Lectures/9-DevSecOps/DevSecOps.pptx
+++ b/SE489/Lectures/9-DevSecOps/DevSecOps.pptx
@@ -362,7 +362,7 @@
           <a:p>
             <a:fld id="{41DA9887-9249-49FD-809A-BACB264048C3}" type="datetimeFigureOut">
               <a:rPr lang="en-US" smtClean="0"/>
-              <a:t>11/21/2022</a:t>
+              <a:t>11/24/2022</a:t>
             </a:fld>
             <a:endParaRPr lang="en-US"/>
           </a:p>
@@ -764,7 +764,7 @@
           <a:p>
             <a:fld id="{08A707AD-71EE-4F71-BFB0-5CFFA7745367}" type="datetime1">
               <a:rPr lang="en-US" smtClean="0"/>
-              <a:t>11/21/2022</a:t>
+              <a:t>11/24/2022</a:t>
             </a:fld>
             <a:endParaRPr lang="en-US"/>
           </a:p>
@@ -1054,7 +1054,7 @@
           <a:p>
             <a:fld id="{CF6F9948-F8FC-4163-B3EE-CE0CD0EF91F9}" type="datetime1">
               <a:rPr lang="en-US" smtClean="0"/>
-              <a:t>11/21/2022</a:t>
+              <a:t>11/24/2022</a:t>
             </a:fld>
             <a:endParaRPr lang="en-US"/>
           </a:p>
@@ -1232,7 +1232,7 @@
           <a:p>
             <a:fld id="{090C3B62-4C74-4EE9-93F0-BE51AE88912F}" type="datetime1">
               <a:rPr lang="en-US" smtClean="0"/>
-              <a:t>11/21/2022</a:t>
+              <a:t>11/24/2022</a:t>
             </a:fld>
             <a:endParaRPr lang="en-US"/>
           </a:p>
@@ -1486,7 +1486,7 @@
           <a:p>
             <a:fld id="{D63A470F-AE83-4D43-9CAA-74593F94EAD0}" type="datetime1">
               <a:rPr lang="en-US" smtClean="0"/>
-              <a:t>11/21/2022</a:t>
+              <a:t>11/24/2022</a:t>
             </a:fld>
             <a:endParaRPr lang="en-US"/>
           </a:p>
@@ -1830,7 +1830,7 @@
           <a:p>
             <a:fld id="{E5B8C5BE-3403-4496-9B81-C40FD99BCC4A}" type="datetime1">
               <a:rPr lang="en-US" smtClean="0"/>
-              <a:t>11/21/2022</a:t>
+              <a:t>11/24/2022</a:t>
             </a:fld>
             <a:endParaRPr lang="en-US"/>
           </a:p>
@@ -2059,7 +2059,7 @@
           <a:p>
             <a:fld id="{B78E11C0-1713-41FC-9E65-ABB713C18815}" type="datetime1">
               <a:rPr lang="en-US" smtClean="0"/>
-              <a:t>11/21/2022</a:t>
+              <a:t>11/24/2022</a:t>
             </a:fld>
             <a:endParaRPr lang="en-US"/>
           </a:p>
@@ -2423,7 +2423,7 @@
           <a:p>
             <a:fld id="{555C483D-0DA7-48F4-B572-48ADE24F3969}" type="datetime1">
               <a:rPr lang="en-US" smtClean="0"/>
-              <a:t>11/21/2022</a:t>
+              <a:t>11/24/2022</a:t>
             </a:fld>
             <a:endParaRPr lang="en-US"/>
           </a:p>
@@ -2518,7 +2518,7 @@
           <a:p>
             <a:fld id="{4C06054D-416E-4D32-B207-3C4728F29C83}" type="datetime1">
               <a:rPr lang="en-US" smtClean="0"/>
-              <a:t>11/21/2022</a:t>
+              <a:t>11/24/2022</a:t>
             </a:fld>
             <a:endParaRPr lang="en-US"/>
           </a:p>
@@ -2740,7 +2740,7 @@
             <a:fld id="{B2F5E2FA-C428-4CE7-95B0-168D3259A5BB}" type="datetimeFigureOut">
               <a:rPr lang="en-US" smtClean="0"/>
               <a:pPr/>
-              <a:t>11/21/2022</a:t>
+              <a:t>11/24/2022</a:t>
             </a:fld>
             <a:endParaRPr lang="en-US"/>
           </a:p>
@@ -2911,7 +2911,7 @@
           <a:p>
             <a:fld id="{B34CF2DF-EBB2-4927-9B4B-28D12CAF900C}" type="datetime1">
               <a:rPr lang="en-US" smtClean="0"/>
-              <a:t>11/21/2022</a:t>
+              <a:t>11/24/2022</a:t>
             </a:fld>
             <a:endParaRPr lang="en-US"/>
           </a:p>
@@ -3186,7 +3186,7 @@
           <a:p>
             <a:fld id="{287D8537-E29A-46E3-9242-0E7B32B09241}" type="datetime1">
               <a:rPr lang="en-US" smtClean="0"/>
-              <a:t>11/21/2022</a:t>
+              <a:t>11/24/2022</a:t>
             </a:fld>
             <a:endParaRPr lang="en-US"/>
           </a:p>
@@ -3438,7 +3438,7 @@
           <a:p>
             <a:fld id="{0B8D9EDF-63DE-4DED-A3C4-232814F0B4D7}" type="datetime1">
               <a:rPr lang="en-US" smtClean="0"/>
-              <a:t>11/21/2022</a:t>
+              <a:t>11/24/2022</a:t>
             </a:fld>
             <a:endParaRPr lang="en-US"/>
           </a:p>
@@ -3649,7 +3649,7 @@
           <a:p>
             <a:fld id="{1DC34F13-F0A8-4E10-9ECC-0BA9AAA5E3EB}" type="datetime1">
               <a:rPr lang="en-US" smtClean="0"/>
-              <a:t>11/21/2022</a:t>
+              <a:t>11/24/2022</a:t>
             </a:fld>
             <a:endParaRPr lang="en-US"/>
           </a:p>
@@ -10599,7 +10599,15 @@
             <a:pPr lvl="1"/>
             <a:r>
               <a:rPr lang="en-US" dirty="0"/>
-              <a:t>Everyone involved with software development and operations should be aware of security fundamentals and have a sense of ownership in the results. </a:t>
+              <a:t>Everyone involved with </a:t>
+            </a:r>
+            <a:r>
+              <a:rPr lang="en-US" dirty="0" smtClean="0"/>
+              <a:t>development </a:t>
+            </a:r>
+            <a:r>
+              <a:rPr lang="en-US" dirty="0"/>
+              <a:t>and operations should be aware of security fundamentals and have a sense of ownership in the results. </a:t>
             </a:r>
             <a:endParaRPr lang="en-US" dirty="0" smtClean="0"/>
           </a:p>
@@ -10607,20 +10615,17 @@
             <a:pPr lvl="1"/>
             <a:r>
               <a:rPr lang="en-US" dirty="0" smtClean="0"/>
-              <a:t>The </a:t>
-            </a:r>
-            <a:r>
-              <a:rPr lang="en-US" dirty="0"/>
-              <a:t>philosophy “security is everyone’s responsibility” should be a part of your organization’s </a:t>
-            </a:r>
-            <a:r>
-              <a:rPr lang="en-US" dirty="0" err="1"/>
-              <a:t>DevSecOps</a:t>
-            </a:r>
-            <a:r>
-              <a:rPr lang="en-US" dirty="0"/>
-              <a:t> culture.</a:t>
-            </a:r>
+              <a:t>“</a:t>
+            </a:r>
+            <a:r>
+              <a:rPr lang="en-US" dirty="0"/>
+              <a:t>security is everyone’s responsibility</a:t>
+            </a:r>
+            <a:r>
+              <a:rPr lang="en-US" dirty="0" smtClean="0"/>
+              <a:t>”.</a:t>
+            </a:r>
+            <a:endParaRPr lang="en-US" dirty="0"/>
           </a:p>
           <a:p>
             <a:r>

--- a/SE489/Lectures/9-DevSecOps/DevSecOps.pptx
+++ b/SE489/Lectures/9-DevSecOps/DevSecOps.pptx
@@ -5,7 +5,7 @@
     <p:sldMasterId id="2147483648" r:id="rId1"/>
   </p:sldMasterIdLst>
   <p:notesMasterIdLst>
-    <p:notesMasterId r:id="rId67"/>
+    <p:notesMasterId r:id="rId77"/>
   </p:notesMasterIdLst>
   <p:sldIdLst>
     <p:sldId id="256" r:id="rId2"/>
@@ -73,6 +73,16 @@
     <p:sldId id="593" r:id="rId64"/>
     <p:sldId id="595" r:id="rId65"/>
     <p:sldId id="596" r:id="rId66"/>
+    <p:sldId id="600" r:id="rId67"/>
+    <p:sldId id="601" r:id="rId68"/>
+    <p:sldId id="602" r:id="rId69"/>
+    <p:sldId id="603" r:id="rId70"/>
+    <p:sldId id="604" r:id="rId71"/>
+    <p:sldId id="605" r:id="rId72"/>
+    <p:sldId id="606" r:id="rId73"/>
+    <p:sldId id="607" r:id="rId74"/>
+    <p:sldId id="608" r:id="rId75"/>
+    <p:sldId id="609" r:id="rId76"/>
   </p:sldIdLst>
   <p:sldSz cx="12192000" cy="6858000"/>
   <p:notesSz cx="6858000" cy="9144000"/>
@@ -383,7 +393,7 @@
           <a:p>
             <a:fld id="{41DA9887-9249-49FD-809A-BACB264048C3}" type="datetimeFigureOut">
               <a:rPr lang="en-US" smtClean="0"/>
-              <a:t>12/5/2022</a:t>
+              <a:t>4/4/2023</a:t>
             </a:fld>
             <a:endParaRPr lang="en-US"/>
           </a:p>
@@ -785,7 +795,7 @@
           <a:p>
             <a:fld id="{08A707AD-71EE-4F71-BFB0-5CFFA7745367}" type="datetime1">
               <a:rPr lang="en-US" smtClean="0"/>
-              <a:t>12/5/2022</a:t>
+              <a:t>4/4/2023</a:t>
             </a:fld>
             <a:endParaRPr lang="en-US"/>
           </a:p>
@@ -1075,7 +1085,7 @@
           <a:p>
             <a:fld id="{CF6F9948-F8FC-4163-B3EE-CE0CD0EF91F9}" type="datetime1">
               <a:rPr lang="en-US" smtClean="0"/>
-              <a:t>12/5/2022</a:t>
+              <a:t>4/4/2023</a:t>
             </a:fld>
             <a:endParaRPr lang="en-US"/>
           </a:p>
@@ -1253,7 +1263,7 @@
           <a:p>
             <a:fld id="{090C3B62-4C74-4EE9-93F0-BE51AE88912F}" type="datetime1">
               <a:rPr lang="en-US" smtClean="0"/>
-              <a:t>12/5/2022</a:t>
+              <a:t>4/4/2023</a:t>
             </a:fld>
             <a:endParaRPr lang="en-US"/>
           </a:p>
@@ -1507,7 +1517,7 @@
           <a:p>
             <a:fld id="{D63A470F-AE83-4D43-9CAA-74593F94EAD0}" type="datetime1">
               <a:rPr lang="en-US" smtClean="0"/>
-              <a:t>12/5/2022</a:t>
+              <a:t>4/4/2023</a:t>
             </a:fld>
             <a:endParaRPr lang="en-US"/>
           </a:p>
@@ -1851,7 +1861,7 @@
           <a:p>
             <a:fld id="{E5B8C5BE-3403-4496-9B81-C40FD99BCC4A}" type="datetime1">
               <a:rPr lang="en-US" smtClean="0"/>
-              <a:t>12/5/2022</a:t>
+              <a:t>4/4/2023</a:t>
             </a:fld>
             <a:endParaRPr lang="en-US"/>
           </a:p>
@@ -2080,7 +2090,7 @@
           <a:p>
             <a:fld id="{B78E11C0-1713-41FC-9E65-ABB713C18815}" type="datetime1">
               <a:rPr lang="en-US" smtClean="0"/>
-              <a:t>12/5/2022</a:t>
+              <a:t>4/4/2023</a:t>
             </a:fld>
             <a:endParaRPr lang="en-US"/>
           </a:p>
@@ -2444,7 +2454,7 @@
           <a:p>
             <a:fld id="{555C483D-0DA7-48F4-B572-48ADE24F3969}" type="datetime1">
               <a:rPr lang="en-US" smtClean="0"/>
-              <a:t>12/5/2022</a:t>
+              <a:t>4/4/2023</a:t>
             </a:fld>
             <a:endParaRPr lang="en-US"/>
           </a:p>
@@ -2539,7 +2549,7 @@
           <a:p>
             <a:fld id="{4C06054D-416E-4D32-B207-3C4728F29C83}" type="datetime1">
               <a:rPr lang="en-US" smtClean="0"/>
-              <a:t>12/5/2022</a:t>
+              <a:t>4/4/2023</a:t>
             </a:fld>
             <a:endParaRPr lang="en-US"/>
           </a:p>
@@ -2761,7 +2771,7 @@
             <a:fld id="{B2F5E2FA-C428-4CE7-95B0-168D3259A5BB}" type="datetimeFigureOut">
               <a:rPr lang="en-US" smtClean="0"/>
               <a:pPr/>
-              <a:t>12/5/2022</a:t>
+              <a:t>4/4/2023</a:t>
             </a:fld>
             <a:endParaRPr lang="en-US"/>
           </a:p>
@@ -2932,7 +2942,7 @@
           <a:p>
             <a:fld id="{B34CF2DF-EBB2-4927-9B4B-28D12CAF900C}" type="datetime1">
               <a:rPr lang="en-US" smtClean="0"/>
-              <a:t>12/5/2022</a:t>
+              <a:t>4/4/2023</a:t>
             </a:fld>
             <a:endParaRPr lang="en-US"/>
           </a:p>
@@ -3207,7 +3217,7 @@
           <a:p>
             <a:fld id="{287D8537-E29A-46E3-9242-0E7B32B09241}" type="datetime1">
               <a:rPr lang="en-US" smtClean="0"/>
-              <a:t>12/5/2022</a:t>
+              <a:t>4/4/2023</a:t>
             </a:fld>
             <a:endParaRPr lang="en-US"/>
           </a:p>
@@ -3459,7 +3469,7 @@
           <a:p>
             <a:fld id="{0B8D9EDF-63DE-4DED-A3C4-232814F0B4D7}" type="datetime1">
               <a:rPr lang="en-US" smtClean="0"/>
-              <a:t>12/5/2022</a:t>
+              <a:t>4/4/2023</a:t>
             </a:fld>
             <a:endParaRPr lang="en-US"/>
           </a:p>
@@ -3670,7 +3680,7 @@
           <a:p>
             <a:fld id="{1DC34F13-F0A8-4E10-9ECC-0BA9AAA5E3EB}" type="datetime1">
               <a:rPr lang="en-US" smtClean="0"/>
-              <a:t>12/5/2022</a:t>
+              <a:t>4/4/2023</a:t>
             </a:fld>
             <a:endParaRPr lang="en-US"/>
           </a:p>
@@ -6149,9 +6159,16 @@
             <p:ph idx="1"/>
           </p:nvPr>
         </p:nvSpPr>
-        <p:spPr/>
-        <p:txBody>
-          <a:bodyPr/>
+        <p:spPr>
+          <a:xfrm>
+            <a:off x="347526" y="1280160"/>
+            <a:ext cx="11650767" cy="5120640"/>
+          </a:xfrm>
+        </p:spPr>
+        <p:txBody>
+          <a:bodyPr>
+            <a:normAutofit lnSpcReduction="10000"/>
+          </a:bodyPr>
           <a:lstStyle/>
           <a:p>
             <a:pPr>
@@ -6264,7 +6281,22 @@
             </a:pPr>
             <a:r>
               <a:rPr lang="en-US" dirty="0"/>
-              <a:t>Tools of The Trade</a:t>
+              <a:t>Tools of The </a:t>
+            </a:r>
+            <a:r>
+              <a:rPr lang="en-US" dirty="0" smtClean="0"/>
+              <a:t>Trade</a:t>
+            </a:r>
+          </a:p>
+          <a:p>
+            <a:pPr>
+              <a:lnSpc>
+                <a:spcPct val="150000"/>
+              </a:lnSpc>
+            </a:pPr>
+            <a:r>
+              <a:rPr lang="en-US" dirty="0" smtClean="0"/>
+              <a:t>Other Ops</a:t>
             </a:r>
             <a:endParaRPr lang="en-US" dirty="0"/>
           </a:p>
@@ -6357,7 +6389,6 @@
               <a:rPr lang="en-US" dirty="0"/>
               <a:t>?</a:t>
             </a:r>
-            <a:endParaRPr lang="en-US" dirty="0"/>
           </a:p>
         </p:txBody>
       </p:sp>
@@ -10764,7 +10795,6 @@
               <a:rPr lang="en-US" dirty="0"/>
               <a:t>oversight for managing false-positives</a:t>
             </a:r>
-            <a:endParaRPr lang="en-US" dirty="0"/>
           </a:p>
         </p:txBody>
       </p:sp>
@@ -11121,7 +11151,6 @@
               <a:rPr lang="en-US" dirty="0"/>
               <a:t>libraries</a:t>
             </a:r>
-            <a:endParaRPr lang="en-US" dirty="0"/>
           </a:p>
         </p:txBody>
       </p:sp>
@@ -11599,7 +11628,6 @@
               <a:rPr lang="en-US" dirty="0"/>
               <a:t>results</a:t>
             </a:r>
-            <a:endParaRPr lang="en-US" dirty="0"/>
           </a:p>
         </p:txBody>
       </p:sp>
@@ -11859,7 +11887,6 @@
               <a:rPr lang="en-US" dirty="0"/>
               <a:t>Security in Infrastructure as Code</a:t>
             </a:r>
-            <a:endParaRPr lang="en-US" dirty="0"/>
           </a:p>
         </p:txBody>
       </p:sp>
@@ -11944,7 +11971,6 @@
               <a:rPr lang="en-US" dirty="0"/>
               <a:t>to identify inherited vulnerabilities</a:t>
             </a:r>
-            <a:endParaRPr lang="en-US" dirty="0"/>
           </a:p>
         </p:txBody>
       </p:sp>
@@ -14347,7 +14373,6 @@
               <a:rPr lang="en-US" dirty="0"/>
               <a:t>Tools of The Trade</a:t>
             </a:r>
-            <a:endParaRPr lang="en-US" dirty="0"/>
           </a:p>
         </p:txBody>
       </p:sp>
@@ -14671,6 +14696,398 @@
 </p:sld>
 </file>
 
+<file path=ppt/slides/slide66.xml><?xml version="1.0" encoding="utf-8"?>
+<p:sld xmlns:a="http://schemas.openxmlformats.org/drawingml/2006/main" xmlns:r="http://schemas.openxmlformats.org/officeDocument/2006/relationships" xmlns:p="http://schemas.openxmlformats.org/presentationml/2006/main">
+  <p:cSld>
+    <p:spTree>
+      <p:nvGrpSpPr>
+        <p:cNvPr id="1" name=""/>
+        <p:cNvGrpSpPr/>
+        <p:nvPr/>
+      </p:nvGrpSpPr>
+      <p:grpSpPr>
+        <a:xfrm>
+          <a:off x="0" y="0"/>
+          <a:ext cx="0" cy="0"/>
+          <a:chOff x="0" y="0"/>
+          <a:chExt cx="0" cy="0"/>
+        </a:xfrm>
+      </p:grpSpPr>
+      <p:sp>
+        <p:nvSpPr>
+          <p:cNvPr id="4" name="Title 3">
+            <a:extLst>
+              <a:ext uri="{FF2B5EF4-FFF2-40B4-BE49-F238E27FC236}">
+                <a16:creationId xmlns:a16="http://schemas.microsoft.com/office/drawing/2014/main" id="{8A8A72A3-3F2E-AB49-8E67-FBAD8270A859}"/>
+              </a:ext>
+            </a:extLst>
+          </p:cNvPr>
+          <p:cNvSpPr>
+            <a:spLocks noGrp="1"/>
+          </p:cNvSpPr>
+          <p:nvPr>
+            <p:ph type="title"/>
+          </p:nvPr>
+        </p:nvSpPr>
+        <p:spPr/>
+        <p:txBody>
+          <a:bodyPr/>
+          <a:lstStyle/>
+          <a:p>
+            <a:r>
+              <a:rPr lang="en-US" dirty="0"/>
+              <a:t>Other Ops</a:t>
+            </a:r>
+          </a:p>
+        </p:txBody>
+      </p:sp>
+      <p:sp>
+        <p:nvSpPr>
+          <p:cNvPr id="5" name="Text Placeholder 4">
+            <a:extLst>
+              <a:ext uri="{FF2B5EF4-FFF2-40B4-BE49-F238E27FC236}">
+                <a16:creationId xmlns:a16="http://schemas.microsoft.com/office/drawing/2014/main" id="{6B233200-6669-9377-5194-FDE9E495763F}"/>
+              </a:ext>
+            </a:extLst>
+          </p:cNvPr>
+          <p:cNvSpPr>
+            <a:spLocks noGrp="1"/>
+          </p:cNvSpPr>
+          <p:nvPr>
+            <p:ph type="body" idx="1"/>
+          </p:nvPr>
+        </p:nvSpPr>
+        <p:spPr/>
+        <p:txBody>
+          <a:bodyPr/>
+          <a:lstStyle/>
+          <a:p>
+            <a:endParaRPr lang="en-US"/>
+          </a:p>
+        </p:txBody>
+      </p:sp>
+    </p:spTree>
+    <p:extLst>
+      <p:ext uri="{BB962C8B-B14F-4D97-AF65-F5344CB8AC3E}">
+        <p14:creationId xmlns:p14="http://schemas.microsoft.com/office/powerpoint/2010/main" val="2976941025"/>
+      </p:ext>
+    </p:extLst>
+  </p:cSld>
+  <p:clrMapOvr>
+    <a:masterClrMapping/>
+  </p:clrMapOvr>
+</p:sld>
+</file>
+
+<file path=ppt/slides/slide67.xml><?xml version="1.0" encoding="utf-8"?>
+<p:sld xmlns:a="http://schemas.openxmlformats.org/drawingml/2006/main" xmlns:r="http://schemas.openxmlformats.org/officeDocument/2006/relationships" xmlns:p="http://schemas.openxmlformats.org/presentationml/2006/main">
+  <p:cSld>
+    <p:spTree>
+      <p:nvGrpSpPr>
+        <p:cNvPr id="1" name=""/>
+        <p:cNvGrpSpPr/>
+        <p:nvPr/>
+      </p:nvGrpSpPr>
+      <p:grpSpPr>
+        <a:xfrm>
+          <a:off x="0" y="0"/>
+          <a:ext cx="0" cy="0"/>
+          <a:chOff x="0" y="0"/>
+          <a:chExt cx="0" cy="0"/>
+        </a:xfrm>
+      </p:grpSpPr>
+      <p:sp>
+        <p:nvSpPr>
+          <p:cNvPr id="2" name="Title 1">
+            <a:extLst>
+              <a:ext uri="{FF2B5EF4-FFF2-40B4-BE49-F238E27FC236}">
+                <a16:creationId xmlns:a16="http://schemas.microsoft.com/office/drawing/2014/main" id="{F4F0DF3F-9D2D-36B0-E84F-81BE4A12A1A5}"/>
+              </a:ext>
+            </a:extLst>
+          </p:cNvPr>
+          <p:cNvSpPr>
+            <a:spLocks noGrp="1"/>
+          </p:cNvSpPr>
+          <p:nvPr>
+            <p:ph type="title"/>
+          </p:nvPr>
+        </p:nvSpPr>
+        <p:spPr/>
+        <p:txBody>
+          <a:bodyPr/>
+          <a:lstStyle/>
+          <a:p>
+            <a:r>
+              <a:rPr lang="en-US" dirty="0"/>
+              <a:t>Other Ops</a:t>
+            </a:r>
+          </a:p>
+        </p:txBody>
+      </p:sp>
+      <p:sp>
+        <p:nvSpPr>
+          <p:cNvPr id="3" name="Content Placeholder 2">
+            <a:extLst>
+              <a:ext uri="{FF2B5EF4-FFF2-40B4-BE49-F238E27FC236}">
+                <a16:creationId xmlns:a16="http://schemas.microsoft.com/office/drawing/2014/main" id="{EA2A7DE0-F7D1-0462-657E-03A5E533A633}"/>
+              </a:ext>
+            </a:extLst>
+          </p:cNvPr>
+          <p:cNvSpPr>
+            <a:spLocks noGrp="1"/>
+          </p:cNvSpPr>
+          <p:nvPr>
+            <p:ph idx="1"/>
+          </p:nvPr>
+        </p:nvSpPr>
+        <p:spPr/>
+        <p:txBody>
+          <a:bodyPr/>
+          <a:lstStyle/>
+          <a:p>
+            <a:r>
+              <a:rPr lang="en-US" dirty="0"/>
+              <a:t>The following terms are practices that aim to improve the efficiency and effectiveness of various operational workflows by leveraging automation, integration, and best practices.</a:t>
+            </a:r>
+          </a:p>
+          <a:p>
+            <a:pPr lvl="1"/>
+            <a:r>
+              <a:rPr lang="en-US" dirty="0"/>
+              <a:t>FinOps</a:t>
+            </a:r>
+          </a:p>
+          <a:p>
+            <a:pPr lvl="1"/>
+            <a:r>
+              <a:rPr lang="en-US" dirty="0" err="1"/>
+              <a:t>DataOps</a:t>
+            </a:r>
+            <a:endParaRPr lang="en-US" dirty="0"/>
+          </a:p>
+          <a:p>
+            <a:pPr lvl="1"/>
+            <a:r>
+              <a:rPr lang="en-US" dirty="0" err="1"/>
+              <a:t>MLOps</a:t>
+            </a:r>
+            <a:endParaRPr lang="en-US" dirty="0"/>
+          </a:p>
+          <a:p>
+            <a:pPr lvl="1"/>
+            <a:r>
+              <a:rPr lang="en-US" dirty="0"/>
+              <a:t>AIOps</a:t>
+            </a:r>
+          </a:p>
+        </p:txBody>
+      </p:sp>
+    </p:spTree>
+    <p:extLst>
+      <p:ext uri="{BB962C8B-B14F-4D97-AF65-F5344CB8AC3E}">
+        <p14:creationId xmlns:p14="http://schemas.microsoft.com/office/powerpoint/2010/main" val="3938770631"/>
+      </p:ext>
+    </p:extLst>
+  </p:cSld>
+  <p:clrMapOvr>
+    <a:masterClrMapping/>
+  </p:clrMapOvr>
+</p:sld>
+</file>
+
+<file path=ppt/slides/slide68.xml><?xml version="1.0" encoding="utf-8"?>
+<p:sld xmlns:a="http://schemas.openxmlformats.org/drawingml/2006/main" xmlns:r="http://schemas.openxmlformats.org/officeDocument/2006/relationships" xmlns:p="http://schemas.openxmlformats.org/presentationml/2006/main">
+  <p:cSld>
+    <p:spTree>
+      <p:nvGrpSpPr>
+        <p:cNvPr id="1" name=""/>
+        <p:cNvGrpSpPr/>
+        <p:nvPr/>
+      </p:nvGrpSpPr>
+      <p:grpSpPr>
+        <a:xfrm>
+          <a:off x="0" y="0"/>
+          <a:ext cx="0" cy="0"/>
+          <a:chOff x="0" y="0"/>
+          <a:chExt cx="0" cy="0"/>
+        </a:xfrm>
+      </p:grpSpPr>
+      <p:sp>
+        <p:nvSpPr>
+          <p:cNvPr id="2" name="Title 1">
+            <a:extLst>
+              <a:ext uri="{FF2B5EF4-FFF2-40B4-BE49-F238E27FC236}">
+                <a16:creationId xmlns:a16="http://schemas.microsoft.com/office/drawing/2014/main" id="{DB5804EA-BD3D-CC06-E5A6-A14980419294}"/>
+              </a:ext>
+            </a:extLst>
+          </p:cNvPr>
+          <p:cNvSpPr>
+            <a:spLocks noGrp="1"/>
+          </p:cNvSpPr>
+          <p:nvPr>
+            <p:ph type="title"/>
+          </p:nvPr>
+        </p:nvSpPr>
+        <p:spPr/>
+        <p:txBody>
+          <a:bodyPr/>
+          <a:lstStyle/>
+          <a:p>
+            <a:r>
+              <a:rPr lang="en-US" dirty="0"/>
+              <a:t>FinOps</a:t>
+            </a:r>
+          </a:p>
+        </p:txBody>
+      </p:sp>
+      <p:sp>
+        <p:nvSpPr>
+          <p:cNvPr id="3" name="Content Placeholder 2">
+            <a:extLst>
+              <a:ext uri="{FF2B5EF4-FFF2-40B4-BE49-F238E27FC236}">
+                <a16:creationId xmlns:a16="http://schemas.microsoft.com/office/drawing/2014/main" id="{6489CD09-14C9-53BE-EC30-6D011CB78348}"/>
+              </a:ext>
+            </a:extLst>
+          </p:cNvPr>
+          <p:cNvSpPr>
+            <a:spLocks noGrp="1"/>
+          </p:cNvSpPr>
+          <p:nvPr>
+            <p:ph idx="1"/>
+          </p:nvPr>
+        </p:nvSpPr>
+        <p:spPr/>
+        <p:txBody>
+          <a:bodyPr/>
+          <a:lstStyle/>
+          <a:p>
+            <a:r>
+              <a:rPr lang="en-US" dirty="0"/>
+              <a:t>FinOps, or Financial Operations, is a set of practices that aims to optimize cloud spending in order to reduce costs and improve financial accountability. </a:t>
+            </a:r>
+          </a:p>
+          <a:p>
+            <a:r>
+              <a:rPr lang="en-US" dirty="0"/>
+              <a:t>FinOps involves a combination of cultural, organizational, and technical practices that enable organizations to better understand and optimize their cloud spending.</a:t>
+            </a:r>
+          </a:p>
+        </p:txBody>
+      </p:sp>
+    </p:spTree>
+    <p:extLst>
+      <p:ext uri="{BB962C8B-B14F-4D97-AF65-F5344CB8AC3E}">
+        <p14:creationId xmlns:p14="http://schemas.microsoft.com/office/powerpoint/2010/main" val="459315698"/>
+      </p:ext>
+    </p:extLst>
+  </p:cSld>
+  <p:clrMapOvr>
+    <a:masterClrMapping/>
+  </p:clrMapOvr>
+</p:sld>
+</file>
+
+<file path=ppt/slides/slide69.xml><?xml version="1.0" encoding="utf-8"?>
+<p:sld xmlns:a="http://schemas.openxmlformats.org/drawingml/2006/main" xmlns:r="http://schemas.openxmlformats.org/officeDocument/2006/relationships" xmlns:p="http://schemas.openxmlformats.org/presentationml/2006/main">
+  <p:cSld>
+    <p:spTree>
+      <p:nvGrpSpPr>
+        <p:cNvPr id="1" name=""/>
+        <p:cNvGrpSpPr/>
+        <p:nvPr/>
+      </p:nvGrpSpPr>
+      <p:grpSpPr>
+        <a:xfrm>
+          <a:off x="0" y="0"/>
+          <a:ext cx="0" cy="0"/>
+          <a:chOff x="0" y="0"/>
+          <a:chExt cx="0" cy="0"/>
+        </a:xfrm>
+      </p:grpSpPr>
+      <p:sp>
+        <p:nvSpPr>
+          <p:cNvPr id="2" name="Title 1">
+            <a:extLst>
+              <a:ext uri="{FF2B5EF4-FFF2-40B4-BE49-F238E27FC236}">
+                <a16:creationId xmlns:a16="http://schemas.microsoft.com/office/drawing/2014/main" id="{5B8B9D21-EF11-8C45-6711-8645CA03E96F}"/>
+              </a:ext>
+            </a:extLst>
+          </p:cNvPr>
+          <p:cNvSpPr>
+            <a:spLocks noGrp="1"/>
+          </p:cNvSpPr>
+          <p:nvPr>
+            <p:ph type="title"/>
+          </p:nvPr>
+        </p:nvSpPr>
+        <p:spPr/>
+        <p:txBody>
+          <a:bodyPr/>
+          <a:lstStyle/>
+          <a:p>
+            <a:r>
+              <a:rPr lang="en-US" dirty="0"/>
+              <a:t>FinOps</a:t>
+            </a:r>
+          </a:p>
+        </p:txBody>
+      </p:sp>
+      <p:sp>
+        <p:nvSpPr>
+          <p:cNvPr id="3" name="Content Placeholder 2">
+            <a:extLst>
+              <a:ext uri="{FF2B5EF4-FFF2-40B4-BE49-F238E27FC236}">
+                <a16:creationId xmlns:a16="http://schemas.microsoft.com/office/drawing/2014/main" id="{6FC28E85-BE33-FDF4-C9BD-860A1C68FCF8}"/>
+              </a:ext>
+            </a:extLst>
+          </p:cNvPr>
+          <p:cNvSpPr>
+            <a:spLocks noGrp="1"/>
+          </p:cNvSpPr>
+          <p:nvPr>
+            <p:ph idx="1"/>
+          </p:nvPr>
+        </p:nvSpPr>
+        <p:spPr/>
+        <p:txBody>
+          <a:bodyPr/>
+          <a:lstStyle/>
+          <a:p>
+            <a:r>
+              <a:rPr lang="en-US" dirty="0"/>
+              <a:t>FinOps is a relatively new practice that has emerged in response to the growing use of cloud computing services. </a:t>
+            </a:r>
+          </a:p>
+          <a:p>
+            <a:r>
+              <a:rPr lang="en-US" dirty="0"/>
+              <a:t>Cloud spending can be difficult to track and optimize, especially in large organizations with multiple cloud accounts and services. </a:t>
+            </a:r>
+          </a:p>
+          <a:p>
+            <a:r>
+              <a:rPr lang="en-US" dirty="0"/>
+              <a:t>FinOps aims to bridge the gap between finance and technology teams by establishing clear accountability for cloud spending and implementing best practices for cloud cost optimization.</a:t>
+            </a:r>
+          </a:p>
+          <a:p>
+            <a:endParaRPr lang="en-US" dirty="0"/>
+          </a:p>
+        </p:txBody>
+      </p:sp>
+    </p:spTree>
+    <p:extLst>
+      <p:ext uri="{BB962C8B-B14F-4D97-AF65-F5344CB8AC3E}">
+        <p14:creationId xmlns:p14="http://schemas.microsoft.com/office/powerpoint/2010/main" val="1342888385"/>
+      </p:ext>
+    </p:extLst>
+  </p:cSld>
+  <p:clrMapOvr>
+    <a:masterClrMapping/>
+  </p:clrMapOvr>
+</p:sld>
+</file>
+
 <file path=ppt/slides/slide7.xml><?xml version="1.0" encoding="utf-8"?>
 <p:sld xmlns:a="http://schemas.openxmlformats.org/drawingml/2006/main" xmlns:r="http://schemas.openxmlformats.org/officeDocument/2006/relationships" xmlns:p="http://schemas.openxmlformats.org/presentationml/2006/main">
   <p:cSld>
@@ -14781,6 +15198,613 @@
     <p:extLst>
       <p:ext uri="{BB962C8B-B14F-4D97-AF65-F5344CB8AC3E}">
         <p14:creationId xmlns:p14="http://schemas.microsoft.com/office/powerpoint/2010/main" val="3441875928"/>
+      </p:ext>
+    </p:extLst>
+  </p:cSld>
+  <p:clrMapOvr>
+    <a:masterClrMapping/>
+  </p:clrMapOvr>
+</p:sld>
+</file>
+
+<file path=ppt/slides/slide70.xml><?xml version="1.0" encoding="utf-8"?>
+<p:sld xmlns:a="http://schemas.openxmlformats.org/drawingml/2006/main" xmlns:r="http://schemas.openxmlformats.org/officeDocument/2006/relationships" xmlns:p="http://schemas.openxmlformats.org/presentationml/2006/main">
+  <p:cSld>
+    <p:spTree>
+      <p:nvGrpSpPr>
+        <p:cNvPr id="1" name=""/>
+        <p:cNvGrpSpPr/>
+        <p:nvPr/>
+      </p:nvGrpSpPr>
+      <p:grpSpPr>
+        <a:xfrm>
+          <a:off x="0" y="0"/>
+          <a:ext cx="0" cy="0"/>
+          <a:chOff x="0" y="0"/>
+          <a:chExt cx="0" cy="0"/>
+        </a:xfrm>
+      </p:grpSpPr>
+      <p:sp>
+        <p:nvSpPr>
+          <p:cNvPr id="2" name="Title 1">
+            <a:extLst>
+              <a:ext uri="{FF2B5EF4-FFF2-40B4-BE49-F238E27FC236}">
+                <a16:creationId xmlns:a16="http://schemas.microsoft.com/office/drawing/2014/main" id="{B06843DC-F9CB-6EB8-ABD3-C51390B3485B}"/>
+              </a:ext>
+            </a:extLst>
+          </p:cNvPr>
+          <p:cNvSpPr>
+            <a:spLocks noGrp="1"/>
+          </p:cNvSpPr>
+          <p:nvPr>
+            <p:ph type="title"/>
+          </p:nvPr>
+        </p:nvSpPr>
+        <p:spPr/>
+        <p:txBody>
+          <a:bodyPr/>
+          <a:lstStyle/>
+          <a:p>
+            <a:r>
+              <a:rPr lang="en-US" dirty="0" err="1"/>
+              <a:t>DataOps</a:t>
+            </a:r>
+            <a:endParaRPr lang="en-US" dirty="0"/>
+          </a:p>
+        </p:txBody>
+      </p:sp>
+      <p:sp>
+        <p:nvSpPr>
+          <p:cNvPr id="3" name="Content Placeholder 2">
+            <a:extLst>
+              <a:ext uri="{FF2B5EF4-FFF2-40B4-BE49-F238E27FC236}">
+                <a16:creationId xmlns:a16="http://schemas.microsoft.com/office/drawing/2014/main" id="{96A454B2-84B4-786A-B6F1-9299491CF99B}"/>
+              </a:ext>
+            </a:extLst>
+          </p:cNvPr>
+          <p:cNvSpPr>
+            <a:spLocks noGrp="1"/>
+          </p:cNvSpPr>
+          <p:nvPr>
+            <p:ph idx="1"/>
+          </p:nvPr>
+        </p:nvSpPr>
+        <p:spPr/>
+        <p:txBody>
+          <a:bodyPr/>
+          <a:lstStyle/>
+          <a:p>
+            <a:r>
+              <a:rPr lang="en-US" dirty="0" err="1"/>
+              <a:t>DataOps</a:t>
+            </a:r>
+            <a:r>
+              <a:rPr lang="en-US" dirty="0"/>
+              <a:t> is a set of practices that aim to improve the speed, quality, and reliability of data analytics. </a:t>
+            </a:r>
+          </a:p>
+          <a:p>
+            <a:r>
+              <a:rPr lang="en-US" dirty="0" err="1"/>
+              <a:t>DataOps</a:t>
+            </a:r>
+            <a:r>
+              <a:rPr lang="en-US" dirty="0"/>
+              <a:t> involves the automation of data pipelines, the use of agile methodologies, and the integration of data science and engineering teams.</a:t>
+            </a:r>
+          </a:p>
+          <a:p>
+            <a:endParaRPr lang="en-US" dirty="0"/>
+          </a:p>
+        </p:txBody>
+      </p:sp>
+    </p:spTree>
+    <p:extLst>
+      <p:ext uri="{BB962C8B-B14F-4D97-AF65-F5344CB8AC3E}">
+        <p14:creationId xmlns:p14="http://schemas.microsoft.com/office/powerpoint/2010/main" val="2902646663"/>
+      </p:ext>
+    </p:extLst>
+  </p:cSld>
+  <p:clrMapOvr>
+    <a:masterClrMapping/>
+  </p:clrMapOvr>
+</p:sld>
+</file>
+
+<file path=ppt/slides/slide71.xml><?xml version="1.0" encoding="utf-8"?>
+<p:sld xmlns:a="http://schemas.openxmlformats.org/drawingml/2006/main" xmlns:r="http://schemas.openxmlformats.org/officeDocument/2006/relationships" xmlns:p="http://schemas.openxmlformats.org/presentationml/2006/main">
+  <p:cSld>
+    <p:spTree>
+      <p:nvGrpSpPr>
+        <p:cNvPr id="1" name=""/>
+        <p:cNvGrpSpPr/>
+        <p:nvPr/>
+      </p:nvGrpSpPr>
+      <p:grpSpPr>
+        <a:xfrm>
+          <a:off x="0" y="0"/>
+          <a:ext cx="0" cy="0"/>
+          <a:chOff x="0" y="0"/>
+          <a:chExt cx="0" cy="0"/>
+        </a:xfrm>
+      </p:grpSpPr>
+      <p:sp>
+        <p:nvSpPr>
+          <p:cNvPr id="2" name="Title 1">
+            <a:extLst>
+              <a:ext uri="{FF2B5EF4-FFF2-40B4-BE49-F238E27FC236}">
+                <a16:creationId xmlns:a16="http://schemas.microsoft.com/office/drawing/2014/main" id="{B06843DC-F9CB-6EB8-ABD3-C51390B3485B}"/>
+              </a:ext>
+            </a:extLst>
+          </p:cNvPr>
+          <p:cNvSpPr>
+            <a:spLocks noGrp="1"/>
+          </p:cNvSpPr>
+          <p:nvPr>
+            <p:ph type="title"/>
+          </p:nvPr>
+        </p:nvSpPr>
+        <p:spPr/>
+        <p:txBody>
+          <a:bodyPr/>
+          <a:lstStyle/>
+          <a:p>
+            <a:r>
+              <a:rPr lang="en-US" dirty="0" err="1"/>
+              <a:t>DataOps</a:t>
+            </a:r>
+            <a:endParaRPr lang="en-US" dirty="0"/>
+          </a:p>
+        </p:txBody>
+      </p:sp>
+      <p:sp>
+        <p:nvSpPr>
+          <p:cNvPr id="3" name="Content Placeholder 2">
+            <a:extLst>
+              <a:ext uri="{FF2B5EF4-FFF2-40B4-BE49-F238E27FC236}">
+                <a16:creationId xmlns:a16="http://schemas.microsoft.com/office/drawing/2014/main" id="{96A454B2-84B4-786A-B6F1-9299491CF99B}"/>
+              </a:ext>
+            </a:extLst>
+          </p:cNvPr>
+          <p:cNvSpPr>
+            <a:spLocks noGrp="1"/>
+          </p:cNvSpPr>
+          <p:nvPr>
+            <p:ph idx="1"/>
+          </p:nvPr>
+        </p:nvSpPr>
+        <p:spPr/>
+        <p:txBody>
+          <a:bodyPr/>
+          <a:lstStyle/>
+          <a:p>
+            <a:r>
+              <a:rPr lang="en-US" dirty="0" err="1"/>
+              <a:t>DataOps</a:t>
+            </a:r>
+            <a:r>
+              <a:rPr lang="en-US" dirty="0"/>
+              <a:t> is an extension of DevOps that focuses specifically on data analytics workflows. </a:t>
+            </a:r>
+          </a:p>
+          <a:p>
+            <a:r>
+              <a:rPr lang="en-US" dirty="0"/>
+              <a:t>The goal of </a:t>
+            </a:r>
+            <a:r>
+              <a:rPr lang="en-US" dirty="0" err="1"/>
+              <a:t>DataOps</a:t>
+            </a:r>
+            <a:r>
+              <a:rPr lang="en-US" dirty="0"/>
+              <a:t> is to improve the quality and reliability of data analytics by streamlining data pipelines, improving collaboration between data science and engineering teams, and implementing agile methodologies for data analytics.</a:t>
+            </a:r>
+          </a:p>
+        </p:txBody>
+      </p:sp>
+    </p:spTree>
+    <p:extLst>
+      <p:ext uri="{BB962C8B-B14F-4D97-AF65-F5344CB8AC3E}">
+        <p14:creationId xmlns:p14="http://schemas.microsoft.com/office/powerpoint/2010/main" val="1349174825"/>
+      </p:ext>
+    </p:extLst>
+  </p:cSld>
+  <p:clrMapOvr>
+    <a:masterClrMapping/>
+  </p:clrMapOvr>
+</p:sld>
+</file>
+
+<file path=ppt/slides/slide72.xml><?xml version="1.0" encoding="utf-8"?>
+<p:sld xmlns:a="http://schemas.openxmlformats.org/drawingml/2006/main" xmlns:r="http://schemas.openxmlformats.org/officeDocument/2006/relationships" xmlns:p="http://schemas.openxmlformats.org/presentationml/2006/main">
+  <p:cSld>
+    <p:spTree>
+      <p:nvGrpSpPr>
+        <p:cNvPr id="1" name=""/>
+        <p:cNvGrpSpPr/>
+        <p:nvPr/>
+      </p:nvGrpSpPr>
+      <p:grpSpPr>
+        <a:xfrm>
+          <a:off x="0" y="0"/>
+          <a:ext cx="0" cy="0"/>
+          <a:chOff x="0" y="0"/>
+          <a:chExt cx="0" cy="0"/>
+        </a:xfrm>
+      </p:grpSpPr>
+      <p:sp>
+        <p:nvSpPr>
+          <p:cNvPr id="2" name="Title 1">
+            <a:extLst>
+              <a:ext uri="{FF2B5EF4-FFF2-40B4-BE49-F238E27FC236}">
+                <a16:creationId xmlns:a16="http://schemas.microsoft.com/office/drawing/2014/main" id="{F72B79DB-9BC4-736E-AADB-EC8775C06DE7}"/>
+              </a:ext>
+            </a:extLst>
+          </p:cNvPr>
+          <p:cNvSpPr>
+            <a:spLocks noGrp="1"/>
+          </p:cNvSpPr>
+          <p:nvPr>
+            <p:ph type="title"/>
+          </p:nvPr>
+        </p:nvSpPr>
+        <p:spPr/>
+        <p:txBody>
+          <a:bodyPr/>
+          <a:lstStyle/>
+          <a:p>
+            <a:r>
+              <a:rPr lang="en-US" dirty="0" err="1"/>
+              <a:t>MLOps</a:t>
+            </a:r>
+            <a:endParaRPr lang="en-US" dirty="0"/>
+          </a:p>
+        </p:txBody>
+      </p:sp>
+      <p:sp>
+        <p:nvSpPr>
+          <p:cNvPr id="3" name="Content Placeholder 2">
+            <a:extLst>
+              <a:ext uri="{FF2B5EF4-FFF2-40B4-BE49-F238E27FC236}">
+                <a16:creationId xmlns:a16="http://schemas.microsoft.com/office/drawing/2014/main" id="{FAFA77B8-035E-A34D-EF59-269BF03B6583}"/>
+              </a:ext>
+            </a:extLst>
+          </p:cNvPr>
+          <p:cNvSpPr>
+            <a:spLocks noGrp="1"/>
+          </p:cNvSpPr>
+          <p:nvPr>
+            <p:ph idx="1"/>
+          </p:nvPr>
+        </p:nvSpPr>
+        <p:spPr/>
+        <p:txBody>
+          <a:bodyPr/>
+          <a:lstStyle/>
+          <a:p>
+            <a:r>
+              <a:rPr lang="en-US" dirty="0" err="1"/>
+              <a:t>MLOps</a:t>
+            </a:r>
+            <a:r>
+              <a:rPr lang="en-US" dirty="0"/>
+              <a:t>, or Machine Learning Operations, is a set of practices that aims to improve the efficiency and effectiveness of machine learning workflows. </a:t>
+            </a:r>
+          </a:p>
+          <a:p>
+            <a:r>
+              <a:rPr lang="en-US" dirty="0" err="1"/>
+              <a:t>MLOps</a:t>
+            </a:r>
+            <a:r>
+              <a:rPr lang="en-US" dirty="0"/>
+              <a:t> involves the automation of machine learning pipelines, the integration of machine learning and software engineering teams, and the development of tools and processes for managing machine learning models.</a:t>
+            </a:r>
+          </a:p>
+          <a:p>
+            <a:endParaRPr lang="en-US" dirty="0"/>
+          </a:p>
+        </p:txBody>
+      </p:sp>
+    </p:spTree>
+    <p:extLst>
+      <p:ext uri="{BB962C8B-B14F-4D97-AF65-F5344CB8AC3E}">
+        <p14:creationId xmlns:p14="http://schemas.microsoft.com/office/powerpoint/2010/main" val="1015093715"/>
+      </p:ext>
+    </p:extLst>
+  </p:cSld>
+  <p:clrMapOvr>
+    <a:masterClrMapping/>
+  </p:clrMapOvr>
+</p:sld>
+</file>
+
+<file path=ppt/slides/slide73.xml><?xml version="1.0" encoding="utf-8"?>
+<p:sld xmlns:a="http://schemas.openxmlformats.org/drawingml/2006/main" xmlns:r="http://schemas.openxmlformats.org/officeDocument/2006/relationships" xmlns:p="http://schemas.openxmlformats.org/presentationml/2006/main">
+  <p:cSld>
+    <p:spTree>
+      <p:nvGrpSpPr>
+        <p:cNvPr id="1" name=""/>
+        <p:cNvGrpSpPr/>
+        <p:nvPr/>
+      </p:nvGrpSpPr>
+      <p:grpSpPr>
+        <a:xfrm>
+          <a:off x="0" y="0"/>
+          <a:ext cx="0" cy="0"/>
+          <a:chOff x="0" y="0"/>
+          <a:chExt cx="0" cy="0"/>
+        </a:xfrm>
+      </p:grpSpPr>
+      <p:sp>
+        <p:nvSpPr>
+          <p:cNvPr id="2" name="Title 1">
+            <a:extLst>
+              <a:ext uri="{FF2B5EF4-FFF2-40B4-BE49-F238E27FC236}">
+                <a16:creationId xmlns:a16="http://schemas.microsoft.com/office/drawing/2014/main" id="{F72B79DB-9BC4-736E-AADB-EC8775C06DE7}"/>
+              </a:ext>
+            </a:extLst>
+          </p:cNvPr>
+          <p:cNvSpPr>
+            <a:spLocks noGrp="1"/>
+          </p:cNvSpPr>
+          <p:nvPr>
+            <p:ph type="title"/>
+          </p:nvPr>
+        </p:nvSpPr>
+        <p:spPr/>
+        <p:txBody>
+          <a:bodyPr/>
+          <a:lstStyle/>
+          <a:p>
+            <a:r>
+              <a:rPr lang="en-US" dirty="0" err="1"/>
+              <a:t>MLOps</a:t>
+            </a:r>
+            <a:endParaRPr lang="en-US" dirty="0"/>
+          </a:p>
+        </p:txBody>
+      </p:sp>
+      <p:sp>
+        <p:nvSpPr>
+          <p:cNvPr id="3" name="Content Placeholder 2">
+            <a:extLst>
+              <a:ext uri="{FF2B5EF4-FFF2-40B4-BE49-F238E27FC236}">
+                <a16:creationId xmlns:a16="http://schemas.microsoft.com/office/drawing/2014/main" id="{FAFA77B8-035E-A34D-EF59-269BF03B6583}"/>
+              </a:ext>
+            </a:extLst>
+          </p:cNvPr>
+          <p:cNvSpPr>
+            <a:spLocks noGrp="1"/>
+          </p:cNvSpPr>
+          <p:nvPr>
+            <p:ph idx="1"/>
+          </p:nvPr>
+        </p:nvSpPr>
+        <p:spPr/>
+        <p:txBody>
+          <a:bodyPr/>
+          <a:lstStyle/>
+          <a:p>
+            <a:r>
+              <a:rPr lang="en-US" dirty="0" err="1"/>
+              <a:t>MLOps</a:t>
+            </a:r>
+            <a:r>
+              <a:rPr lang="en-US" dirty="0"/>
+              <a:t> is a relatively new field that has emerged in response to the growing use of machine learning in various industries. </a:t>
+            </a:r>
+          </a:p>
+          <a:p>
+            <a:r>
+              <a:rPr lang="en-US" dirty="0" err="1"/>
+              <a:t>MLOps</a:t>
+            </a:r>
+            <a:r>
+              <a:rPr lang="en-US" dirty="0"/>
+              <a:t> aims to address the challenges of managing machine learning models at scale by automating the machine learning pipeline, integrating machine learning and software engineering teams, and implementing best practices for machine learning model management.</a:t>
+            </a:r>
+          </a:p>
+          <a:p>
+            <a:endParaRPr lang="en-US" dirty="0"/>
+          </a:p>
+        </p:txBody>
+      </p:sp>
+    </p:spTree>
+    <p:extLst>
+      <p:ext uri="{BB962C8B-B14F-4D97-AF65-F5344CB8AC3E}">
+        <p14:creationId xmlns:p14="http://schemas.microsoft.com/office/powerpoint/2010/main" val="3438910188"/>
+      </p:ext>
+    </p:extLst>
+  </p:cSld>
+  <p:clrMapOvr>
+    <a:masterClrMapping/>
+  </p:clrMapOvr>
+</p:sld>
+</file>
+
+<file path=ppt/slides/slide74.xml><?xml version="1.0" encoding="utf-8"?>
+<p:sld xmlns:a="http://schemas.openxmlformats.org/drawingml/2006/main" xmlns:r="http://schemas.openxmlformats.org/officeDocument/2006/relationships" xmlns:p="http://schemas.openxmlformats.org/presentationml/2006/main">
+  <p:cSld>
+    <p:spTree>
+      <p:nvGrpSpPr>
+        <p:cNvPr id="1" name=""/>
+        <p:cNvGrpSpPr/>
+        <p:nvPr/>
+      </p:nvGrpSpPr>
+      <p:grpSpPr>
+        <a:xfrm>
+          <a:off x="0" y="0"/>
+          <a:ext cx="0" cy="0"/>
+          <a:chOff x="0" y="0"/>
+          <a:chExt cx="0" cy="0"/>
+        </a:xfrm>
+      </p:grpSpPr>
+      <p:sp>
+        <p:nvSpPr>
+          <p:cNvPr id="2" name="Title 1">
+            <a:extLst>
+              <a:ext uri="{FF2B5EF4-FFF2-40B4-BE49-F238E27FC236}">
+                <a16:creationId xmlns:a16="http://schemas.microsoft.com/office/drawing/2014/main" id="{F42CE7A0-08FD-9287-4C46-6B9883B02354}"/>
+              </a:ext>
+            </a:extLst>
+          </p:cNvPr>
+          <p:cNvSpPr>
+            <a:spLocks noGrp="1"/>
+          </p:cNvSpPr>
+          <p:nvPr>
+            <p:ph type="title"/>
+          </p:nvPr>
+        </p:nvSpPr>
+        <p:spPr/>
+        <p:txBody>
+          <a:bodyPr/>
+          <a:lstStyle/>
+          <a:p>
+            <a:r>
+              <a:rPr lang="en-US" dirty="0"/>
+              <a:t>AIOps</a:t>
+            </a:r>
+          </a:p>
+        </p:txBody>
+      </p:sp>
+      <p:sp>
+        <p:nvSpPr>
+          <p:cNvPr id="3" name="Content Placeholder 2">
+            <a:extLst>
+              <a:ext uri="{FF2B5EF4-FFF2-40B4-BE49-F238E27FC236}">
+                <a16:creationId xmlns:a16="http://schemas.microsoft.com/office/drawing/2014/main" id="{7A2B11A8-FBE4-AC67-8FD1-41F222537306}"/>
+              </a:ext>
+            </a:extLst>
+          </p:cNvPr>
+          <p:cNvSpPr>
+            <a:spLocks noGrp="1"/>
+          </p:cNvSpPr>
+          <p:nvPr>
+            <p:ph idx="1"/>
+          </p:nvPr>
+        </p:nvSpPr>
+        <p:spPr/>
+        <p:txBody>
+          <a:bodyPr/>
+          <a:lstStyle/>
+          <a:p>
+            <a:r>
+              <a:rPr lang="en-US" dirty="0"/>
+              <a:t>AIOps, or Artificial Intelligence for IT Operations, is a set of practices that aims to improve the efficiency and reliability of IT operations using artificial intelligence and machine learning. </a:t>
+            </a:r>
+          </a:p>
+          <a:p>
+            <a:r>
+              <a:rPr lang="en-US" dirty="0"/>
+              <a:t>AIOps involves the automation of IT operations workflows, the integration of IT operations and data science teams, and the development of tools and processes for managing IT infrastructure.</a:t>
+            </a:r>
+          </a:p>
+          <a:p>
+            <a:endParaRPr lang="en-US" dirty="0"/>
+          </a:p>
+        </p:txBody>
+      </p:sp>
+    </p:spTree>
+    <p:extLst>
+      <p:ext uri="{BB962C8B-B14F-4D97-AF65-F5344CB8AC3E}">
+        <p14:creationId xmlns:p14="http://schemas.microsoft.com/office/powerpoint/2010/main" val="672468090"/>
+      </p:ext>
+    </p:extLst>
+  </p:cSld>
+  <p:clrMapOvr>
+    <a:masterClrMapping/>
+  </p:clrMapOvr>
+</p:sld>
+</file>
+
+<file path=ppt/slides/slide75.xml><?xml version="1.0" encoding="utf-8"?>
+<p:sld xmlns:a="http://schemas.openxmlformats.org/drawingml/2006/main" xmlns:r="http://schemas.openxmlformats.org/officeDocument/2006/relationships" xmlns:p="http://schemas.openxmlformats.org/presentationml/2006/main">
+  <p:cSld>
+    <p:spTree>
+      <p:nvGrpSpPr>
+        <p:cNvPr id="1" name=""/>
+        <p:cNvGrpSpPr/>
+        <p:nvPr/>
+      </p:nvGrpSpPr>
+      <p:grpSpPr>
+        <a:xfrm>
+          <a:off x="0" y="0"/>
+          <a:ext cx="0" cy="0"/>
+          <a:chOff x="0" y="0"/>
+          <a:chExt cx="0" cy="0"/>
+        </a:xfrm>
+      </p:grpSpPr>
+      <p:sp>
+        <p:nvSpPr>
+          <p:cNvPr id="2" name="Title 1">
+            <a:extLst>
+              <a:ext uri="{FF2B5EF4-FFF2-40B4-BE49-F238E27FC236}">
+                <a16:creationId xmlns:a16="http://schemas.microsoft.com/office/drawing/2014/main" id="{F42CE7A0-08FD-9287-4C46-6B9883B02354}"/>
+              </a:ext>
+            </a:extLst>
+          </p:cNvPr>
+          <p:cNvSpPr>
+            <a:spLocks noGrp="1"/>
+          </p:cNvSpPr>
+          <p:nvPr>
+            <p:ph type="title"/>
+          </p:nvPr>
+        </p:nvSpPr>
+        <p:spPr/>
+        <p:txBody>
+          <a:bodyPr/>
+          <a:lstStyle/>
+          <a:p>
+            <a:r>
+              <a:rPr lang="en-US" dirty="0"/>
+              <a:t>AIOps</a:t>
+            </a:r>
+          </a:p>
+        </p:txBody>
+      </p:sp>
+      <p:sp>
+        <p:nvSpPr>
+          <p:cNvPr id="3" name="Content Placeholder 2">
+            <a:extLst>
+              <a:ext uri="{FF2B5EF4-FFF2-40B4-BE49-F238E27FC236}">
+                <a16:creationId xmlns:a16="http://schemas.microsoft.com/office/drawing/2014/main" id="{7A2B11A8-FBE4-AC67-8FD1-41F222537306}"/>
+              </a:ext>
+            </a:extLst>
+          </p:cNvPr>
+          <p:cNvSpPr>
+            <a:spLocks noGrp="1"/>
+          </p:cNvSpPr>
+          <p:nvPr>
+            <p:ph idx="1"/>
+          </p:nvPr>
+        </p:nvSpPr>
+        <p:spPr/>
+        <p:txBody>
+          <a:bodyPr/>
+          <a:lstStyle/>
+          <a:p>
+            <a:r>
+              <a:rPr lang="en-US" dirty="0"/>
+              <a:t>AIOps is a practice that uses artificial intelligence and machine learning to improve IT operations. </a:t>
+            </a:r>
+          </a:p>
+          <a:p>
+            <a:r>
+              <a:rPr lang="en-US" dirty="0"/>
+              <a:t>AIOps aims to enhance the reliability and efficiency of IT operations by automating IT workflows, detecting and resolving incidents more quickly, and identifying trends and patterns in IT data that might be difficult for humans to detect.</a:t>
+            </a:r>
+          </a:p>
+          <a:p>
+            <a:endParaRPr lang="en-US" dirty="0"/>
+          </a:p>
+        </p:txBody>
+      </p:sp>
+    </p:spTree>
+    <p:extLst>
+      <p:ext uri="{BB962C8B-B14F-4D97-AF65-F5344CB8AC3E}">
+        <p14:creationId xmlns:p14="http://schemas.microsoft.com/office/powerpoint/2010/main" val="3997428337"/>
       </p:ext>
     </p:extLst>
   </p:cSld>
